--- a/SE-611/Academia Slides-Books/Lecture#2.pptx
+++ b/SE-611/Academia Slides-Books/Lecture#2.pptx
@@ -1,41 +1,41 @@
 
 <file path=ppt/presentation.xml><?xml version="1.0" encoding="utf-8"?>
-<p:presentation xmlns:a="http://schemas.openxmlformats.org/drawingml/2006/main" xmlns:r="http://schemas.openxmlformats.org/officeDocument/2006/relationships" xmlns:p="http://schemas.openxmlformats.org/presentationml/2006/main" saveSubsetFonts="1">
+<p:presentation xmlns:a="http://schemas.openxmlformats.org/drawingml/2006/main" xmlns:r="http://schemas.openxmlformats.org/officeDocument/2006/relationships" xmlns:p="http://schemas.openxmlformats.org/presentationml/2006/main">
   <p:sldMasterIdLst>
-    <p:sldMasterId id="2147483762" r:id="rId1"/>
+    <p:sldMasterId id="2147483648" r:id="rId1"/>
   </p:sldMasterIdLst>
   <p:notesMasterIdLst>
-    <p:notesMasterId r:id="rId30"/>
+    <p:notesMasterId r:id="rId31"/>
   </p:notesMasterIdLst>
   <p:sldIdLst>
-    <p:sldId id="256" r:id="rId2"/>
-    <p:sldId id="265" r:id="rId3"/>
-    <p:sldId id="280" r:id="rId4"/>
-    <p:sldId id="286" r:id="rId5"/>
-    <p:sldId id="285" r:id="rId6"/>
-    <p:sldId id="287" r:id="rId7"/>
-    <p:sldId id="288" r:id="rId8"/>
-    <p:sldId id="289" r:id="rId9"/>
-    <p:sldId id="290" r:id="rId10"/>
-    <p:sldId id="291" r:id="rId11"/>
-    <p:sldId id="292" r:id="rId12"/>
-    <p:sldId id="293" r:id="rId13"/>
-    <p:sldId id="294" r:id="rId14"/>
-    <p:sldId id="295" r:id="rId15"/>
-    <p:sldId id="300" r:id="rId16"/>
-    <p:sldId id="302" r:id="rId17"/>
-    <p:sldId id="301" r:id="rId18"/>
-    <p:sldId id="303" r:id="rId19"/>
-    <p:sldId id="304" r:id="rId20"/>
-    <p:sldId id="305" r:id="rId21"/>
-    <p:sldId id="309" r:id="rId22"/>
-    <p:sldId id="306" r:id="rId23"/>
-    <p:sldId id="307" r:id="rId24"/>
-    <p:sldId id="308" r:id="rId25"/>
-    <p:sldId id="310" r:id="rId26"/>
-    <p:sldId id="311" r:id="rId27"/>
-    <p:sldId id="312" r:id="rId28"/>
-    <p:sldId id="299" r:id="rId29"/>
+    <p:sldId id="256" r:id="rId3"/>
+    <p:sldId id="265" r:id="rId4"/>
+    <p:sldId id="280" r:id="rId5"/>
+    <p:sldId id="286" r:id="rId6"/>
+    <p:sldId id="285" r:id="rId7"/>
+    <p:sldId id="287" r:id="rId8"/>
+    <p:sldId id="288" r:id="rId9"/>
+    <p:sldId id="289" r:id="rId10"/>
+    <p:sldId id="290" r:id="rId11"/>
+    <p:sldId id="291" r:id="rId12"/>
+    <p:sldId id="292" r:id="rId13"/>
+    <p:sldId id="293" r:id="rId14"/>
+    <p:sldId id="294" r:id="rId15"/>
+    <p:sldId id="295" r:id="rId16"/>
+    <p:sldId id="300" r:id="rId17"/>
+    <p:sldId id="302" r:id="rId18"/>
+    <p:sldId id="301" r:id="rId19"/>
+    <p:sldId id="303" r:id="rId20"/>
+    <p:sldId id="304" r:id="rId21"/>
+    <p:sldId id="305" r:id="rId22"/>
+    <p:sldId id="309" r:id="rId23"/>
+    <p:sldId id="306" r:id="rId24"/>
+    <p:sldId id="307" r:id="rId25"/>
+    <p:sldId id="308" r:id="rId26"/>
+    <p:sldId id="310" r:id="rId27"/>
+    <p:sldId id="311" r:id="rId28"/>
+    <p:sldId id="312" r:id="rId29"/>
+    <p:sldId id="299" r:id="rId30"/>
   </p:sldIdLst>
   <p:sldSz cx="12192000" cy="6858000"/>
   <p:notesSz cx="6858000" cy="9144000"/>
@@ -134,11 +134,6 @@
       </a:defRPr>
     </a:lvl9pPr>
   </p:defaultTextStyle>
-  <p:extLst>
-    <p:ext uri="{EFAFB233-063F-42B5-8137-9DF3F51BA10A}">
-      <p15:sldGuideLst xmlns:p15="http://schemas.microsoft.com/office/powerpoint/2012/main"/>
-    </p:ext>
-  </p:extLst>
 </p:presentation>
 </file>
 
@@ -224,7 +219,6 @@
           <a:p>
             <a:fld id="{2A1A133A-8D98-4BE8-8872-7782C73C75BC}" type="datetimeFigureOut">
               <a:rPr lang="en-US" smtClean="0"/>
-              <a:t>6/29/2022</a:t>
             </a:fld>
             <a:endParaRPr lang="en-US"/>
           </a:p>
@@ -291,6 +285,7 @@
               <a:rPr lang="en-US" smtClean="0"/>
               <a:t>Edit Master text styles</a:t>
             </a:r>
+            <a:endParaRPr lang="en-US" smtClean="0"/>
           </a:p>
           <a:p>
             <a:pPr lvl="1"/>
@@ -298,6 +293,7 @@
               <a:rPr lang="en-US" smtClean="0"/>
               <a:t>Second level</a:t>
             </a:r>
+            <a:endParaRPr lang="en-US" smtClean="0"/>
           </a:p>
           <a:p>
             <a:pPr lvl="2"/>
@@ -305,6 +301,7 @@
               <a:rPr lang="en-US" smtClean="0"/>
               <a:t>Third level</a:t>
             </a:r>
+            <a:endParaRPr lang="en-US" smtClean="0"/>
           </a:p>
           <a:p>
             <a:pPr lvl="3"/>
@@ -312,6 +309,7 @@
               <a:rPr lang="en-US" smtClean="0"/>
               <a:t>Fourth level</a:t>
             </a:r>
+            <a:endParaRPr lang="en-US" smtClean="0"/>
           </a:p>
           <a:p>
             <a:pPr lvl="4"/>
@@ -383,18 +381,12 @@
           <a:p>
             <a:fld id="{5DF8495D-4AE0-409C-A173-72D1EEFFA60F}" type="slidenum">
               <a:rPr lang="en-US" smtClean="0"/>
-              <a:t>‹#›</a:t>
             </a:fld>
             <a:endParaRPr lang="en-US"/>
           </a:p>
         </p:txBody>
       </p:sp>
     </p:spTree>
-    <p:extLst>
-      <p:ext uri="{BB962C8B-B14F-4D97-AF65-F5344CB8AC3E}">
-        <p14:creationId xmlns:p14="http://schemas.microsoft.com/office/powerpoint/2010/main" val="2295567268"/>
-      </p:ext>
-    </p:extLst>
   </p:cSld>
   <p:clrMap bg1="lt1" tx1="dk1" bg2="lt2" tx2="dk2" accent1="accent1" accent2="accent2" accent3="accent3" accent4="accent4" accent5="accent5" accent6="accent6" hlink="hlink" folHlink="folHlink"/>
   <p:notesStyle>
@@ -493,7 +485,7 @@
 </file>
 
 <file path=ppt/slideLayouts/slideLayout1.xml><?xml version="1.0" encoding="utf-8"?>
-<p:sldLayout xmlns:a="http://schemas.openxmlformats.org/drawingml/2006/main" xmlns:r="http://schemas.openxmlformats.org/officeDocument/2006/relationships" xmlns:p="http://schemas.openxmlformats.org/presentationml/2006/main" showMasterSp="0" type="title" preserve="1">
+<p:sldLayout xmlns:a="http://schemas.openxmlformats.org/drawingml/2006/main" xmlns:r="http://schemas.openxmlformats.org/officeDocument/2006/relationships" xmlns:p="http://schemas.openxmlformats.org/presentationml/2006/main" type="title" preserve="1" showMasterSp="0">
   <p:cSld name="Title Slide">
     <p:spTree>
       <p:nvGrpSpPr>
@@ -718,7 +710,6 @@
           <a:p>
             <a:fld id="{88F88D74-4B1C-4982-B008-AD822B3B1527}" type="datetime1">
               <a:rPr lang="en-US" smtClean="0"/>
-              <a:t>6/29/2022</a:t>
             </a:fld>
             <a:endParaRPr lang="en-US"/>
           </a:p>
@@ -760,7 +751,6 @@
           <a:p>
             <a:fld id="{D783A4F0-891E-44AD-B162-AD1ECFE5DF4E}" type="slidenum">
               <a:rPr lang="en-US" smtClean="0"/>
-              <a:t>‹#›</a:t>
             </a:fld>
             <a:endParaRPr lang="en-US"/>
           </a:p>
@@ -805,11 +795,6 @@
         </p:style>
       </p:cxnSp>
     </p:spTree>
-    <p:extLst>
-      <p:ext uri="{BB962C8B-B14F-4D97-AF65-F5344CB8AC3E}">
-        <p14:creationId xmlns:p14="http://schemas.microsoft.com/office/powerpoint/2010/main" val="2975079596"/>
-      </p:ext>
-    </p:extLst>
   </p:cSld>
   <p:clrMapOvr>
     <a:masterClrMapping/>
@@ -877,6 +862,7 @@
               <a:rPr lang="en-US" smtClean="0"/>
               <a:t>Edit Master text styles</a:t>
             </a:r>
+            <a:endParaRPr lang="en-US" smtClean="0"/>
           </a:p>
           <a:p>
             <a:pPr lvl="1"/>
@@ -884,6 +870,7 @@
               <a:rPr lang="en-US" smtClean="0"/>
               <a:t>Second level</a:t>
             </a:r>
+            <a:endParaRPr lang="en-US" smtClean="0"/>
           </a:p>
           <a:p>
             <a:pPr lvl="2"/>
@@ -891,6 +878,7 @@
               <a:rPr lang="en-US" smtClean="0"/>
               <a:t>Third level</a:t>
             </a:r>
+            <a:endParaRPr lang="en-US" smtClean="0"/>
           </a:p>
           <a:p>
             <a:pPr lvl="3"/>
@@ -898,6 +886,7 @@
               <a:rPr lang="en-US" smtClean="0"/>
               <a:t>Fourth level</a:t>
             </a:r>
+            <a:endParaRPr lang="en-US" smtClean="0"/>
           </a:p>
           <a:p>
             <a:pPr lvl="4"/>
@@ -926,7 +915,6 @@
           <a:p>
             <a:fld id="{CF9303FF-F1EC-428D-B841-137C07FE5EAB}" type="datetime1">
               <a:rPr lang="en-US" smtClean="0"/>
-              <a:t>6/29/2022</a:t>
             </a:fld>
             <a:endParaRPr lang="en-US"/>
           </a:p>
@@ -968,18 +956,12 @@
           <a:p>
             <a:fld id="{D783A4F0-891E-44AD-B162-AD1ECFE5DF4E}" type="slidenum">
               <a:rPr lang="en-US" smtClean="0"/>
-              <a:t>‹#›</a:t>
             </a:fld>
             <a:endParaRPr lang="en-US"/>
           </a:p>
         </p:txBody>
       </p:sp>
     </p:spTree>
-    <p:extLst>
-      <p:ext uri="{BB962C8B-B14F-4D97-AF65-F5344CB8AC3E}">
-        <p14:creationId xmlns:p14="http://schemas.microsoft.com/office/powerpoint/2010/main" val="1833385107"/>
-      </p:ext>
-    </p:extLst>
   </p:cSld>
   <p:clrMapOvr>
     <a:masterClrMapping/>
@@ -988,7 +970,7 @@
 </file>
 
 <file path=ppt/slideLayouts/slideLayout11.xml><?xml version="1.0" encoding="utf-8"?>
-<p:sldLayout xmlns:a="http://schemas.openxmlformats.org/drawingml/2006/main" xmlns:r="http://schemas.openxmlformats.org/officeDocument/2006/relationships" xmlns:p="http://schemas.openxmlformats.org/presentationml/2006/main" showMasterSp="0" type="vertTitleAndTx" preserve="1">
+<p:sldLayout xmlns:a="http://schemas.openxmlformats.org/drawingml/2006/main" xmlns:r="http://schemas.openxmlformats.org/officeDocument/2006/relationships" xmlns:p="http://schemas.openxmlformats.org/presentationml/2006/main" type="vertTitleAndTx" preserve="1" showMasterSp="0">
   <p:cSld name="Vertical Title and Text">
     <p:spTree>
       <p:nvGrpSpPr>
@@ -1133,6 +1115,7 @@
               <a:rPr lang="en-US" smtClean="0"/>
               <a:t>Edit Master text styles</a:t>
             </a:r>
+            <a:endParaRPr lang="en-US" smtClean="0"/>
           </a:p>
           <a:p>
             <a:pPr lvl="1"/>
@@ -1140,6 +1123,7 @@
               <a:rPr lang="en-US" smtClean="0"/>
               <a:t>Second level</a:t>
             </a:r>
+            <a:endParaRPr lang="en-US" smtClean="0"/>
           </a:p>
           <a:p>
             <a:pPr lvl="2"/>
@@ -1147,6 +1131,7 @@
               <a:rPr lang="en-US" smtClean="0"/>
               <a:t>Third level</a:t>
             </a:r>
+            <a:endParaRPr lang="en-US" smtClean="0"/>
           </a:p>
           <a:p>
             <a:pPr lvl="3"/>
@@ -1154,6 +1139,7 @@
               <a:rPr lang="en-US" smtClean="0"/>
               <a:t>Fourth level</a:t>
             </a:r>
+            <a:endParaRPr lang="en-US" smtClean="0"/>
           </a:p>
           <a:p>
             <a:pPr lvl="4"/>
@@ -1182,7 +1168,6 @@
           <a:p>
             <a:fld id="{946C3919-9780-4CD3-8847-49C502EA8EB2}" type="datetime1">
               <a:rPr lang="en-US" smtClean="0"/>
-              <a:t>6/29/2022</a:t>
             </a:fld>
             <a:endParaRPr lang="en-US"/>
           </a:p>
@@ -1224,18 +1209,12 @@
           <a:p>
             <a:fld id="{D783A4F0-891E-44AD-B162-AD1ECFE5DF4E}" type="slidenum">
               <a:rPr lang="en-US" smtClean="0"/>
-              <a:t>‹#›</a:t>
             </a:fld>
             <a:endParaRPr lang="en-US"/>
           </a:p>
         </p:txBody>
       </p:sp>
     </p:spTree>
-    <p:extLst>
-      <p:ext uri="{BB962C8B-B14F-4D97-AF65-F5344CB8AC3E}">
-        <p14:creationId xmlns:p14="http://schemas.microsoft.com/office/powerpoint/2010/main" val="3041187532"/>
-      </p:ext>
-    </p:extLst>
   </p:cSld>
   <p:clrMapOvr>
     <a:masterClrMapping/>
@@ -1303,6 +1282,7 @@
               <a:rPr lang="en-US" smtClean="0"/>
               <a:t>Edit Master text styles</a:t>
             </a:r>
+            <a:endParaRPr lang="en-US" smtClean="0"/>
           </a:p>
           <a:p>
             <a:pPr lvl="1"/>
@@ -1310,6 +1290,7 @@
               <a:rPr lang="en-US" smtClean="0"/>
               <a:t>Second level</a:t>
             </a:r>
+            <a:endParaRPr lang="en-US" smtClean="0"/>
           </a:p>
           <a:p>
             <a:pPr lvl="2"/>
@@ -1317,6 +1298,7 @@
               <a:rPr lang="en-US" smtClean="0"/>
               <a:t>Third level</a:t>
             </a:r>
+            <a:endParaRPr lang="en-US" smtClean="0"/>
           </a:p>
           <a:p>
             <a:pPr lvl="3"/>
@@ -1324,6 +1306,7 @@
               <a:rPr lang="en-US" smtClean="0"/>
               <a:t>Fourth level</a:t>
             </a:r>
+            <a:endParaRPr lang="en-US" smtClean="0"/>
           </a:p>
           <a:p>
             <a:pPr lvl="4"/>
@@ -1352,7 +1335,6 @@
           <a:p>
             <a:fld id="{953DD60C-603C-48CF-AF31-7D373089DBA4}" type="datetime1">
               <a:rPr lang="en-US" smtClean="0"/>
-              <a:t>6/29/2022</a:t>
             </a:fld>
             <a:endParaRPr lang="en-US"/>
           </a:p>
@@ -1394,18 +1376,12 @@
           <a:p>
             <a:fld id="{D783A4F0-891E-44AD-B162-AD1ECFE5DF4E}" type="slidenum">
               <a:rPr lang="en-US" smtClean="0"/>
-              <a:t>‹#›</a:t>
             </a:fld>
             <a:endParaRPr lang="en-US"/>
           </a:p>
         </p:txBody>
       </p:sp>
     </p:spTree>
-    <p:extLst>
-      <p:ext uri="{BB962C8B-B14F-4D97-AF65-F5344CB8AC3E}">
-        <p14:creationId xmlns:p14="http://schemas.microsoft.com/office/powerpoint/2010/main" val="635643384"/>
-      </p:ext>
-    </p:extLst>
   </p:cSld>
   <p:clrMapOvr>
     <a:masterClrMapping/>
@@ -1414,7 +1390,7 @@
 </file>
 
 <file path=ppt/slideLayouts/slideLayout3.xml><?xml version="1.0" encoding="utf-8"?>
-<p:sldLayout xmlns:a="http://schemas.openxmlformats.org/drawingml/2006/main" xmlns:r="http://schemas.openxmlformats.org/officeDocument/2006/relationships" xmlns:p="http://schemas.openxmlformats.org/presentationml/2006/main" showMasterSp="0" type="secHead" preserve="1">
+<p:sldLayout xmlns:a="http://schemas.openxmlformats.org/drawingml/2006/main" xmlns:r="http://schemas.openxmlformats.org/officeDocument/2006/relationships" xmlns:p="http://schemas.openxmlformats.org/presentationml/2006/main" type="secHead" preserve="1" showMasterSp="0">
   <p:cSld name="Section Header">
     <p:bg>
       <p:bgPr>
@@ -1675,6 +1651,7 @@
               <a:rPr lang="en-US" smtClean="0"/>
               <a:t>Edit Master text styles</a:t>
             </a:r>
+            <a:endParaRPr lang="en-US" smtClean="0"/>
           </a:p>
         </p:txBody>
       </p:sp>
@@ -1695,7 +1672,6 @@
           <a:p>
             <a:fld id="{72DF738D-A2F6-45E8-BA1B-08B7FDA88954}" type="datetime1">
               <a:rPr lang="en-US" smtClean="0"/>
-              <a:t>6/29/2022</a:t>
             </a:fld>
             <a:endParaRPr lang="en-US"/>
           </a:p>
@@ -1737,7 +1713,6 @@
           <a:p>
             <a:fld id="{D783A4F0-891E-44AD-B162-AD1ECFE5DF4E}" type="slidenum">
               <a:rPr lang="en-US" smtClean="0"/>
-              <a:t>‹#›</a:t>
             </a:fld>
             <a:endParaRPr lang="en-US"/>
           </a:p>
@@ -1782,11 +1757,6 @@
         </p:style>
       </p:cxnSp>
     </p:spTree>
-    <p:extLst>
-      <p:ext uri="{BB962C8B-B14F-4D97-AF65-F5344CB8AC3E}">
-        <p14:creationId xmlns:p14="http://schemas.microsoft.com/office/powerpoint/2010/main" val="2732744359"/>
-      </p:ext>
-    </p:extLst>
   </p:cSld>
   <p:clrMapOvr>
     <a:masterClrMapping/>
@@ -1864,6 +1834,7 @@
               <a:rPr lang="en-US" smtClean="0"/>
               <a:t>Edit Master text styles</a:t>
             </a:r>
+            <a:endParaRPr lang="en-US" smtClean="0"/>
           </a:p>
           <a:p>
             <a:pPr lvl="1"/>
@@ -1871,6 +1842,7 @@
               <a:rPr lang="en-US" smtClean="0"/>
               <a:t>Second level</a:t>
             </a:r>
+            <a:endParaRPr lang="en-US" smtClean="0"/>
           </a:p>
           <a:p>
             <a:pPr lvl="2"/>
@@ -1878,6 +1850,7 @@
               <a:rPr lang="en-US" smtClean="0"/>
               <a:t>Third level</a:t>
             </a:r>
+            <a:endParaRPr lang="en-US" smtClean="0"/>
           </a:p>
           <a:p>
             <a:pPr lvl="3"/>
@@ -1885,6 +1858,7 @@
               <a:rPr lang="en-US" smtClean="0"/>
               <a:t>Fourth level</a:t>
             </a:r>
+            <a:endParaRPr lang="en-US" smtClean="0"/>
           </a:p>
           <a:p>
             <a:pPr lvl="4"/>
@@ -1921,6 +1895,7 @@
               <a:rPr lang="en-US" smtClean="0"/>
               <a:t>Edit Master text styles</a:t>
             </a:r>
+            <a:endParaRPr lang="en-US" smtClean="0"/>
           </a:p>
           <a:p>
             <a:pPr lvl="1"/>
@@ -1928,6 +1903,7 @@
               <a:rPr lang="en-US" smtClean="0"/>
               <a:t>Second level</a:t>
             </a:r>
+            <a:endParaRPr lang="en-US" smtClean="0"/>
           </a:p>
           <a:p>
             <a:pPr lvl="2"/>
@@ -1935,6 +1911,7 @@
               <a:rPr lang="en-US" smtClean="0"/>
               <a:t>Third level</a:t>
             </a:r>
+            <a:endParaRPr lang="en-US" smtClean="0"/>
           </a:p>
           <a:p>
             <a:pPr lvl="3"/>
@@ -1942,6 +1919,7 @@
               <a:rPr lang="en-US" smtClean="0"/>
               <a:t>Fourth level</a:t>
             </a:r>
+            <a:endParaRPr lang="en-US" smtClean="0"/>
           </a:p>
           <a:p>
             <a:pPr lvl="4"/>
@@ -1970,7 +1948,6 @@
           <a:p>
             <a:fld id="{BE1B161A-8127-4E4D-972A-9C28EB462CC5}" type="datetime1">
               <a:rPr lang="en-US" smtClean="0"/>
-              <a:t>6/29/2022</a:t>
             </a:fld>
             <a:endParaRPr lang="en-US"/>
           </a:p>
@@ -2012,18 +1989,12 @@
           <a:p>
             <a:fld id="{D783A4F0-891E-44AD-B162-AD1ECFE5DF4E}" type="slidenum">
               <a:rPr lang="en-US" smtClean="0"/>
-              <a:t>‹#›</a:t>
             </a:fld>
             <a:endParaRPr lang="en-US"/>
           </a:p>
         </p:txBody>
       </p:sp>
     </p:spTree>
-    <p:extLst>
-      <p:ext uri="{BB962C8B-B14F-4D97-AF65-F5344CB8AC3E}">
-        <p14:creationId xmlns:p14="http://schemas.microsoft.com/office/powerpoint/2010/main" val="3732076156"/>
-      </p:ext>
-    </p:extLst>
   </p:cSld>
   <p:clrMapOvr>
     <a:masterClrMapping/>
@@ -2144,6 +2115,7 @@
               <a:rPr lang="en-US" smtClean="0"/>
               <a:t>Edit Master text styles</a:t>
             </a:r>
+            <a:endParaRPr lang="en-US" smtClean="0"/>
           </a:p>
         </p:txBody>
       </p:sp>
@@ -2172,6 +2144,7 @@
               <a:rPr lang="en-US" smtClean="0"/>
               <a:t>Edit Master text styles</a:t>
             </a:r>
+            <a:endParaRPr lang="en-US" smtClean="0"/>
           </a:p>
           <a:p>
             <a:pPr lvl="1"/>
@@ -2179,6 +2152,7 @@
               <a:rPr lang="en-US" smtClean="0"/>
               <a:t>Second level</a:t>
             </a:r>
+            <a:endParaRPr lang="en-US" smtClean="0"/>
           </a:p>
           <a:p>
             <a:pPr lvl="2"/>
@@ -2186,6 +2160,7 @@
               <a:rPr lang="en-US" smtClean="0"/>
               <a:t>Third level</a:t>
             </a:r>
+            <a:endParaRPr lang="en-US" smtClean="0"/>
           </a:p>
           <a:p>
             <a:pPr lvl="3"/>
@@ -2193,6 +2168,7 @@
               <a:rPr lang="en-US" smtClean="0"/>
               <a:t>Fourth level</a:t>
             </a:r>
+            <a:endParaRPr lang="en-US" smtClean="0"/>
           </a:p>
           <a:p>
             <a:pPr lvl="4"/>
@@ -2272,6 +2248,7 @@
               <a:rPr lang="en-US" smtClean="0"/>
               <a:t>Edit Master text styles</a:t>
             </a:r>
+            <a:endParaRPr lang="en-US" smtClean="0"/>
           </a:p>
         </p:txBody>
       </p:sp>
@@ -2300,6 +2277,7 @@
               <a:rPr lang="en-US" smtClean="0"/>
               <a:t>Edit Master text styles</a:t>
             </a:r>
+            <a:endParaRPr lang="en-US" smtClean="0"/>
           </a:p>
           <a:p>
             <a:pPr lvl="1"/>
@@ -2307,6 +2285,7 @@
               <a:rPr lang="en-US" smtClean="0"/>
               <a:t>Second level</a:t>
             </a:r>
+            <a:endParaRPr lang="en-US" smtClean="0"/>
           </a:p>
           <a:p>
             <a:pPr lvl="2"/>
@@ -2314,6 +2293,7 @@
               <a:rPr lang="en-US" smtClean="0"/>
               <a:t>Third level</a:t>
             </a:r>
+            <a:endParaRPr lang="en-US" smtClean="0"/>
           </a:p>
           <a:p>
             <a:pPr lvl="3"/>
@@ -2321,6 +2301,7 @@
               <a:rPr lang="en-US" smtClean="0"/>
               <a:t>Fourth level</a:t>
             </a:r>
+            <a:endParaRPr lang="en-US" smtClean="0"/>
           </a:p>
           <a:p>
             <a:pPr lvl="4"/>
@@ -2349,7 +2330,6 @@
           <a:p>
             <a:fld id="{F562DA9B-79EF-432F-8381-FDF784E027C4}" type="datetime1">
               <a:rPr lang="en-US" smtClean="0"/>
-              <a:t>6/29/2022</a:t>
             </a:fld>
             <a:endParaRPr lang="en-US"/>
           </a:p>
@@ -2391,18 +2371,12 @@
           <a:p>
             <a:fld id="{D783A4F0-891E-44AD-B162-AD1ECFE5DF4E}" type="slidenum">
               <a:rPr lang="en-US" smtClean="0"/>
-              <a:t>‹#›</a:t>
             </a:fld>
             <a:endParaRPr lang="en-US"/>
           </a:p>
         </p:txBody>
       </p:sp>
     </p:spTree>
-    <p:extLst>
-      <p:ext uri="{BB962C8B-B14F-4D97-AF65-F5344CB8AC3E}">
-        <p14:creationId xmlns:p14="http://schemas.microsoft.com/office/powerpoint/2010/main" val="1656904313"/>
-      </p:ext>
-    </p:extLst>
   </p:cSld>
   <p:clrMapOvr>
     <a:masterClrMapping/>
@@ -2467,7 +2441,6 @@
           <a:p>
             <a:fld id="{FBA6D179-8D79-49A3-85DA-A11935B70662}" type="datetime1">
               <a:rPr lang="en-US" smtClean="0"/>
-              <a:t>6/29/2022</a:t>
             </a:fld>
             <a:endParaRPr lang="en-US"/>
           </a:p>
@@ -2509,18 +2482,12 @@
           <a:p>
             <a:fld id="{D783A4F0-891E-44AD-B162-AD1ECFE5DF4E}" type="slidenum">
               <a:rPr lang="en-US" smtClean="0"/>
-              <a:t>‹#›</a:t>
             </a:fld>
             <a:endParaRPr lang="en-US"/>
           </a:p>
         </p:txBody>
       </p:sp>
     </p:spTree>
-    <p:extLst>
-      <p:ext uri="{BB962C8B-B14F-4D97-AF65-F5344CB8AC3E}">
-        <p14:creationId xmlns:p14="http://schemas.microsoft.com/office/powerpoint/2010/main" val="987523842"/>
-      </p:ext>
-    </p:extLst>
   </p:cSld>
   <p:clrMapOvr>
     <a:masterClrMapping/>
@@ -2529,7 +2496,7 @@
 </file>
 
 <file path=ppt/slideLayouts/slideLayout7.xml><?xml version="1.0" encoding="utf-8"?>
-<p:sldLayout xmlns:a="http://schemas.openxmlformats.org/drawingml/2006/main" xmlns:r="http://schemas.openxmlformats.org/officeDocument/2006/relationships" xmlns:p="http://schemas.openxmlformats.org/presentationml/2006/main" showMasterSp="0" type="blank" preserve="1">
+<p:sldLayout xmlns:a="http://schemas.openxmlformats.org/drawingml/2006/main" xmlns:r="http://schemas.openxmlformats.org/officeDocument/2006/relationships" xmlns:p="http://schemas.openxmlformats.org/presentationml/2006/main" type="blank" preserve="1" showMasterSp="0">
   <p:cSld name="Blank">
     <p:spTree>
       <p:nvGrpSpPr>
@@ -2638,7 +2605,6 @@
           <a:p>
             <a:fld id="{AB259F86-2770-4089-AD76-1C65DA8D57C4}" type="datetime1">
               <a:rPr lang="en-US" smtClean="0"/>
-              <a:t>6/29/2022</a:t>
             </a:fld>
             <a:endParaRPr lang="en-US"/>
           </a:p>
@@ -2688,18 +2654,12 @@
           <a:p>
             <a:fld id="{D783A4F0-891E-44AD-B162-AD1ECFE5DF4E}" type="slidenum">
               <a:rPr lang="en-US" smtClean="0"/>
-              <a:t>‹#›</a:t>
             </a:fld>
             <a:endParaRPr lang="en-US"/>
           </a:p>
         </p:txBody>
       </p:sp>
     </p:spTree>
-    <p:extLst>
-      <p:ext uri="{BB962C8B-B14F-4D97-AF65-F5344CB8AC3E}">
-        <p14:creationId xmlns:p14="http://schemas.microsoft.com/office/powerpoint/2010/main" val="1408097943"/>
-      </p:ext>
-    </p:extLst>
   </p:cSld>
   <p:clrMapOvr>
     <a:masterClrMapping/>
@@ -2708,7 +2668,7 @@
 </file>
 
 <file path=ppt/slideLayouts/slideLayout8.xml><?xml version="1.0" encoding="utf-8"?>
-<p:sldLayout xmlns:a="http://schemas.openxmlformats.org/drawingml/2006/main" xmlns:r="http://schemas.openxmlformats.org/officeDocument/2006/relationships" xmlns:p="http://schemas.openxmlformats.org/presentationml/2006/main" showMasterSp="0" type="objTx" preserve="1">
+<p:sldLayout xmlns:a="http://schemas.openxmlformats.org/drawingml/2006/main" xmlns:r="http://schemas.openxmlformats.org/officeDocument/2006/relationships" xmlns:p="http://schemas.openxmlformats.org/presentationml/2006/main" type="objTx" preserve="1" showMasterSp="0">
   <p:cSld name="Content with Caption">
     <p:spTree>
       <p:nvGrpSpPr>
@@ -2863,6 +2823,7 @@
               <a:rPr lang="en-US" smtClean="0"/>
               <a:t>Edit Master text styles</a:t>
             </a:r>
+            <a:endParaRPr lang="en-US" smtClean="0"/>
           </a:p>
           <a:p>
             <a:pPr lvl="1"/>
@@ -2870,6 +2831,7 @@
               <a:rPr lang="en-US" smtClean="0"/>
               <a:t>Second level</a:t>
             </a:r>
+            <a:endParaRPr lang="en-US" smtClean="0"/>
           </a:p>
           <a:p>
             <a:pPr lvl="2"/>
@@ -2877,6 +2839,7 @@
               <a:rPr lang="en-US" smtClean="0"/>
               <a:t>Third level</a:t>
             </a:r>
+            <a:endParaRPr lang="en-US" smtClean="0"/>
           </a:p>
           <a:p>
             <a:pPr lvl="3"/>
@@ -2884,6 +2847,7 @@
               <a:rPr lang="en-US" smtClean="0"/>
               <a:t>Fourth level</a:t>
             </a:r>
+            <a:endParaRPr lang="en-US" smtClean="0"/>
           </a:p>
           <a:p>
             <a:pPr lvl="4"/>
@@ -2963,6 +2927,7 @@
               <a:rPr lang="en-US" smtClean="0"/>
               <a:t>Edit Master text styles</a:t>
             </a:r>
+            <a:endParaRPr lang="en-US" smtClean="0"/>
           </a:p>
         </p:txBody>
       </p:sp>
@@ -2992,7 +2957,6 @@
           <a:p>
             <a:fld id="{13E229D1-C4E2-4D02-8468-775986A78FFA}" type="datetime1">
               <a:rPr lang="en-US" smtClean="0"/>
-              <a:t>6/29/2022</a:t>
             </a:fld>
             <a:endParaRPr lang="en-US"/>
           </a:p>
@@ -3055,18 +3019,12 @@
           <a:p>
             <a:fld id="{D783A4F0-891E-44AD-B162-AD1ECFE5DF4E}" type="slidenum">
               <a:rPr lang="en-US" smtClean="0"/>
-              <a:t>‹#›</a:t>
             </a:fld>
             <a:endParaRPr lang="en-US"/>
           </a:p>
         </p:txBody>
       </p:sp>
     </p:spTree>
-    <p:extLst>
-      <p:ext uri="{BB962C8B-B14F-4D97-AF65-F5344CB8AC3E}">
-        <p14:creationId xmlns:p14="http://schemas.microsoft.com/office/powerpoint/2010/main" val="1856154316"/>
-      </p:ext>
-    </p:extLst>
   </p:cSld>
   <p:clrMapOvr>
     <a:masterClrMapping/>
@@ -3075,7 +3033,7 @@
 </file>
 
 <file path=ppt/slideLayouts/slideLayout9.xml><?xml version="1.0" encoding="utf-8"?>
-<p:sldLayout xmlns:a="http://schemas.openxmlformats.org/drawingml/2006/main" xmlns:r="http://schemas.openxmlformats.org/officeDocument/2006/relationships" xmlns:p="http://schemas.openxmlformats.org/presentationml/2006/main" showMasterSp="0" type="picTx" preserve="1">
+<p:sldLayout xmlns:a="http://schemas.openxmlformats.org/drawingml/2006/main" xmlns:r="http://schemas.openxmlformats.org/officeDocument/2006/relationships" xmlns:p="http://schemas.openxmlformats.org/presentationml/2006/main" type="picTx" preserve="1" showMasterSp="0">
   <p:cSld name="Picture with Caption">
     <p:spTree>
       <p:nvGrpSpPr>
@@ -3349,6 +3307,7 @@
               <a:rPr lang="en-US" smtClean="0"/>
               <a:t>Edit Master text styles</a:t>
             </a:r>
+            <a:endParaRPr lang="en-US" smtClean="0"/>
           </a:p>
         </p:txBody>
       </p:sp>
@@ -3369,7 +3328,6 @@
           <a:p>
             <a:fld id="{50AA6507-9564-4DFD-AF7E-32FC9E1A2282}" type="datetime1">
               <a:rPr lang="en-US" smtClean="0"/>
-              <a:t>6/29/2022</a:t>
             </a:fld>
             <a:endParaRPr lang="en-US"/>
           </a:p>
@@ -3411,18 +3369,12 @@
           <a:p>
             <a:fld id="{D783A4F0-891E-44AD-B162-AD1ECFE5DF4E}" type="slidenum">
               <a:rPr lang="en-US" smtClean="0"/>
-              <a:t>‹#›</a:t>
             </a:fld>
             <a:endParaRPr lang="en-US"/>
           </a:p>
         </p:txBody>
       </p:sp>
     </p:spTree>
-    <p:extLst>
-      <p:ext uri="{BB962C8B-B14F-4D97-AF65-F5344CB8AC3E}">
-        <p14:creationId xmlns:p14="http://schemas.microsoft.com/office/powerpoint/2010/main" val="2325655106"/>
-      </p:ext>
-    </p:extLst>
   </p:cSld>
   <p:clrMapOvr>
     <a:masterClrMapping/>
@@ -3591,6 +3543,7 @@
               <a:rPr lang="en-US" smtClean="0"/>
               <a:t>Edit Master text styles</a:t>
             </a:r>
+            <a:endParaRPr lang="en-US" smtClean="0"/>
           </a:p>
           <a:p>
             <a:pPr lvl="1"/>
@@ -3598,6 +3551,7 @@
               <a:rPr lang="en-US" smtClean="0"/>
               <a:t>Second level</a:t>
             </a:r>
+            <a:endParaRPr lang="en-US" smtClean="0"/>
           </a:p>
           <a:p>
             <a:pPr lvl="2"/>
@@ -3605,6 +3559,7 @@
               <a:rPr lang="en-US" smtClean="0"/>
               <a:t>Third level</a:t>
             </a:r>
+            <a:endParaRPr lang="en-US" smtClean="0"/>
           </a:p>
           <a:p>
             <a:pPr lvl="3"/>
@@ -3612,6 +3567,7 @@
               <a:rPr lang="en-US" smtClean="0"/>
               <a:t>Fourth level</a:t>
             </a:r>
+            <a:endParaRPr lang="en-US" smtClean="0"/>
           </a:p>
           <a:p>
             <a:pPr lvl="4"/>
@@ -3656,7 +3612,6 @@
           <a:p>
             <a:fld id="{AFE4AFCC-56D3-4F24-B572-F6A5C5D0E7D5}" type="datetime1">
               <a:rPr lang="en-US" smtClean="0"/>
-              <a:t>6/29/2022</a:t>
             </a:fld>
             <a:endParaRPr lang="en-US"/>
           </a:p>
@@ -3730,7 +3685,6 @@
           <a:p>
             <a:fld id="{D783A4F0-891E-44AD-B162-AD1ECFE5DF4E}" type="slidenum">
               <a:rPr lang="en-US" smtClean="0"/>
-              <a:t>‹#›</a:t>
             </a:fld>
             <a:endParaRPr lang="en-US"/>
           </a:p>
@@ -3775,25 +3729,20 @@
         </p:style>
       </p:cxnSp>
     </p:spTree>
-    <p:extLst>
-      <p:ext uri="{BB962C8B-B14F-4D97-AF65-F5344CB8AC3E}">
-        <p14:creationId xmlns:p14="http://schemas.microsoft.com/office/powerpoint/2010/main" val="1809153477"/>
-      </p:ext>
-    </p:extLst>
   </p:cSld>
   <p:clrMap bg1="lt1" tx1="dk1" bg2="lt2" tx2="dk2" accent1="accent1" accent2="accent2" accent3="accent3" accent4="accent4" accent5="accent5" accent6="accent6" hlink="hlink" folHlink="folHlink"/>
   <p:sldLayoutIdLst>
-    <p:sldLayoutId id="2147483763" r:id="rId1"/>
-    <p:sldLayoutId id="2147483764" r:id="rId2"/>
-    <p:sldLayoutId id="2147483765" r:id="rId3"/>
-    <p:sldLayoutId id="2147483766" r:id="rId4"/>
-    <p:sldLayoutId id="2147483767" r:id="rId5"/>
-    <p:sldLayoutId id="2147483768" r:id="rId6"/>
-    <p:sldLayoutId id="2147483769" r:id="rId7"/>
-    <p:sldLayoutId id="2147483770" r:id="rId8"/>
-    <p:sldLayoutId id="2147483771" r:id="rId9"/>
-    <p:sldLayoutId id="2147483772" r:id="rId10"/>
-    <p:sldLayoutId id="2147483773" r:id="rId11"/>
+    <p:sldLayoutId id="2147483649" r:id="rId1"/>
+    <p:sldLayoutId id="2147483650" r:id="rId2"/>
+    <p:sldLayoutId id="2147483651" r:id="rId3"/>
+    <p:sldLayoutId id="2147483652" r:id="rId4"/>
+    <p:sldLayoutId id="2147483653" r:id="rId5"/>
+    <p:sldLayoutId id="2147483654" r:id="rId6"/>
+    <p:sldLayoutId id="2147483655" r:id="rId7"/>
+    <p:sldLayoutId id="2147483656" r:id="rId8"/>
+    <p:sldLayoutId id="2147483657" r:id="rId9"/>
+    <p:sldLayoutId id="2147483658" r:id="rId10"/>
+    <p:sldLayoutId id="2147483659" r:id="rId11"/>
   </p:sldLayoutIdLst>
   <p:hf hdr="0" ftr="0" dt="0"/>
   <p:txStyles>
@@ -3848,7 +3797,7 @@
           <a:cs typeface="+mn-cs"/>
         </a:defRPr>
       </a:lvl1pPr>
-      <a:lvl2pPr marL="384048" indent="-182880" algn="l" defTabSz="914400" rtl="0" eaLnBrk="1" latinLnBrk="0" hangingPunct="1">
+      <a:lvl2pPr marL="384175" indent="-182880" algn="l" defTabSz="914400" rtl="0" eaLnBrk="1" latinLnBrk="0" hangingPunct="1">
         <a:lnSpc>
           <a:spcPct val="90000"/>
         </a:lnSpc>
@@ -3861,7 +3810,7 @@
         <a:buClr>
           <a:schemeClr val="accent1"/>
         </a:buClr>
-        <a:buFont typeface="Calibri" pitchFamily="34" charset="0"/>
+        <a:buFont typeface="Calibri" panose="020F0502020204030204" pitchFamily="34" charset="0"/>
         <a:buChar char="◦"/>
         <a:defRPr sz="1800" kern="1200">
           <a:solidFill>
@@ -3875,7 +3824,7 @@
           <a:cs typeface="+mn-cs"/>
         </a:defRPr>
       </a:lvl2pPr>
-      <a:lvl3pPr marL="566928" indent="-182880" algn="l" defTabSz="914400" rtl="0" eaLnBrk="1" latinLnBrk="0" hangingPunct="1">
+      <a:lvl3pPr marL="567055" indent="-182880" algn="l" defTabSz="914400" rtl="0" eaLnBrk="1" latinLnBrk="0" hangingPunct="1">
         <a:lnSpc>
           <a:spcPct val="90000"/>
         </a:lnSpc>
@@ -3888,7 +3837,7 @@
         <a:buClr>
           <a:schemeClr val="accent1"/>
         </a:buClr>
-        <a:buFont typeface="Calibri" pitchFamily="34" charset="0"/>
+        <a:buFont typeface="Calibri" panose="020F0502020204030204" pitchFamily="34" charset="0"/>
         <a:buChar char="◦"/>
         <a:defRPr sz="1400" kern="1200">
           <a:solidFill>
@@ -3902,7 +3851,7 @@
           <a:cs typeface="+mn-cs"/>
         </a:defRPr>
       </a:lvl3pPr>
-      <a:lvl4pPr marL="749808" indent="-182880" algn="l" defTabSz="914400" rtl="0" eaLnBrk="1" latinLnBrk="0" hangingPunct="1">
+      <a:lvl4pPr marL="749935" indent="-182880" algn="l" defTabSz="914400" rtl="0" eaLnBrk="1" latinLnBrk="0" hangingPunct="1">
         <a:lnSpc>
           <a:spcPct val="90000"/>
         </a:lnSpc>
@@ -3915,7 +3864,7 @@
         <a:buClr>
           <a:schemeClr val="accent1"/>
         </a:buClr>
-        <a:buFont typeface="Calibri" pitchFamily="34" charset="0"/>
+        <a:buFont typeface="Calibri" panose="020F0502020204030204" pitchFamily="34" charset="0"/>
         <a:buChar char="◦"/>
         <a:defRPr sz="1400" kern="1200">
           <a:solidFill>
@@ -3929,7 +3878,7 @@
           <a:cs typeface="+mn-cs"/>
         </a:defRPr>
       </a:lvl4pPr>
-      <a:lvl5pPr marL="932688" indent="-182880" algn="l" defTabSz="914400" rtl="0" eaLnBrk="1" latinLnBrk="0" hangingPunct="1">
+      <a:lvl5pPr marL="932815" indent="-182880" algn="l" defTabSz="914400" rtl="0" eaLnBrk="1" latinLnBrk="0" hangingPunct="1">
         <a:lnSpc>
           <a:spcPct val="90000"/>
         </a:lnSpc>
@@ -3942,7 +3891,7 @@
         <a:buClr>
           <a:schemeClr val="accent1"/>
         </a:buClr>
-        <a:buFont typeface="Calibri" pitchFamily="34" charset="0"/>
+        <a:buFont typeface="Calibri" panose="020F0502020204030204" pitchFamily="34" charset="0"/>
         <a:buChar char="◦"/>
         <a:defRPr sz="1400" kern="1200">
           <a:solidFill>
@@ -3956,7 +3905,7 @@
           <a:cs typeface="+mn-cs"/>
         </a:defRPr>
       </a:lvl5pPr>
-      <a:lvl6pPr marL="1100000" indent="-228600" algn="l" defTabSz="914400" rtl="0" eaLnBrk="1" latinLnBrk="0" hangingPunct="1">
+      <a:lvl6pPr marL="1099820" indent="-228600" algn="l" defTabSz="914400" rtl="0" eaLnBrk="1" latinLnBrk="0" hangingPunct="1">
         <a:lnSpc>
           <a:spcPct val="90000"/>
         </a:lnSpc>
@@ -3969,7 +3918,7 @@
         <a:buClr>
           <a:schemeClr val="accent1"/>
         </a:buClr>
-        <a:buFont typeface="Calibri" pitchFamily="34" charset="0"/>
+        <a:buFont typeface="Calibri" panose="020F0502020204030204" pitchFamily="34" charset="0"/>
         <a:buChar char="◦"/>
         <a:defRPr sz="1400" kern="1200">
           <a:solidFill>
@@ -3983,7 +3932,7 @@
           <a:cs typeface="+mn-cs"/>
         </a:defRPr>
       </a:lvl6pPr>
-      <a:lvl7pPr marL="1300000" indent="-228600" algn="l" defTabSz="914400" rtl="0" eaLnBrk="1" latinLnBrk="0" hangingPunct="1">
+      <a:lvl7pPr marL="1299845" indent="-228600" algn="l" defTabSz="914400" rtl="0" eaLnBrk="1" latinLnBrk="0" hangingPunct="1">
         <a:lnSpc>
           <a:spcPct val="90000"/>
         </a:lnSpc>
@@ -3996,7 +3945,7 @@
         <a:buClr>
           <a:schemeClr val="accent1"/>
         </a:buClr>
-        <a:buFont typeface="Calibri" pitchFamily="34" charset="0"/>
+        <a:buFont typeface="Calibri" panose="020F0502020204030204" pitchFamily="34" charset="0"/>
         <a:buChar char="◦"/>
         <a:defRPr sz="1400" kern="1200">
           <a:solidFill>
@@ -4010,7 +3959,7 @@
           <a:cs typeface="+mn-cs"/>
         </a:defRPr>
       </a:lvl7pPr>
-      <a:lvl8pPr marL="1500000" indent="-228600" algn="l" defTabSz="914400" rtl="0" eaLnBrk="1" latinLnBrk="0" hangingPunct="1">
+      <a:lvl8pPr marL="1499870" indent="-228600" algn="l" defTabSz="914400" rtl="0" eaLnBrk="1" latinLnBrk="0" hangingPunct="1">
         <a:lnSpc>
           <a:spcPct val="90000"/>
         </a:lnSpc>
@@ -4023,7 +3972,7 @@
         <a:buClr>
           <a:schemeClr val="accent1"/>
         </a:buClr>
-        <a:buFont typeface="Calibri" pitchFamily="34" charset="0"/>
+        <a:buFont typeface="Calibri" panose="020F0502020204030204" pitchFamily="34" charset="0"/>
         <a:buChar char="◦"/>
         <a:defRPr sz="1400" kern="1200">
           <a:solidFill>
@@ -4037,7 +3986,7 @@
           <a:cs typeface="+mn-cs"/>
         </a:defRPr>
       </a:lvl8pPr>
-      <a:lvl9pPr marL="1700000" indent="-228600" algn="l" defTabSz="914400" rtl="0" eaLnBrk="1" latinLnBrk="0" hangingPunct="1">
+      <a:lvl9pPr marL="1699895" indent="-228600" algn="l" defTabSz="914400" rtl="0" eaLnBrk="1" latinLnBrk="0" hangingPunct="1">
         <a:lnSpc>
           <a:spcPct val="90000"/>
         </a:lnSpc>
@@ -4050,7 +3999,7 @@
         <a:buClr>
           <a:schemeClr val="accent1"/>
         </a:buClr>
-        <a:buFont typeface="Calibri" pitchFamily="34" charset="0"/>
+        <a:buFont typeface="Calibri" panose="020F0502020204030204" pitchFamily="34" charset="0"/>
         <a:buChar char="◦"/>
         <a:defRPr sz="1400" kern="1200">
           <a:solidFill>
@@ -4201,8 +4150,8 @@
                 <a:solidFill>
                   <a:schemeClr val="accent1"/>
                 </a:solidFill>
-                <a:latin typeface="Times New Roman" panose="02020603050405020304" pitchFamily="18" charset="0"/>
-                <a:cs typeface="Times New Roman" panose="02020603050405020304" pitchFamily="18" charset="0"/>
+                <a:latin typeface="Times New Roman" panose="02020503050405090304" pitchFamily="18" charset="0"/>
+                <a:cs typeface="Times New Roman" panose="02020503050405090304" pitchFamily="18" charset="0"/>
               </a:rPr>
               <a:t>The Basics of Measurements</a:t>
             </a:r>
@@ -4210,8 +4159,8 @@
               <a:solidFill>
                 <a:schemeClr val="accent1"/>
               </a:solidFill>
-              <a:latin typeface="Times New Roman" panose="02020603050405020304" pitchFamily="18" charset="0"/>
-              <a:cs typeface="Times New Roman" panose="02020603050405020304" pitchFamily="18" charset="0"/>
+              <a:latin typeface="Times New Roman" panose="02020503050405090304" pitchFamily="18" charset="0"/>
+              <a:cs typeface="Times New Roman" panose="02020503050405090304" pitchFamily="18" charset="0"/>
             </a:endParaRPr>
           </a:p>
         </p:txBody>
@@ -4233,18 +4182,22 @@
           <a:p>
             <a:r>
               <a:rPr lang="en-US" dirty="0" smtClean="0">
-                <a:latin typeface="Times New Roman" panose="02020603050405020304" pitchFamily="18" charset="0"/>
-                <a:cs typeface="Times New Roman" panose="02020603050405020304" pitchFamily="18" charset="0"/>
+                <a:latin typeface="Times New Roman" panose="02020503050405090304" pitchFamily="18" charset="0"/>
+                <a:cs typeface="Times New Roman" panose="02020503050405090304" pitchFamily="18" charset="0"/>
               </a:rPr>
               <a:t>SE </a:t>
             </a:r>
             <a:r>
               <a:rPr lang="en-US" dirty="0" smtClean="0">
-                <a:latin typeface="Times New Roman" panose="02020603050405020304" pitchFamily="18" charset="0"/>
-                <a:cs typeface="Times New Roman" panose="02020603050405020304" pitchFamily="18" charset="0"/>
+                <a:latin typeface="Times New Roman" panose="02020503050405090304" pitchFamily="18" charset="0"/>
+                <a:cs typeface="Times New Roman" panose="02020503050405090304" pitchFamily="18" charset="0"/>
               </a:rPr>
               <a:t>611</a:t>
             </a:r>
+            <a:endParaRPr lang="en-US" dirty="0" smtClean="0">
+              <a:latin typeface="Times New Roman" panose="02020503050405090304" pitchFamily="18" charset="0"/>
+              <a:cs typeface="Times New Roman" panose="02020503050405090304" pitchFamily="18" charset="0"/>
+            </a:endParaRPr>
           </a:p>
         </p:txBody>
       </p:sp>
@@ -4265,18 +4218,12 @@
           <a:p>
             <a:fld id="{D783A4F0-891E-44AD-B162-AD1ECFE5DF4E}" type="slidenum">
               <a:rPr lang="en-US" smtClean="0"/>
-              <a:t>1</a:t>
             </a:fld>
             <a:endParaRPr lang="en-US"/>
           </a:p>
         </p:txBody>
       </p:sp>
     </p:spTree>
-    <p:extLst>
-      <p:ext uri="{BB962C8B-B14F-4D97-AF65-F5344CB8AC3E}">
-        <p14:creationId xmlns:p14="http://schemas.microsoft.com/office/powerpoint/2010/main" val="2191820333"/>
-      </p:ext>
-    </p:extLst>
   </p:cSld>
   <p:clrMapOvr>
     <a:masterClrMapping/>
@@ -4330,11 +4277,20 @@
                     <a:lumMod val="75000"/>
                   </a:schemeClr>
                 </a:solidFill>
-                <a:latin typeface="Times New Roman" panose="02020603050405020304" pitchFamily="18" charset="0"/>
-                <a:cs typeface="Times New Roman" panose="02020603050405020304" pitchFamily="18" charset="0"/>
+                <a:latin typeface="Times New Roman" panose="02020503050405090304" pitchFamily="18" charset="0"/>
+                <a:cs typeface="Times New Roman" panose="02020503050405090304" pitchFamily="18" charset="0"/>
               </a:rPr>
               <a:t>Subjective Rating Formats of E.R.</a:t>
             </a:r>
+            <a:endParaRPr lang="en-US" b="1" dirty="0">
+              <a:solidFill>
+                <a:schemeClr val="accent1">
+                  <a:lumMod val="75000"/>
+                </a:schemeClr>
+              </a:solidFill>
+              <a:latin typeface="Times New Roman" panose="02020503050405090304" pitchFamily="18" charset="0"/>
+              <a:cs typeface="Times New Roman" panose="02020503050405090304" pitchFamily="18" charset="0"/>
+            </a:endParaRPr>
           </a:p>
         </p:txBody>
       </p:sp>
@@ -4360,11 +4316,15 @@
             </a:pPr>
             <a:r>
               <a:rPr lang="en-US" sz="3200" dirty="0" smtClean="0">
-                <a:latin typeface="Times New Roman" panose="02020603050405020304" pitchFamily="18" charset="0"/>
-                <a:cs typeface="Times New Roman" panose="02020603050405020304" pitchFamily="18" charset="0"/>
+                <a:latin typeface="Times New Roman" panose="02020503050405090304" pitchFamily="18" charset="0"/>
+                <a:cs typeface="Times New Roman" panose="02020503050405090304" pitchFamily="18" charset="0"/>
               </a:rPr>
               <a:t>Numerical Scale</a:t>
             </a:r>
+            <a:endParaRPr lang="en-US" sz="3200" dirty="0" smtClean="0">
+              <a:latin typeface="Times New Roman" panose="02020503050405090304" pitchFamily="18" charset="0"/>
+              <a:cs typeface="Times New Roman" panose="02020503050405090304" pitchFamily="18" charset="0"/>
+            </a:endParaRPr>
           </a:p>
           <a:p>
             <a:pPr>
@@ -4372,8 +4332,8 @@
               <a:buChar char="q"/>
             </a:pPr>
             <a:endParaRPr lang="en-US" dirty="0">
-              <a:latin typeface="Times New Roman" panose="02020603050405020304" pitchFamily="18" charset="0"/>
-              <a:cs typeface="Times New Roman" panose="02020603050405020304" pitchFamily="18" charset="0"/>
+              <a:latin typeface="Times New Roman" panose="02020503050405090304" pitchFamily="18" charset="0"/>
+              <a:cs typeface="Times New Roman" panose="02020503050405090304" pitchFamily="18" charset="0"/>
             </a:endParaRPr>
           </a:p>
           <a:p>
@@ -4382,8 +4342,8 @@
               <a:buChar char="q"/>
             </a:pPr>
             <a:endParaRPr lang="en-US" dirty="0" smtClean="0">
-              <a:latin typeface="Times New Roman" panose="02020603050405020304" pitchFamily="18" charset="0"/>
-              <a:cs typeface="Times New Roman" panose="02020603050405020304" pitchFamily="18" charset="0"/>
+              <a:latin typeface="Times New Roman" panose="02020503050405090304" pitchFamily="18" charset="0"/>
+              <a:cs typeface="Times New Roman" panose="02020503050405090304" pitchFamily="18" charset="0"/>
             </a:endParaRPr>
           </a:p>
           <a:p>
@@ -4391,8 +4351,8 @@
               <a:buNone/>
             </a:pPr>
             <a:endParaRPr lang="en-US" sz="3200" dirty="0" smtClean="0">
-              <a:latin typeface="Times New Roman" panose="02020603050405020304" pitchFamily="18" charset="0"/>
-              <a:cs typeface="Times New Roman" panose="02020603050405020304" pitchFamily="18" charset="0"/>
+              <a:latin typeface="Times New Roman" panose="02020503050405090304" pitchFamily="18" charset="0"/>
+              <a:cs typeface="Times New Roman" panose="02020503050405090304" pitchFamily="18" charset="0"/>
             </a:endParaRPr>
           </a:p>
         </p:txBody>
@@ -4414,7 +4374,6 @@
           <a:p>
             <a:fld id="{D783A4F0-891E-44AD-B162-AD1ECFE5DF4E}" type="slidenum">
               <a:rPr lang="en-US" smtClean="0"/>
-              <a:t>10</a:t>
             </a:fld>
             <a:endParaRPr lang="en-US"/>
           </a:p>
@@ -4429,7 +4388,7 @@
           <p:nvPr/>
         </p:nvPicPr>
         <p:blipFill>
-          <a:blip r:embed="rId2"/>
+          <a:blip r:embed="rId1"/>
           <a:stretch>
             <a:fillRect/>
           </a:stretch>
@@ -4445,11 +4404,6 @@
         </p:spPr>
       </p:pic>
     </p:spTree>
-    <p:extLst>
-      <p:ext uri="{BB962C8B-B14F-4D97-AF65-F5344CB8AC3E}">
-        <p14:creationId xmlns:p14="http://schemas.microsoft.com/office/powerpoint/2010/main" val="3446659911"/>
-      </p:ext>
-    </p:extLst>
   </p:cSld>
   <p:clrMapOvr>
     <a:masterClrMapping/>
@@ -4503,8 +4457,8 @@
                     <a:lumMod val="75000"/>
                   </a:schemeClr>
                 </a:solidFill>
-                <a:latin typeface="Times New Roman" panose="02020603050405020304" pitchFamily="18" charset="0"/>
-                <a:cs typeface="Times New Roman" panose="02020603050405020304" pitchFamily="18" charset="0"/>
+                <a:latin typeface="Times New Roman" panose="02020503050405090304" pitchFamily="18" charset="0"/>
+                <a:cs typeface="Times New Roman" panose="02020503050405090304" pitchFamily="18" charset="0"/>
               </a:rPr>
               <a:t>The Representation Condition of Measurement</a:t>
             </a:r>
@@ -4538,11 +4492,15 @@
             </a:pPr>
             <a:r>
               <a:rPr lang="en-US" dirty="0" smtClean="0">
-                <a:latin typeface="Times New Roman" panose="02020603050405020304" pitchFamily="18" charset="0"/>
-                <a:cs typeface="Times New Roman" panose="02020603050405020304" pitchFamily="18" charset="0"/>
+                <a:latin typeface="Times New Roman" panose="02020503050405090304" pitchFamily="18" charset="0"/>
+                <a:cs typeface="Times New Roman" panose="02020503050405090304" pitchFamily="18" charset="0"/>
               </a:rPr>
               <a:t>The real world is the domain and the mathematical world is the range</a:t>
             </a:r>
+            <a:endParaRPr lang="en-US" dirty="0" smtClean="0">
+              <a:latin typeface="Times New Roman" panose="02020503050405090304" pitchFamily="18" charset="0"/>
+              <a:cs typeface="Times New Roman" panose="02020503050405090304" pitchFamily="18" charset="0"/>
+            </a:endParaRPr>
           </a:p>
           <a:p>
             <a:pPr>
@@ -4551,11 +4509,15 @@
             </a:pPr>
             <a:r>
               <a:rPr lang="en-US" dirty="0" smtClean="0">
-                <a:latin typeface="Times New Roman" panose="02020603050405020304" pitchFamily="18" charset="0"/>
-                <a:cs typeface="Times New Roman" panose="02020603050405020304" pitchFamily="18" charset="0"/>
+                <a:latin typeface="Times New Roman" panose="02020503050405090304" pitchFamily="18" charset="0"/>
+                <a:cs typeface="Times New Roman" panose="02020503050405090304" pitchFamily="18" charset="0"/>
               </a:rPr>
               <a:t>Each relation in the empirical relational system corresponds via the measurement to an element in a number system</a:t>
             </a:r>
+            <a:endParaRPr lang="en-US" dirty="0" smtClean="0">
+              <a:latin typeface="Times New Roman" panose="02020503050405090304" pitchFamily="18" charset="0"/>
+              <a:cs typeface="Times New Roman" panose="02020503050405090304" pitchFamily="18" charset="0"/>
+            </a:endParaRPr>
           </a:p>
           <a:p>
             <a:pPr>
@@ -4564,11 +4526,15 @@
             </a:pPr>
             <a:r>
               <a:rPr lang="en-US" dirty="0" smtClean="0">
-                <a:latin typeface="Times New Roman" panose="02020603050405020304" pitchFamily="18" charset="0"/>
-                <a:cs typeface="Times New Roman" panose="02020603050405020304" pitchFamily="18" charset="0"/>
+                <a:latin typeface="Times New Roman" panose="02020503050405090304" pitchFamily="18" charset="0"/>
+                <a:cs typeface="Times New Roman" panose="02020503050405090304" pitchFamily="18" charset="0"/>
               </a:rPr>
               <a:t>We want the mapping to preserve the relation. This rule is called the representation condition (see figure)</a:t>
             </a:r>
+            <a:endParaRPr lang="en-US" dirty="0" smtClean="0">
+              <a:latin typeface="Times New Roman" panose="02020503050405090304" pitchFamily="18" charset="0"/>
+              <a:cs typeface="Times New Roman" panose="02020503050405090304" pitchFamily="18" charset="0"/>
+            </a:endParaRPr>
           </a:p>
           <a:p>
             <a:pPr>
@@ -4577,35 +4543,50 @@
             </a:pPr>
             <a:r>
               <a:rPr lang="en-US" dirty="0" smtClean="0">
-                <a:latin typeface="Times New Roman" panose="02020603050405020304" pitchFamily="18" charset="0"/>
-                <a:cs typeface="Times New Roman" panose="02020603050405020304" pitchFamily="18" charset="0"/>
+                <a:highlight>
+                  <a:srgbClr val="FFFF00"/>
+                </a:highlight>
+                <a:latin typeface="Times New Roman" panose="02020503050405090304" pitchFamily="18" charset="0"/>
+                <a:cs typeface="Times New Roman" panose="02020503050405090304" pitchFamily="18" charset="0"/>
               </a:rPr>
               <a:t>The mapping we call a measure is sometimes called a </a:t>
             </a:r>
             <a:r>
               <a:rPr lang="en-US" i="1" dirty="0" smtClean="0">
-                <a:latin typeface="Times New Roman" panose="02020603050405020304" pitchFamily="18" charset="0"/>
-                <a:cs typeface="Times New Roman" panose="02020603050405020304" pitchFamily="18" charset="0"/>
+                <a:highlight>
+                  <a:srgbClr val="FFFF00"/>
+                </a:highlight>
+                <a:latin typeface="Times New Roman" panose="02020503050405090304" pitchFamily="18" charset="0"/>
+                <a:cs typeface="Times New Roman" panose="02020503050405090304" pitchFamily="18" charset="0"/>
               </a:rPr>
               <a:t>representation</a:t>
             </a:r>
             <a:r>
               <a:rPr lang="en-US" dirty="0" smtClean="0">
-                <a:latin typeface="Times New Roman" panose="02020603050405020304" pitchFamily="18" charset="0"/>
-                <a:cs typeface="Times New Roman" panose="02020603050405020304" pitchFamily="18" charset="0"/>
+                <a:highlight>
+                  <a:srgbClr val="FFFF00"/>
+                </a:highlight>
+                <a:latin typeface="Times New Roman" panose="02020503050405090304" pitchFamily="18" charset="0"/>
+                <a:cs typeface="Times New Roman" panose="02020503050405090304" pitchFamily="18" charset="0"/>
               </a:rPr>
               <a:t> or </a:t>
             </a:r>
             <a:r>
               <a:rPr lang="en-US" i="1" dirty="0" smtClean="0">
-                <a:latin typeface="Times New Roman" panose="02020603050405020304" pitchFamily="18" charset="0"/>
-                <a:cs typeface="Times New Roman" panose="02020603050405020304" pitchFamily="18" charset="0"/>
+                <a:highlight>
+                  <a:srgbClr val="FFFF00"/>
+                </a:highlight>
+                <a:latin typeface="Times New Roman" panose="02020503050405090304" pitchFamily="18" charset="0"/>
+                <a:cs typeface="Times New Roman" panose="02020503050405090304" pitchFamily="18" charset="0"/>
               </a:rPr>
               <a:t>homomorphism</a:t>
             </a:r>
-            <a:endParaRPr lang="en-US" i="1" dirty="0">
-              <a:latin typeface="Times New Roman" panose="02020603050405020304" pitchFamily="18" charset="0"/>
-              <a:cs typeface="Times New Roman" panose="02020603050405020304" pitchFamily="18" charset="0"/>
+            <a:endParaRPr lang="en-US" i="1" dirty="0" smtClean="0">
+              <a:highlight>
+                <a:srgbClr val="FFFF00"/>
+              </a:highlight>
+              <a:latin typeface="Times New Roman" panose="02020503050405090304" pitchFamily="18" charset="0"/>
+              <a:cs typeface="Times New Roman" panose="02020503050405090304" pitchFamily="18" charset="0"/>
             </a:endParaRPr>
           </a:p>
         </p:txBody>
@@ -4627,7 +4608,6 @@
           <a:p>
             <a:fld id="{D783A4F0-891E-44AD-B162-AD1ECFE5DF4E}" type="slidenum">
               <a:rPr lang="en-US" smtClean="0"/>
-              <a:t>11</a:t>
             </a:fld>
             <a:endParaRPr lang="en-US"/>
           </a:p>
@@ -4642,7 +4622,7 @@
           <p:nvPr/>
         </p:nvPicPr>
         <p:blipFill>
-          <a:blip r:embed="rId2"/>
+          <a:blip r:embed="rId1"/>
           <a:stretch>
             <a:fillRect/>
           </a:stretch>
@@ -4658,11 +4638,6 @@
         </p:spPr>
       </p:pic>
     </p:spTree>
-    <p:extLst>
-      <p:ext uri="{BB962C8B-B14F-4D97-AF65-F5344CB8AC3E}">
-        <p14:creationId xmlns:p14="http://schemas.microsoft.com/office/powerpoint/2010/main" val="4293894023"/>
-      </p:ext>
-    </p:extLst>
   </p:cSld>
   <p:clrMapOvr>
     <a:masterClrMapping/>
@@ -4716,8 +4691,8 @@
                     <a:lumMod val="75000"/>
                   </a:schemeClr>
                 </a:solidFill>
-                <a:latin typeface="Times New Roman" panose="02020603050405020304" pitchFamily="18" charset="0"/>
-                <a:cs typeface="Times New Roman" panose="02020603050405020304" pitchFamily="18" charset="0"/>
+                <a:latin typeface="Times New Roman" panose="02020503050405090304" pitchFamily="18" charset="0"/>
+                <a:cs typeface="Times New Roman" panose="02020503050405090304" pitchFamily="18" charset="0"/>
               </a:rPr>
               <a:t>Key Stages of Formal </a:t>
             </a:r>
@@ -4728,8 +4703,8 @@
                     <a:lumMod val="75000"/>
                   </a:schemeClr>
                 </a:solidFill>
-                <a:latin typeface="Times New Roman" panose="02020603050405020304" pitchFamily="18" charset="0"/>
-                <a:cs typeface="Times New Roman" panose="02020603050405020304" pitchFamily="18" charset="0"/>
+                <a:latin typeface="Times New Roman" panose="02020503050405090304" pitchFamily="18" charset="0"/>
+                <a:cs typeface="Times New Roman" panose="02020503050405090304" pitchFamily="18" charset="0"/>
               </a:rPr>
               <a:t>M</a:t>
             </a:r>
@@ -4740,8 +4715,8 @@
                     <a:lumMod val="75000"/>
                   </a:schemeClr>
                 </a:solidFill>
-                <a:latin typeface="Times New Roman" panose="02020603050405020304" pitchFamily="18" charset="0"/>
-                <a:cs typeface="Times New Roman" panose="02020603050405020304" pitchFamily="18" charset="0"/>
+                <a:latin typeface="Times New Roman" panose="02020503050405090304" pitchFamily="18" charset="0"/>
+                <a:cs typeface="Times New Roman" panose="02020503050405090304" pitchFamily="18" charset="0"/>
               </a:rPr>
               <a:t>easurement</a:t>
             </a:r>
@@ -4766,7 +4741,6 @@
           <a:p>
             <a:fld id="{D783A4F0-891E-44AD-B162-AD1ECFE5DF4E}" type="slidenum">
               <a:rPr lang="en-US" smtClean="0"/>
-              <a:t>12</a:t>
             </a:fld>
             <a:endParaRPr lang="en-US"/>
           </a:p>
@@ -4783,7 +4757,7 @@
           </p:nvPr>
         </p:nvPicPr>
         <p:blipFill>
-          <a:blip r:embed="rId2"/>
+          <a:blip r:embed="rId1"/>
           <a:stretch>
             <a:fillRect/>
           </a:stretch>
@@ -4799,11 +4773,6 @@
         </p:spPr>
       </p:pic>
     </p:spTree>
-    <p:extLst>
-      <p:ext uri="{BB962C8B-B14F-4D97-AF65-F5344CB8AC3E}">
-        <p14:creationId xmlns:p14="http://schemas.microsoft.com/office/powerpoint/2010/main" val="3212394601"/>
-      </p:ext>
-    </p:extLst>
   </p:cSld>
   <p:clrMapOvr>
     <a:masterClrMapping/>
@@ -4857,8 +4826,8 @@
                     <a:lumMod val="75000"/>
                   </a:schemeClr>
                 </a:solidFill>
-                <a:latin typeface="Times New Roman" panose="02020603050405020304" pitchFamily="18" charset="0"/>
-                <a:cs typeface="Times New Roman" panose="02020603050405020304" pitchFamily="18" charset="0"/>
+                <a:latin typeface="Times New Roman" panose="02020503050405090304" pitchFamily="18" charset="0"/>
+                <a:cs typeface="Times New Roman" panose="02020503050405090304" pitchFamily="18" charset="0"/>
               </a:rPr>
               <a:t>Some Specific Measurements in Software</a:t>
             </a:r>
@@ -4891,8 +4860,8 @@
               <a:buChar char="q"/>
             </a:pPr>
             <a:endParaRPr lang="en-US" dirty="0" smtClean="0">
-              <a:latin typeface="Times New Roman" panose="02020603050405020304" pitchFamily="18" charset="0"/>
-              <a:cs typeface="Times New Roman" panose="02020603050405020304" pitchFamily="18" charset="0"/>
+              <a:latin typeface="Times New Roman" panose="02020503050405090304" pitchFamily="18" charset="0"/>
+              <a:cs typeface="Times New Roman" panose="02020503050405090304" pitchFamily="18" charset="0"/>
             </a:endParaRPr>
           </a:p>
           <a:p>
@@ -4902,14 +4871,14 @@
             </a:pPr>
             <a:r>
               <a:rPr lang="en-US" i="1" dirty="0" smtClean="0">
-                <a:latin typeface="Times New Roman" panose="02020603050405020304" pitchFamily="18" charset="0"/>
-                <a:cs typeface="Times New Roman" panose="02020603050405020304" pitchFamily="18" charset="0"/>
+                <a:latin typeface="Times New Roman" panose="02020503050405090304" pitchFamily="18" charset="0"/>
+                <a:cs typeface="Times New Roman" panose="02020503050405090304" pitchFamily="18" charset="0"/>
               </a:rPr>
               <a:t>There is nothing wrong with using the same representation in different ways, or using several representation for the same attribute.</a:t>
             </a:r>
             <a:endParaRPr lang="en-US" i="1" dirty="0">
-              <a:latin typeface="Times New Roman" panose="02020603050405020304" pitchFamily="18" charset="0"/>
-              <a:cs typeface="Times New Roman" panose="02020603050405020304" pitchFamily="18" charset="0"/>
+              <a:latin typeface="Times New Roman" panose="02020503050405090304" pitchFamily="18" charset="0"/>
+              <a:cs typeface="Times New Roman" panose="02020503050405090304" pitchFamily="18" charset="0"/>
             </a:endParaRPr>
           </a:p>
         </p:txBody>
@@ -4931,7 +4900,6 @@
           <a:p>
             <a:fld id="{D783A4F0-891E-44AD-B162-AD1ECFE5DF4E}" type="slidenum">
               <a:rPr lang="en-US" smtClean="0"/>
-              <a:t>13</a:t>
             </a:fld>
             <a:endParaRPr lang="en-US"/>
           </a:p>
@@ -4946,7 +4914,7 @@
           <p:nvPr/>
         </p:nvPicPr>
         <p:blipFill>
-          <a:blip r:embed="rId2"/>
+          <a:blip r:embed="rId1"/>
           <a:stretch>
             <a:fillRect/>
           </a:stretch>
@@ -4962,11 +4930,6 @@
         </p:spPr>
       </p:pic>
     </p:spTree>
-    <p:extLst>
-      <p:ext uri="{BB962C8B-B14F-4D97-AF65-F5344CB8AC3E}">
-        <p14:creationId xmlns:p14="http://schemas.microsoft.com/office/powerpoint/2010/main" val="3258456991"/>
-      </p:ext>
-    </p:extLst>
   </p:cSld>
   <p:clrMapOvr>
     <a:masterClrMapping/>
@@ -5020,8 +4983,8 @@
                     <a:lumMod val="75000"/>
                   </a:schemeClr>
                 </a:solidFill>
-                <a:latin typeface="Times New Roman" panose="02020603050405020304" pitchFamily="18" charset="0"/>
-                <a:cs typeface="Times New Roman" panose="02020603050405020304" pitchFamily="18" charset="0"/>
+                <a:latin typeface="Times New Roman" panose="02020503050405090304" pitchFamily="18" charset="0"/>
+                <a:cs typeface="Times New Roman" panose="02020503050405090304" pitchFamily="18" charset="0"/>
               </a:rPr>
               <a:t>Measurement and Model</a:t>
             </a:r>
@@ -5055,11 +5018,25 @@
             </a:pPr>
             <a:r>
               <a:rPr lang="en-US" dirty="0" smtClean="0">
-                <a:latin typeface="Times New Roman" panose="02020603050405020304" pitchFamily="18" charset="0"/>
-                <a:cs typeface="Times New Roman" panose="02020603050405020304" pitchFamily="18" charset="0"/>
-              </a:rPr>
-              <a:t>A model is an abstraction of reality. It can view an entity or concept from a particular perspective</a:t>
-            </a:r>
+                <a:highlight>
+                  <a:srgbClr val="FFFF00"/>
+                </a:highlight>
+                <a:latin typeface="Times New Roman" panose="02020503050405090304" pitchFamily="18" charset="0"/>
+                <a:cs typeface="Times New Roman" panose="02020503050405090304" pitchFamily="18" charset="0"/>
+              </a:rPr>
+              <a:t>A model is an abstraction of reality</a:t>
+            </a:r>
+            <a:r>
+              <a:rPr lang="en-US" dirty="0" smtClean="0">
+                <a:latin typeface="Times New Roman" panose="02020503050405090304" pitchFamily="18" charset="0"/>
+                <a:cs typeface="Times New Roman" panose="02020503050405090304" pitchFamily="18" charset="0"/>
+              </a:rPr>
+              <a:t>. It can view an entity or concept from a particular perspective</a:t>
+            </a:r>
+            <a:endParaRPr lang="en-US" dirty="0" smtClean="0">
+              <a:latin typeface="Times New Roman" panose="02020503050405090304" pitchFamily="18" charset="0"/>
+              <a:cs typeface="Times New Roman" panose="02020503050405090304" pitchFamily="18" charset="0"/>
+            </a:endParaRPr>
           </a:p>
           <a:p>
             <a:pPr algn="just">
@@ -5067,8 +5044,8 @@
               <a:buChar char="q"/>
             </a:pPr>
             <a:endParaRPr lang="en-US" dirty="0">
-              <a:latin typeface="Times New Roman" panose="02020603050405020304" pitchFamily="18" charset="0"/>
-              <a:cs typeface="Times New Roman" panose="02020603050405020304" pitchFamily="18" charset="0"/>
+              <a:latin typeface="Times New Roman" panose="02020503050405090304" pitchFamily="18" charset="0"/>
+              <a:cs typeface="Times New Roman" panose="02020503050405090304" pitchFamily="18" charset="0"/>
             </a:endParaRPr>
           </a:p>
           <a:p>
@@ -5078,11 +5055,15 @@
             </a:pPr>
             <a:r>
               <a:rPr lang="en-US" dirty="0" smtClean="0">
-                <a:latin typeface="Times New Roman" panose="02020603050405020304" pitchFamily="18" charset="0"/>
-                <a:cs typeface="Times New Roman" panose="02020603050405020304" pitchFamily="18" charset="0"/>
+                <a:latin typeface="Times New Roman" panose="02020503050405090304" pitchFamily="18" charset="0"/>
+                <a:cs typeface="Times New Roman" panose="02020503050405090304" pitchFamily="18" charset="0"/>
               </a:rPr>
               <a:t>Models come in many different forms: as equations, mapping, or diagram for instance</a:t>
             </a:r>
+            <a:endParaRPr lang="en-US" dirty="0" smtClean="0">
+              <a:latin typeface="Times New Roman" panose="02020503050405090304" pitchFamily="18" charset="0"/>
+              <a:cs typeface="Times New Roman" panose="02020503050405090304" pitchFamily="18" charset="0"/>
+            </a:endParaRPr>
           </a:p>
           <a:p>
             <a:pPr algn="just">
@@ -5090,8 +5071,8 @@
               <a:buChar char="q"/>
             </a:pPr>
             <a:endParaRPr lang="en-US" dirty="0">
-              <a:latin typeface="Times New Roman" panose="02020603050405020304" pitchFamily="18" charset="0"/>
-              <a:cs typeface="Times New Roman" panose="02020603050405020304" pitchFamily="18" charset="0"/>
+              <a:latin typeface="Times New Roman" panose="02020503050405090304" pitchFamily="18" charset="0"/>
+              <a:cs typeface="Times New Roman" panose="02020503050405090304" pitchFamily="18" charset="0"/>
             </a:endParaRPr>
           </a:p>
           <a:p>
@@ -5101,14 +5082,14 @@
             </a:pPr>
             <a:r>
               <a:rPr lang="en-US" dirty="0" smtClean="0">
-                <a:latin typeface="Times New Roman" panose="02020603050405020304" pitchFamily="18" charset="0"/>
-                <a:cs typeface="Times New Roman" panose="02020603050405020304" pitchFamily="18" charset="0"/>
+                <a:latin typeface="Times New Roman" panose="02020503050405090304" pitchFamily="18" charset="0"/>
+                <a:cs typeface="Times New Roman" panose="02020503050405090304" pitchFamily="18" charset="0"/>
               </a:rPr>
               <a:t>For example, to measure the length of a program using LOC, we need a model of a program which would specify how a program differs from a subroutine, whether or not to treat separate statements on the same line as distinct LOC, whether or not to count comment lines, data declaration, etc. </a:t>
             </a:r>
             <a:endParaRPr lang="en-US" dirty="0">
-              <a:latin typeface="Times New Roman" panose="02020603050405020304" pitchFamily="18" charset="0"/>
-              <a:cs typeface="Times New Roman" panose="02020603050405020304" pitchFamily="18" charset="0"/>
+              <a:latin typeface="Times New Roman" panose="02020503050405090304" pitchFamily="18" charset="0"/>
+              <a:cs typeface="Times New Roman" panose="02020503050405090304" pitchFamily="18" charset="0"/>
             </a:endParaRPr>
           </a:p>
         </p:txBody>
@@ -5130,18 +5111,12 @@
           <a:p>
             <a:fld id="{D783A4F0-891E-44AD-B162-AD1ECFE5DF4E}" type="slidenum">
               <a:rPr lang="en-US" smtClean="0"/>
-              <a:t>14</a:t>
             </a:fld>
             <a:endParaRPr lang="en-US"/>
           </a:p>
         </p:txBody>
       </p:sp>
     </p:spTree>
-    <p:extLst>
-      <p:ext uri="{BB962C8B-B14F-4D97-AF65-F5344CB8AC3E}">
-        <p14:creationId xmlns:p14="http://schemas.microsoft.com/office/powerpoint/2010/main" val="1417394152"/>
-      </p:ext>
-    </p:extLst>
   </p:cSld>
   <p:clrMapOvr>
     <a:masterClrMapping/>
@@ -5200,8 +5175,8 @@
                     <a:lumMod val="75000"/>
                   </a:schemeClr>
                 </a:solidFill>
-                <a:latin typeface="Times New Roman" panose="02020603050405020304" pitchFamily="18" charset="0"/>
-                <a:cs typeface="Times New Roman" panose="02020603050405020304" pitchFamily="18" charset="0"/>
+                <a:latin typeface="Times New Roman" panose="02020503050405090304" pitchFamily="18" charset="0"/>
+                <a:cs typeface="Times New Roman" panose="02020503050405090304" pitchFamily="18" charset="0"/>
               </a:rPr>
               <a:t>Direct and Derived Measurement</a:t>
             </a:r>
@@ -5235,46 +5210,50 @@
             </a:pPr>
             <a:r>
               <a:rPr lang="en-US" sz="2200" i="1" dirty="0" smtClean="0">
-                <a:latin typeface="Times New Roman" panose="02020603050405020304" pitchFamily="18" charset="0"/>
-                <a:cs typeface="Times New Roman" panose="02020603050405020304" pitchFamily="18" charset="0"/>
+                <a:latin typeface="Times New Roman" panose="02020503050405090304" pitchFamily="18" charset="0"/>
+                <a:cs typeface="Times New Roman" panose="02020503050405090304" pitchFamily="18" charset="0"/>
               </a:rPr>
               <a:t>Direct </a:t>
             </a:r>
             <a:r>
               <a:rPr lang="en-US" sz="2200" i="1" dirty="0">
-                <a:latin typeface="Times New Roman" panose="02020603050405020304" pitchFamily="18" charset="0"/>
-                <a:cs typeface="Times New Roman" panose="02020603050405020304" pitchFamily="18" charset="0"/>
+                <a:latin typeface="Times New Roman" panose="02020503050405090304" pitchFamily="18" charset="0"/>
+                <a:cs typeface="Times New Roman" panose="02020503050405090304" pitchFamily="18" charset="0"/>
               </a:rPr>
               <a:t>measurement </a:t>
             </a:r>
             <a:r>
               <a:rPr lang="en-US" sz="2200" dirty="0">
-                <a:latin typeface="Times New Roman" panose="02020603050405020304" pitchFamily="18" charset="0"/>
-                <a:cs typeface="Times New Roman" panose="02020603050405020304" pitchFamily="18" charset="0"/>
+                <a:latin typeface="Times New Roman" panose="02020503050405090304" pitchFamily="18" charset="0"/>
+                <a:cs typeface="Times New Roman" panose="02020503050405090304" pitchFamily="18" charset="0"/>
               </a:rPr>
               <a:t>of an attribute of an entity involves no other attribute or entity. For example, </a:t>
             </a:r>
             <a:r>
               <a:rPr lang="en-US" sz="2200" i="1" dirty="0">
-                <a:latin typeface="Times New Roman" panose="02020603050405020304" pitchFamily="18" charset="0"/>
-                <a:cs typeface="Times New Roman" panose="02020603050405020304" pitchFamily="18" charset="0"/>
+                <a:latin typeface="Times New Roman" panose="02020503050405090304" pitchFamily="18" charset="0"/>
+                <a:cs typeface="Times New Roman" panose="02020503050405090304" pitchFamily="18" charset="0"/>
               </a:rPr>
               <a:t>length </a:t>
             </a:r>
             <a:r>
               <a:rPr lang="en-US" sz="2200" dirty="0">
-                <a:latin typeface="Times New Roman" panose="02020603050405020304" pitchFamily="18" charset="0"/>
-                <a:cs typeface="Times New Roman" panose="02020603050405020304" pitchFamily="18" charset="0"/>
+                <a:latin typeface="Times New Roman" panose="02020503050405090304" pitchFamily="18" charset="0"/>
+                <a:cs typeface="Times New Roman" panose="02020503050405090304" pitchFamily="18" charset="0"/>
               </a:rPr>
               <a:t>of a physical object can be measured without reference to any other object or attribute. </a:t>
             </a:r>
             <a:r>
               <a:rPr lang="en-US" sz="2200" dirty="0" smtClean="0">
-                <a:latin typeface="Times New Roman" panose="02020603050405020304" pitchFamily="18" charset="0"/>
-                <a:cs typeface="Times New Roman" panose="02020603050405020304" pitchFamily="18" charset="0"/>
+                <a:latin typeface="Times New Roman" panose="02020503050405090304" pitchFamily="18" charset="0"/>
+                <a:cs typeface="Times New Roman" panose="02020503050405090304" pitchFamily="18" charset="0"/>
               </a:rPr>
               <a:t>Commonly user direct measure in SE:</a:t>
             </a:r>
+            <a:endParaRPr lang="en-US" sz="2200" dirty="0" smtClean="0">
+              <a:latin typeface="Times New Roman" panose="02020503050405090304" pitchFamily="18" charset="0"/>
+              <a:cs typeface="Times New Roman" panose="02020503050405090304" pitchFamily="18" charset="0"/>
+            </a:endParaRPr>
           </a:p>
           <a:p>
             <a:pPr lvl="6" algn="just">
@@ -5283,25 +5262,29 @@
             </a:pPr>
             <a:r>
               <a:rPr lang="en-US" sz="1600" dirty="0">
-                <a:latin typeface="Times New Roman" panose="02020603050405020304" pitchFamily="18" charset="0"/>
-                <a:cs typeface="Times New Roman" panose="02020603050405020304" pitchFamily="18" charset="0"/>
+                <a:latin typeface="Times New Roman" panose="02020503050405090304" pitchFamily="18" charset="0"/>
+                <a:cs typeface="Times New Roman" panose="02020503050405090304" pitchFamily="18" charset="0"/>
               </a:rPr>
               <a:t>E.g. </a:t>
             </a:r>
             <a:r>
               <a:rPr lang="en-US" sz="1600" i="1" dirty="0">
-                <a:latin typeface="Times New Roman" panose="02020603050405020304" pitchFamily="18" charset="0"/>
-                <a:cs typeface="Times New Roman" panose="02020603050405020304" pitchFamily="18" charset="0"/>
+                <a:latin typeface="Times New Roman" panose="02020503050405090304" pitchFamily="18" charset="0"/>
+                <a:cs typeface="Times New Roman" panose="02020503050405090304" pitchFamily="18" charset="0"/>
               </a:rPr>
               <a:t>Size </a:t>
             </a:r>
             <a:r>
               <a:rPr lang="en-US" sz="1600" dirty="0">
-                <a:latin typeface="Times New Roman" panose="02020603050405020304" pitchFamily="18" charset="0"/>
-                <a:cs typeface="Times New Roman" panose="02020603050405020304" pitchFamily="18" charset="0"/>
+                <a:latin typeface="Times New Roman" panose="02020503050405090304" pitchFamily="18" charset="0"/>
+                <a:cs typeface="Times New Roman" panose="02020503050405090304" pitchFamily="18" charset="0"/>
               </a:rPr>
               <a:t>of source code (measured by LOC)</a:t>
             </a:r>
+            <a:endParaRPr lang="en-US" sz="1600" dirty="0">
+              <a:latin typeface="Times New Roman" panose="02020503050405090304" pitchFamily="18" charset="0"/>
+              <a:cs typeface="Times New Roman" panose="02020503050405090304" pitchFamily="18" charset="0"/>
+            </a:endParaRPr>
           </a:p>
           <a:p>
             <a:pPr lvl="6" algn="just">
@@ -5310,18 +5293,22 @@
             </a:pPr>
             <a:r>
               <a:rPr lang="en-US" sz="1600" i="1" dirty="0">
-                <a:latin typeface="Times New Roman" panose="02020603050405020304" pitchFamily="18" charset="0"/>
-                <a:cs typeface="Times New Roman" panose="02020603050405020304" pitchFamily="18" charset="0"/>
+                <a:latin typeface="Times New Roman" panose="02020503050405090304" pitchFamily="18" charset="0"/>
+                <a:cs typeface="Times New Roman" panose="02020503050405090304" pitchFamily="18" charset="0"/>
               </a:rPr>
               <a:t>Schedule</a:t>
             </a:r>
             <a:r>
               <a:rPr lang="en-US" sz="1600" dirty="0">
-                <a:latin typeface="Times New Roman" panose="02020603050405020304" pitchFamily="18" charset="0"/>
-                <a:cs typeface="Times New Roman" panose="02020603050405020304" pitchFamily="18" charset="0"/>
+                <a:latin typeface="Times New Roman" panose="02020503050405090304" pitchFamily="18" charset="0"/>
+                <a:cs typeface="Times New Roman" panose="02020503050405090304" pitchFamily="18" charset="0"/>
               </a:rPr>
               <a:t> of the testing process ( measured by elapsed time in hours)</a:t>
             </a:r>
+            <a:endParaRPr lang="en-US" sz="1600" dirty="0">
+              <a:latin typeface="Times New Roman" panose="02020503050405090304" pitchFamily="18" charset="0"/>
+              <a:cs typeface="Times New Roman" panose="02020503050405090304" pitchFamily="18" charset="0"/>
+            </a:endParaRPr>
           </a:p>
           <a:p>
             <a:pPr lvl="6" algn="just">
@@ -5330,18 +5317,22 @@
             </a:pPr>
             <a:r>
               <a:rPr lang="en-US" sz="1600" i="1" dirty="0">
-                <a:latin typeface="Times New Roman" panose="02020603050405020304" pitchFamily="18" charset="0"/>
-                <a:cs typeface="Times New Roman" panose="02020603050405020304" pitchFamily="18" charset="0"/>
+                <a:latin typeface="Times New Roman" panose="02020503050405090304" pitchFamily="18" charset="0"/>
+                <a:cs typeface="Times New Roman" panose="02020503050405090304" pitchFamily="18" charset="0"/>
               </a:rPr>
               <a:t>Number of defects </a:t>
             </a:r>
             <a:r>
               <a:rPr lang="en-US" sz="1600" dirty="0">
-                <a:latin typeface="Times New Roman" panose="02020603050405020304" pitchFamily="18" charset="0"/>
-                <a:cs typeface="Times New Roman" panose="02020603050405020304" pitchFamily="18" charset="0"/>
+                <a:latin typeface="Times New Roman" panose="02020503050405090304" pitchFamily="18" charset="0"/>
+                <a:cs typeface="Times New Roman" panose="02020503050405090304" pitchFamily="18" charset="0"/>
               </a:rPr>
               <a:t>discovered </a:t>
             </a:r>
+            <a:endParaRPr lang="en-US" sz="1600" dirty="0">
+              <a:latin typeface="Times New Roman" panose="02020503050405090304" pitchFamily="18" charset="0"/>
+              <a:cs typeface="Times New Roman" panose="02020503050405090304" pitchFamily="18" charset="0"/>
+            </a:endParaRPr>
           </a:p>
           <a:p>
             <a:pPr lvl="6" algn="just">
@@ -5350,18 +5341,22 @@
             </a:pPr>
             <a:r>
               <a:rPr lang="en-US" sz="1600" i="1" dirty="0">
-                <a:latin typeface="Times New Roman" panose="02020603050405020304" pitchFamily="18" charset="0"/>
-                <a:cs typeface="Times New Roman" panose="02020603050405020304" pitchFamily="18" charset="0"/>
+                <a:latin typeface="Times New Roman" panose="02020503050405090304" pitchFamily="18" charset="0"/>
+                <a:cs typeface="Times New Roman" panose="02020503050405090304" pitchFamily="18" charset="0"/>
               </a:rPr>
               <a:t>Time</a:t>
             </a:r>
             <a:r>
               <a:rPr lang="en-US" sz="1600" dirty="0">
-                <a:latin typeface="Times New Roman" panose="02020603050405020304" pitchFamily="18" charset="0"/>
-                <a:cs typeface="Times New Roman" panose="02020603050405020304" pitchFamily="18" charset="0"/>
+                <a:latin typeface="Times New Roman" panose="02020503050405090304" pitchFamily="18" charset="0"/>
+                <a:cs typeface="Times New Roman" panose="02020503050405090304" pitchFamily="18" charset="0"/>
               </a:rPr>
               <a:t> a programmer spends on a project (measure by months worked)</a:t>
             </a:r>
+            <a:endParaRPr lang="en-US" sz="1600" dirty="0">
+              <a:latin typeface="Times New Roman" panose="02020503050405090304" pitchFamily="18" charset="0"/>
+              <a:cs typeface="Times New Roman" panose="02020503050405090304" pitchFamily="18" charset="0"/>
+            </a:endParaRPr>
           </a:p>
           <a:p>
             <a:pPr algn="just">
@@ -5370,39 +5365,43 @@
             </a:pPr>
             <a:r>
               <a:rPr lang="en-US" sz="2200" i="1" dirty="0">
-                <a:latin typeface="Times New Roman" panose="02020603050405020304" pitchFamily="18" charset="0"/>
-                <a:cs typeface="Times New Roman" panose="02020603050405020304" pitchFamily="18" charset="0"/>
+                <a:latin typeface="Times New Roman" panose="02020503050405090304" pitchFamily="18" charset="0"/>
+                <a:cs typeface="Times New Roman" panose="02020503050405090304" pitchFamily="18" charset="0"/>
               </a:rPr>
               <a:t>Derived </a:t>
             </a:r>
             <a:r>
               <a:rPr lang="en-US" sz="2200" i="1" dirty="0" smtClean="0">
-                <a:latin typeface="Times New Roman" panose="02020603050405020304" pitchFamily="18" charset="0"/>
-                <a:cs typeface="Times New Roman" panose="02020603050405020304" pitchFamily="18" charset="0"/>
+                <a:latin typeface="Times New Roman" panose="02020503050405090304" pitchFamily="18" charset="0"/>
+                <a:cs typeface="Times New Roman" panose="02020503050405090304" pitchFamily="18" charset="0"/>
               </a:rPr>
               <a:t>Measures </a:t>
             </a:r>
             <a:r>
               <a:rPr lang="en-US" sz="2200" dirty="0" smtClean="0">
-                <a:latin typeface="Times New Roman" panose="02020603050405020304" pitchFamily="18" charset="0"/>
-                <a:cs typeface="Times New Roman" panose="02020603050405020304" pitchFamily="18" charset="0"/>
+                <a:latin typeface="Times New Roman" panose="02020503050405090304" pitchFamily="18" charset="0"/>
+                <a:cs typeface="Times New Roman" panose="02020503050405090304" pitchFamily="18" charset="0"/>
               </a:rPr>
               <a:t>can be a combination of </a:t>
             </a:r>
             <a:r>
               <a:rPr lang="en-US" sz="2200" i="1" dirty="0" smtClean="0">
-                <a:latin typeface="Times New Roman" panose="02020603050405020304" pitchFamily="18" charset="0"/>
-                <a:cs typeface="Times New Roman" panose="02020603050405020304" pitchFamily="18" charset="0"/>
+                <a:latin typeface="Times New Roman" panose="02020503050405090304" pitchFamily="18" charset="0"/>
+                <a:cs typeface="Times New Roman" panose="02020503050405090304" pitchFamily="18" charset="0"/>
               </a:rPr>
               <a:t>direct measures</a:t>
             </a:r>
             <a:r>
               <a:rPr lang="en-US" sz="2200" dirty="0" smtClean="0">
-                <a:latin typeface="Times New Roman" panose="02020603050405020304" pitchFamily="18" charset="0"/>
-                <a:cs typeface="Times New Roman" panose="02020603050405020304" pitchFamily="18" charset="0"/>
+                <a:latin typeface="Times New Roman" panose="02020503050405090304" pitchFamily="18" charset="0"/>
+                <a:cs typeface="Times New Roman" panose="02020503050405090304" pitchFamily="18" charset="0"/>
               </a:rPr>
               <a:t>. It is often useful in making visible the interactions between direct measures. </a:t>
             </a:r>
+            <a:endParaRPr lang="en-US" sz="2200" dirty="0" smtClean="0">
+              <a:latin typeface="Times New Roman" panose="02020503050405090304" pitchFamily="18" charset="0"/>
+              <a:cs typeface="Times New Roman" panose="02020503050405090304" pitchFamily="18" charset="0"/>
+            </a:endParaRPr>
           </a:p>
           <a:p>
             <a:pPr algn="just">
@@ -5410,8 +5409,8 @@
               <a:buChar char="q"/>
             </a:pPr>
             <a:endParaRPr lang="en-US" sz="2200" i="1" dirty="0">
-              <a:latin typeface="Times New Roman" panose="02020603050405020304" pitchFamily="18" charset="0"/>
-              <a:cs typeface="Times New Roman" panose="02020603050405020304" pitchFamily="18" charset="0"/>
+              <a:latin typeface="Times New Roman" panose="02020503050405090304" pitchFamily="18" charset="0"/>
+              <a:cs typeface="Times New Roman" panose="02020503050405090304" pitchFamily="18" charset="0"/>
             </a:endParaRPr>
           </a:p>
           <a:p>
@@ -5420,8 +5419,8 @@
               <a:buChar char="q"/>
             </a:pPr>
             <a:endParaRPr lang="en-US" dirty="0" smtClean="0">
-              <a:latin typeface="Times New Roman" panose="02020603050405020304" pitchFamily="18" charset="0"/>
-              <a:cs typeface="Times New Roman" panose="02020603050405020304" pitchFamily="18" charset="0"/>
+              <a:latin typeface="Times New Roman" panose="02020503050405090304" pitchFamily="18" charset="0"/>
+              <a:cs typeface="Times New Roman" panose="02020503050405090304" pitchFamily="18" charset="0"/>
             </a:endParaRPr>
           </a:p>
         </p:txBody>
@@ -5443,18 +5442,12 @@
           <a:p>
             <a:fld id="{D783A4F0-891E-44AD-B162-AD1ECFE5DF4E}" type="slidenum">
               <a:rPr lang="en-US" smtClean="0"/>
-              <a:t>15</a:t>
             </a:fld>
             <a:endParaRPr lang="en-US"/>
           </a:p>
         </p:txBody>
       </p:sp>
     </p:spTree>
-    <p:extLst>
-      <p:ext uri="{BB962C8B-B14F-4D97-AF65-F5344CB8AC3E}">
-        <p14:creationId xmlns:p14="http://schemas.microsoft.com/office/powerpoint/2010/main" val="532036424"/>
-      </p:ext>
-    </p:extLst>
   </p:cSld>
   <p:clrMapOvr>
     <a:masterClrMapping/>
@@ -5513,8 +5506,8 @@
                     <a:lumMod val="75000"/>
                   </a:schemeClr>
                 </a:solidFill>
-                <a:latin typeface="Times New Roman" panose="02020603050405020304" pitchFamily="18" charset="0"/>
-                <a:cs typeface="Times New Roman" panose="02020603050405020304" pitchFamily="18" charset="0"/>
+                <a:latin typeface="Times New Roman" panose="02020503050405090304" pitchFamily="18" charset="0"/>
+                <a:cs typeface="Times New Roman" panose="02020503050405090304" pitchFamily="18" charset="0"/>
               </a:rPr>
               <a:t>Example of Derived Measures</a:t>
             </a:r>
@@ -5547,8 +5540,8 @@
               <a:buChar char="q"/>
             </a:pPr>
             <a:endParaRPr lang="en-US" sz="2200" i="1" dirty="0">
-              <a:latin typeface="Times New Roman" panose="02020603050405020304" pitchFamily="18" charset="0"/>
-              <a:cs typeface="Times New Roman" panose="02020603050405020304" pitchFamily="18" charset="0"/>
+              <a:latin typeface="Times New Roman" panose="02020503050405090304" pitchFamily="18" charset="0"/>
+              <a:cs typeface="Times New Roman" panose="02020503050405090304" pitchFamily="18" charset="0"/>
             </a:endParaRPr>
           </a:p>
           <a:p>
@@ -5557,8 +5550,8 @@
               <a:buChar char="q"/>
             </a:pPr>
             <a:endParaRPr lang="en-US" dirty="0" smtClean="0">
-              <a:latin typeface="Times New Roman" panose="02020603050405020304" pitchFamily="18" charset="0"/>
-              <a:cs typeface="Times New Roman" panose="02020603050405020304" pitchFamily="18" charset="0"/>
+              <a:latin typeface="Times New Roman" panose="02020503050405090304" pitchFamily="18" charset="0"/>
+              <a:cs typeface="Times New Roman" panose="02020503050405090304" pitchFamily="18" charset="0"/>
             </a:endParaRPr>
           </a:p>
         </p:txBody>
@@ -5580,7 +5573,6 @@
           <a:p>
             <a:fld id="{D783A4F0-891E-44AD-B162-AD1ECFE5DF4E}" type="slidenum">
               <a:rPr lang="en-US" smtClean="0"/>
-              <a:t>16</a:t>
             </a:fld>
             <a:endParaRPr lang="en-US"/>
           </a:p>
@@ -5595,7 +5587,7 @@
           <p:nvPr/>
         </p:nvPicPr>
         <p:blipFill>
-          <a:blip r:embed="rId2"/>
+          <a:blip r:embed="rId1"/>
           <a:stretch>
             <a:fillRect/>
           </a:stretch>
@@ -5611,11 +5603,6 @@
         </p:spPr>
       </p:pic>
     </p:spTree>
-    <p:extLst>
-      <p:ext uri="{BB962C8B-B14F-4D97-AF65-F5344CB8AC3E}">
-        <p14:creationId xmlns:p14="http://schemas.microsoft.com/office/powerpoint/2010/main" val="2413296163"/>
-      </p:ext>
-    </p:extLst>
   </p:cSld>
   <p:clrMapOvr>
     <a:masterClrMapping/>
@@ -5669,8 +5656,8 @@
                     <a:lumMod val="75000"/>
                   </a:schemeClr>
                 </a:solidFill>
-                <a:latin typeface="Times New Roman" panose="02020603050405020304" pitchFamily="18" charset="0"/>
-                <a:cs typeface="Times New Roman" panose="02020603050405020304" pitchFamily="18" charset="0"/>
+                <a:latin typeface="Times New Roman" panose="02020503050405090304" pitchFamily="18" charset="0"/>
+                <a:cs typeface="Times New Roman" panose="02020503050405090304" pitchFamily="18" charset="0"/>
               </a:rPr>
               <a:t>Measurement Scale and Scale Types</a:t>
             </a:r>
@@ -5699,26 +5686,30 @@
             </a:pPr>
             <a:r>
               <a:rPr lang="en-US" dirty="0">
-                <a:latin typeface="Times New Roman" panose="02020603050405020304" pitchFamily="18" charset="0"/>
-                <a:cs typeface="Times New Roman" panose="02020603050405020304" pitchFamily="18" charset="0"/>
+                <a:latin typeface="Times New Roman" panose="02020503050405090304" pitchFamily="18" charset="0"/>
+                <a:cs typeface="Times New Roman" panose="02020503050405090304" pitchFamily="18" charset="0"/>
               </a:rPr>
               <a:t> </a:t>
             </a:r>
             <a:r>
               <a:rPr lang="en-US" dirty="0" smtClean="0">
-                <a:latin typeface="Times New Roman" panose="02020603050405020304" pitchFamily="18" charset="0"/>
-                <a:cs typeface="Times New Roman" panose="02020603050405020304" pitchFamily="18" charset="0"/>
+                <a:latin typeface="Times New Roman" panose="02020503050405090304" pitchFamily="18" charset="0"/>
+                <a:cs typeface="Times New Roman" panose="02020503050405090304" pitchFamily="18" charset="0"/>
               </a:rPr>
               <a:t>Three important questions concerning representation and scales:</a:t>
             </a:r>
+            <a:endParaRPr lang="en-US" dirty="0" smtClean="0">
+              <a:latin typeface="Times New Roman" panose="02020503050405090304" pitchFamily="18" charset="0"/>
+              <a:cs typeface="Times New Roman" panose="02020503050405090304" pitchFamily="18" charset="0"/>
+            </a:endParaRPr>
           </a:p>
           <a:p>
             <a:pPr marL="0" indent="0">
               <a:buNone/>
             </a:pPr>
             <a:endParaRPr lang="en-US" dirty="0" smtClean="0">
-              <a:latin typeface="Times New Roman" panose="02020603050405020304" pitchFamily="18" charset="0"/>
-              <a:cs typeface="Times New Roman" panose="02020603050405020304" pitchFamily="18" charset="0"/>
+              <a:latin typeface="Times New Roman" panose="02020503050405090304" pitchFamily="18" charset="0"/>
+              <a:cs typeface="Times New Roman" panose="02020503050405090304" pitchFamily="18" charset="0"/>
             </a:endParaRPr>
           </a:p>
           <a:p>
@@ -5728,18 +5719,22 @@
             </a:pPr>
             <a:r>
               <a:rPr lang="en-US" sz="2000" dirty="0" smtClean="0">
-                <a:latin typeface="Times New Roman" panose="02020603050405020304" pitchFamily="18" charset="0"/>
-                <a:cs typeface="Times New Roman" panose="02020603050405020304" pitchFamily="18" charset="0"/>
+                <a:latin typeface="Times New Roman" panose="02020503050405090304" pitchFamily="18" charset="0"/>
+                <a:cs typeface="Times New Roman" panose="02020503050405090304" pitchFamily="18" charset="0"/>
               </a:rPr>
               <a:t>How do we determine when one numerical relation system is preferable to another? (</a:t>
             </a:r>
             <a:r>
               <a:rPr lang="en-US" sz="2000" i="1" dirty="0" smtClean="0">
-                <a:latin typeface="Times New Roman" panose="02020603050405020304" pitchFamily="18" charset="0"/>
-                <a:cs typeface="Times New Roman" panose="02020603050405020304" pitchFamily="18" charset="0"/>
+                <a:latin typeface="Times New Roman" panose="02020503050405090304" pitchFamily="18" charset="0"/>
+                <a:cs typeface="Times New Roman" panose="02020503050405090304" pitchFamily="18" charset="0"/>
               </a:rPr>
               <a:t>The answer is pragmatic)</a:t>
             </a:r>
+            <a:endParaRPr lang="en-US" sz="2000" i="1" dirty="0" smtClean="0">
+              <a:latin typeface="Times New Roman" panose="02020503050405090304" pitchFamily="18" charset="0"/>
+              <a:cs typeface="Times New Roman" panose="02020503050405090304" pitchFamily="18" charset="0"/>
+            </a:endParaRPr>
           </a:p>
           <a:p>
             <a:pPr lvl="3" algn="just">
@@ -5748,18 +5743,22 @@
             </a:pPr>
             <a:r>
               <a:rPr lang="en-US" sz="2000" dirty="0" smtClean="0">
-                <a:latin typeface="Times New Roman" panose="02020603050405020304" pitchFamily="18" charset="0"/>
-                <a:cs typeface="Times New Roman" panose="02020603050405020304" pitchFamily="18" charset="0"/>
+                <a:latin typeface="Times New Roman" panose="02020503050405090304" pitchFamily="18" charset="0"/>
+                <a:cs typeface="Times New Roman" panose="02020503050405090304" pitchFamily="18" charset="0"/>
               </a:rPr>
               <a:t>How do we know if a particular empirical relation system has a representation in a given numerical relation system? </a:t>
             </a:r>
             <a:r>
               <a:rPr lang="en-US" sz="2000" i="1" dirty="0" smtClean="0">
-                <a:latin typeface="Times New Roman" panose="02020603050405020304" pitchFamily="18" charset="0"/>
-                <a:cs typeface="Times New Roman" panose="02020603050405020304" pitchFamily="18" charset="0"/>
+                <a:latin typeface="Times New Roman" panose="02020503050405090304" pitchFamily="18" charset="0"/>
+                <a:cs typeface="Times New Roman" panose="02020503050405090304" pitchFamily="18" charset="0"/>
               </a:rPr>
               <a:t>(A representation problem)</a:t>
             </a:r>
+            <a:endParaRPr lang="en-US" sz="2000" i="1" dirty="0" smtClean="0">
+              <a:latin typeface="Times New Roman" panose="02020503050405090304" pitchFamily="18" charset="0"/>
+              <a:cs typeface="Times New Roman" panose="02020503050405090304" pitchFamily="18" charset="0"/>
+            </a:endParaRPr>
           </a:p>
           <a:p>
             <a:pPr lvl="3" algn="just">
@@ -5768,18 +5767,22 @@
             </a:pPr>
             <a:r>
               <a:rPr lang="en-US" sz="2000" b="1" dirty="0" smtClean="0">
-                <a:latin typeface="Times New Roman" panose="02020603050405020304" pitchFamily="18" charset="0"/>
-                <a:cs typeface="Times New Roman" panose="02020603050405020304" pitchFamily="18" charset="0"/>
+                <a:latin typeface="Times New Roman" panose="02020503050405090304" pitchFamily="18" charset="0"/>
+                <a:cs typeface="Times New Roman" panose="02020503050405090304" pitchFamily="18" charset="0"/>
               </a:rPr>
               <a:t>What do we do when we have several different possible representation in the same numerical relation system? </a:t>
             </a:r>
             <a:r>
               <a:rPr lang="en-US" sz="2000" b="1" i="1" dirty="0" smtClean="0">
-                <a:latin typeface="Times New Roman" panose="02020603050405020304" pitchFamily="18" charset="0"/>
-                <a:cs typeface="Times New Roman" panose="02020603050405020304" pitchFamily="18" charset="0"/>
+                <a:latin typeface="Times New Roman" panose="02020503050405090304" pitchFamily="18" charset="0"/>
+                <a:cs typeface="Times New Roman" panose="02020503050405090304" pitchFamily="18" charset="0"/>
               </a:rPr>
               <a:t>(The uniqueness problem)</a:t>
             </a:r>
+            <a:endParaRPr lang="en-US" sz="2000" b="1" i="1" dirty="0" smtClean="0">
+              <a:latin typeface="Times New Roman" panose="02020503050405090304" pitchFamily="18" charset="0"/>
+              <a:cs typeface="Times New Roman" panose="02020503050405090304" pitchFamily="18" charset="0"/>
+            </a:endParaRPr>
           </a:p>
           <a:p>
             <a:pPr lvl="3">
@@ -5787,8 +5790,8 @@
               <a:buChar char="§"/>
             </a:pPr>
             <a:endParaRPr lang="en-US" sz="2000" dirty="0">
-              <a:latin typeface="Times New Roman" panose="02020603050405020304" pitchFamily="18" charset="0"/>
-              <a:cs typeface="Times New Roman" panose="02020603050405020304" pitchFamily="18" charset="0"/>
+              <a:latin typeface="Times New Roman" panose="02020503050405090304" pitchFamily="18" charset="0"/>
+              <a:cs typeface="Times New Roman" panose="02020503050405090304" pitchFamily="18" charset="0"/>
             </a:endParaRPr>
           </a:p>
         </p:txBody>
@@ -5810,18 +5813,12 @@
           <a:p>
             <a:fld id="{D783A4F0-891E-44AD-B162-AD1ECFE5DF4E}" type="slidenum">
               <a:rPr lang="en-US" smtClean="0"/>
-              <a:t>17</a:t>
             </a:fld>
             <a:endParaRPr lang="en-US"/>
           </a:p>
         </p:txBody>
       </p:sp>
     </p:spTree>
-    <p:extLst>
-      <p:ext uri="{BB962C8B-B14F-4D97-AF65-F5344CB8AC3E}">
-        <p14:creationId xmlns:p14="http://schemas.microsoft.com/office/powerpoint/2010/main" val="1210825847"/>
-      </p:ext>
-    </p:extLst>
   </p:cSld>
   <p:clrMapOvr>
     <a:masterClrMapping/>
@@ -5875,8 +5872,8 @@
                     <a:lumMod val="75000"/>
                   </a:schemeClr>
                 </a:solidFill>
-                <a:latin typeface="Times New Roman" panose="02020603050405020304" pitchFamily="18" charset="0"/>
-                <a:cs typeface="Times New Roman" panose="02020603050405020304" pitchFamily="18" charset="0"/>
+                <a:latin typeface="Times New Roman" panose="02020503050405090304" pitchFamily="18" charset="0"/>
+                <a:cs typeface="Times New Roman" panose="02020503050405090304" pitchFamily="18" charset="0"/>
               </a:rPr>
               <a:t>Measurement Scale and Scale Types</a:t>
             </a:r>
@@ -5905,18 +5902,22 @@
             </a:pPr>
             <a:r>
               <a:rPr lang="en-US" dirty="0">
-                <a:latin typeface="Times New Roman" panose="02020603050405020304" pitchFamily="18" charset="0"/>
-                <a:cs typeface="Times New Roman" panose="02020603050405020304" pitchFamily="18" charset="0"/>
+                <a:latin typeface="Times New Roman" panose="02020503050405090304" pitchFamily="18" charset="0"/>
+                <a:cs typeface="Times New Roman" panose="02020503050405090304" pitchFamily="18" charset="0"/>
               </a:rPr>
               <a:t> </a:t>
             </a:r>
             <a:r>
               <a:rPr lang="en-US" dirty="0" smtClean="0">
-                <a:latin typeface="Times New Roman" panose="02020603050405020304" pitchFamily="18" charset="0"/>
-                <a:cs typeface="Times New Roman" panose="02020603050405020304" pitchFamily="18" charset="0"/>
+                <a:latin typeface="Times New Roman" panose="02020503050405090304" pitchFamily="18" charset="0"/>
+                <a:cs typeface="Times New Roman" panose="02020503050405090304" pitchFamily="18" charset="0"/>
               </a:rPr>
               <a:t>Five major types of measurement scale</a:t>
             </a:r>
+            <a:endParaRPr lang="en-US" dirty="0" smtClean="0">
+              <a:latin typeface="Times New Roman" panose="02020503050405090304" pitchFamily="18" charset="0"/>
+              <a:cs typeface="Times New Roman" panose="02020503050405090304" pitchFamily="18" charset="0"/>
+            </a:endParaRPr>
           </a:p>
           <a:p>
             <a:pPr marL="457200" indent="-457200">
@@ -5925,11 +5926,15 @@
             </a:pPr>
             <a:r>
               <a:rPr lang="en-US" i="1" dirty="0" smtClean="0">
-                <a:latin typeface="Times New Roman" panose="02020603050405020304" pitchFamily="18" charset="0"/>
-                <a:cs typeface="Times New Roman" panose="02020603050405020304" pitchFamily="18" charset="0"/>
+                <a:latin typeface="Times New Roman" panose="02020503050405090304" pitchFamily="18" charset="0"/>
+                <a:cs typeface="Times New Roman" panose="02020503050405090304" pitchFamily="18" charset="0"/>
               </a:rPr>
               <a:t>Nominal</a:t>
             </a:r>
+            <a:endParaRPr lang="en-US" i="1" dirty="0" smtClean="0">
+              <a:latin typeface="Times New Roman" panose="02020503050405090304" pitchFamily="18" charset="0"/>
+              <a:cs typeface="Times New Roman" panose="02020503050405090304" pitchFamily="18" charset="0"/>
+            </a:endParaRPr>
           </a:p>
           <a:p>
             <a:pPr marL="457200" indent="-457200">
@@ -5938,11 +5943,15 @@
             </a:pPr>
             <a:r>
               <a:rPr lang="en-US" sz="2000" i="1" dirty="0" smtClean="0">
-                <a:latin typeface="Times New Roman" panose="02020603050405020304" pitchFamily="18" charset="0"/>
-                <a:cs typeface="Times New Roman" panose="02020603050405020304" pitchFamily="18" charset="0"/>
+                <a:latin typeface="Times New Roman" panose="02020503050405090304" pitchFamily="18" charset="0"/>
+                <a:cs typeface="Times New Roman" panose="02020503050405090304" pitchFamily="18" charset="0"/>
               </a:rPr>
               <a:t>Ordinal</a:t>
             </a:r>
+            <a:endParaRPr lang="en-US" sz="2000" i="1" dirty="0" smtClean="0">
+              <a:latin typeface="Times New Roman" panose="02020503050405090304" pitchFamily="18" charset="0"/>
+              <a:cs typeface="Times New Roman" panose="02020503050405090304" pitchFamily="18" charset="0"/>
+            </a:endParaRPr>
           </a:p>
           <a:p>
             <a:pPr marL="457200" indent="-457200">
@@ -5951,11 +5960,15 @@
             </a:pPr>
             <a:r>
               <a:rPr lang="en-US" i="1" dirty="0" smtClean="0">
-                <a:latin typeface="Times New Roman" panose="02020603050405020304" pitchFamily="18" charset="0"/>
-                <a:cs typeface="Times New Roman" panose="02020603050405020304" pitchFamily="18" charset="0"/>
+                <a:latin typeface="Times New Roman" panose="02020503050405090304" pitchFamily="18" charset="0"/>
+                <a:cs typeface="Times New Roman" panose="02020503050405090304" pitchFamily="18" charset="0"/>
               </a:rPr>
               <a:t>Interval</a:t>
             </a:r>
+            <a:endParaRPr lang="en-US" i="1" dirty="0" smtClean="0">
+              <a:latin typeface="Times New Roman" panose="02020503050405090304" pitchFamily="18" charset="0"/>
+              <a:cs typeface="Times New Roman" panose="02020503050405090304" pitchFamily="18" charset="0"/>
+            </a:endParaRPr>
           </a:p>
           <a:p>
             <a:pPr marL="457200" indent="-457200">
@@ -5964,11 +5977,15 @@
             </a:pPr>
             <a:r>
               <a:rPr lang="en-US" sz="2000" i="1" dirty="0" smtClean="0">
-                <a:latin typeface="Times New Roman" panose="02020603050405020304" pitchFamily="18" charset="0"/>
-                <a:cs typeface="Times New Roman" panose="02020603050405020304" pitchFamily="18" charset="0"/>
+                <a:latin typeface="Times New Roman" panose="02020503050405090304" pitchFamily="18" charset="0"/>
+                <a:cs typeface="Times New Roman" panose="02020503050405090304" pitchFamily="18" charset="0"/>
               </a:rPr>
               <a:t>Ratio</a:t>
             </a:r>
+            <a:endParaRPr lang="en-US" sz="2000" i="1" dirty="0" smtClean="0">
+              <a:latin typeface="Times New Roman" panose="02020503050405090304" pitchFamily="18" charset="0"/>
+              <a:cs typeface="Times New Roman" panose="02020503050405090304" pitchFamily="18" charset="0"/>
+            </a:endParaRPr>
           </a:p>
           <a:p>
             <a:pPr marL="457200" indent="-457200">
@@ -5977,14 +5994,14 @@
             </a:pPr>
             <a:r>
               <a:rPr lang="en-US" i="1" dirty="0" smtClean="0">
-                <a:latin typeface="Times New Roman" panose="02020603050405020304" pitchFamily="18" charset="0"/>
-                <a:cs typeface="Times New Roman" panose="02020603050405020304" pitchFamily="18" charset="0"/>
+                <a:latin typeface="Times New Roman" panose="02020503050405090304" pitchFamily="18" charset="0"/>
+                <a:cs typeface="Times New Roman" panose="02020503050405090304" pitchFamily="18" charset="0"/>
               </a:rPr>
               <a:t>Absolute</a:t>
             </a:r>
             <a:endParaRPr lang="en-US" sz="2000" i="1" dirty="0" smtClean="0">
-              <a:latin typeface="Times New Roman" panose="02020603050405020304" pitchFamily="18" charset="0"/>
-              <a:cs typeface="Times New Roman" panose="02020603050405020304" pitchFamily="18" charset="0"/>
+              <a:latin typeface="Times New Roman" panose="02020503050405090304" pitchFamily="18" charset="0"/>
+              <a:cs typeface="Times New Roman" panose="02020503050405090304" pitchFamily="18" charset="0"/>
             </a:endParaRPr>
           </a:p>
           <a:p>
@@ -5993,8 +6010,8 @@
               <a:buChar char="§"/>
             </a:pPr>
             <a:endParaRPr lang="en-US" sz="2000" dirty="0">
-              <a:latin typeface="Times New Roman" panose="02020603050405020304" pitchFamily="18" charset="0"/>
-              <a:cs typeface="Times New Roman" panose="02020603050405020304" pitchFamily="18" charset="0"/>
+              <a:latin typeface="Times New Roman" panose="02020503050405090304" pitchFamily="18" charset="0"/>
+              <a:cs typeface="Times New Roman" panose="02020503050405090304" pitchFamily="18" charset="0"/>
             </a:endParaRPr>
           </a:p>
         </p:txBody>
@@ -6016,18 +6033,12 @@
           <a:p>
             <a:fld id="{D783A4F0-891E-44AD-B162-AD1ECFE5DF4E}" type="slidenum">
               <a:rPr lang="en-US" smtClean="0"/>
-              <a:t>18</a:t>
             </a:fld>
             <a:endParaRPr lang="en-US"/>
           </a:p>
         </p:txBody>
       </p:sp>
     </p:spTree>
-    <p:extLst>
-      <p:ext uri="{BB962C8B-B14F-4D97-AF65-F5344CB8AC3E}">
-        <p14:creationId xmlns:p14="http://schemas.microsoft.com/office/powerpoint/2010/main" val="3162567062"/>
-      </p:ext>
-    </p:extLst>
   </p:cSld>
   <p:clrMapOvr>
     <a:masterClrMapping/>
@@ -6081,8 +6092,8 @@
                     <a:lumMod val="75000"/>
                   </a:schemeClr>
                 </a:solidFill>
-                <a:latin typeface="Times New Roman" panose="02020603050405020304" pitchFamily="18" charset="0"/>
-                <a:cs typeface="Times New Roman" panose="02020603050405020304" pitchFamily="18" charset="0"/>
+                <a:latin typeface="Times New Roman" panose="02020503050405090304" pitchFamily="18" charset="0"/>
+                <a:cs typeface="Times New Roman" panose="02020503050405090304" pitchFamily="18" charset="0"/>
               </a:rPr>
               <a:t>Nominal Scale Type</a:t>
             </a:r>
@@ -6114,29 +6125,29 @@
           <a:p>
             <a:pPr algn="just"/>
             <a:endParaRPr lang="en-US" dirty="0" smtClean="0">
-              <a:latin typeface="Times New Roman" panose="02020603050405020304" pitchFamily="18" charset="0"/>
-              <a:cs typeface="Times New Roman" panose="02020603050405020304" pitchFamily="18" charset="0"/>
+              <a:latin typeface="Times New Roman" panose="02020503050405090304" pitchFamily="18" charset="0"/>
+              <a:cs typeface="Times New Roman" panose="02020503050405090304" pitchFamily="18" charset="0"/>
             </a:endParaRPr>
           </a:p>
           <a:p>
             <a:pPr algn="just"/>
             <a:r>
               <a:rPr lang="en-US" dirty="0" smtClean="0">
-                <a:latin typeface="Times New Roman" panose="02020603050405020304" pitchFamily="18" charset="0"/>
-                <a:cs typeface="Times New Roman" panose="02020603050405020304" pitchFamily="18" charset="0"/>
+                <a:latin typeface="Times New Roman" panose="02020503050405090304" pitchFamily="18" charset="0"/>
+                <a:cs typeface="Times New Roman" panose="02020503050405090304" pitchFamily="18" charset="0"/>
               </a:rPr>
               <a:t>Nominal scale measurement places elements in a classification scheme. The classes are not ordered. It has two </a:t>
             </a:r>
             <a:r>
               <a:rPr lang="en-US" dirty="0">
-                <a:latin typeface="Times New Roman" panose="02020603050405020304" pitchFamily="18" charset="0"/>
-                <a:cs typeface="Times New Roman" panose="02020603050405020304" pitchFamily="18" charset="0"/>
+                <a:latin typeface="Times New Roman" panose="02020503050405090304" pitchFamily="18" charset="0"/>
+                <a:cs typeface="Times New Roman" panose="02020503050405090304" pitchFamily="18" charset="0"/>
               </a:rPr>
               <a:t>major characteristics: </a:t>
             </a:r>
             <a:endParaRPr lang="en-US" dirty="0" smtClean="0">
-              <a:latin typeface="Times New Roman" panose="02020603050405020304" pitchFamily="18" charset="0"/>
-              <a:cs typeface="Times New Roman" panose="02020603050405020304" pitchFamily="18" charset="0"/>
+              <a:latin typeface="Times New Roman" panose="02020503050405090304" pitchFamily="18" charset="0"/>
+              <a:cs typeface="Times New Roman" panose="02020503050405090304" pitchFamily="18" charset="0"/>
             </a:endParaRPr>
           </a:p>
           <a:p>
@@ -6146,25 +6157,29 @@
             </a:pPr>
             <a:r>
               <a:rPr lang="en-US" dirty="0" smtClean="0">
-                <a:latin typeface="Times New Roman" panose="02020603050405020304" pitchFamily="18" charset="0"/>
-                <a:cs typeface="Times New Roman" panose="02020603050405020304" pitchFamily="18" charset="0"/>
+                <a:latin typeface="Times New Roman" panose="02020503050405090304" pitchFamily="18" charset="0"/>
+                <a:cs typeface="Times New Roman" panose="02020503050405090304" pitchFamily="18" charset="0"/>
               </a:rPr>
               <a:t>1</a:t>
             </a:r>
             <a:r>
               <a:rPr lang="en-US" dirty="0">
-                <a:latin typeface="Times New Roman" panose="02020603050405020304" pitchFamily="18" charset="0"/>
-                <a:cs typeface="Times New Roman" panose="02020603050405020304" pitchFamily="18" charset="0"/>
+                <a:latin typeface="Times New Roman" panose="02020503050405090304" pitchFamily="18" charset="0"/>
+                <a:cs typeface="Times New Roman" panose="02020503050405090304" pitchFamily="18" charset="0"/>
               </a:rPr>
               <a:t>. The empirical relation system consists only of different classes; there is no notion of ordering among the classes</a:t>
             </a:r>
             <a:r>
               <a:rPr lang="en-US" dirty="0" smtClean="0">
-                <a:latin typeface="Times New Roman" panose="02020603050405020304" pitchFamily="18" charset="0"/>
-                <a:cs typeface="Times New Roman" panose="02020603050405020304" pitchFamily="18" charset="0"/>
+                <a:latin typeface="Times New Roman" panose="02020503050405090304" pitchFamily="18" charset="0"/>
+                <a:cs typeface="Times New Roman" panose="02020503050405090304" pitchFamily="18" charset="0"/>
               </a:rPr>
               <a:t>.</a:t>
             </a:r>
+            <a:endParaRPr lang="en-US" dirty="0" smtClean="0">
+              <a:latin typeface="Times New Roman" panose="02020503050405090304" pitchFamily="18" charset="0"/>
+              <a:cs typeface="Times New Roman" panose="02020503050405090304" pitchFamily="18" charset="0"/>
+            </a:endParaRPr>
           </a:p>
           <a:p>
             <a:pPr algn="just">
@@ -6173,18 +6188,22 @@
             </a:pPr>
             <a:r>
               <a:rPr lang="en-US" dirty="0" smtClean="0">
-                <a:latin typeface="Times New Roman" panose="02020603050405020304" pitchFamily="18" charset="0"/>
-                <a:cs typeface="Times New Roman" panose="02020603050405020304" pitchFamily="18" charset="0"/>
+                <a:latin typeface="Times New Roman" panose="02020503050405090304" pitchFamily="18" charset="0"/>
+                <a:cs typeface="Times New Roman" panose="02020503050405090304" pitchFamily="18" charset="0"/>
               </a:rPr>
               <a:t>2</a:t>
             </a:r>
             <a:r>
               <a:rPr lang="en-US" dirty="0">
-                <a:latin typeface="Times New Roman" panose="02020603050405020304" pitchFamily="18" charset="0"/>
-                <a:cs typeface="Times New Roman" panose="02020603050405020304" pitchFamily="18" charset="0"/>
+                <a:latin typeface="Times New Roman" panose="02020503050405090304" pitchFamily="18" charset="0"/>
+                <a:cs typeface="Times New Roman" panose="02020503050405090304" pitchFamily="18" charset="0"/>
               </a:rPr>
               <a:t>. Any distinct numbering or symbolic representation of the classes is an acceptable measure </a:t>
             </a:r>
+            <a:endParaRPr lang="en-US" dirty="0">
+              <a:latin typeface="Times New Roman" panose="02020503050405090304" pitchFamily="18" charset="0"/>
+              <a:cs typeface="Times New Roman" panose="02020503050405090304" pitchFamily="18" charset="0"/>
+            </a:endParaRPr>
           </a:p>
           <a:p>
             <a:pPr lvl="3">
@@ -6192,8 +6211,8 @@
               <a:buChar char="§"/>
             </a:pPr>
             <a:endParaRPr lang="en-US" sz="2000" dirty="0">
-              <a:latin typeface="Times New Roman" panose="02020603050405020304" pitchFamily="18" charset="0"/>
-              <a:cs typeface="Times New Roman" panose="02020603050405020304" pitchFamily="18" charset="0"/>
+              <a:latin typeface="Times New Roman" panose="02020503050405090304" pitchFamily="18" charset="0"/>
+              <a:cs typeface="Times New Roman" panose="02020503050405090304" pitchFamily="18" charset="0"/>
             </a:endParaRPr>
           </a:p>
         </p:txBody>
@@ -6215,7 +6234,6 @@
           <a:p>
             <a:fld id="{D783A4F0-891E-44AD-B162-AD1ECFE5DF4E}" type="slidenum">
               <a:rPr lang="en-US" smtClean="0"/>
-              <a:t>19</a:t>
             </a:fld>
             <a:endParaRPr lang="en-US"/>
           </a:p>
@@ -6224,9 +6242,7 @@
       <p:sp>
         <p:nvSpPr>
           <p:cNvPr id="5" name="Content Placeholder 2"/>
-          <p:cNvSpPr txBox="1">
-            <a:spLocks/>
-          </p:cNvSpPr>
+          <p:cNvSpPr txBox="1"/>
           <p:nvPr/>
         </p:nvSpPr>
         <p:spPr>
@@ -6271,7 +6287,7 @@
                 <a:cs typeface="+mn-cs"/>
               </a:defRPr>
             </a:lvl1pPr>
-            <a:lvl2pPr marL="384048" indent="-182880" algn="l" defTabSz="914400" rtl="0" eaLnBrk="1" latinLnBrk="0" hangingPunct="1">
+            <a:lvl2pPr marL="384175" indent="-182880" algn="l" defTabSz="914400" rtl="0" eaLnBrk="1" latinLnBrk="0" hangingPunct="1">
               <a:lnSpc>
                 <a:spcPct val="90000"/>
               </a:lnSpc>
@@ -6284,7 +6300,7 @@
               <a:buClr>
                 <a:schemeClr val="accent1"/>
               </a:buClr>
-              <a:buFont typeface="Calibri" pitchFamily="34" charset="0"/>
+              <a:buFont typeface="Calibri" panose="020F0502020204030204" pitchFamily="34" charset="0"/>
               <a:buChar char="◦"/>
               <a:defRPr sz="1800" kern="1200">
                 <a:solidFill>
@@ -6298,7 +6314,7 @@
                 <a:cs typeface="+mn-cs"/>
               </a:defRPr>
             </a:lvl2pPr>
-            <a:lvl3pPr marL="566928" indent="-182880" algn="l" defTabSz="914400" rtl="0" eaLnBrk="1" latinLnBrk="0" hangingPunct="1">
+            <a:lvl3pPr marL="567055" indent="-182880" algn="l" defTabSz="914400" rtl="0" eaLnBrk="1" latinLnBrk="0" hangingPunct="1">
               <a:lnSpc>
                 <a:spcPct val="90000"/>
               </a:lnSpc>
@@ -6311,7 +6327,7 @@
               <a:buClr>
                 <a:schemeClr val="accent1"/>
               </a:buClr>
-              <a:buFont typeface="Calibri" pitchFamily="34" charset="0"/>
+              <a:buFont typeface="Calibri" panose="020F0502020204030204" pitchFamily="34" charset="0"/>
               <a:buChar char="◦"/>
               <a:defRPr sz="1400" kern="1200">
                 <a:solidFill>
@@ -6325,7 +6341,7 @@
                 <a:cs typeface="+mn-cs"/>
               </a:defRPr>
             </a:lvl3pPr>
-            <a:lvl4pPr marL="749808" indent="-182880" algn="l" defTabSz="914400" rtl="0" eaLnBrk="1" latinLnBrk="0" hangingPunct="1">
+            <a:lvl4pPr marL="749935" indent="-182880" algn="l" defTabSz="914400" rtl="0" eaLnBrk="1" latinLnBrk="0" hangingPunct="1">
               <a:lnSpc>
                 <a:spcPct val="90000"/>
               </a:lnSpc>
@@ -6338,7 +6354,7 @@
               <a:buClr>
                 <a:schemeClr val="accent1"/>
               </a:buClr>
-              <a:buFont typeface="Calibri" pitchFamily="34" charset="0"/>
+              <a:buFont typeface="Calibri" panose="020F0502020204030204" pitchFamily="34" charset="0"/>
               <a:buChar char="◦"/>
               <a:defRPr sz="1400" kern="1200">
                 <a:solidFill>
@@ -6352,7 +6368,7 @@
                 <a:cs typeface="+mn-cs"/>
               </a:defRPr>
             </a:lvl4pPr>
-            <a:lvl5pPr marL="932688" indent="-182880" algn="l" defTabSz="914400" rtl="0" eaLnBrk="1" latinLnBrk="0" hangingPunct="1">
+            <a:lvl5pPr marL="932815" indent="-182880" algn="l" defTabSz="914400" rtl="0" eaLnBrk="1" latinLnBrk="0" hangingPunct="1">
               <a:lnSpc>
                 <a:spcPct val="90000"/>
               </a:lnSpc>
@@ -6365,7 +6381,7 @@
               <a:buClr>
                 <a:schemeClr val="accent1"/>
               </a:buClr>
-              <a:buFont typeface="Calibri" pitchFamily="34" charset="0"/>
+              <a:buFont typeface="Calibri" panose="020F0502020204030204" pitchFamily="34" charset="0"/>
               <a:buChar char="◦"/>
               <a:defRPr sz="1400" kern="1200">
                 <a:solidFill>
@@ -6379,7 +6395,7 @@
                 <a:cs typeface="+mn-cs"/>
               </a:defRPr>
             </a:lvl5pPr>
-            <a:lvl6pPr marL="1100000" indent="-228600" algn="l" defTabSz="914400" rtl="0" eaLnBrk="1" latinLnBrk="0" hangingPunct="1">
+            <a:lvl6pPr marL="1099820" indent="-228600" algn="l" defTabSz="914400" rtl="0" eaLnBrk="1" latinLnBrk="0" hangingPunct="1">
               <a:lnSpc>
                 <a:spcPct val="90000"/>
               </a:lnSpc>
@@ -6392,7 +6408,7 @@
               <a:buClr>
                 <a:schemeClr val="accent1"/>
               </a:buClr>
-              <a:buFont typeface="Calibri" pitchFamily="34" charset="0"/>
+              <a:buFont typeface="Calibri" panose="020F0502020204030204" pitchFamily="34" charset="0"/>
               <a:buChar char="◦"/>
               <a:defRPr sz="1400" kern="1200">
                 <a:solidFill>
@@ -6406,7 +6422,7 @@
                 <a:cs typeface="+mn-cs"/>
               </a:defRPr>
             </a:lvl6pPr>
-            <a:lvl7pPr marL="1300000" indent="-228600" algn="l" defTabSz="914400" rtl="0" eaLnBrk="1" latinLnBrk="0" hangingPunct="1">
+            <a:lvl7pPr marL="1299845" indent="-228600" algn="l" defTabSz="914400" rtl="0" eaLnBrk="1" latinLnBrk="0" hangingPunct="1">
               <a:lnSpc>
                 <a:spcPct val="90000"/>
               </a:lnSpc>
@@ -6419,7 +6435,7 @@
               <a:buClr>
                 <a:schemeClr val="accent1"/>
               </a:buClr>
-              <a:buFont typeface="Calibri" pitchFamily="34" charset="0"/>
+              <a:buFont typeface="Calibri" panose="020F0502020204030204" pitchFamily="34" charset="0"/>
               <a:buChar char="◦"/>
               <a:defRPr sz="1400" kern="1200">
                 <a:solidFill>
@@ -6433,7 +6449,7 @@
                 <a:cs typeface="+mn-cs"/>
               </a:defRPr>
             </a:lvl7pPr>
-            <a:lvl8pPr marL="1500000" indent="-228600" algn="l" defTabSz="914400" rtl="0" eaLnBrk="1" latinLnBrk="0" hangingPunct="1">
+            <a:lvl8pPr marL="1499870" indent="-228600" algn="l" defTabSz="914400" rtl="0" eaLnBrk="1" latinLnBrk="0" hangingPunct="1">
               <a:lnSpc>
                 <a:spcPct val="90000"/>
               </a:lnSpc>
@@ -6446,7 +6462,7 @@
               <a:buClr>
                 <a:schemeClr val="accent1"/>
               </a:buClr>
-              <a:buFont typeface="Calibri" pitchFamily="34" charset="0"/>
+              <a:buFont typeface="Calibri" panose="020F0502020204030204" pitchFamily="34" charset="0"/>
               <a:buChar char="◦"/>
               <a:defRPr sz="1400" kern="1200">
                 <a:solidFill>
@@ -6460,7 +6476,7 @@
                 <a:cs typeface="+mn-cs"/>
               </a:defRPr>
             </a:lvl8pPr>
-            <a:lvl9pPr marL="1700000" indent="-228600" algn="l" defTabSz="914400" rtl="0" eaLnBrk="1" latinLnBrk="0" hangingPunct="1">
+            <a:lvl9pPr marL="1699895" indent="-228600" algn="l" defTabSz="914400" rtl="0" eaLnBrk="1" latinLnBrk="0" hangingPunct="1">
               <a:lnSpc>
                 <a:spcPct val="90000"/>
               </a:lnSpc>
@@ -6473,7 +6489,7 @@
               <a:buClr>
                 <a:schemeClr val="accent1"/>
               </a:buClr>
-              <a:buFont typeface="Calibri" pitchFamily="34" charset="0"/>
+              <a:buFont typeface="Calibri" panose="020F0502020204030204" pitchFamily="34" charset="0"/>
               <a:buChar char="◦"/>
               <a:defRPr sz="1400" kern="1200">
                 <a:solidFill>
@@ -6492,24 +6508,28 @@
             <a:pPr algn="just"/>
             <a:r>
               <a:rPr lang="en-US" dirty="0" smtClean="0">
-                <a:latin typeface="Times New Roman" panose="02020603050405020304" pitchFamily="18" charset="0"/>
-                <a:cs typeface="Times New Roman" panose="02020603050405020304" pitchFamily="18" charset="0"/>
+                <a:latin typeface="Times New Roman" panose="02020503050405090304" pitchFamily="18" charset="0"/>
+                <a:cs typeface="Times New Roman" panose="02020503050405090304" pitchFamily="18" charset="0"/>
               </a:rPr>
               <a:t>Example: </a:t>
             </a:r>
             <a:r>
               <a:rPr lang="en-US" i="1" dirty="0" smtClean="0">
-                <a:latin typeface="Times New Roman" panose="02020603050405020304" pitchFamily="18" charset="0"/>
-                <a:cs typeface="Times New Roman" panose="02020603050405020304" pitchFamily="18" charset="0"/>
+                <a:latin typeface="Times New Roman" panose="02020503050405090304" pitchFamily="18" charset="0"/>
+                <a:cs typeface="Times New Roman" panose="02020503050405090304" pitchFamily="18" charset="0"/>
               </a:rPr>
               <a:t>Suppose we are investigating the set of all known software faults. </a:t>
             </a:r>
+            <a:endParaRPr lang="en-US" i="1" dirty="0" smtClean="0">
+              <a:latin typeface="Times New Roman" panose="02020503050405090304" pitchFamily="18" charset="0"/>
+              <a:cs typeface="Times New Roman" panose="02020503050405090304" pitchFamily="18" charset="0"/>
+            </a:endParaRPr>
           </a:p>
           <a:p>
             <a:pPr algn="just"/>
             <a:endParaRPr lang="en-US" dirty="0" smtClean="0">
-              <a:latin typeface="Times New Roman" panose="02020603050405020304" pitchFamily="18" charset="0"/>
-              <a:cs typeface="Times New Roman" panose="02020603050405020304" pitchFamily="18" charset="0"/>
+              <a:latin typeface="Times New Roman" panose="02020503050405090304" pitchFamily="18" charset="0"/>
+              <a:cs typeface="Times New Roman" panose="02020503050405090304" pitchFamily="18" charset="0"/>
             </a:endParaRPr>
           </a:p>
           <a:p>
@@ -6518,8 +6538,8 @@
               <a:buChar char="§"/>
             </a:pPr>
             <a:endParaRPr lang="en-US" sz="2000" dirty="0">
-              <a:latin typeface="Times New Roman" panose="02020603050405020304" pitchFamily="18" charset="0"/>
-              <a:cs typeface="Times New Roman" panose="02020603050405020304" pitchFamily="18" charset="0"/>
+              <a:latin typeface="Times New Roman" panose="02020503050405090304" pitchFamily="18" charset="0"/>
+              <a:cs typeface="Times New Roman" panose="02020503050405090304" pitchFamily="18" charset="0"/>
             </a:endParaRPr>
           </a:p>
         </p:txBody>
@@ -6533,7 +6553,7 @@
           <p:nvPr/>
         </p:nvPicPr>
         <p:blipFill>
-          <a:blip r:embed="rId2"/>
+          <a:blip r:embed="rId1"/>
           <a:stretch>
             <a:fillRect/>
           </a:stretch>
@@ -6549,11 +6569,6 @@
         </p:spPr>
       </p:pic>
     </p:spTree>
-    <p:extLst>
-      <p:ext uri="{BB962C8B-B14F-4D97-AF65-F5344CB8AC3E}">
-        <p14:creationId xmlns:p14="http://schemas.microsoft.com/office/powerpoint/2010/main" val="2326774130"/>
-      </p:ext>
-    </p:extLst>
   </p:cSld>
   <p:clrMapOvr>
     <a:masterClrMapping/>
@@ -6607,8 +6622,8 @@
                     <a:lumMod val="75000"/>
                   </a:schemeClr>
                 </a:solidFill>
-                <a:latin typeface="Times New Roman" panose="02020603050405020304" pitchFamily="18" charset="0"/>
-                <a:cs typeface="Times New Roman" panose="02020603050405020304" pitchFamily="18" charset="0"/>
+                <a:latin typeface="Times New Roman" panose="02020503050405090304" pitchFamily="18" charset="0"/>
+                <a:cs typeface="Times New Roman" panose="02020503050405090304" pitchFamily="18" charset="0"/>
               </a:rPr>
               <a:t>Representation Theory of Measurement</a:t>
             </a:r>
@@ -6618,8 +6633,8 @@
                   <a:lumMod val="75000"/>
                 </a:schemeClr>
               </a:solidFill>
-              <a:latin typeface="Times New Roman" panose="02020603050405020304" pitchFamily="18" charset="0"/>
-              <a:cs typeface="Times New Roman" panose="02020603050405020304" pitchFamily="18" charset="0"/>
+              <a:latin typeface="Times New Roman" panose="02020503050405090304" pitchFamily="18" charset="0"/>
+              <a:cs typeface="Times New Roman" panose="02020503050405090304" pitchFamily="18" charset="0"/>
             </a:endParaRPr>
           </a:p>
         </p:txBody>
@@ -6647,25 +6662,29 @@
             </a:pPr>
             <a:r>
               <a:rPr lang="en-US" sz="3200" dirty="0" smtClean="0">
-                <a:latin typeface="Times New Roman" panose="02020603050405020304" pitchFamily="18" charset="0"/>
-                <a:cs typeface="Times New Roman" panose="02020603050405020304" pitchFamily="18" charset="0"/>
+                <a:latin typeface="Times New Roman" panose="02020503050405090304" pitchFamily="18" charset="0"/>
+                <a:cs typeface="Times New Roman" panose="02020503050405090304" pitchFamily="18" charset="0"/>
               </a:rPr>
               <a:t>The </a:t>
             </a:r>
             <a:r>
               <a:rPr lang="en-US" sz="3200" i="1" dirty="0">
-                <a:latin typeface="Times New Roman" panose="02020603050405020304" pitchFamily="18" charset="0"/>
-                <a:cs typeface="Times New Roman" panose="02020603050405020304" pitchFamily="18" charset="0"/>
+                <a:latin typeface="Times New Roman" panose="02020503050405090304" pitchFamily="18" charset="0"/>
+                <a:cs typeface="Times New Roman" panose="02020503050405090304" pitchFamily="18" charset="0"/>
               </a:rPr>
               <a:t>representational theory of measurement </a:t>
             </a:r>
             <a:r>
               <a:rPr lang="en-US" sz="3200" dirty="0">
-                <a:latin typeface="Times New Roman" panose="02020603050405020304" pitchFamily="18" charset="0"/>
-                <a:cs typeface="Times New Roman" panose="02020603050405020304" pitchFamily="18" charset="0"/>
+                <a:latin typeface="Times New Roman" panose="02020503050405090304" pitchFamily="18" charset="0"/>
+                <a:cs typeface="Times New Roman" panose="02020503050405090304" pitchFamily="18" charset="0"/>
               </a:rPr>
               <a:t>seeks to formalize our intuition about the way the world works. </a:t>
             </a:r>
+            <a:endParaRPr lang="en-US" sz="3200" dirty="0">
+              <a:latin typeface="Times New Roman" panose="02020503050405090304" pitchFamily="18" charset="0"/>
+              <a:cs typeface="Times New Roman" panose="02020503050405090304" pitchFamily="18" charset="0"/>
+            </a:endParaRPr>
           </a:p>
           <a:p>
             <a:pPr algn="just">
@@ -6674,116 +6693,155 @@
             </a:pPr>
             <a:r>
               <a:rPr lang="en-US" sz="3200" dirty="0">
-                <a:latin typeface="Times New Roman" panose="02020603050405020304" pitchFamily="18" charset="0"/>
-                <a:cs typeface="Times New Roman" panose="02020603050405020304" pitchFamily="18" charset="0"/>
+                <a:latin typeface="Times New Roman" panose="02020503050405090304" pitchFamily="18" charset="0"/>
+                <a:cs typeface="Times New Roman" panose="02020503050405090304" pitchFamily="18" charset="0"/>
               </a:rPr>
               <a:t>The core of this theory is that </a:t>
             </a:r>
             <a:r>
               <a:rPr lang="en-US" sz="3200" i="1" dirty="0">
-                <a:latin typeface="Times New Roman" panose="02020603050405020304" pitchFamily="18" charset="0"/>
-                <a:cs typeface="Times New Roman" panose="02020603050405020304" pitchFamily="18" charset="0"/>
+                <a:latin typeface="Times New Roman" panose="02020503050405090304" pitchFamily="18" charset="0"/>
+                <a:cs typeface="Times New Roman" panose="02020503050405090304" pitchFamily="18" charset="0"/>
               </a:rPr>
               <a:t>measurement</a:t>
             </a:r>
             <a:r>
               <a:rPr lang="en-US" sz="3200" dirty="0">
-                <a:latin typeface="Times New Roman" panose="02020603050405020304" pitchFamily="18" charset="0"/>
-                <a:cs typeface="Times New Roman" panose="02020603050405020304" pitchFamily="18" charset="0"/>
-              </a:rPr>
-              <a:t> is a process of assigning </a:t>
+                <a:latin typeface="Times New Roman" panose="02020503050405090304" pitchFamily="18" charset="0"/>
+                <a:cs typeface="Times New Roman" panose="02020503050405090304" pitchFamily="18" charset="0"/>
+              </a:rPr>
+              <a:t> is a process of </a:t>
+            </a:r>
+            <a:r>
+              <a:rPr lang="en-US" sz="3200" dirty="0">
+                <a:highlight>
+                  <a:srgbClr val="FFFF00"/>
+                </a:highlight>
+                <a:latin typeface="Times New Roman" panose="02020503050405090304" pitchFamily="18" charset="0"/>
+                <a:cs typeface="Times New Roman" panose="02020503050405090304" pitchFamily="18" charset="0"/>
+              </a:rPr>
+              <a:t>assigning </a:t>
             </a:r>
             <a:r>
               <a:rPr lang="en-US" sz="3200" i="1" dirty="0">
-                <a:latin typeface="Times New Roman" panose="02020603050405020304" pitchFamily="18" charset="0"/>
-                <a:cs typeface="Times New Roman" panose="02020603050405020304" pitchFamily="18" charset="0"/>
+                <a:highlight>
+                  <a:srgbClr val="FFFF00"/>
+                </a:highlight>
+                <a:latin typeface="Times New Roman" panose="02020503050405090304" pitchFamily="18" charset="0"/>
+                <a:cs typeface="Times New Roman" panose="02020503050405090304" pitchFamily="18" charset="0"/>
               </a:rPr>
               <a:t>numbers</a:t>
             </a:r>
             <a:r>
               <a:rPr lang="en-US" sz="3200" dirty="0">
-                <a:latin typeface="Times New Roman" panose="02020603050405020304" pitchFamily="18" charset="0"/>
-                <a:cs typeface="Times New Roman" panose="02020603050405020304" pitchFamily="18" charset="0"/>
+                <a:highlight>
+                  <a:srgbClr val="FFFF00"/>
+                </a:highlight>
+                <a:latin typeface="Times New Roman" panose="02020503050405090304" pitchFamily="18" charset="0"/>
+                <a:cs typeface="Times New Roman" panose="02020503050405090304" pitchFamily="18" charset="0"/>
               </a:rPr>
               <a:t> to </a:t>
             </a:r>
             <a:r>
               <a:rPr lang="en-US" sz="3200" i="1" dirty="0">
-                <a:latin typeface="Times New Roman" panose="02020603050405020304" pitchFamily="18" charset="0"/>
-                <a:cs typeface="Times New Roman" panose="02020603050405020304" pitchFamily="18" charset="0"/>
+                <a:highlight>
+                  <a:srgbClr val="FFFF00"/>
+                </a:highlight>
+                <a:latin typeface="Times New Roman" panose="02020503050405090304" pitchFamily="18" charset="0"/>
+                <a:cs typeface="Times New Roman" panose="02020503050405090304" pitchFamily="18" charset="0"/>
               </a:rPr>
               <a:t>attributes</a:t>
             </a:r>
             <a:r>
               <a:rPr lang="en-US" sz="3200" dirty="0">
-                <a:latin typeface="Times New Roman" panose="02020603050405020304" pitchFamily="18" charset="0"/>
-                <a:cs typeface="Times New Roman" panose="02020603050405020304" pitchFamily="18" charset="0"/>
+                <a:highlight>
+                  <a:srgbClr val="FFFF00"/>
+                </a:highlight>
+                <a:latin typeface="Times New Roman" panose="02020503050405090304" pitchFamily="18" charset="0"/>
+                <a:cs typeface="Times New Roman" panose="02020503050405090304" pitchFamily="18" charset="0"/>
               </a:rPr>
               <a:t> or </a:t>
             </a:r>
             <a:r>
               <a:rPr lang="en-US" sz="3200" i="1" dirty="0">
-                <a:latin typeface="Times New Roman" panose="02020603050405020304" pitchFamily="18" charset="0"/>
-                <a:cs typeface="Times New Roman" panose="02020603050405020304" pitchFamily="18" charset="0"/>
+                <a:highlight>
+                  <a:srgbClr val="FFFF00"/>
+                </a:highlight>
+                <a:latin typeface="Times New Roman" panose="02020503050405090304" pitchFamily="18" charset="0"/>
+                <a:cs typeface="Times New Roman" panose="02020503050405090304" pitchFamily="18" charset="0"/>
               </a:rPr>
               <a:t>characteristics</a:t>
             </a:r>
             <a:r>
               <a:rPr lang="en-US" sz="3200" dirty="0">
-                <a:latin typeface="Times New Roman" panose="02020603050405020304" pitchFamily="18" charset="0"/>
-                <a:cs typeface="Times New Roman" panose="02020603050405020304" pitchFamily="18" charset="0"/>
-              </a:rPr>
-              <a:t> of the empirical world in such a way that the relevant </a:t>
+                <a:highlight>
+                  <a:srgbClr val="FFFF00"/>
+                </a:highlight>
+                <a:latin typeface="Times New Roman" panose="02020503050405090304" pitchFamily="18" charset="0"/>
+                <a:cs typeface="Times New Roman" panose="02020503050405090304" pitchFamily="18" charset="0"/>
+              </a:rPr>
+              <a:t> of the empirical world</a:t>
+            </a:r>
+            <a:r>
+              <a:rPr lang="en-US" sz="3200" dirty="0">
+                <a:latin typeface="Times New Roman" panose="02020503050405090304" pitchFamily="18" charset="0"/>
+                <a:cs typeface="Times New Roman" panose="02020503050405090304" pitchFamily="18" charset="0"/>
+              </a:rPr>
+              <a:t> in such a way that the relevant </a:t>
             </a:r>
             <a:r>
               <a:rPr lang="en-US" sz="3200" i="1" dirty="0">
-                <a:latin typeface="Times New Roman" panose="02020603050405020304" pitchFamily="18" charset="0"/>
-                <a:cs typeface="Times New Roman" panose="02020603050405020304" pitchFamily="18" charset="0"/>
+                <a:latin typeface="Times New Roman" panose="02020503050405090304" pitchFamily="18" charset="0"/>
+                <a:cs typeface="Times New Roman" panose="02020503050405090304" pitchFamily="18" charset="0"/>
               </a:rPr>
               <a:t>qualitative empirical relations</a:t>
             </a:r>
             <a:r>
               <a:rPr lang="en-US" sz="3200" dirty="0">
-                <a:latin typeface="Times New Roman" panose="02020603050405020304" pitchFamily="18" charset="0"/>
-                <a:cs typeface="Times New Roman" panose="02020603050405020304" pitchFamily="18" charset="0"/>
+                <a:latin typeface="Times New Roman" panose="02020503050405090304" pitchFamily="18" charset="0"/>
+                <a:cs typeface="Times New Roman" panose="02020503050405090304" pitchFamily="18" charset="0"/>
               </a:rPr>
               <a:t> among these </a:t>
             </a:r>
             <a:r>
               <a:rPr lang="en-US" sz="3200" i="1" dirty="0">
-                <a:latin typeface="Times New Roman" panose="02020603050405020304" pitchFamily="18" charset="0"/>
-                <a:cs typeface="Times New Roman" panose="02020603050405020304" pitchFamily="18" charset="0"/>
+                <a:latin typeface="Times New Roman" panose="02020503050405090304" pitchFamily="18" charset="0"/>
+                <a:cs typeface="Times New Roman" panose="02020503050405090304" pitchFamily="18" charset="0"/>
               </a:rPr>
               <a:t>attributes</a:t>
             </a:r>
             <a:r>
               <a:rPr lang="en-US" sz="3200" dirty="0">
-                <a:latin typeface="Times New Roman" panose="02020603050405020304" pitchFamily="18" charset="0"/>
-                <a:cs typeface="Times New Roman" panose="02020603050405020304" pitchFamily="18" charset="0"/>
+                <a:latin typeface="Times New Roman" panose="02020503050405090304" pitchFamily="18" charset="0"/>
+                <a:cs typeface="Times New Roman" panose="02020503050405090304" pitchFamily="18" charset="0"/>
               </a:rPr>
               <a:t> or </a:t>
             </a:r>
             <a:r>
               <a:rPr lang="en-US" sz="3200" i="1" dirty="0">
-                <a:latin typeface="Times New Roman" panose="02020603050405020304" pitchFamily="18" charset="0"/>
-                <a:cs typeface="Times New Roman" panose="02020603050405020304" pitchFamily="18" charset="0"/>
+                <a:latin typeface="Times New Roman" panose="02020503050405090304" pitchFamily="18" charset="0"/>
+                <a:cs typeface="Times New Roman" panose="02020503050405090304" pitchFamily="18" charset="0"/>
               </a:rPr>
               <a:t>characteristics</a:t>
             </a:r>
             <a:r>
               <a:rPr lang="en-US" sz="3200" dirty="0">
-                <a:latin typeface="Times New Roman" panose="02020603050405020304" pitchFamily="18" charset="0"/>
-                <a:cs typeface="Times New Roman" panose="02020603050405020304" pitchFamily="18" charset="0"/>
+                <a:latin typeface="Times New Roman" panose="02020503050405090304" pitchFamily="18" charset="0"/>
+                <a:cs typeface="Times New Roman" panose="02020503050405090304" pitchFamily="18" charset="0"/>
               </a:rPr>
               <a:t> are reflected in the numbers </a:t>
             </a:r>
             <a:r>
               <a:rPr lang="en-US" sz="3200" dirty="0" smtClean="0">
-                <a:latin typeface="Times New Roman" panose="02020603050405020304" pitchFamily="18" charset="0"/>
-                <a:cs typeface="Times New Roman" panose="02020603050405020304" pitchFamily="18" charset="0"/>
+                <a:latin typeface="Times New Roman" panose="02020503050405090304" pitchFamily="18" charset="0"/>
+                <a:cs typeface="Times New Roman" panose="02020503050405090304" pitchFamily="18" charset="0"/>
               </a:rPr>
               <a:t>themselves.</a:t>
             </a:r>
+            <a:endParaRPr lang="en-US" sz="3200" dirty="0" smtClean="0">
+              <a:latin typeface="Times New Roman" panose="02020503050405090304" pitchFamily="18" charset="0"/>
+              <a:cs typeface="Times New Roman" panose="02020503050405090304" pitchFamily="18" charset="0"/>
+            </a:endParaRPr>
           </a:p>
           <a:p>
             <a:pPr algn="just">
@@ -6792,25 +6850,29 @@
             </a:pPr>
             <a:r>
               <a:rPr lang="en-US" sz="3200" dirty="0">
-                <a:latin typeface="Times New Roman" panose="02020603050405020304" pitchFamily="18" charset="0"/>
-                <a:cs typeface="Times New Roman" panose="02020603050405020304" pitchFamily="18" charset="0"/>
+                <a:latin typeface="Times New Roman" panose="02020503050405090304" pitchFamily="18" charset="0"/>
+                <a:cs typeface="Times New Roman" panose="02020503050405090304" pitchFamily="18" charset="0"/>
               </a:rPr>
               <a:t>According to representational theory, </a:t>
             </a:r>
             <a:r>
               <a:rPr lang="en-US" sz="3200" i="1" dirty="0">
-                <a:latin typeface="Times New Roman" panose="02020603050405020304" pitchFamily="18" charset="0"/>
-                <a:cs typeface="Times New Roman" panose="02020603050405020304" pitchFamily="18" charset="0"/>
+                <a:latin typeface="Times New Roman" panose="02020503050405090304" pitchFamily="18" charset="0"/>
+                <a:cs typeface="Times New Roman" panose="02020503050405090304" pitchFamily="18" charset="0"/>
               </a:rPr>
               <a:t>measurement</a:t>
             </a:r>
             <a:r>
               <a:rPr lang="en-US" sz="3200" dirty="0">
-                <a:latin typeface="Times New Roman" panose="02020603050405020304" pitchFamily="18" charset="0"/>
-                <a:cs typeface="Times New Roman" panose="02020603050405020304" pitchFamily="18" charset="0"/>
+                <a:latin typeface="Times New Roman" panose="02020503050405090304" pitchFamily="18" charset="0"/>
+                <a:cs typeface="Times New Roman" panose="02020503050405090304" pitchFamily="18" charset="0"/>
               </a:rPr>
               <a:t> is possible only because the empirical system represented and the numerical system representing it, possess the same mathematical structure. </a:t>
             </a:r>
+            <a:endParaRPr lang="en-US" sz="3200" dirty="0">
+              <a:latin typeface="Times New Roman" panose="02020503050405090304" pitchFamily="18" charset="0"/>
+              <a:cs typeface="Times New Roman" panose="02020503050405090304" pitchFamily="18" charset="0"/>
+            </a:endParaRPr>
           </a:p>
         </p:txBody>
       </p:sp>
@@ -6831,18 +6893,12 @@
           <a:p>
             <a:fld id="{D783A4F0-891E-44AD-B162-AD1ECFE5DF4E}" type="slidenum">
               <a:rPr lang="en-US" smtClean="0"/>
-              <a:t>2</a:t>
             </a:fld>
             <a:endParaRPr lang="en-US"/>
           </a:p>
         </p:txBody>
       </p:sp>
     </p:spTree>
-    <p:extLst>
-      <p:ext uri="{BB962C8B-B14F-4D97-AF65-F5344CB8AC3E}">
-        <p14:creationId xmlns:p14="http://schemas.microsoft.com/office/powerpoint/2010/main" val="89763729"/>
-      </p:ext>
-    </p:extLst>
   </p:cSld>
   <p:clrMapOvr>
     <a:masterClrMapping/>
@@ -6896,8 +6952,8 @@
                     <a:lumMod val="75000"/>
                   </a:schemeClr>
                 </a:solidFill>
-                <a:latin typeface="Times New Roman" panose="02020603050405020304" pitchFamily="18" charset="0"/>
-                <a:cs typeface="Times New Roman" panose="02020603050405020304" pitchFamily="18" charset="0"/>
+                <a:latin typeface="Times New Roman" panose="02020503050405090304" pitchFamily="18" charset="0"/>
+                <a:cs typeface="Times New Roman" panose="02020503050405090304" pitchFamily="18" charset="0"/>
               </a:rPr>
               <a:t>Ordinal Scale Type</a:t>
             </a:r>
@@ -6929,19 +6985,23 @@
           <a:p>
             <a:pPr algn="just"/>
             <a:endParaRPr lang="en-US" dirty="0" smtClean="0">
-              <a:latin typeface="Times New Roman" panose="02020603050405020304" pitchFamily="18" charset="0"/>
-              <a:cs typeface="Times New Roman" panose="02020603050405020304" pitchFamily="18" charset="0"/>
+              <a:latin typeface="Times New Roman" panose="02020503050405090304" pitchFamily="18" charset="0"/>
+              <a:cs typeface="Times New Roman" panose="02020503050405090304" pitchFamily="18" charset="0"/>
             </a:endParaRPr>
           </a:p>
           <a:p>
             <a:pPr algn="just"/>
             <a:r>
               <a:rPr lang="en-US" dirty="0">
-                <a:latin typeface="Times New Roman" panose="02020603050405020304" pitchFamily="18" charset="0"/>
-                <a:cs typeface="Times New Roman" panose="02020603050405020304" pitchFamily="18" charset="0"/>
+                <a:latin typeface="Times New Roman" panose="02020503050405090304" pitchFamily="18" charset="0"/>
+                <a:cs typeface="Times New Roman" panose="02020503050405090304" pitchFamily="18" charset="0"/>
               </a:rPr>
               <a:t>We can often augment the nominal scale with information about an ordering of the classes or categories creating an ordinal scale. The ordering leads to analysis not possible with nominal measures. The ordinal scale has the following characteristics:</a:t>
             </a:r>
+            <a:endParaRPr lang="en-US" dirty="0">
+              <a:latin typeface="Times New Roman" panose="02020503050405090304" pitchFamily="18" charset="0"/>
+              <a:cs typeface="Times New Roman" panose="02020503050405090304" pitchFamily="18" charset="0"/>
+            </a:endParaRPr>
           </a:p>
           <a:p>
             <a:pPr algn="just">
@@ -6950,25 +7010,29 @@
             </a:pPr>
             <a:r>
               <a:rPr lang="en-US" dirty="0">
-                <a:latin typeface="Times New Roman" panose="02020603050405020304" pitchFamily="18" charset="0"/>
-                <a:cs typeface="Times New Roman" panose="02020603050405020304" pitchFamily="18" charset="0"/>
+                <a:latin typeface="Times New Roman" panose="02020503050405090304" pitchFamily="18" charset="0"/>
+                <a:cs typeface="Times New Roman" panose="02020503050405090304" pitchFamily="18" charset="0"/>
               </a:rPr>
               <a:t> </a:t>
             </a:r>
             <a:r>
               <a:rPr lang="en-US" dirty="0" smtClean="0">
-                <a:latin typeface="Times New Roman" panose="02020603050405020304" pitchFamily="18" charset="0"/>
-                <a:cs typeface="Times New Roman" panose="02020603050405020304" pitchFamily="18" charset="0"/>
+                <a:latin typeface="Times New Roman" panose="02020503050405090304" pitchFamily="18" charset="0"/>
+                <a:cs typeface="Times New Roman" panose="02020503050405090304" pitchFamily="18" charset="0"/>
               </a:rPr>
               <a:t>The </a:t>
             </a:r>
             <a:r>
               <a:rPr lang="en-US" dirty="0">
-                <a:latin typeface="Times New Roman" panose="02020603050405020304" pitchFamily="18" charset="0"/>
-                <a:cs typeface="Times New Roman" panose="02020603050405020304" pitchFamily="18" charset="0"/>
+                <a:latin typeface="Times New Roman" panose="02020503050405090304" pitchFamily="18" charset="0"/>
+                <a:cs typeface="Times New Roman" panose="02020503050405090304" pitchFamily="18" charset="0"/>
               </a:rPr>
               <a:t>empirical relation system consists of classes that are ordered with respect to the attribute.</a:t>
             </a:r>
+            <a:endParaRPr lang="en-US" dirty="0">
+              <a:latin typeface="Times New Roman" panose="02020503050405090304" pitchFamily="18" charset="0"/>
+              <a:cs typeface="Times New Roman" panose="02020503050405090304" pitchFamily="18" charset="0"/>
+            </a:endParaRPr>
           </a:p>
           <a:p>
             <a:pPr algn="just">
@@ -6977,25 +7041,29 @@
             </a:pPr>
             <a:r>
               <a:rPr lang="en-US" dirty="0">
-                <a:latin typeface="Times New Roman" panose="02020603050405020304" pitchFamily="18" charset="0"/>
-                <a:cs typeface="Times New Roman" panose="02020603050405020304" pitchFamily="18" charset="0"/>
+                <a:latin typeface="Times New Roman" panose="02020503050405090304" pitchFamily="18" charset="0"/>
+                <a:cs typeface="Times New Roman" panose="02020503050405090304" pitchFamily="18" charset="0"/>
               </a:rPr>
               <a:t> </a:t>
             </a:r>
             <a:r>
               <a:rPr lang="en-US" dirty="0" smtClean="0">
-                <a:latin typeface="Times New Roman" panose="02020603050405020304" pitchFamily="18" charset="0"/>
-                <a:cs typeface="Times New Roman" panose="02020603050405020304" pitchFamily="18" charset="0"/>
+                <a:latin typeface="Times New Roman" panose="02020503050405090304" pitchFamily="18" charset="0"/>
+                <a:cs typeface="Times New Roman" panose="02020503050405090304" pitchFamily="18" charset="0"/>
               </a:rPr>
               <a:t>Any </a:t>
             </a:r>
             <a:r>
               <a:rPr lang="en-US" dirty="0">
-                <a:latin typeface="Times New Roman" panose="02020603050405020304" pitchFamily="18" charset="0"/>
-                <a:cs typeface="Times New Roman" panose="02020603050405020304" pitchFamily="18" charset="0"/>
+                <a:latin typeface="Times New Roman" panose="02020503050405090304" pitchFamily="18" charset="0"/>
+                <a:cs typeface="Times New Roman" panose="02020503050405090304" pitchFamily="18" charset="0"/>
               </a:rPr>
               <a:t>mapping that preserves the ordering (i.e., any monotonic function) is acceptable.</a:t>
             </a:r>
+            <a:endParaRPr lang="en-US" dirty="0">
+              <a:latin typeface="Times New Roman" panose="02020503050405090304" pitchFamily="18" charset="0"/>
+              <a:cs typeface="Times New Roman" panose="02020503050405090304" pitchFamily="18" charset="0"/>
+            </a:endParaRPr>
           </a:p>
           <a:p>
             <a:pPr algn="just">
@@ -7004,28 +7072,28 @@
             </a:pPr>
             <a:r>
               <a:rPr lang="en-US" dirty="0" smtClean="0">
-                <a:latin typeface="Times New Roman" panose="02020603050405020304" pitchFamily="18" charset="0"/>
-                <a:cs typeface="Times New Roman" panose="02020603050405020304" pitchFamily="18" charset="0"/>
+                <a:latin typeface="Times New Roman" panose="02020503050405090304" pitchFamily="18" charset="0"/>
+                <a:cs typeface="Times New Roman" panose="02020503050405090304" pitchFamily="18" charset="0"/>
               </a:rPr>
               <a:t> </a:t>
             </a:r>
             <a:r>
               <a:rPr lang="en-US" dirty="0">
-                <a:latin typeface="Times New Roman" panose="02020603050405020304" pitchFamily="18" charset="0"/>
-                <a:cs typeface="Times New Roman" panose="02020603050405020304" pitchFamily="18" charset="0"/>
+                <a:latin typeface="Times New Roman" panose="02020503050405090304" pitchFamily="18" charset="0"/>
+                <a:cs typeface="Times New Roman" panose="02020503050405090304" pitchFamily="18" charset="0"/>
               </a:rPr>
               <a:t>The numbers represent ranking only, so addition, subtraction, and other arithmetic operations have no meaning</a:t>
             </a:r>
             <a:r>
               <a:rPr lang="en-US" dirty="0" smtClean="0">
-                <a:latin typeface="Times New Roman" panose="02020603050405020304" pitchFamily="18" charset="0"/>
-                <a:cs typeface="Times New Roman" panose="02020603050405020304" pitchFamily="18" charset="0"/>
+                <a:latin typeface="Times New Roman" panose="02020503050405090304" pitchFamily="18" charset="0"/>
+                <a:cs typeface="Times New Roman" panose="02020503050405090304" pitchFamily="18" charset="0"/>
               </a:rPr>
               <a:t>.</a:t>
             </a:r>
             <a:endParaRPr lang="en-US" dirty="0">
-              <a:latin typeface="Times New Roman" panose="02020603050405020304" pitchFamily="18" charset="0"/>
-              <a:cs typeface="Times New Roman" panose="02020603050405020304" pitchFamily="18" charset="0"/>
+              <a:latin typeface="Times New Roman" panose="02020503050405090304" pitchFamily="18" charset="0"/>
+              <a:cs typeface="Times New Roman" panose="02020503050405090304" pitchFamily="18" charset="0"/>
             </a:endParaRPr>
           </a:p>
         </p:txBody>
@@ -7047,18 +7115,12 @@
           <a:p>
             <a:fld id="{D783A4F0-891E-44AD-B162-AD1ECFE5DF4E}" type="slidenum">
               <a:rPr lang="en-US" smtClean="0"/>
-              <a:t>20</a:t>
             </a:fld>
             <a:endParaRPr lang="en-US"/>
           </a:p>
         </p:txBody>
       </p:sp>
     </p:spTree>
-    <p:extLst>
-      <p:ext uri="{BB962C8B-B14F-4D97-AF65-F5344CB8AC3E}">
-        <p14:creationId xmlns:p14="http://schemas.microsoft.com/office/powerpoint/2010/main" val="3903661873"/>
-      </p:ext>
-    </p:extLst>
   </p:cSld>
   <p:clrMapOvr>
     <a:masterClrMapping/>
@@ -7117,8 +7179,8 @@
                     <a:lumMod val="75000"/>
                   </a:schemeClr>
                 </a:solidFill>
-                <a:latin typeface="Times New Roman" panose="02020603050405020304" pitchFamily="18" charset="0"/>
-                <a:cs typeface="Times New Roman" panose="02020603050405020304" pitchFamily="18" charset="0"/>
+                <a:latin typeface="Times New Roman" panose="02020503050405090304" pitchFamily="18" charset="0"/>
+                <a:cs typeface="Times New Roman" panose="02020503050405090304" pitchFamily="18" charset="0"/>
               </a:rPr>
               <a:t>Ordinal Scale Type Example</a:t>
             </a:r>
@@ -7151,45 +7213,49 @@
             <a:pPr algn="just"/>
             <a:r>
               <a:rPr lang="en-US" dirty="0" smtClean="0">
-                <a:latin typeface="Times New Roman" panose="02020603050405020304" pitchFamily="18" charset="0"/>
-                <a:cs typeface="Times New Roman" panose="02020603050405020304" pitchFamily="18" charset="0"/>
+                <a:latin typeface="Times New Roman" panose="02020503050405090304" pitchFamily="18" charset="0"/>
+                <a:cs typeface="Times New Roman" panose="02020503050405090304" pitchFamily="18" charset="0"/>
               </a:rPr>
               <a:t>Suppose we want to capture the attribute </a:t>
             </a:r>
             <a:r>
               <a:rPr lang="en-US" i="1" dirty="0" smtClean="0">
-                <a:latin typeface="Times New Roman" panose="02020603050405020304" pitchFamily="18" charset="0"/>
-                <a:cs typeface="Times New Roman" panose="02020603050405020304" pitchFamily="18" charset="0"/>
+                <a:latin typeface="Times New Roman" panose="02020503050405090304" pitchFamily="18" charset="0"/>
+                <a:cs typeface="Times New Roman" panose="02020503050405090304" pitchFamily="18" charset="0"/>
               </a:rPr>
               <a:t>Complexity</a:t>
             </a:r>
             <a:r>
               <a:rPr lang="en-US" dirty="0" smtClean="0">
-                <a:latin typeface="Times New Roman" panose="02020603050405020304" pitchFamily="18" charset="0"/>
-                <a:cs typeface="Times New Roman" panose="02020603050405020304" pitchFamily="18" charset="0"/>
+                <a:latin typeface="Times New Roman" panose="02020503050405090304" pitchFamily="18" charset="0"/>
+                <a:cs typeface="Times New Roman" panose="02020503050405090304" pitchFamily="18" charset="0"/>
               </a:rPr>
               <a:t> of a software </a:t>
             </a:r>
             <a:r>
               <a:rPr lang="en-US" i="1" dirty="0" smtClean="0">
-                <a:latin typeface="Times New Roman" panose="02020603050405020304" pitchFamily="18" charset="0"/>
-                <a:cs typeface="Times New Roman" panose="02020603050405020304" pitchFamily="18" charset="0"/>
+                <a:latin typeface="Times New Roman" panose="02020503050405090304" pitchFamily="18" charset="0"/>
+                <a:cs typeface="Times New Roman" panose="02020503050405090304" pitchFamily="18" charset="0"/>
               </a:rPr>
               <a:t>X,</a:t>
             </a:r>
             <a:r>
               <a:rPr lang="en-US" dirty="0" smtClean="0">
-                <a:latin typeface="Times New Roman" panose="02020603050405020304" pitchFamily="18" charset="0"/>
-                <a:cs typeface="Times New Roman" panose="02020603050405020304" pitchFamily="18" charset="0"/>
+                <a:latin typeface="Times New Roman" panose="02020503050405090304" pitchFamily="18" charset="0"/>
+                <a:cs typeface="Times New Roman" panose="02020503050405090304" pitchFamily="18" charset="0"/>
               </a:rPr>
               <a:t> quantitatively:</a:t>
             </a:r>
+            <a:endParaRPr lang="en-US" dirty="0" smtClean="0">
+              <a:latin typeface="Times New Roman" panose="02020503050405090304" pitchFamily="18" charset="0"/>
+              <a:cs typeface="Times New Roman" panose="02020503050405090304" pitchFamily="18" charset="0"/>
+            </a:endParaRPr>
           </a:p>
           <a:p>
             <a:pPr algn="just"/>
             <a:endParaRPr lang="en-US" dirty="0" smtClean="0">
-              <a:latin typeface="Times New Roman" panose="02020603050405020304" pitchFamily="18" charset="0"/>
-              <a:cs typeface="Times New Roman" panose="02020603050405020304" pitchFamily="18" charset="0"/>
+              <a:latin typeface="Times New Roman" panose="02020503050405090304" pitchFamily="18" charset="0"/>
+              <a:cs typeface="Times New Roman" panose="02020503050405090304" pitchFamily="18" charset="0"/>
             </a:endParaRPr>
           </a:p>
         </p:txBody>
@@ -7211,7 +7277,6 @@
           <a:p>
             <a:fld id="{D783A4F0-891E-44AD-B162-AD1ECFE5DF4E}" type="slidenum">
               <a:rPr lang="en-US" smtClean="0"/>
-              <a:t>21</a:t>
             </a:fld>
             <a:endParaRPr lang="en-US"/>
           </a:p>
@@ -7226,7 +7291,7 @@
           <p:nvPr/>
         </p:nvPicPr>
         <p:blipFill>
-          <a:blip r:embed="rId2"/>
+          <a:blip r:embed="rId1"/>
           <a:stretch>
             <a:fillRect/>
           </a:stretch>
@@ -7242,11 +7307,6 @@
         </p:spPr>
       </p:pic>
     </p:spTree>
-    <p:extLst>
-      <p:ext uri="{BB962C8B-B14F-4D97-AF65-F5344CB8AC3E}">
-        <p14:creationId xmlns:p14="http://schemas.microsoft.com/office/powerpoint/2010/main" val="732438115"/>
-      </p:ext>
-    </p:extLst>
   </p:cSld>
   <p:clrMapOvr>
     <a:masterClrMapping/>
@@ -7300,8 +7360,8 @@
                     <a:lumMod val="75000"/>
                   </a:schemeClr>
                 </a:solidFill>
-                <a:latin typeface="Times New Roman" panose="02020603050405020304" pitchFamily="18" charset="0"/>
-                <a:cs typeface="Times New Roman" panose="02020603050405020304" pitchFamily="18" charset="0"/>
+                <a:latin typeface="Times New Roman" panose="02020503050405090304" pitchFamily="18" charset="0"/>
+                <a:cs typeface="Times New Roman" panose="02020503050405090304" pitchFamily="18" charset="0"/>
               </a:rPr>
               <a:t>Interval Scale Type</a:t>
             </a:r>
@@ -7334,32 +7394,36 @@
             <a:pPr algn="just"/>
             <a:r>
               <a:rPr lang="en-US" sz="2900" dirty="0" smtClean="0">
-                <a:latin typeface="Times New Roman" panose="02020603050405020304" pitchFamily="18" charset="0"/>
-                <a:cs typeface="Times New Roman" panose="02020603050405020304" pitchFamily="18" charset="0"/>
+                <a:latin typeface="Times New Roman" panose="02020503050405090304" pitchFamily="18" charset="0"/>
+                <a:cs typeface="Times New Roman" panose="02020503050405090304" pitchFamily="18" charset="0"/>
               </a:rPr>
               <a:t>The </a:t>
             </a:r>
             <a:r>
               <a:rPr lang="en-US" sz="2900" dirty="0">
-                <a:latin typeface="Times New Roman" panose="02020603050405020304" pitchFamily="18" charset="0"/>
-                <a:cs typeface="Times New Roman" panose="02020603050405020304" pitchFamily="18" charset="0"/>
+                <a:latin typeface="Times New Roman" panose="02020503050405090304" pitchFamily="18" charset="0"/>
+                <a:cs typeface="Times New Roman" panose="02020503050405090304" pitchFamily="18" charset="0"/>
               </a:rPr>
               <a:t>interval scale carries more information </a:t>
             </a:r>
             <a:r>
               <a:rPr lang="en-US" sz="2900" dirty="0" smtClean="0">
-                <a:latin typeface="Times New Roman" panose="02020603050405020304" pitchFamily="18" charset="0"/>
-                <a:cs typeface="Times New Roman" panose="02020603050405020304" pitchFamily="18" charset="0"/>
+                <a:latin typeface="Times New Roman" panose="02020503050405090304" pitchFamily="18" charset="0"/>
+                <a:cs typeface="Times New Roman" panose="02020503050405090304" pitchFamily="18" charset="0"/>
               </a:rPr>
               <a:t>and </a:t>
             </a:r>
             <a:r>
               <a:rPr lang="en-US" sz="2900" dirty="0">
-                <a:latin typeface="Times New Roman" panose="02020603050405020304" pitchFamily="18" charset="0"/>
-                <a:cs typeface="Times New Roman" panose="02020603050405020304" pitchFamily="18" charset="0"/>
+                <a:latin typeface="Times New Roman" panose="02020503050405090304" pitchFamily="18" charset="0"/>
+                <a:cs typeface="Times New Roman" panose="02020503050405090304" pitchFamily="18" charset="0"/>
               </a:rPr>
               <a:t>it more powerful than nominal or ordinal. This scale captures information about the size of the intervals that separate the classes, so that we can in some sense understand the size of the jump from one class to another. </a:t>
             </a:r>
+            <a:endParaRPr lang="en-US" sz="2900" dirty="0">
+              <a:latin typeface="Times New Roman" panose="02020503050405090304" pitchFamily="18" charset="0"/>
+              <a:cs typeface="Times New Roman" panose="02020503050405090304" pitchFamily="18" charset="0"/>
+            </a:endParaRPr>
           </a:p>
           <a:p>
             <a:pPr algn="just">
@@ -7368,18 +7432,22 @@
             </a:pPr>
             <a:r>
               <a:rPr lang="en-US" sz="2900" dirty="0" smtClean="0">
-                <a:latin typeface="Times New Roman" panose="02020603050405020304" pitchFamily="18" charset="0"/>
-                <a:cs typeface="Times New Roman" panose="02020603050405020304" pitchFamily="18" charset="0"/>
+                <a:latin typeface="Times New Roman" panose="02020503050405090304" pitchFamily="18" charset="0"/>
+                <a:cs typeface="Times New Roman" panose="02020503050405090304" pitchFamily="18" charset="0"/>
               </a:rPr>
               <a:t>An </a:t>
             </a:r>
             <a:r>
               <a:rPr lang="en-US" sz="2900" dirty="0">
-                <a:latin typeface="Times New Roman" panose="02020603050405020304" pitchFamily="18" charset="0"/>
-                <a:cs typeface="Times New Roman" panose="02020603050405020304" pitchFamily="18" charset="0"/>
+                <a:latin typeface="Times New Roman" panose="02020503050405090304" pitchFamily="18" charset="0"/>
+                <a:cs typeface="Times New Roman" panose="02020503050405090304" pitchFamily="18" charset="0"/>
               </a:rPr>
               <a:t>interval scale preserves order, as with an ordinal scale.</a:t>
             </a:r>
+            <a:endParaRPr lang="en-US" sz="2900" dirty="0">
+              <a:latin typeface="Times New Roman" panose="02020503050405090304" pitchFamily="18" charset="0"/>
+              <a:cs typeface="Times New Roman" panose="02020503050405090304" pitchFamily="18" charset="0"/>
+            </a:endParaRPr>
           </a:p>
           <a:p>
             <a:pPr algn="just">
@@ -7388,18 +7456,22 @@
             </a:pPr>
             <a:r>
               <a:rPr lang="en-US" sz="2900" dirty="0" smtClean="0">
-                <a:latin typeface="Times New Roman" panose="02020603050405020304" pitchFamily="18" charset="0"/>
-                <a:cs typeface="Times New Roman" panose="02020603050405020304" pitchFamily="18" charset="0"/>
+                <a:latin typeface="Times New Roman" panose="02020503050405090304" pitchFamily="18" charset="0"/>
+                <a:cs typeface="Times New Roman" panose="02020503050405090304" pitchFamily="18" charset="0"/>
               </a:rPr>
               <a:t>An </a:t>
             </a:r>
             <a:r>
               <a:rPr lang="en-US" sz="2900" dirty="0">
-                <a:latin typeface="Times New Roman" panose="02020603050405020304" pitchFamily="18" charset="0"/>
-                <a:cs typeface="Times New Roman" panose="02020603050405020304" pitchFamily="18" charset="0"/>
+                <a:latin typeface="Times New Roman" panose="02020503050405090304" pitchFamily="18" charset="0"/>
+                <a:cs typeface="Times New Roman" panose="02020503050405090304" pitchFamily="18" charset="0"/>
               </a:rPr>
               <a:t>interval scale preserves differences but not ratios. That is, we know the difference between any two of the ordered classes in the range of the mapping, but computing the ratio of two classes in the range does not make sense.</a:t>
             </a:r>
+            <a:endParaRPr lang="en-US" sz="2900" dirty="0">
+              <a:latin typeface="Times New Roman" panose="02020503050405090304" pitchFamily="18" charset="0"/>
+              <a:cs typeface="Times New Roman" panose="02020503050405090304" pitchFamily="18" charset="0"/>
+            </a:endParaRPr>
           </a:p>
           <a:p>
             <a:pPr algn="just">
@@ -7408,18 +7480,22 @@
             </a:pPr>
             <a:r>
               <a:rPr lang="en-US" sz="2900" dirty="0" smtClean="0">
-                <a:latin typeface="Times New Roman" panose="02020603050405020304" pitchFamily="18" charset="0"/>
-                <a:cs typeface="Times New Roman" panose="02020603050405020304" pitchFamily="18" charset="0"/>
+                <a:latin typeface="Times New Roman" panose="02020503050405090304" pitchFamily="18" charset="0"/>
+                <a:cs typeface="Times New Roman" panose="02020503050405090304" pitchFamily="18" charset="0"/>
               </a:rPr>
               <a:t>Addition </a:t>
             </a:r>
             <a:r>
               <a:rPr lang="en-US" sz="2900" dirty="0">
-                <a:latin typeface="Times New Roman" panose="02020603050405020304" pitchFamily="18" charset="0"/>
-                <a:cs typeface="Times New Roman" panose="02020603050405020304" pitchFamily="18" charset="0"/>
+                <a:latin typeface="Times New Roman" panose="02020503050405090304" pitchFamily="18" charset="0"/>
+                <a:cs typeface="Times New Roman" panose="02020503050405090304" pitchFamily="18" charset="0"/>
               </a:rPr>
               <a:t>and subtraction are acceptable on the interval scale, but not multiplication and division </a:t>
             </a:r>
+            <a:endParaRPr lang="en-US" sz="2900" dirty="0">
+              <a:latin typeface="Times New Roman" panose="02020503050405090304" pitchFamily="18" charset="0"/>
+              <a:cs typeface="Times New Roman" panose="02020503050405090304" pitchFamily="18" charset="0"/>
+            </a:endParaRPr>
           </a:p>
           <a:p>
             <a:pPr lvl="3">
@@ -7427,8 +7503,8 @@
               <a:buChar char="§"/>
             </a:pPr>
             <a:endParaRPr lang="en-US" sz="2000" dirty="0">
-              <a:latin typeface="Times New Roman" panose="02020603050405020304" pitchFamily="18" charset="0"/>
-              <a:cs typeface="Times New Roman" panose="02020603050405020304" pitchFamily="18" charset="0"/>
+              <a:latin typeface="Times New Roman" panose="02020503050405090304" pitchFamily="18" charset="0"/>
+              <a:cs typeface="Times New Roman" panose="02020503050405090304" pitchFamily="18" charset="0"/>
             </a:endParaRPr>
           </a:p>
         </p:txBody>
@@ -7450,7 +7526,6 @@
           <a:p>
             <a:fld id="{D783A4F0-891E-44AD-B162-AD1ECFE5DF4E}" type="slidenum">
               <a:rPr lang="en-US" smtClean="0"/>
-              <a:t>22</a:t>
             </a:fld>
             <a:endParaRPr lang="en-US"/>
           </a:p>
@@ -7459,9 +7534,7 @@
       <p:sp>
         <p:nvSpPr>
           <p:cNvPr id="5" name="Content Placeholder 2"/>
-          <p:cNvSpPr txBox="1">
-            <a:spLocks/>
-          </p:cNvSpPr>
+          <p:cNvSpPr txBox="1"/>
           <p:nvPr/>
         </p:nvSpPr>
         <p:spPr>
@@ -7506,7 +7579,7 @@
                 <a:cs typeface="+mn-cs"/>
               </a:defRPr>
             </a:lvl1pPr>
-            <a:lvl2pPr marL="384048" indent="-182880" algn="l" defTabSz="914400" rtl="0" eaLnBrk="1" latinLnBrk="0" hangingPunct="1">
+            <a:lvl2pPr marL="384175" indent="-182880" algn="l" defTabSz="914400" rtl="0" eaLnBrk="1" latinLnBrk="0" hangingPunct="1">
               <a:lnSpc>
                 <a:spcPct val="90000"/>
               </a:lnSpc>
@@ -7519,7 +7592,7 @@
               <a:buClr>
                 <a:schemeClr val="accent1"/>
               </a:buClr>
-              <a:buFont typeface="Calibri" pitchFamily="34" charset="0"/>
+              <a:buFont typeface="Calibri" panose="020F0502020204030204" pitchFamily="34" charset="0"/>
               <a:buChar char="◦"/>
               <a:defRPr sz="1800" kern="1200">
                 <a:solidFill>
@@ -7533,7 +7606,7 @@
                 <a:cs typeface="+mn-cs"/>
               </a:defRPr>
             </a:lvl2pPr>
-            <a:lvl3pPr marL="566928" indent="-182880" algn="l" defTabSz="914400" rtl="0" eaLnBrk="1" latinLnBrk="0" hangingPunct="1">
+            <a:lvl3pPr marL="567055" indent="-182880" algn="l" defTabSz="914400" rtl="0" eaLnBrk="1" latinLnBrk="0" hangingPunct="1">
               <a:lnSpc>
                 <a:spcPct val="90000"/>
               </a:lnSpc>
@@ -7546,7 +7619,7 @@
               <a:buClr>
                 <a:schemeClr val="accent1"/>
               </a:buClr>
-              <a:buFont typeface="Calibri" pitchFamily="34" charset="0"/>
+              <a:buFont typeface="Calibri" panose="020F0502020204030204" pitchFamily="34" charset="0"/>
               <a:buChar char="◦"/>
               <a:defRPr sz="1400" kern="1200">
                 <a:solidFill>
@@ -7560,7 +7633,7 @@
                 <a:cs typeface="+mn-cs"/>
               </a:defRPr>
             </a:lvl3pPr>
-            <a:lvl4pPr marL="749808" indent="-182880" algn="l" defTabSz="914400" rtl="0" eaLnBrk="1" latinLnBrk="0" hangingPunct="1">
+            <a:lvl4pPr marL="749935" indent="-182880" algn="l" defTabSz="914400" rtl="0" eaLnBrk="1" latinLnBrk="0" hangingPunct="1">
               <a:lnSpc>
                 <a:spcPct val="90000"/>
               </a:lnSpc>
@@ -7573,7 +7646,7 @@
               <a:buClr>
                 <a:schemeClr val="accent1"/>
               </a:buClr>
-              <a:buFont typeface="Calibri" pitchFamily="34" charset="0"/>
+              <a:buFont typeface="Calibri" panose="020F0502020204030204" pitchFamily="34" charset="0"/>
               <a:buChar char="◦"/>
               <a:defRPr sz="1400" kern="1200">
                 <a:solidFill>
@@ -7587,7 +7660,7 @@
                 <a:cs typeface="+mn-cs"/>
               </a:defRPr>
             </a:lvl4pPr>
-            <a:lvl5pPr marL="932688" indent="-182880" algn="l" defTabSz="914400" rtl="0" eaLnBrk="1" latinLnBrk="0" hangingPunct="1">
+            <a:lvl5pPr marL="932815" indent="-182880" algn="l" defTabSz="914400" rtl="0" eaLnBrk="1" latinLnBrk="0" hangingPunct="1">
               <a:lnSpc>
                 <a:spcPct val="90000"/>
               </a:lnSpc>
@@ -7600,7 +7673,7 @@
               <a:buClr>
                 <a:schemeClr val="accent1"/>
               </a:buClr>
-              <a:buFont typeface="Calibri" pitchFamily="34" charset="0"/>
+              <a:buFont typeface="Calibri" panose="020F0502020204030204" pitchFamily="34" charset="0"/>
               <a:buChar char="◦"/>
               <a:defRPr sz="1400" kern="1200">
                 <a:solidFill>
@@ -7614,7 +7687,7 @@
                 <a:cs typeface="+mn-cs"/>
               </a:defRPr>
             </a:lvl5pPr>
-            <a:lvl6pPr marL="1100000" indent="-228600" algn="l" defTabSz="914400" rtl="0" eaLnBrk="1" latinLnBrk="0" hangingPunct="1">
+            <a:lvl6pPr marL="1099820" indent="-228600" algn="l" defTabSz="914400" rtl="0" eaLnBrk="1" latinLnBrk="0" hangingPunct="1">
               <a:lnSpc>
                 <a:spcPct val="90000"/>
               </a:lnSpc>
@@ -7627,7 +7700,7 @@
               <a:buClr>
                 <a:schemeClr val="accent1"/>
               </a:buClr>
-              <a:buFont typeface="Calibri" pitchFamily="34" charset="0"/>
+              <a:buFont typeface="Calibri" panose="020F0502020204030204" pitchFamily="34" charset="0"/>
               <a:buChar char="◦"/>
               <a:defRPr sz="1400" kern="1200">
                 <a:solidFill>
@@ -7641,7 +7714,7 @@
                 <a:cs typeface="+mn-cs"/>
               </a:defRPr>
             </a:lvl6pPr>
-            <a:lvl7pPr marL="1300000" indent="-228600" algn="l" defTabSz="914400" rtl="0" eaLnBrk="1" latinLnBrk="0" hangingPunct="1">
+            <a:lvl7pPr marL="1299845" indent="-228600" algn="l" defTabSz="914400" rtl="0" eaLnBrk="1" latinLnBrk="0" hangingPunct="1">
               <a:lnSpc>
                 <a:spcPct val="90000"/>
               </a:lnSpc>
@@ -7654,7 +7727,7 @@
               <a:buClr>
                 <a:schemeClr val="accent1"/>
               </a:buClr>
-              <a:buFont typeface="Calibri" pitchFamily="34" charset="0"/>
+              <a:buFont typeface="Calibri" panose="020F0502020204030204" pitchFamily="34" charset="0"/>
               <a:buChar char="◦"/>
               <a:defRPr sz="1400" kern="1200">
                 <a:solidFill>
@@ -7668,7 +7741,7 @@
                 <a:cs typeface="+mn-cs"/>
               </a:defRPr>
             </a:lvl7pPr>
-            <a:lvl8pPr marL="1500000" indent="-228600" algn="l" defTabSz="914400" rtl="0" eaLnBrk="1" latinLnBrk="0" hangingPunct="1">
+            <a:lvl8pPr marL="1499870" indent="-228600" algn="l" defTabSz="914400" rtl="0" eaLnBrk="1" latinLnBrk="0" hangingPunct="1">
               <a:lnSpc>
                 <a:spcPct val="90000"/>
               </a:lnSpc>
@@ -7681,7 +7754,7 @@
               <a:buClr>
                 <a:schemeClr val="accent1"/>
               </a:buClr>
-              <a:buFont typeface="Calibri" pitchFamily="34" charset="0"/>
+              <a:buFont typeface="Calibri" panose="020F0502020204030204" pitchFamily="34" charset="0"/>
               <a:buChar char="◦"/>
               <a:defRPr sz="1400" kern="1200">
                 <a:solidFill>
@@ -7695,7 +7768,7 @@
                 <a:cs typeface="+mn-cs"/>
               </a:defRPr>
             </a:lvl8pPr>
-            <a:lvl9pPr marL="1700000" indent="-228600" algn="l" defTabSz="914400" rtl="0" eaLnBrk="1" latinLnBrk="0" hangingPunct="1">
+            <a:lvl9pPr marL="1699895" indent="-228600" algn="l" defTabSz="914400" rtl="0" eaLnBrk="1" latinLnBrk="0" hangingPunct="1">
               <a:lnSpc>
                 <a:spcPct val="90000"/>
               </a:lnSpc>
@@ -7708,7 +7781,7 @@
               <a:buClr>
                 <a:schemeClr val="accent1"/>
               </a:buClr>
-              <a:buFont typeface="Calibri" pitchFamily="34" charset="0"/>
+              <a:buFont typeface="Calibri" panose="020F0502020204030204" pitchFamily="34" charset="0"/>
               <a:buChar char="◦"/>
               <a:defRPr sz="1400" kern="1200">
                 <a:solidFill>
@@ -7727,24 +7800,28 @@
             <a:pPr algn="just"/>
             <a:r>
               <a:rPr lang="en-US" dirty="0" smtClean="0">
-                <a:latin typeface="Times New Roman" panose="02020603050405020304" pitchFamily="18" charset="0"/>
-                <a:cs typeface="Times New Roman" panose="02020603050405020304" pitchFamily="18" charset="0"/>
+                <a:latin typeface="Times New Roman" panose="02020503050405090304" pitchFamily="18" charset="0"/>
+                <a:cs typeface="Times New Roman" panose="02020503050405090304" pitchFamily="18" charset="0"/>
               </a:rPr>
               <a:t>Example:</a:t>
             </a:r>
+            <a:endParaRPr lang="en-US" dirty="0" smtClean="0">
+              <a:latin typeface="Times New Roman" panose="02020503050405090304" pitchFamily="18" charset="0"/>
+              <a:cs typeface="Times New Roman" panose="02020503050405090304" pitchFamily="18" charset="0"/>
+            </a:endParaRPr>
           </a:p>
           <a:p>
             <a:pPr algn="just"/>
             <a:endParaRPr lang="en-US" i="1" dirty="0" smtClean="0">
-              <a:latin typeface="Times New Roman" panose="02020603050405020304" pitchFamily="18" charset="0"/>
-              <a:cs typeface="Times New Roman" panose="02020603050405020304" pitchFamily="18" charset="0"/>
+              <a:latin typeface="Times New Roman" panose="02020503050405090304" pitchFamily="18" charset="0"/>
+              <a:cs typeface="Times New Roman" panose="02020503050405090304" pitchFamily="18" charset="0"/>
             </a:endParaRPr>
           </a:p>
           <a:p>
             <a:pPr algn="just"/>
             <a:endParaRPr lang="en-US" dirty="0" smtClean="0">
-              <a:latin typeface="Times New Roman" panose="02020603050405020304" pitchFamily="18" charset="0"/>
-              <a:cs typeface="Times New Roman" panose="02020603050405020304" pitchFamily="18" charset="0"/>
+              <a:latin typeface="Times New Roman" panose="02020503050405090304" pitchFamily="18" charset="0"/>
+              <a:cs typeface="Times New Roman" panose="02020503050405090304" pitchFamily="18" charset="0"/>
             </a:endParaRPr>
           </a:p>
           <a:p>
@@ -7753,8 +7830,8 @@
               <a:buChar char="§"/>
             </a:pPr>
             <a:endParaRPr lang="en-US" sz="2000" dirty="0">
-              <a:latin typeface="Times New Roman" panose="02020603050405020304" pitchFamily="18" charset="0"/>
-              <a:cs typeface="Times New Roman" panose="02020603050405020304" pitchFamily="18" charset="0"/>
+              <a:latin typeface="Times New Roman" panose="02020503050405090304" pitchFamily="18" charset="0"/>
+              <a:cs typeface="Times New Roman" panose="02020503050405090304" pitchFamily="18" charset="0"/>
             </a:endParaRPr>
           </a:p>
         </p:txBody>
@@ -7768,7 +7845,7 @@
           <p:nvPr/>
         </p:nvPicPr>
         <p:blipFill>
-          <a:blip r:embed="rId2"/>
+          <a:blip r:embed="rId1"/>
           <a:stretch>
             <a:fillRect/>
           </a:stretch>
@@ -7784,11 +7861,6 @@
         </p:spPr>
       </p:pic>
     </p:spTree>
-    <p:extLst>
-      <p:ext uri="{BB962C8B-B14F-4D97-AF65-F5344CB8AC3E}">
-        <p14:creationId xmlns:p14="http://schemas.microsoft.com/office/powerpoint/2010/main" val="3799168021"/>
-      </p:ext>
-    </p:extLst>
   </p:cSld>
   <p:clrMapOvr>
     <a:masterClrMapping/>
@@ -7842,8 +7914,8 @@
                     <a:lumMod val="75000"/>
                   </a:schemeClr>
                 </a:solidFill>
-                <a:latin typeface="Times New Roman" panose="02020603050405020304" pitchFamily="18" charset="0"/>
-                <a:cs typeface="Times New Roman" panose="02020603050405020304" pitchFamily="18" charset="0"/>
+                <a:latin typeface="Times New Roman" panose="02020503050405090304" pitchFamily="18" charset="0"/>
+                <a:cs typeface="Times New Roman" panose="02020503050405090304" pitchFamily="18" charset="0"/>
               </a:rPr>
               <a:t>Ratio Scale Type</a:t>
             </a:r>
@@ -7851,8 +7923,8 @@
           </a:p>
         </p:txBody>
       </p:sp>
-      <mc:AlternateContent xmlns:mc="http://schemas.openxmlformats.org/markup-compatibility/2006" xmlns:a14="http://schemas.microsoft.com/office/drawing/2010/main">
-        <mc:Choice Requires="a14">
+      <mc:AlternateContent xmlns:mc="http://schemas.openxmlformats.org/markup-compatibility/2006">
+        <mc:Choice xmlns:a14="http://schemas.microsoft.com/office/drawing/2010/main" Requires="a14">
           <p:sp>
             <p:nvSpPr>
               <p:cNvPr id="3" name="Content Placeholder 2"/>
@@ -7881,39 +7953,43 @@
                 </a:pPr>
                 <a:r>
                   <a:rPr lang="en-US" dirty="0">
-                    <a:latin typeface="Times New Roman" panose="02020603050405020304" pitchFamily="18" charset="0"/>
-                    <a:cs typeface="Times New Roman" panose="02020603050405020304" pitchFamily="18" charset="0"/>
+                    <a:latin typeface="Times New Roman" panose="02020503050405090304" pitchFamily="18" charset="0"/>
+                    <a:cs typeface="Times New Roman" panose="02020503050405090304" pitchFamily="18" charset="0"/>
                   </a:rPr>
                   <a:t> </a:t>
                 </a:r>
                 <a:r>
                   <a:rPr lang="en-US" dirty="0" smtClean="0">
-                    <a:latin typeface="Times New Roman" panose="02020603050405020304" pitchFamily="18" charset="0"/>
-                    <a:cs typeface="Times New Roman" panose="02020603050405020304" pitchFamily="18" charset="0"/>
+                    <a:latin typeface="Times New Roman" panose="02020503050405090304" pitchFamily="18" charset="0"/>
+                    <a:cs typeface="Times New Roman" panose="02020503050405090304" pitchFamily="18" charset="0"/>
                   </a:rPr>
                   <a:t>It </a:t>
                 </a:r>
                 <a:r>
                   <a:rPr lang="en-US" dirty="0">
-                    <a:latin typeface="Times New Roman" panose="02020603050405020304" pitchFamily="18" charset="0"/>
-                    <a:cs typeface="Times New Roman" panose="02020603050405020304" pitchFamily="18" charset="0"/>
+                    <a:latin typeface="Times New Roman" panose="02020503050405090304" pitchFamily="18" charset="0"/>
+                    <a:cs typeface="Times New Roman" panose="02020503050405090304" pitchFamily="18" charset="0"/>
                   </a:rPr>
                   <a:t>is a measurement mapping that preserves ordering, the size </a:t>
                 </a:r>
                 <a:r>
                   <a:rPr lang="en-US" dirty="0" smtClean="0">
-                    <a:latin typeface="Times New Roman" panose="02020603050405020304" pitchFamily="18" charset="0"/>
-                    <a:cs typeface="Times New Roman" panose="02020603050405020304" pitchFamily="18" charset="0"/>
+                    <a:latin typeface="Times New Roman" panose="02020503050405090304" pitchFamily="18" charset="0"/>
+                    <a:cs typeface="Times New Roman" panose="02020503050405090304" pitchFamily="18" charset="0"/>
                   </a:rPr>
                   <a:t>of intervals </a:t>
                 </a:r>
                 <a:r>
                   <a:rPr lang="en-US" dirty="0">
-                    <a:latin typeface="Times New Roman" panose="02020603050405020304" pitchFamily="18" charset="0"/>
-                    <a:cs typeface="Times New Roman" panose="02020603050405020304" pitchFamily="18" charset="0"/>
+                    <a:latin typeface="Times New Roman" panose="02020503050405090304" pitchFamily="18" charset="0"/>
+                    <a:cs typeface="Times New Roman" panose="02020503050405090304" pitchFamily="18" charset="0"/>
                   </a:rPr>
                   <a:t>between entities, and ratios between entities.</a:t>
                 </a:r>
+                <a:endParaRPr lang="en-US" dirty="0">
+                  <a:latin typeface="Times New Roman" panose="02020503050405090304" pitchFamily="18" charset="0"/>
+                  <a:cs typeface="Times New Roman" panose="02020503050405090304" pitchFamily="18" charset="0"/>
+                </a:endParaRPr>
               </a:p>
               <a:p>
                 <a:pPr algn="just">
@@ -7922,18 +7998,22 @@
                 </a:pPr>
                 <a:r>
                   <a:rPr lang="en-US" dirty="0" smtClean="0">
-                    <a:latin typeface="Times New Roman" panose="02020603050405020304" pitchFamily="18" charset="0"/>
-                    <a:cs typeface="Times New Roman" panose="02020603050405020304" pitchFamily="18" charset="0"/>
+                    <a:latin typeface="Times New Roman" panose="02020503050405090304" pitchFamily="18" charset="0"/>
+                    <a:cs typeface="Times New Roman" panose="02020503050405090304" pitchFamily="18" charset="0"/>
                   </a:rPr>
                   <a:t> There </a:t>
                 </a:r>
                 <a:r>
                   <a:rPr lang="en-US" dirty="0">
-                    <a:latin typeface="Times New Roman" panose="02020603050405020304" pitchFamily="18" charset="0"/>
-                    <a:cs typeface="Times New Roman" panose="02020603050405020304" pitchFamily="18" charset="0"/>
+                    <a:latin typeface="Times New Roman" panose="02020503050405090304" pitchFamily="18" charset="0"/>
+                    <a:cs typeface="Times New Roman" panose="02020503050405090304" pitchFamily="18" charset="0"/>
                   </a:rPr>
                   <a:t>is a zero element, representing total lack of the attribute.</a:t>
                 </a:r>
+                <a:endParaRPr lang="en-US" dirty="0">
+                  <a:latin typeface="Times New Roman" panose="02020503050405090304" pitchFamily="18" charset="0"/>
+                  <a:cs typeface="Times New Roman" panose="02020503050405090304" pitchFamily="18" charset="0"/>
+                </a:endParaRPr>
               </a:p>
               <a:p>
                 <a:pPr algn="just">
@@ -7942,39 +8022,43 @@
                 </a:pPr>
                 <a:r>
                   <a:rPr lang="en-US" dirty="0">
-                    <a:latin typeface="Times New Roman" panose="02020603050405020304" pitchFamily="18" charset="0"/>
-                    <a:cs typeface="Times New Roman" panose="02020603050405020304" pitchFamily="18" charset="0"/>
+                    <a:latin typeface="Times New Roman" panose="02020503050405090304" pitchFamily="18" charset="0"/>
+                    <a:cs typeface="Times New Roman" panose="02020503050405090304" pitchFamily="18" charset="0"/>
                   </a:rPr>
                   <a:t> </a:t>
                 </a:r>
                 <a:r>
                   <a:rPr lang="en-US" dirty="0" smtClean="0">
-                    <a:latin typeface="Times New Roman" panose="02020603050405020304" pitchFamily="18" charset="0"/>
-                    <a:cs typeface="Times New Roman" panose="02020603050405020304" pitchFamily="18" charset="0"/>
+                    <a:latin typeface="Times New Roman" panose="02020503050405090304" pitchFamily="18" charset="0"/>
+                    <a:cs typeface="Times New Roman" panose="02020503050405090304" pitchFamily="18" charset="0"/>
                   </a:rPr>
                   <a:t>The </a:t>
                 </a:r>
                 <a:r>
                   <a:rPr lang="en-US" dirty="0">
-                    <a:latin typeface="Times New Roman" panose="02020603050405020304" pitchFamily="18" charset="0"/>
-                    <a:cs typeface="Times New Roman" panose="02020603050405020304" pitchFamily="18" charset="0"/>
+                    <a:latin typeface="Times New Roman" panose="02020503050405090304" pitchFamily="18" charset="0"/>
+                    <a:cs typeface="Times New Roman" panose="02020503050405090304" pitchFamily="18" charset="0"/>
                   </a:rPr>
                   <a:t>measurement mapping must start at zero and increase at </a:t>
                 </a:r>
                 <a:r>
                   <a:rPr lang="en-US" dirty="0" smtClean="0">
-                    <a:latin typeface="Times New Roman" panose="02020603050405020304" pitchFamily="18" charset="0"/>
-                    <a:cs typeface="Times New Roman" panose="02020603050405020304" pitchFamily="18" charset="0"/>
+                    <a:latin typeface="Times New Roman" panose="02020503050405090304" pitchFamily="18" charset="0"/>
+                    <a:cs typeface="Times New Roman" panose="02020503050405090304" pitchFamily="18" charset="0"/>
                   </a:rPr>
                   <a:t>equal intervals</a:t>
                 </a:r>
                 <a:r>
                   <a:rPr lang="en-US" dirty="0">
-                    <a:latin typeface="Times New Roman" panose="02020603050405020304" pitchFamily="18" charset="0"/>
-                    <a:cs typeface="Times New Roman" panose="02020603050405020304" pitchFamily="18" charset="0"/>
+                    <a:latin typeface="Times New Roman" panose="02020503050405090304" pitchFamily="18" charset="0"/>
+                    <a:cs typeface="Times New Roman" panose="02020503050405090304" pitchFamily="18" charset="0"/>
                   </a:rPr>
                   <a:t>, known as units.</a:t>
                 </a:r>
+                <a:endParaRPr lang="en-US" dirty="0">
+                  <a:latin typeface="Times New Roman" panose="02020503050405090304" pitchFamily="18" charset="0"/>
+                  <a:cs typeface="Times New Roman" panose="02020503050405090304" pitchFamily="18" charset="0"/>
+                </a:endParaRPr>
               </a:p>
               <a:p>
                 <a:pPr algn="just">
@@ -7983,46 +8067,50 @@
                 </a:pPr>
                 <a:r>
                   <a:rPr lang="en-US" dirty="0">
-                    <a:latin typeface="Times New Roman" panose="02020603050405020304" pitchFamily="18" charset="0"/>
-                    <a:cs typeface="Times New Roman" panose="02020603050405020304" pitchFamily="18" charset="0"/>
+                    <a:latin typeface="Times New Roman" panose="02020503050405090304" pitchFamily="18" charset="0"/>
+                    <a:cs typeface="Times New Roman" panose="02020503050405090304" pitchFamily="18" charset="0"/>
                   </a:rPr>
                   <a:t> </a:t>
                 </a:r>
                 <a:r>
                   <a:rPr lang="en-US" dirty="0" smtClean="0">
-                    <a:latin typeface="Times New Roman" panose="02020603050405020304" pitchFamily="18" charset="0"/>
-                    <a:cs typeface="Times New Roman" panose="02020603050405020304" pitchFamily="18" charset="0"/>
+                    <a:latin typeface="Times New Roman" panose="02020503050405090304" pitchFamily="18" charset="0"/>
+                    <a:cs typeface="Times New Roman" panose="02020503050405090304" pitchFamily="18" charset="0"/>
                   </a:rPr>
                   <a:t>All </a:t>
                 </a:r>
                 <a:r>
                   <a:rPr lang="en-US" dirty="0">
-                    <a:latin typeface="Times New Roman" panose="02020603050405020304" pitchFamily="18" charset="0"/>
-                    <a:cs typeface="Times New Roman" panose="02020603050405020304" pitchFamily="18" charset="0"/>
+                    <a:latin typeface="Times New Roman" panose="02020503050405090304" pitchFamily="18" charset="0"/>
+                    <a:cs typeface="Times New Roman" panose="02020503050405090304" pitchFamily="18" charset="0"/>
                   </a:rPr>
                   <a:t>arithmetic can be meaningfully applied to the classes in </a:t>
                 </a:r>
                 <a:r>
                   <a:rPr lang="en-US" dirty="0" smtClean="0">
-                    <a:latin typeface="Times New Roman" panose="02020603050405020304" pitchFamily="18" charset="0"/>
-                    <a:cs typeface="Times New Roman" panose="02020603050405020304" pitchFamily="18" charset="0"/>
+                    <a:latin typeface="Times New Roman" panose="02020503050405090304" pitchFamily="18" charset="0"/>
+                    <a:cs typeface="Times New Roman" panose="02020503050405090304" pitchFamily="18" charset="0"/>
                   </a:rPr>
                   <a:t>the range </a:t>
                 </a:r>
                 <a:r>
                   <a:rPr lang="en-US" dirty="0">
-                    <a:latin typeface="Times New Roman" panose="02020603050405020304" pitchFamily="18" charset="0"/>
-                    <a:cs typeface="Times New Roman" panose="02020603050405020304" pitchFamily="18" charset="0"/>
+                    <a:latin typeface="Times New Roman" panose="02020503050405090304" pitchFamily="18" charset="0"/>
+                    <a:cs typeface="Times New Roman" panose="02020503050405090304" pitchFamily="18" charset="0"/>
                   </a:rPr>
                   <a:t>of the mapping</a:t>
                 </a:r>
                 <a:r>
                   <a:rPr lang="en-US" dirty="0" smtClean="0">
-                    <a:latin typeface="Times New Roman" panose="02020603050405020304" pitchFamily="18" charset="0"/>
-                    <a:cs typeface="Times New Roman" panose="02020603050405020304" pitchFamily="18" charset="0"/>
+                    <a:latin typeface="Times New Roman" panose="02020503050405090304" pitchFamily="18" charset="0"/>
+                    <a:cs typeface="Times New Roman" panose="02020503050405090304" pitchFamily="18" charset="0"/>
                   </a:rPr>
                   <a:t>.</a:t>
                 </a:r>
+                <a:endParaRPr lang="en-US" dirty="0" smtClean="0">
+                  <a:latin typeface="Times New Roman" panose="02020503050405090304" pitchFamily="18" charset="0"/>
+                  <a:cs typeface="Times New Roman" panose="02020503050405090304" pitchFamily="18" charset="0"/>
+                </a:endParaRPr>
               </a:p>
               <a:p>
                 <a:pPr>
@@ -8031,32 +8119,36 @@
                 </a:pPr>
                 <a:r>
                   <a:rPr lang="en-US" dirty="0">
-                    <a:latin typeface="Times New Roman" panose="02020603050405020304" pitchFamily="18" charset="0"/>
-                    <a:cs typeface="Times New Roman" panose="02020603050405020304" pitchFamily="18" charset="0"/>
+                    <a:latin typeface="Times New Roman" panose="02020503050405090304" pitchFamily="18" charset="0"/>
+                    <a:cs typeface="Times New Roman" panose="02020503050405090304" pitchFamily="18" charset="0"/>
                   </a:rPr>
                   <a:t>In general, any acceptable transformation for a ratio scale is a </a:t>
                 </a:r>
                 <a:r>
                   <a:rPr lang="en-US" dirty="0" smtClean="0">
-                    <a:latin typeface="Times New Roman" panose="02020603050405020304" pitchFamily="18" charset="0"/>
-                    <a:cs typeface="Times New Roman" panose="02020603050405020304" pitchFamily="18" charset="0"/>
+                    <a:latin typeface="Times New Roman" panose="02020503050405090304" pitchFamily="18" charset="0"/>
+                    <a:cs typeface="Times New Roman" panose="02020503050405090304" pitchFamily="18" charset="0"/>
                   </a:rPr>
                   <a:t>mapping of </a:t>
                 </a:r>
                 <a:r>
                   <a:rPr lang="en-US" dirty="0">
-                    <a:latin typeface="Times New Roman" panose="02020603050405020304" pitchFamily="18" charset="0"/>
-                    <a:cs typeface="Times New Roman" panose="02020603050405020304" pitchFamily="18" charset="0"/>
+                    <a:latin typeface="Times New Roman" panose="02020503050405090304" pitchFamily="18" charset="0"/>
+                    <a:cs typeface="Times New Roman" panose="02020503050405090304" pitchFamily="18" charset="0"/>
                   </a:rPr>
                   <a:t>the </a:t>
                 </a:r>
                 <a:r>
                   <a:rPr lang="en-US" dirty="0" smtClean="0">
-                    <a:latin typeface="Times New Roman" panose="02020603050405020304" pitchFamily="18" charset="0"/>
-                    <a:cs typeface="Times New Roman" panose="02020603050405020304" pitchFamily="18" charset="0"/>
+                    <a:latin typeface="Times New Roman" panose="02020503050405090304" pitchFamily="18" charset="0"/>
+                    <a:cs typeface="Times New Roman" panose="02020503050405090304" pitchFamily="18" charset="0"/>
                   </a:rPr>
                   <a:t>form</a:t>
                 </a:r>
+                <a:endParaRPr lang="en-US" dirty="0" smtClean="0">
+                  <a:latin typeface="Times New Roman" panose="02020503050405090304" pitchFamily="18" charset="0"/>
+                  <a:cs typeface="Times New Roman" panose="02020503050405090304" pitchFamily="18" charset="0"/>
+                </a:endParaRPr>
               </a:p>
               <a:p>
                 <a14:m>
@@ -8097,19 +8189,19 @@
               </a:p>
               <a:p>
                 <a:endParaRPr lang="en-US" sz="2000" dirty="0">
-                  <a:latin typeface="Times New Roman" panose="02020603050405020304" pitchFamily="18" charset="0"/>
-                  <a:cs typeface="Times New Roman" panose="02020603050405020304" pitchFamily="18" charset="0"/>
+                  <a:latin typeface="Times New Roman" panose="02020503050405090304" pitchFamily="18" charset="0"/>
+                  <a:cs typeface="Times New Roman" panose="02020503050405090304" pitchFamily="18" charset="0"/>
                 </a:endParaRPr>
               </a:p>
             </p:txBody>
           </p:sp>
         </mc:Choice>
-        <mc:Fallback xmlns="">
+        <mc:Fallback>
           <p:sp>
             <p:nvSpPr>
               <p:cNvPr id="3" name="Content Placeholder 2"/>
               <p:cNvSpPr>
-                <a:spLocks noGrp="1" noRot="1" noChangeAspect="1" noMove="1" noResize="1" noEditPoints="1" noAdjustHandles="1" noChangeArrowheads="1" noChangeShapeType="1" noTextEdit="1"/>
+                <a:spLocks noRot="1" noChangeAspect="1" noMove="1" noResize="1" noEditPoints="1" noAdjustHandles="1" noChangeArrowheads="1" noChangeShapeType="1" noTextEdit="1"/>
               </p:cNvSpPr>
               <p:nvPr>
                 <p:ph idx="1"/>
@@ -8120,10 +8212,10 @@
                 <a:off x="1380743" y="1918886"/>
                 <a:ext cx="9774937" cy="4023360"/>
               </a:xfrm>
-              <a:blipFill>
-                <a:blip r:embed="rId2"/>
+              <a:blipFill rotWithShape="1">
+                <a:blip r:embed="rId1"/>
                 <a:stretch>
-                  <a:fillRect l="-1559" t="-1667" r="-1559"/>
+                  <a:fillRect l="-3" t="-14" b="14"/>
                 </a:stretch>
               </a:blipFill>
             </p:spPr>
@@ -8132,7 +8224,7 @@
               <a:lstStyle/>
               <a:p>
                 <a:r>
-                  <a:rPr lang="en-US">
+                  <a:rPr lang="en-US" altLang="en-US">
                     <a:noFill/>
                   </a:rPr>
                   <a:t> </a:t>
@@ -8159,18 +8251,12 @@
           <a:p>
             <a:fld id="{D783A4F0-891E-44AD-B162-AD1ECFE5DF4E}" type="slidenum">
               <a:rPr lang="en-US" smtClean="0"/>
-              <a:t>23</a:t>
             </a:fld>
             <a:endParaRPr lang="en-US"/>
           </a:p>
         </p:txBody>
       </p:sp>
     </p:spTree>
-    <p:extLst>
-      <p:ext uri="{BB962C8B-B14F-4D97-AF65-F5344CB8AC3E}">
-        <p14:creationId xmlns:p14="http://schemas.microsoft.com/office/powerpoint/2010/main" val="1757695785"/>
-      </p:ext>
-    </p:extLst>
   </p:cSld>
   <p:clrMapOvr>
     <a:masterClrMapping/>
@@ -8224,8 +8310,8 @@
                     <a:lumMod val="75000"/>
                   </a:schemeClr>
                 </a:solidFill>
-                <a:latin typeface="Times New Roman" panose="02020603050405020304" pitchFamily="18" charset="0"/>
-                <a:cs typeface="Times New Roman" panose="02020603050405020304" pitchFamily="18" charset="0"/>
+                <a:latin typeface="Times New Roman" panose="02020503050405090304" pitchFamily="18" charset="0"/>
+                <a:cs typeface="Times New Roman" panose="02020503050405090304" pitchFamily="18" charset="0"/>
               </a:rPr>
               <a:t>Absolute Scale Type</a:t>
             </a:r>
@@ -8258,124 +8344,132 @@
             <a:pPr algn="just"/>
             <a:r>
               <a:rPr lang="en-US" sz="2400" dirty="0" smtClean="0">
-                <a:latin typeface="Times New Roman" panose="02020603050405020304" pitchFamily="18" charset="0"/>
-                <a:cs typeface="Times New Roman" panose="02020603050405020304" pitchFamily="18" charset="0"/>
+                <a:latin typeface="Times New Roman" panose="02020503050405090304" pitchFamily="18" charset="0"/>
+                <a:cs typeface="Times New Roman" panose="02020503050405090304" pitchFamily="18" charset="0"/>
               </a:rPr>
               <a:t>The </a:t>
             </a:r>
             <a:r>
               <a:rPr lang="en-US" sz="2400" dirty="0">
-                <a:latin typeface="Times New Roman" panose="02020603050405020304" pitchFamily="18" charset="0"/>
-                <a:cs typeface="Times New Roman" panose="02020603050405020304" pitchFamily="18" charset="0"/>
+                <a:latin typeface="Times New Roman" panose="02020503050405090304" pitchFamily="18" charset="0"/>
+                <a:cs typeface="Times New Roman" panose="02020503050405090304" pitchFamily="18" charset="0"/>
               </a:rPr>
               <a:t>absolute scale is the most restrictive of </a:t>
             </a:r>
             <a:r>
               <a:rPr lang="en-US" sz="2400" dirty="0" smtClean="0">
-                <a:latin typeface="Times New Roman" panose="02020603050405020304" pitchFamily="18" charset="0"/>
-                <a:cs typeface="Times New Roman" panose="02020603050405020304" pitchFamily="18" charset="0"/>
+                <a:latin typeface="Times New Roman" panose="02020503050405090304" pitchFamily="18" charset="0"/>
+                <a:cs typeface="Times New Roman" panose="02020503050405090304" pitchFamily="18" charset="0"/>
               </a:rPr>
               <a:t>all scale types. </a:t>
             </a:r>
             <a:r>
               <a:rPr lang="en-US" sz="2400" dirty="0">
-                <a:latin typeface="Times New Roman" panose="02020603050405020304" pitchFamily="18" charset="0"/>
-                <a:cs typeface="Times New Roman" panose="02020603050405020304" pitchFamily="18" charset="0"/>
+                <a:latin typeface="Times New Roman" panose="02020503050405090304" pitchFamily="18" charset="0"/>
+                <a:cs typeface="Times New Roman" panose="02020503050405090304" pitchFamily="18" charset="0"/>
               </a:rPr>
               <a:t>For any two measures, </a:t>
             </a:r>
             <a:r>
               <a:rPr lang="en-US" sz="2400" i="1" dirty="0">
-                <a:latin typeface="Times New Roman" panose="02020603050405020304" pitchFamily="18" charset="0"/>
-                <a:cs typeface="Times New Roman" panose="02020603050405020304" pitchFamily="18" charset="0"/>
+                <a:latin typeface="Times New Roman" panose="02020503050405090304" pitchFamily="18" charset="0"/>
+                <a:cs typeface="Times New Roman" panose="02020503050405090304" pitchFamily="18" charset="0"/>
               </a:rPr>
               <a:t>M </a:t>
             </a:r>
             <a:r>
               <a:rPr lang="en-US" sz="2400" dirty="0">
-                <a:latin typeface="Times New Roman" panose="02020603050405020304" pitchFamily="18" charset="0"/>
-                <a:cs typeface="Times New Roman" panose="02020603050405020304" pitchFamily="18" charset="0"/>
+                <a:latin typeface="Times New Roman" panose="02020503050405090304" pitchFamily="18" charset="0"/>
+                <a:cs typeface="Times New Roman" panose="02020503050405090304" pitchFamily="18" charset="0"/>
               </a:rPr>
               <a:t>and </a:t>
             </a:r>
             <a:r>
               <a:rPr lang="en-US" sz="2400" i="1" dirty="0">
-                <a:latin typeface="Times New Roman" panose="02020603050405020304" pitchFamily="18" charset="0"/>
-                <a:cs typeface="Times New Roman" panose="02020603050405020304" pitchFamily="18" charset="0"/>
+                <a:latin typeface="Times New Roman" panose="02020503050405090304" pitchFamily="18" charset="0"/>
+                <a:cs typeface="Times New Roman" panose="02020503050405090304" pitchFamily="18" charset="0"/>
               </a:rPr>
               <a:t>M</a:t>
             </a:r>
             <a:r>
               <a:rPr lang="en-US" sz="2400" dirty="0" smtClean="0">
-                <a:latin typeface="Times New Roman" panose="02020603050405020304" pitchFamily="18" charset="0"/>
-                <a:cs typeface="Times New Roman" panose="02020603050405020304" pitchFamily="18" charset="0"/>
+                <a:latin typeface="Times New Roman" panose="02020503050405090304" pitchFamily="18" charset="0"/>
+                <a:cs typeface="Times New Roman" panose="02020503050405090304" pitchFamily="18" charset="0"/>
               </a:rPr>
               <a:t>′, there </a:t>
             </a:r>
             <a:r>
               <a:rPr lang="en-US" sz="2400" dirty="0">
-                <a:latin typeface="Times New Roman" panose="02020603050405020304" pitchFamily="18" charset="0"/>
-                <a:cs typeface="Times New Roman" panose="02020603050405020304" pitchFamily="18" charset="0"/>
+                <a:latin typeface="Times New Roman" panose="02020503050405090304" pitchFamily="18" charset="0"/>
+                <a:cs typeface="Times New Roman" panose="02020503050405090304" pitchFamily="18" charset="0"/>
               </a:rPr>
               <a:t>is only one admissible transformation: </a:t>
             </a:r>
             <a:r>
               <a:rPr lang="en-US" sz="2400" i="1" dirty="0">
-                <a:latin typeface="Times New Roman" panose="02020603050405020304" pitchFamily="18" charset="0"/>
-                <a:cs typeface="Times New Roman" panose="02020603050405020304" pitchFamily="18" charset="0"/>
+                <a:latin typeface="Times New Roman" panose="02020503050405090304" pitchFamily="18" charset="0"/>
+                <a:cs typeface="Times New Roman" panose="02020503050405090304" pitchFamily="18" charset="0"/>
               </a:rPr>
               <a:t>the identity transformation.</a:t>
             </a:r>
+            <a:endParaRPr lang="en-US" sz="2400" i="1" dirty="0">
+              <a:latin typeface="Times New Roman" panose="02020503050405090304" pitchFamily="18" charset="0"/>
+              <a:cs typeface="Times New Roman" panose="02020503050405090304" pitchFamily="18" charset="0"/>
+            </a:endParaRPr>
           </a:p>
           <a:p>
             <a:pPr algn="just"/>
             <a:r>
               <a:rPr lang="en-US" sz="2400" dirty="0">
-                <a:latin typeface="Times New Roman" panose="02020603050405020304" pitchFamily="18" charset="0"/>
-                <a:cs typeface="Times New Roman" panose="02020603050405020304" pitchFamily="18" charset="0"/>
+                <a:latin typeface="Times New Roman" panose="02020503050405090304" pitchFamily="18" charset="0"/>
+                <a:cs typeface="Times New Roman" panose="02020503050405090304" pitchFamily="18" charset="0"/>
               </a:rPr>
               <a:t>That is, there is only one way in which the measurement can be </a:t>
             </a:r>
             <a:r>
               <a:rPr lang="en-US" sz="2400" dirty="0" smtClean="0">
-                <a:latin typeface="Times New Roman" panose="02020603050405020304" pitchFamily="18" charset="0"/>
-                <a:cs typeface="Times New Roman" panose="02020603050405020304" pitchFamily="18" charset="0"/>
+                <a:latin typeface="Times New Roman" panose="02020503050405090304" pitchFamily="18" charset="0"/>
+                <a:cs typeface="Times New Roman" panose="02020503050405090304" pitchFamily="18" charset="0"/>
               </a:rPr>
               <a:t>made. </a:t>
             </a:r>
             <a:r>
               <a:rPr lang="en-US" sz="2400" dirty="0">
-                <a:latin typeface="Times New Roman" panose="02020603050405020304" pitchFamily="18" charset="0"/>
-                <a:cs typeface="Times New Roman" panose="02020603050405020304" pitchFamily="18" charset="0"/>
+                <a:latin typeface="Times New Roman" panose="02020503050405090304" pitchFamily="18" charset="0"/>
+                <a:cs typeface="Times New Roman" panose="02020503050405090304" pitchFamily="18" charset="0"/>
               </a:rPr>
               <a:t>The </a:t>
             </a:r>
             <a:r>
               <a:rPr lang="en-US" sz="2400" i="1" dirty="0">
-                <a:latin typeface="Times New Roman" panose="02020603050405020304" pitchFamily="18" charset="0"/>
-                <a:cs typeface="Times New Roman" panose="02020603050405020304" pitchFamily="18" charset="0"/>
+                <a:latin typeface="Times New Roman" panose="02020503050405090304" pitchFamily="18" charset="0"/>
+                <a:cs typeface="Times New Roman" panose="02020503050405090304" pitchFamily="18" charset="0"/>
               </a:rPr>
               <a:t>absolute scale </a:t>
             </a:r>
             <a:r>
               <a:rPr lang="en-US" sz="2400" dirty="0">
-                <a:latin typeface="Times New Roman" panose="02020603050405020304" pitchFamily="18" charset="0"/>
-                <a:cs typeface="Times New Roman" panose="02020603050405020304" pitchFamily="18" charset="0"/>
+                <a:latin typeface="Times New Roman" panose="02020503050405090304" pitchFamily="18" charset="0"/>
+                <a:cs typeface="Times New Roman" panose="02020503050405090304" pitchFamily="18" charset="0"/>
               </a:rPr>
               <a:t>has the following properties</a:t>
             </a:r>
             <a:r>
               <a:rPr lang="en-US" sz="2400" dirty="0" smtClean="0">
-                <a:latin typeface="Times New Roman" panose="02020603050405020304" pitchFamily="18" charset="0"/>
-                <a:cs typeface="Times New Roman" panose="02020603050405020304" pitchFamily="18" charset="0"/>
+                <a:latin typeface="Times New Roman" panose="02020503050405090304" pitchFamily="18" charset="0"/>
+                <a:cs typeface="Times New Roman" panose="02020503050405090304" pitchFamily="18" charset="0"/>
               </a:rPr>
               <a:t>:</a:t>
             </a:r>
-          </a:p>
-          <a:p>
             <a:endParaRPr lang="en-US" sz="2400" dirty="0" smtClean="0">
-              <a:latin typeface="Times New Roman" panose="02020603050405020304" pitchFamily="18" charset="0"/>
-              <a:cs typeface="Times New Roman" panose="02020603050405020304" pitchFamily="18" charset="0"/>
+              <a:latin typeface="Times New Roman" panose="02020503050405090304" pitchFamily="18" charset="0"/>
+              <a:cs typeface="Times New Roman" panose="02020503050405090304" pitchFamily="18" charset="0"/>
+            </a:endParaRPr>
+          </a:p>
+          <a:p>
+            <a:endParaRPr lang="en-US" sz="2400" dirty="0" smtClean="0">
+              <a:latin typeface="Times New Roman" panose="02020503050405090304" pitchFamily="18" charset="0"/>
+              <a:cs typeface="Times New Roman" panose="02020503050405090304" pitchFamily="18" charset="0"/>
             </a:endParaRPr>
           </a:p>
           <a:p>
@@ -8385,32 +8479,36 @@
             </a:pPr>
             <a:r>
               <a:rPr lang="en-US" dirty="0" smtClean="0">
-                <a:latin typeface="Times New Roman" panose="02020603050405020304" pitchFamily="18" charset="0"/>
-                <a:cs typeface="Times New Roman" panose="02020603050405020304" pitchFamily="18" charset="0"/>
+                <a:latin typeface="Times New Roman" panose="02020503050405090304" pitchFamily="18" charset="0"/>
+                <a:cs typeface="Times New Roman" panose="02020503050405090304" pitchFamily="18" charset="0"/>
               </a:rPr>
               <a:t>The </a:t>
             </a:r>
             <a:r>
               <a:rPr lang="en-US" dirty="0">
-                <a:latin typeface="Times New Roman" panose="02020603050405020304" pitchFamily="18" charset="0"/>
-                <a:cs typeface="Times New Roman" panose="02020603050405020304" pitchFamily="18" charset="0"/>
+                <a:latin typeface="Times New Roman" panose="02020503050405090304" pitchFamily="18" charset="0"/>
+                <a:cs typeface="Times New Roman" panose="02020503050405090304" pitchFamily="18" charset="0"/>
               </a:rPr>
               <a:t>measurement for an absolute scale is made simply by </a:t>
             </a:r>
             <a:r>
               <a:rPr lang="en-US" dirty="0" smtClean="0">
-                <a:latin typeface="Times New Roman" panose="02020603050405020304" pitchFamily="18" charset="0"/>
-                <a:cs typeface="Times New Roman" panose="02020603050405020304" pitchFamily="18" charset="0"/>
+                <a:latin typeface="Times New Roman" panose="02020503050405090304" pitchFamily="18" charset="0"/>
+                <a:cs typeface="Times New Roman" panose="02020503050405090304" pitchFamily="18" charset="0"/>
               </a:rPr>
               <a:t>counting the </a:t>
             </a:r>
             <a:r>
               <a:rPr lang="en-US" dirty="0">
-                <a:latin typeface="Times New Roman" panose="02020603050405020304" pitchFamily="18" charset="0"/>
-                <a:cs typeface="Times New Roman" panose="02020603050405020304" pitchFamily="18" charset="0"/>
+                <a:latin typeface="Times New Roman" panose="02020503050405090304" pitchFamily="18" charset="0"/>
+                <a:cs typeface="Times New Roman" panose="02020503050405090304" pitchFamily="18" charset="0"/>
               </a:rPr>
               <a:t>number of elements in the entity set.</a:t>
             </a:r>
+            <a:endParaRPr lang="en-US" dirty="0">
+              <a:latin typeface="Times New Roman" panose="02020503050405090304" pitchFamily="18" charset="0"/>
+              <a:cs typeface="Times New Roman" panose="02020503050405090304" pitchFamily="18" charset="0"/>
+            </a:endParaRPr>
           </a:p>
           <a:p>
             <a:pPr lvl="1" algn="just">
@@ -8419,39 +8517,43 @@
             </a:pPr>
             <a:r>
               <a:rPr lang="en-US" dirty="0" smtClean="0">
-                <a:latin typeface="Times New Roman" panose="02020603050405020304" pitchFamily="18" charset="0"/>
-                <a:cs typeface="Times New Roman" panose="02020603050405020304" pitchFamily="18" charset="0"/>
+                <a:latin typeface="Times New Roman" panose="02020503050405090304" pitchFamily="18" charset="0"/>
+                <a:cs typeface="Times New Roman" panose="02020503050405090304" pitchFamily="18" charset="0"/>
               </a:rPr>
               <a:t>The </a:t>
             </a:r>
             <a:r>
               <a:rPr lang="en-US" dirty="0">
-                <a:latin typeface="Times New Roman" panose="02020603050405020304" pitchFamily="18" charset="0"/>
-                <a:cs typeface="Times New Roman" panose="02020603050405020304" pitchFamily="18" charset="0"/>
+                <a:latin typeface="Times New Roman" panose="02020503050405090304" pitchFamily="18" charset="0"/>
+                <a:cs typeface="Times New Roman" panose="02020503050405090304" pitchFamily="18" charset="0"/>
               </a:rPr>
               <a:t>attribute always takes the form “number of occurrences of </a:t>
             </a:r>
             <a:r>
               <a:rPr lang="en-US" i="1" dirty="0">
-                <a:latin typeface="Times New Roman" panose="02020603050405020304" pitchFamily="18" charset="0"/>
-                <a:cs typeface="Times New Roman" panose="02020603050405020304" pitchFamily="18" charset="0"/>
+                <a:latin typeface="Times New Roman" panose="02020503050405090304" pitchFamily="18" charset="0"/>
+                <a:cs typeface="Times New Roman" panose="02020503050405090304" pitchFamily="18" charset="0"/>
               </a:rPr>
               <a:t>x </a:t>
             </a:r>
             <a:r>
               <a:rPr lang="en-US" dirty="0" smtClean="0">
-                <a:latin typeface="Times New Roman" panose="02020603050405020304" pitchFamily="18" charset="0"/>
-                <a:cs typeface="Times New Roman" panose="02020603050405020304" pitchFamily="18" charset="0"/>
+                <a:latin typeface="Times New Roman" panose="02020503050405090304" pitchFamily="18" charset="0"/>
+                <a:cs typeface="Times New Roman" panose="02020503050405090304" pitchFamily="18" charset="0"/>
               </a:rPr>
               <a:t>in the </a:t>
             </a:r>
             <a:r>
               <a:rPr lang="en-US" dirty="0">
-                <a:latin typeface="Times New Roman" panose="02020603050405020304" pitchFamily="18" charset="0"/>
-                <a:cs typeface="Times New Roman" panose="02020603050405020304" pitchFamily="18" charset="0"/>
+                <a:latin typeface="Times New Roman" panose="02020503050405090304" pitchFamily="18" charset="0"/>
+                <a:cs typeface="Times New Roman" panose="02020503050405090304" pitchFamily="18" charset="0"/>
               </a:rPr>
               <a:t>entity.”</a:t>
             </a:r>
+            <a:endParaRPr lang="en-US" dirty="0">
+              <a:latin typeface="Times New Roman" panose="02020503050405090304" pitchFamily="18" charset="0"/>
+              <a:cs typeface="Times New Roman" panose="02020503050405090304" pitchFamily="18" charset="0"/>
+            </a:endParaRPr>
           </a:p>
           <a:p>
             <a:pPr lvl="1" algn="just">
@@ -8460,32 +8562,36 @@
             </a:pPr>
             <a:r>
               <a:rPr lang="en-US" dirty="0" smtClean="0">
-                <a:latin typeface="Times New Roman" panose="02020603050405020304" pitchFamily="18" charset="0"/>
-                <a:cs typeface="Times New Roman" panose="02020603050405020304" pitchFamily="18" charset="0"/>
+                <a:latin typeface="Times New Roman" panose="02020503050405090304" pitchFamily="18" charset="0"/>
+                <a:cs typeface="Times New Roman" panose="02020503050405090304" pitchFamily="18" charset="0"/>
               </a:rPr>
               <a:t>There </a:t>
             </a:r>
             <a:r>
               <a:rPr lang="en-US" dirty="0">
-                <a:latin typeface="Times New Roman" panose="02020603050405020304" pitchFamily="18" charset="0"/>
-                <a:cs typeface="Times New Roman" panose="02020603050405020304" pitchFamily="18" charset="0"/>
+                <a:latin typeface="Times New Roman" panose="02020503050405090304" pitchFamily="18" charset="0"/>
+                <a:cs typeface="Times New Roman" panose="02020503050405090304" pitchFamily="18" charset="0"/>
               </a:rPr>
               <a:t>is only one possible measurement mapping, namely the </a:t>
             </a:r>
             <a:r>
               <a:rPr lang="en-US" dirty="0" smtClean="0">
-                <a:latin typeface="Times New Roman" panose="02020603050405020304" pitchFamily="18" charset="0"/>
-                <a:cs typeface="Times New Roman" panose="02020603050405020304" pitchFamily="18" charset="0"/>
+                <a:latin typeface="Times New Roman" panose="02020503050405090304" pitchFamily="18" charset="0"/>
+                <a:cs typeface="Times New Roman" panose="02020503050405090304" pitchFamily="18" charset="0"/>
               </a:rPr>
               <a:t>actual count</a:t>
             </a:r>
             <a:r>
               <a:rPr lang="en-US" dirty="0">
-                <a:latin typeface="Times New Roman" panose="02020603050405020304" pitchFamily="18" charset="0"/>
-                <a:cs typeface="Times New Roman" panose="02020603050405020304" pitchFamily="18" charset="0"/>
+                <a:latin typeface="Times New Roman" panose="02020503050405090304" pitchFamily="18" charset="0"/>
+                <a:cs typeface="Times New Roman" panose="02020503050405090304" pitchFamily="18" charset="0"/>
               </a:rPr>
               <a:t>, and there is only one way to count elements.</a:t>
             </a:r>
+            <a:endParaRPr lang="en-US" dirty="0">
+              <a:latin typeface="Times New Roman" panose="02020503050405090304" pitchFamily="18" charset="0"/>
+              <a:cs typeface="Times New Roman" panose="02020503050405090304" pitchFamily="18" charset="0"/>
+            </a:endParaRPr>
           </a:p>
           <a:p>
             <a:pPr lvl="1" algn="just">
@@ -8494,25 +8600,29 @@
             </a:pPr>
             <a:r>
               <a:rPr lang="en-US" dirty="0" smtClean="0">
-                <a:latin typeface="Times New Roman" panose="02020603050405020304" pitchFamily="18" charset="0"/>
-                <a:cs typeface="Times New Roman" panose="02020603050405020304" pitchFamily="18" charset="0"/>
+                <a:latin typeface="Times New Roman" panose="02020503050405090304" pitchFamily="18" charset="0"/>
+                <a:cs typeface="Times New Roman" panose="02020503050405090304" pitchFamily="18" charset="0"/>
               </a:rPr>
               <a:t>All </a:t>
             </a:r>
             <a:r>
               <a:rPr lang="en-US" dirty="0">
-                <a:latin typeface="Times New Roman" panose="02020603050405020304" pitchFamily="18" charset="0"/>
-                <a:cs typeface="Times New Roman" panose="02020603050405020304" pitchFamily="18" charset="0"/>
+                <a:latin typeface="Times New Roman" panose="02020503050405090304" pitchFamily="18" charset="0"/>
+                <a:cs typeface="Times New Roman" panose="02020503050405090304" pitchFamily="18" charset="0"/>
               </a:rPr>
               <a:t>arithmetic analysis of the resulting count is meaningful</a:t>
             </a:r>
             <a:r>
               <a:rPr lang="en-US" dirty="0" smtClean="0">
-                <a:latin typeface="Times New Roman" panose="02020603050405020304" pitchFamily="18" charset="0"/>
-                <a:cs typeface="Times New Roman" panose="02020603050405020304" pitchFamily="18" charset="0"/>
+                <a:latin typeface="Times New Roman" panose="02020503050405090304" pitchFamily="18" charset="0"/>
+                <a:cs typeface="Times New Roman" panose="02020503050405090304" pitchFamily="18" charset="0"/>
               </a:rPr>
               <a:t>.</a:t>
             </a:r>
+            <a:endParaRPr lang="en-US" dirty="0" smtClean="0">
+              <a:latin typeface="Times New Roman" panose="02020503050405090304" pitchFamily="18" charset="0"/>
+              <a:cs typeface="Times New Roman" panose="02020503050405090304" pitchFamily="18" charset="0"/>
+            </a:endParaRPr>
           </a:p>
         </p:txBody>
       </p:sp>
@@ -8533,7 +8643,6 @@
           <a:p>
             <a:fld id="{D783A4F0-891E-44AD-B162-AD1ECFE5DF4E}" type="slidenum">
               <a:rPr lang="en-US" smtClean="0"/>
-              <a:t>24</a:t>
             </a:fld>
             <a:endParaRPr lang="en-US"/>
           </a:p>
@@ -8542,9 +8651,7 @@
       <p:sp>
         <p:nvSpPr>
           <p:cNvPr id="7" name="Content Placeholder 2"/>
-          <p:cNvSpPr txBox="1">
-            <a:spLocks/>
-          </p:cNvSpPr>
+          <p:cNvSpPr txBox="1"/>
           <p:nvPr/>
         </p:nvSpPr>
         <p:spPr>
@@ -8589,7 +8696,7 @@
                 <a:cs typeface="+mn-cs"/>
               </a:defRPr>
             </a:lvl1pPr>
-            <a:lvl2pPr marL="384048" indent="-182880" algn="l" defTabSz="914400" rtl="0" eaLnBrk="1" latinLnBrk="0" hangingPunct="1">
+            <a:lvl2pPr marL="384175" indent="-182880" algn="l" defTabSz="914400" rtl="0" eaLnBrk="1" latinLnBrk="0" hangingPunct="1">
               <a:lnSpc>
                 <a:spcPct val="90000"/>
               </a:lnSpc>
@@ -8602,7 +8709,7 @@
               <a:buClr>
                 <a:schemeClr val="accent1"/>
               </a:buClr>
-              <a:buFont typeface="Calibri" pitchFamily="34" charset="0"/>
+              <a:buFont typeface="Calibri" panose="020F0502020204030204" pitchFamily="34" charset="0"/>
               <a:buChar char="◦"/>
               <a:defRPr sz="1800" kern="1200">
                 <a:solidFill>
@@ -8616,7 +8723,7 @@
                 <a:cs typeface="+mn-cs"/>
               </a:defRPr>
             </a:lvl2pPr>
-            <a:lvl3pPr marL="566928" indent="-182880" algn="l" defTabSz="914400" rtl="0" eaLnBrk="1" latinLnBrk="0" hangingPunct="1">
+            <a:lvl3pPr marL="567055" indent="-182880" algn="l" defTabSz="914400" rtl="0" eaLnBrk="1" latinLnBrk="0" hangingPunct="1">
               <a:lnSpc>
                 <a:spcPct val="90000"/>
               </a:lnSpc>
@@ -8629,7 +8736,7 @@
               <a:buClr>
                 <a:schemeClr val="accent1"/>
               </a:buClr>
-              <a:buFont typeface="Calibri" pitchFamily="34" charset="0"/>
+              <a:buFont typeface="Calibri" panose="020F0502020204030204" pitchFamily="34" charset="0"/>
               <a:buChar char="◦"/>
               <a:defRPr sz="1400" kern="1200">
                 <a:solidFill>
@@ -8643,7 +8750,7 @@
                 <a:cs typeface="+mn-cs"/>
               </a:defRPr>
             </a:lvl3pPr>
-            <a:lvl4pPr marL="749808" indent="-182880" algn="l" defTabSz="914400" rtl="0" eaLnBrk="1" latinLnBrk="0" hangingPunct="1">
+            <a:lvl4pPr marL="749935" indent="-182880" algn="l" defTabSz="914400" rtl="0" eaLnBrk="1" latinLnBrk="0" hangingPunct="1">
               <a:lnSpc>
                 <a:spcPct val="90000"/>
               </a:lnSpc>
@@ -8656,7 +8763,7 @@
               <a:buClr>
                 <a:schemeClr val="accent1"/>
               </a:buClr>
-              <a:buFont typeface="Calibri" pitchFamily="34" charset="0"/>
+              <a:buFont typeface="Calibri" panose="020F0502020204030204" pitchFamily="34" charset="0"/>
               <a:buChar char="◦"/>
               <a:defRPr sz="1400" kern="1200">
                 <a:solidFill>
@@ -8670,7 +8777,7 @@
                 <a:cs typeface="+mn-cs"/>
               </a:defRPr>
             </a:lvl4pPr>
-            <a:lvl5pPr marL="932688" indent="-182880" algn="l" defTabSz="914400" rtl="0" eaLnBrk="1" latinLnBrk="0" hangingPunct="1">
+            <a:lvl5pPr marL="932815" indent="-182880" algn="l" defTabSz="914400" rtl="0" eaLnBrk="1" latinLnBrk="0" hangingPunct="1">
               <a:lnSpc>
                 <a:spcPct val="90000"/>
               </a:lnSpc>
@@ -8683,7 +8790,7 @@
               <a:buClr>
                 <a:schemeClr val="accent1"/>
               </a:buClr>
-              <a:buFont typeface="Calibri" pitchFamily="34" charset="0"/>
+              <a:buFont typeface="Calibri" panose="020F0502020204030204" pitchFamily="34" charset="0"/>
               <a:buChar char="◦"/>
               <a:defRPr sz="1400" kern="1200">
                 <a:solidFill>
@@ -8697,7 +8804,7 @@
                 <a:cs typeface="+mn-cs"/>
               </a:defRPr>
             </a:lvl5pPr>
-            <a:lvl6pPr marL="1100000" indent="-228600" algn="l" defTabSz="914400" rtl="0" eaLnBrk="1" latinLnBrk="0" hangingPunct="1">
+            <a:lvl6pPr marL="1099820" indent="-228600" algn="l" defTabSz="914400" rtl="0" eaLnBrk="1" latinLnBrk="0" hangingPunct="1">
               <a:lnSpc>
                 <a:spcPct val="90000"/>
               </a:lnSpc>
@@ -8710,7 +8817,7 @@
               <a:buClr>
                 <a:schemeClr val="accent1"/>
               </a:buClr>
-              <a:buFont typeface="Calibri" pitchFamily="34" charset="0"/>
+              <a:buFont typeface="Calibri" panose="020F0502020204030204" pitchFamily="34" charset="0"/>
               <a:buChar char="◦"/>
               <a:defRPr sz="1400" kern="1200">
                 <a:solidFill>
@@ -8724,7 +8831,7 @@
                 <a:cs typeface="+mn-cs"/>
               </a:defRPr>
             </a:lvl6pPr>
-            <a:lvl7pPr marL="1300000" indent="-228600" algn="l" defTabSz="914400" rtl="0" eaLnBrk="1" latinLnBrk="0" hangingPunct="1">
+            <a:lvl7pPr marL="1299845" indent="-228600" algn="l" defTabSz="914400" rtl="0" eaLnBrk="1" latinLnBrk="0" hangingPunct="1">
               <a:lnSpc>
                 <a:spcPct val="90000"/>
               </a:lnSpc>
@@ -8737,7 +8844,7 @@
               <a:buClr>
                 <a:schemeClr val="accent1"/>
               </a:buClr>
-              <a:buFont typeface="Calibri" pitchFamily="34" charset="0"/>
+              <a:buFont typeface="Calibri" panose="020F0502020204030204" pitchFamily="34" charset="0"/>
               <a:buChar char="◦"/>
               <a:defRPr sz="1400" kern="1200">
                 <a:solidFill>
@@ -8751,7 +8858,7 @@
                 <a:cs typeface="+mn-cs"/>
               </a:defRPr>
             </a:lvl7pPr>
-            <a:lvl8pPr marL="1500000" indent="-228600" algn="l" defTabSz="914400" rtl="0" eaLnBrk="1" latinLnBrk="0" hangingPunct="1">
+            <a:lvl8pPr marL="1499870" indent="-228600" algn="l" defTabSz="914400" rtl="0" eaLnBrk="1" latinLnBrk="0" hangingPunct="1">
               <a:lnSpc>
                 <a:spcPct val="90000"/>
               </a:lnSpc>
@@ -8764,7 +8871,7 @@
               <a:buClr>
                 <a:schemeClr val="accent1"/>
               </a:buClr>
-              <a:buFont typeface="Calibri" pitchFamily="34" charset="0"/>
+              <a:buFont typeface="Calibri" panose="020F0502020204030204" pitchFamily="34" charset="0"/>
               <a:buChar char="◦"/>
               <a:defRPr sz="1400" kern="1200">
                 <a:solidFill>
@@ -8778,7 +8885,7 @@
                 <a:cs typeface="+mn-cs"/>
               </a:defRPr>
             </a:lvl8pPr>
-            <a:lvl9pPr marL="1700000" indent="-228600" algn="l" defTabSz="914400" rtl="0" eaLnBrk="1" latinLnBrk="0" hangingPunct="1">
+            <a:lvl9pPr marL="1699895" indent="-228600" algn="l" defTabSz="914400" rtl="0" eaLnBrk="1" latinLnBrk="0" hangingPunct="1">
               <a:lnSpc>
                 <a:spcPct val="90000"/>
               </a:lnSpc>
@@ -8791,7 +8898,7 @@
               <a:buClr>
                 <a:schemeClr val="accent1"/>
               </a:buClr>
-              <a:buFont typeface="Calibri" pitchFamily="34" charset="0"/>
+              <a:buFont typeface="Calibri" panose="020F0502020204030204" pitchFamily="34" charset="0"/>
               <a:buChar char="◦"/>
               <a:defRPr sz="1400" kern="1200">
                 <a:solidFill>
@@ -8810,11 +8917,15 @@
             <a:pPr algn="just"/>
             <a:r>
               <a:rPr lang="en-US" dirty="0" smtClean="0">
-                <a:latin typeface="Times New Roman" panose="02020603050405020304" pitchFamily="18" charset="0"/>
-                <a:cs typeface="Times New Roman" panose="02020603050405020304" pitchFamily="18" charset="0"/>
+                <a:latin typeface="Times New Roman" panose="02020503050405090304" pitchFamily="18" charset="0"/>
+                <a:cs typeface="Times New Roman" panose="02020503050405090304" pitchFamily="18" charset="0"/>
               </a:rPr>
               <a:t>Example:</a:t>
             </a:r>
+            <a:endParaRPr lang="en-US" dirty="0" smtClean="0">
+              <a:latin typeface="Times New Roman" panose="02020503050405090304" pitchFamily="18" charset="0"/>
+              <a:cs typeface="Times New Roman" panose="02020503050405090304" pitchFamily="18" charset="0"/>
+            </a:endParaRPr>
           </a:p>
           <a:p>
             <a:pPr algn="just">
@@ -8823,17 +8934,21 @@
             </a:pPr>
             <a:r>
               <a:rPr lang="en-US" dirty="0" smtClean="0">
-                <a:latin typeface="Times New Roman" panose="02020603050405020304" pitchFamily="18" charset="0"/>
-                <a:cs typeface="Times New Roman" panose="02020603050405020304" pitchFamily="18" charset="0"/>
+                <a:latin typeface="Times New Roman" panose="02020503050405090304" pitchFamily="18" charset="0"/>
+                <a:cs typeface="Times New Roman" panose="02020503050405090304" pitchFamily="18" charset="0"/>
               </a:rPr>
               <a:t>Number of failures observed during integration testing can only measured in one way: by counting the failures</a:t>
             </a:r>
+            <a:endParaRPr lang="en-US" dirty="0" smtClean="0">
+              <a:latin typeface="Times New Roman" panose="02020503050405090304" pitchFamily="18" charset="0"/>
+              <a:cs typeface="Times New Roman" panose="02020503050405090304" pitchFamily="18" charset="0"/>
+            </a:endParaRPr>
           </a:p>
           <a:p>
             <a:pPr algn="just"/>
             <a:endParaRPr lang="en-US" dirty="0">
-              <a:latin typeface="Times New Roman" panose="02020603050405020304" pitchFamily="18" charset="0"/>
-              <a:cs typeface="Times New Roman" panose="02020603050405020304" pitchFamily="18" charset="0"/>
+              <a:latin typeface="Times New Roman" panose="02020503050405090304" pitchFamily="18" charset="0"/>
+              <a:cs typeface="Times New Roman" panose="02020503050405090304" pitchFamily="18" charset="0"/>
             </a:endParaRPr>
           </a:p>
           <a:p>
@@ -8843,20 +8958,19 @@
             </a:pPr>
             <a:r>
               <a:rPr lang="en-US" dirty="0" smtClean="0">
-                <a:latin typeface="Times New Roman" panose="02020603050405020304" pitchFamily="18" charset="0"/>
-                <a:cs typeface="Times New Roman" panose="02020603050405020304" pitchFamily="18" charset="0"/>
+                <a:latin typeface="Times New Roman" panose="02020503050405090304" pitchFamily="18" charset="0"/>
+                <a:cs typeface="Times New Roman" panose="02020503050405090304" pitchFamily="18" charset="0"/>
               </a:rPr>
               <a:t>Number of people working in a project can be only measured by counting people</a:t>
             </a:r>
+            <a:endParaRPr lang="en-US" dirty="0" smtClean="0">
+              <a:latin typeface="Times New Roman" panose="02020503050405090304" pitchFamily="18" charset="0"/>
+              <a:cs typeface="Times New Roman" panose="02020503050405090304" pitchFamily="18" charset="0"/>
+            </a:endParaRPr>
           </a:p>
         </p:txBody>
       </p:sp>
     </p:spTree>
-    <p:extLst>
-      <p:ext uri="{BB962C8B-B14F-4D97-AF65-F5344CB8AC3E}">
-        <p14:creationId xmlns:p14="http://schemas.microsoft.com/office/powerpoint/2010/main" val="4221118846"/>
-      </p:ext>
-    </p:extLst>
   </p:cSld>
   <p:clrMapOvr>
     <a:masterClrMapping/>
@@ -8910,8 +9024,8 @@
                     <a:lumMod val="75000"/>
                   </a:schemeClr>
                 </a:solidFill>
-                <a:latin typeface="Times New Roman" panose="02020603050405020304" pitchFamily="18" charset="0"/>
-                <a:cs typeface="Times New Roman" panose="02020603050405020304" pitchFamily="18" charset="0"/>
+                <a:latin typeface="Times New Roman" panose="02020503050405090304" pitchFamily="18" charset="0"/>
+                <a:cs typeface="Times New Roman" panose="02020503050405090304" pitchFamily="18" charset="0"/>
               </a:rPr>
               <a:t>Summary of Scales</a:t>
             </a:r>
@@ -8936,7 +9050,6 @@
           <a:p>
             <a:fld id="{D783A4F0-891E-44AD-B162-AD1ECFE5DF4E}" type="slidenum">
               <a:rPr lang="en-US" smtClean="0"/>
-              <a:t>25</a:t>
             </a:fld>
             <a:endParaRPr lang="en-US"/>
           </a:p>
@@ -8953,7 +9066,7 @@
           </p:nvPr>
         </p:nvPicPr>
         <p:blipFill>
-          <a:blip r:embed="rId2"/>
+          <a:blip r:embed="rId1"/>
           <a:stretch>
             <a:fillRect/>
           </a:stretch>
@@ -8969,11 +9082,6 @@
         </p:spPr>
       </p:pic>
     </p:spTree>
-    <p:extLst>
-      <p:ext uri="{BB962C8B-B14F-4D97-AF65-F5344CB8AC3E}">
-        <p14:creationId xmlns:p14="http://schemas.microsoft.com/office/powerpoint/2010/main" val="1068504823"/>
-      </p:ext>
-    </p:extLst>
   </p:cSld>
   <p:clrMapOvr>
     <a:masterClrMapping/>
@@ -9027,8 +9135,8 @@
                     <a:lumMod val="75000"/>
                   </a:schemeClr>
                 </a:solidFill>
-                <a:latin typeface="Times New Roman" panose="02020603050405020304" pitchFamily="18" charset="0"/>
-                <a:cs typeface="Times New Roman" panose="02020603050405020304" pitchFamily="18" charset="0"/>
+                <a:latin typeface="Times New Roman" panose="02020503050405090304" pitchFamily="18" charset="0"/>
+                <a:cs typeface="Times New Roman" panose="02020503050405090304" pitchFamily="18" charset="0"/>
               </a:rPr>
               <a:t>Meaningfulness in Measurement</a:t>
             </a:r>
@@ -9053,7 +9161,6 @@
           <a:p>
             <a:fld id="{D783A4F0-891E-44AD-B162-AD1ECFE5DF4E}" type="slidenum">
               <a:rPr lang="en-US" smtClean="0"/>
-              <a:t>26</a:t>
             </a:fld>
             <a:endParaRPr lang="en-US"/>
           </a:p>
@@ -9080,32 +9187,36 @@
             </a:pPr>
             <a:r>
               <a:rPr lang="en-US" dirty="0">
-                <a:latin typeface="Times New Roman" panose="02020603050405020304" pitchFamily="18" charset="0"/>
-                <a:cs typeface="Times New Roman" panose="02020603050405020304" pitchFamily="18" charset="0"/>
+                <a:latin typeface="Times New Roman" panose="02020503050405090304" pitchFamily="18" charset="0"/>
+                <a:cs typeface="Times New Roman" panose="02020503050405090304" pitchFamily="18" charset="0"/>
               </a:rPr>
               <a:t>T</a:t>
             </a:r>
             <a:r>
               <a:rPr lang="en-US" dirty="0" smtClean="0">
-                <a:latin typeface="Times New Roman" panose="02020603050405020304" pitchFamily="18" charset="0"/>
-                <a:cs typeface="Times New Roman" panose="02020603050405020304" pitchFamily="18" charset="0"/>
+                <a:latin typeface="Times New Roman" panose="02020503050405090304" pitchFamily="18" charset="0"/>
+                <a:cs typeface="Times New Roman" panose="02020503050405090304" pitchFamily="18" charset="0"/>
               </a:rPr>
               <a:t>he </a:t>
             </a:r>
             <a:r>
               <a:rPr lang="en-US" dirty="0">
-                <a:latin typeface="Times New Roman" panose="02020603050405020304" pitchFamily="18" charset="0"/>
-                <a:cs typeface="Times New Roman" panose="02020603050405020304" pitchFamily="18" charset="0"/>
+                <a:latin typeface="Times New Roman" panose="02020503050405090304" pitchFamily="18" charset="0"/>
+                <a:cs typeface="Times New Roman" panose="02020503050405090304" pitchFamily="18" charset="0"/>
               </a:rPr>
               <a:t>type of scale determine what kind of analysis we can perform on the </a:t>
             </a:r>
             <a:r>
               <a:rPr lang="en-US" dirty="0" smtClean="0">
-                <a:latin typeface="Times New Roman" panose="02020603050405020304" pitchFamily="18" charset="0"/>
-                <a:cs typeface="Times New Roman" panose="02020603050405020304" pitchFamily="18" charset="0"/>
+                <a:latin typeface="Times New Roman" panose="02020503050405090304" pitchFamily="18" charset="0"/>
+                <a:cs typeface="Times New Roman" panose="02020503050405090304" pitchFamily="18" charset="0"/>
               </a:rPr>
               <a:t>measurements</a:t>
             </a:r>
+            <a:endParaRPr lang="en-US" dirty="0" smtClean="0">
+              <a:latin typeface="Times New Roman" panose="02020503050405090304" pitchFamily="18" charset="0"/>
+              <a:cs typeface="Times New Roman" panose="02020503050405090304" pitchFamily="18" charset="0"/>
+            </a:endParaRPr>
           </a:p>
           <a:p>
             <a:pPr>
@@ -9114,120 +9225,128 @@
             </a:pPr>
             <a:r>
               <a:rPr lang="en-US" dirty="0" smtClean="0">
-                <a:latin typeface="Times New Roman" panose="02020603050405020304" pitchFamily="18" charset="0"/>
-                <a:cs typeface="Times New Roman" panose="02020603050405020304" pitchFamily="18" charset="0"/>
+                <a:latin typeface="Times New Roman" panose="02020503050405090304" pitchFamily="18" charset="0"/>
+                <a:cs typeface="Times New Roman" panose="02020503050405090304" pitchFamily="18" charset="0"/>
               </a:rPr>
               <a:t>Consider </a:t>
             </a:r>
             <a:r>
               <a:rPr lang="en-US" dirty="0">
-                <a:latin typeface="Times New Roman" panose="02020603050405020304" pitchFamily="18" charset="0"/>
-                <a:cs typeface="Times New Roman" panose="02020603050405020304" pitchFamily="18" charset="0"/>
+                <a:latin typeface="Times New Roman" panose="02020503050405090304" pitchFamily="18" charset="0"/>
+                <a:cs typeface="Times New Roman" panose="02020503050405090304" pitchFamily="18" charset="0"/>
               </a:rPr>
               <a:t>these statements: </a:t>
             </a:r>
             <a:endParaRPr lang="en-US" dirty="0" smtClean="0">
-              <a:latin typeface="Times New Roman" panose="02020603050405020304" pitchFamily="18" charset="0"/>
-              <a:cs typeface="Times New Roman" panose="02020603050405020304" pitchFamily="18" charset="0"/>
-            </a:endParaRPr>
-          </a:p>
-          <a:p>
-            <a:pPr marL="726948" lvl="2" indent="-342900">
+              <a:latin typeface="Times New Roman" panose="02020503050405090304" pitchFamily="18" charset="0"/>
+              <a:cs typeface="Times New Roman" panose="02020503050405090304" pitchFamily="18" charset="0"/>
+            </a:endParaRPr>
+          </a:p>
+          <a:p>
+            <a:pPr marL="727075" lvl="2" indent="-342900">
               <a:buFont typeface="+mj-lt"/>
               <a:buAutoNum type="arabicPeriod"/>
             </a:pPr>
             <a:r>
               <a:rPr lang="en-US" sz="1600" dirty="0" smtClean="0">
-                <a:latin typeface="Times New Roman" panose="02020603050405020304" pitchFamily="18" charset="0"/>
-                <a:cs typeface="Times New Roman" panose="02020603050405020304" pitchFamily="18" charset="0"/>
+                <a:latin typeface="Times New Roman" panose="02020503050405090304" pitchFamily="18" charset="0"/>
+                <a:cs typeface="Times New Roman" panose="02020503050405090304" pitchFamily="18" charset="0"/>
               </a:rPr>
               <a:t>The </a:t>
             </a:r>
             <a:r>
               <a:rPr lang="en-US" sz="1600" dirty="0">
-                <a:latin typeface="Times New Roman" panose="02020603050405020304" pitchFamily="18" charset="0"/>
-                <a:cs typeface="Times New Roman" panose="02020603050405020304" pitchFamily="18" charset="0"/>
+                <a:latin typeface="Times New Roman" panose="02020503050405090304" pitchFamily="18" charset="0"/>
+                <a:cs typeface="Times New Roman" panose="02020503050405090304" pitchFamily="18" charset="0"/>
               </a:rPr>
               <a:t># of errors discovered during integration testing was 100. </a:t>
             </a:r>
             <a:endParaRPr lang="en-US" sz="1600" dirty="0" smtClean="0">
-              <a:latin typeface="Times New Roman" panose="02020603050405020304" pitchFamily="18" charset="0"/>
-              <a:cs typeface="Times New Roman" panose="02020603050405020304" pitchFamily="18" charset="0"/>
-            </a:endParaRPr>
-          </a:p>
-          <a:p>
-            <a:pPr marL="726948" lvl="2" indent="-342900">
+              <a:latin typeface="Times New Roman" panose="02020503050405090304" pitchFamily="18" charset="0"/>
+              <a:cs typeface="Times New Roman" panose="02020503050405090304" pitchFamily="18" charset="0"/>
+            </a:endParaRPr>
+          </a:p>
+          <a:p>
+            <a:pPr marL="727075" lvl="2" indent="-342900">
               <a:buFont typeface="+mj-lt"/>
               <a:buAutoNum type="arabicPeriod"/>
             </a:pPr>
             <a:r>
               <a:rPr lang="en-US" sz="1600" dirty="0" smtClean="0">
-                <a:latin typeface="Times New Roman" panose="02020603050405020304" pitchFamily="18" charset="0"/>
-                <a:cs typeface="Times New Roman" panose="02020603050405020304" pitchFamily="18" charset="0"/>
+                <a:latin typeface="Times New Roman" panose="02020503050405090304" pitchFamily="18" charset="0"/>
+                <a:cs typeface="Times New Roman" panose="02020503050405090304" pitchFamily="18" charset="0"/>
               </a:rPr>
               <a:t>The </a:t>
             </a:r>
             <a:r>
               <a:rPr lang="en-US" sz="1600" dirty="0">
-                <a:latin typeface="Times New Roman" panose="02020603050405020304" pitchFamily="18" charset="0"/>
-                <a:cs typeface="Times New Roman" panose="02020603050405020304" pitchFamily="18" charset="0"/>
+                <a:latin typeface="Times New Roman" panose="02020503050405090304" pitchFamily="18" charset="0"/>
+                <a:cs typeface="Times New Roman" panose="02020503050405090304" pitchFamily="18" charset="0"/>
               </a:rPr>
               <a:t>cost of fixing each error is at least 100. </a:t>
             </a:r>
             <a:endParaRPr lang="en-US" sz="1600" dirty="0" smtClean="0">
-              <a:latin typeface="Times New Roman" panose="02020603050405020304" pitchFamily="18" charset="0"/>
-              <a:cs typeface="Times New Roman" panose="02020603050405020304" pitchFamily="18" charset="0"/>
-            </a:endParaRPr>
-          </a:p>
-          <a:p>
-            <a:pPr marL="726948" lvl="2" indent="-342900">
+              <a:latin typeface="Times New Roman" panose="02020503050405090304" pitchFamily="18" charset="0"/>
+              <a:cs typeface="Times New Roman" panose="02020503050405090304" pitchFamily="18" charset="0"/>
+            </a:endParaRPr>
+          </a:p>
+          <a:p>
+            <a:pPr marL="727075" lvl="2" indent="-342900">
               <a:buFont typeface="+mj-lt"/>
               <a:buAutoNum type="arabicPeriod"/>
             </a:pPr>
             <a:r>
               <a:rPr lang="en-US" sz="1600" dirty="0" smtClean="0">
-                <a:latin typeface="Times New Roman" panose="02020603050405020304" pitchFamily="18" charset="0"/>
-                <a:cs typeface="Times New Roman" panose="02020603050405020304" pitchFamily="18" charset="0"/>
+                <a:latin typeface="Times New Roman" panose="02020503050405090304" pitchFamily="18" charset="0"/>
+                <a:cs typeface="Times New Roman" panose="02020503050405090304" pitchFamily="18" charset="0"/>
               </a:rPr>
               <a:t>A </a:t>
             </a:r>
             <a:r>
               <a:rPr lang="en-US" sz="1600" dirty="0">
-                <a:latin typeface="Times New Roman" panose="02020603050405020304" pitchFamily="18" charset="0"/>
-                <a:cs typeface="Times New Roman" panose="02020603050405020304" pitchFamily="18" charset="0"/>
+                <a:latin typeface="Times New Roman" panose="02020503050405090304" pitchFamily="18" charset="0"/>
+                <a:cs typeface="Times New Roman" panose="02020503050405090304" pitchFamily="18" charset="0"/>
               </a:rPr>
               <a:t>semantic error takes twice as long to fix than an syntactic error</a:t>
             </a:r>
             <a:r>
               <a:rPr lang="en-US" sz="1600" dirty="0" smtClean="0">
-                <a:latin typeface="Times New Roman" panose="02020603050405020304" pitchFamily="18" charset="0"/>
-                <a:cs typeface="Times New Roman" panose="02020603050405020304" pitchFamily="18" charset="0"/>
+                <a:latin typeface="Times New Roman" panose="02020503050405090304" pitchFamily="18" charset="0"/>
+                <a:cs typeface="Times New Roman" panose="02020503050405090304" pitchFamily="18" charset="0"/>
               </a:rPr>
               <a:t>.</a:t>
             </a:r>
-          </a:p>
-          <a:p>
-            <a:pPr marL="726948" lvl="2" indent="-342900">
+            <a:endParaRPr lang="en-US" sz="1600" dirty="0" smtClean="0">
+              <a:latin typeface="Times New Roman" panose="02020503050405090304" pitchFamily="18" charset="0"/>
+              <a:cs typeface="Times New Roman" panose="02020503050405090304" pitchFamily="18" charset="0"/>
+            </a:endParaRPr>
+          </a:p>
+          <a:p>
+            <a:pPr marL="727075" lvl="2" indent="-342900">
               <a:buFont typeface="+mj-lt"/>
               <a:buAutoNum type="arabicPeriod"/>
             </a:pPr>
             <a:r>
               <a:rPr lang="en-US" sz="1600" dirty="0" smtClean="0">
-                <a:latin typeface="Times New Roman" panose="02020603050405020304" pitchFamily="18" charset="0"/>
-                <a:cs typeface="Times New Roman" panose="02020603050405020304" pitchFamily="18" charset="0"/>
+                <a:latin typeface="Times New Roman" panose="02020503050405090304" pitchFamily="18" charset="0"/>
+                <a:cs typeface="Times New Roman" panose="02020503050405090304" pitchFamily="18" charset="0"/>
               </a:rPr>
               <a:t>A </a:t>
             </a:r>
             <a:r>
               <a:rPr lang="en-US" sz="1600" dirty="0">
-                <a:latin typeface="Times New Roman" panose="02020603050405020304" pitchFamily="18" charset="0"/>
-                <a:cs typeface="Times New Roman" panose="02020603050405020304" pitchFamily="18" charset="0"/>
+                <a:latin typeface="Times New Roman" panose="02020503050405090304" pitchFamily="18" charset="0"/>
+                <a:cs typeface="Times New Roman" panose="02020503050405090304" pitchFamily="18" charset="0"/>
               </a:rPr>
               <a:t>semantic error is twice as complex as a syntactic error. </a:t>
             </a:r>
-          </a:p>
-          <a:p>
-            <a:pPr marL="384048" lvl="2" indent="0">
+            <a:endParaRPr lang="en-US" sz="1600" dirty="0">
+              <a:latin typeface="Times New Roman" panose="02020503050405090304" pitchFamily="18" charset="0"/>
+              <a:cs typeface="Times New Roman" panose="02020503050405090304" pitchFamily="18" charset="0"/>
+            </a:endParaRPr>
+          </a:p>
+          <a:p>
+            <a:pPr marL="384175" lvl="2" indent="0">
               <a:buNone/>
             </a:pPr>
             <a:endParaRPr lang="en-US" dirty="0"/>
@@ -9243,41 +9362,40 @@
             </a:r>
             <a:r>
               <a:rPr lang="en-US" sz="2000" b="1" dirty="0" smtClean="0">
-                <a:latin typeface="Times New Roman" panose="02020603050405020304" pitchFamily="18" charset="0"/>
-                <a:cs typeface="Times New Roman" panose="02020603050405020304" pitchFamily="18" charset="0"/>
+                <a:latin typeface="Times New Roman" panose="02020503050405090304" pitchFamily="18" charset="0"/>
+                <a:cs typeface="Times New Roman" panose="02020503050405090304" pitchFamily="18" charset="0"/>
               </a:rPr>
               <a:t>A </a:t>
             </a:r>
             <a:r>
               <a:rPr lang="en-US" sz="2000" b="1" dirty="0">
-                <a:latin typeface="Times New Roman" panose="02020603050405020304" pitchFamily="18" charset="0"/>
-                <a:cs typeface="Times New Roman" panose="02020603050405020304" pitchFamily="18" charset="0"/>
+                <a:latin typeface="Times New Roman" panose="02020503050405090304" pitchFamily="18" charset="0"/>
+                <a:cs typeface="Times New Roman" panose="02020503050405090304" pitchFamily="18" charset="0"/>
               </a:rPr>
               <a:t>measurement statement is meaningful if its truth value is invariant of </a:t>
             </a:r>
             <a:r>
               <a:rPr lang="en-US" sz="2000" b="1" i="1" dirty="0">
-                <a:latin typeface="Times New Roman" panose="02020603050405020304" pitchFamily="18" charset="0"/>
-                <a:cs typeface="Times New Roman" panose="02020603050405020304" pitchFamily="18" charset="0"/>
+                <a:latin typeface="Times New Roman" panose="02020503050405090304" pitchFamily="18" charset="0"/>
+                <a:cs typeface="Times New Roman" panose="02020503050405090304" pitchFamily="18" charset="0"/>
               </a:rPr>
               <a:t>admissible transformations</a:t>
             </a:r>
             <a:r>
               <a:rPr lang="en-US" sz="2000" b="1" dirty="0">
-                <a:latin typeface="Times New Roman" panose="02020603050405020304" pitchFamily="18" charset="0"/>
-                <a:cs typeface="Times New Roman" panose="02020603050405020304" pitchFamily="18" charset="0"/>
+                <a:latin typeface="Times New Roman" panose="02020503050405090304" pitchFamily="18" charset="0"/>
+                <a:cs typeface="Times New Roman" panose="02020503050405090304" pitchFamily="18" charset="0"/>
               </a:rPr>
               <a:t> of the scale</a:t>
             </a:r>
+            <a:endParaRPr lang="en-US" sz="2000" b="1" dirty="0">
+              <a:latin typeface="Times New Roman" panose="02020503050405090304" pitchFamily="18" charset="0"/>
+              <a:cs typeface="Times New Roman" panose="02020503050405090304" pitchFamily="18" charset="0"/>
+            </a:endParaRPr>
           </a:p>
         </p:txBody>
       </p:sp>
     </p:spTree>
-    <p:extLst>
-      <p:ext uri="{BB962C8B-B14F-4D97-AF65-F5344CB8AC3E}">
-        <p14:creationId xmlns:p14="http://schemas.microsoft.com/office/powerpoint/2010/main" val="912204500"/>
-      </p:ext>
-    </p:extLst>
   </p:cSld>
   <p:clrMapOvr>
     <a:masterClrMapping/>
@@ -9331,8 +9449,8 @@
                     <a:lumMod val="75000"/>
                   </a:schemeClr>
                 </a:solidFill>
-                <a:latin typeface="Times New Roman" panose="02020603050405020304" pitchFamily="18" charset="0"/>
-                <a:cs typeface="Times New Roman" panose="02020603050405020304" pitchFamily="18" charset="0"/>
+                <a:latin typeface="Times New Roman" panose="02020503050405090304" pitchFamily="18" charset="0"/>
+                <a:cs typeface="Times New Roman" panose="02020503050405090304" pitchFamily="18" charset="0"/>
               </a:rPr>
               <a:t>Statistical Operations on Measures</a:t>
             </a:r>
@@ -9357,7 +9475,6 @@
           <a:p>
             <a:fld id="{D783A4F0-891E-44AD-B162-AD1ECFE5DF4E}" type="slidenum">
               <a:rPr lang="en-US" smtClean="0"/>
-              <a:t>27</a:t>
             </a:fld>
             <a:endParaRPr lang="en-US"/>
           </a:p>
@@ -9386,11 +9503,15 @@
             </a:pPr>
             <a:r>
               <a:rPr lang="en-US" dirty="0" smtClean="0">
-                <a:latin typeface="Times New Roman" panose="02020603050405020304" pitchFamily="18" charset="0"/>
-                <a:cs typeface="Times New Roman" panose="02020603050405020304" pitchFamily="18" charset="0"/>
+                <a:latin typeface="Times New Roman" panose="02020503050405090304" pitchFamily="18" charset="0"/>
+                <a:cs typeface="Times New Roman" panose="02020503050405090304" pitchFamily="18" charset="0"/>
               </a:rPr>
               <a:t>The scale type of a measure affects the types of operations and statistical analyses </a:t>
             </a:r>
+            <a:endParaRPr lang="en-US" dirty="0" smtClean="0">
+              <a:latin typeface="Times New Roman" panose="02020503050405090304" pitchFamily="18" charset="0"/>
+              <a:cs typeface="Times New Roman" panose="02020503050405090304" pitchFamily="18" charset="0"/>
+            </a:endParaRPr>
           </a:p>
           <a:p>
             <a:pPr>
@@ -9399,39 +9520,43 @@
             </a:pPr>
             <a:r>
               <a:rPr lang="en-US" dirty="0" smtClean="0">
-                <a:latin typeface="Times New Roman" panose="02020603050405020304" pitchFamily="18" charset="0"/>
-                <a:cs typeface="Times New Roman" panose="02020603050405020304" pitchFamily="18" charset="0"/>
+                <a:latin typeface="Times New Roman" panose="02020503050405090304" pitchFamily="18" charset="0"/>
+                <a:cs typeface="Times New Roman" panose="02020503050405090304" pitchFamily="18" charset="0"/>
               </a:rPr>
               <a:t>Consider </a:t>
             </a:r>
             <a:r>
               <a:rPr lang="en-US" dirty="0">
-                <a:latin typeface="Times New Roman" panose="02020603050405020304" pitchFamily="18" charset="0"/>
-                <a:cs typeface="Times New Roman" panose="02020603050405020304" pitchFamily="18" charset="0"/>
+                <a:latin typeface="Times New Roman" panose="02020503050405090304" pitchFamily="18" charset="0"/>
+                <a:cs typeface="Times New Roman" panose="02020503050405090304" pitchFamily="18" charset="0"/>
               </a:rPr>
               <a:t>w</a:t>
             </a:r>
             <a:r>
               <a:rPr lang="en-US" dirty="0" smtClean="0">
-                <a:latin typeface="Times New Roman" panose="02020603050405020304" pitchFamily="18" charset="0"/>
-                <a:cs typeface="Times New Roman" panose="02020603050405020304" pitchFamily="18" charset="0"/>
+                <a:latin typeface="Times New Roman" panose="02020503050405090304" pitchFamily="18" charset="0"/>
+                <a:cs typeface="Times New Roman" panose="02020503050405090304" pitchFamily="18" charset="0"/>
               </a:rPr>
               <a:t>e </a:t>
             </a:r>
             <a:r>
               <a:rPr lang="en-US" dirty="0">
-                <a:latin typeface="Times New Roman" panose="02020603050405020304" pitchFamily="18" charset="0"/>
-                <a:cs typeface="Times New Roman" panose="02020603050405020304" pitchFamily="18" charset="0"/>
+                <a:latin typeface="Times New Roman" panose="02020503050405090304" pitchFamily="18" charset="0"/>
+                <a:cs typeface="Times New Roman" panose="02020503050405090304" pitchFamily="18" charset="0"/>
               </a:rPr>
               <a:t>have measured an attribute for 13 entities, and the resulting data points in ranked order are</a:t>
             </a:r>
             <a:r>
               <a:rPr lang="en-US" dirty="0" smtClean="0">
-                <a:latin typeface="Times New Roman" panose="02020603050405020304" pitchFamily="18" charset="0"/>
-                <a:cs typeface="Times New Roman" panose="02020603050405020304" pitchFamily="18" charset="0"/>
+                <a:latin typeface="Times New Roman" panose="02020503050405090304" pitchFamily="18" charset="0"/>
+                <a:cs typeface="Times New Roman" panose="02020503050405090304" pitchFamily="18" charset="0"/>
               </a:rPr>
               <a:t>:</a:t>
             </a:r>
+            <a:endParaRPr lang="en-US" dirty="0" smtClean="0">
+              <a:latin typeface="Times New Roman" panose="02020503050405090304" pitchFamily="18" charset="0"/>
+              <a:cs typeface="Times New Roman" panose="02020503050405090304" pitchFamily="18" charset="0"/>
+            </a:endParaRPr>
           </a:p>
           <a:p>
             <a:pPr marL="0" indent="0">
@@ -9439,25 +9564,29 @@
             </a:pPr>
             <a:r>
               <a:rPr lang="en-US" dirty="0" smtClean="0">
-                <a:latin typeface="Times New Roman" panose="02020603050405020304" pitchFamily="18" charset="0"/>
-                <a:cs typeface="Times New Roman" panose="02020603050405020304" pitchFamily="18" charset="0"/>
+                <a:latin typeface="Times New Roman" panose="02020503050405090304" pitchFamily="18" charset="0"/>
+                <a:cs typeface="Times New Roman" panose="02020503050405090304" pitchFamily="18" charset="0"/>
               </a:rPr>
               <a:t>                  2</a:t>
             </a:r>
             <a:r>
               <a:rPr lang="en-US" dirty="0">
-                <a:latin typeface="Times New Roman" panose="02020603050405020304" pitchFamily="18" charset="0"/>
-                <a:cs typeface="Times New Roman" panose="02020603050405020304" pitchFamily="18" charset="0"/>
+                <a:latin typeface="Times New Roman" panose="02020503050405090304" pitchFamily="18" charset="0"/>
+                <a:cs typeface="Times New Roman" panose="02020503050405090304" pitchFamily="18" charset="0"/>
               </a:rPr>
               <a:t>, 2, 4, 5, 5, 8, 8, 10,11, 11, 11, 15, </a:t>
             </a:r>
             <a:r>
               <a:rPr lang="en-US" dirty="0" smtClean="0">
-                <a:latin typeface="Times New Roman" panose="02020603050405020304" pitchFamily="18" charset="0"/>
-                <a:cs typeface="Times New Roman" panose="02020603050405020304" pitchFamily="18" charset="0"/>
+                <a:latin typeface="Times New Roman" panose="02020503050405090304" pitchFamily="18" charset="0"/>
+                <a:cs typeface="Times New Roman" panose="02020503050405090304" pitchFamily="18" charset="0"/>
               </a:rPr>
               <a:t>16</a:t>
             </a:r>
+            <a:endParaRPr lang="en-US" dirty="0" smtClean="0">
+              <a:latin typeface="Times New Roman" panose="02020503050405090304" pitchFamily="18" charset="0"/>
+              <a:cs typeface="Times New Roman" panose="02020503050405090304" pitchFamily="18" charset="0"/>
+            </a:endParaRPr>
           </a:p>
           <a:p>
             <a:pPr lvl="3">
@@ -9465,8 +9594,8 @@
               <a:buChar char="§"/>
             </a:pPr>
             <a:endParaRPr lang="en-US" sz="1800" dirty="0">
-              <a:latin typeface="Times New Roman" panose="02020603050405020304" pitchFamily="18" charset="0"/>
-              <a:cs typeface="Times New Roman" panose="02020603050405020304" pitchFamily="18" charset="0"/>
+              <a:latin typeface="Times New Roman" panose="02020503050405090304" pitchFamily="18" charset="0"/>
+              <a:cs typeface="Times New Roman" panose="02020503050405090304" pitchFamily="18" charset="0"/>
             </a:endParaRPr>
           </a:p>
           <a:p>
@@ -9476,39 +9605,43 @@
             </a:pPr>
             <a:r>
               <a:rPr lang="en-US" sz="1800" dirty="0" smtClean="0">
-                <a:latin typeface="Times New Roman" panose="02020603050405020304" pitchFamily="18" charset="0"/>
-                <a:cs typeface="Times New Roman" panose="02020603050405020304" pitchFamily="18" charset="0"/>
+                <a:latin typeface="Times New Roman" panose="02020503050405090304" pitchFamily="18" charset="0"/>
+                <a:cs typeface="Times New Roman" panose="02020503050405090304" pitchFamily="18" charset="0"/>
               </a:rPr>
               <a:t>The </a:t>
             </a:r>
             <a:r>
               <a:rPr lang="en-US" sz="1800" i="1" dirty="0">
-                <a:latin typeface="Times New Roman" panose="02020603050405020304" pitchFamily="18" charset="0"/>
-                <a:cs typeface="Times New Roman" panose="02020603050405020304" pitchFamily="18" charset="0"/>
+                <a:latin typeface="Times New Roman" panose="02020503050405090304" pitchFamily="18" charset="0"/>
+                <a:cs typeface="Times New Roman" panose="02020503050405090304" pitchFamily="18" charset="0"/>
               </a:rPr>
               <a:t>mean </a:t>
             </a:r>
             <a:r>
               <a:rPr lang="en-US" sz="1800" dirty="0">
-                <a:latin typeface="Times New Roman" panose="02020603050405020304" pitchFamily="18" charset="0"/>
-                <a:cs typeface="Times New Roman" panose="02020603050405020304" pitchFamily="18" charset="0"/>
+                <a:latin typeface="Times New Roman" panose="02020503050405090304" pitchFamily="18" charset="0"/>
+                <a:cs typeface="Times New Roman" panose="02020503050405090304" pitchFamily="18" charset="0"/>
               </a:rPr>
               <a:t>of this set of data (i.e., the sum divided by the number of items) is </a:t>
             </a:r>
             <a:r>
               <a:rPr lang="en-US" sz="1800" i="1" dirty="0">
-                <a:latin typeface="Times New Roman" panose="02020603050405020304" pitchFamily="18" charset="0"/>
-                <a:cs typeface="Times New Roman" panose="02020603050405020304" pitchFamily="18" charset="0"/>
+                <a:latin typeface="Times New Roman" panose="02020503050405090304" pitchFamily="18" charset="0"/>
+                <a:cs typeface="Times New Roman" panose="02020503050405090304" pitchFamily="18" charset="0"/>
               </a:rPr>
               <a:t>8.3</a:t>
             </a:r>
             <a:r>
               <a:rPr lang="en-US" sz="1800" i="1" dirty="0" smtClean="0">
-                <a:latin typeface="Times New Roman" panose="02020603050405020304" pitchFamily="18" charset="0"/>
-                <a:cs typeface="Times New Roman" panose="02020603050405020304" pitchFamily="18" charset="0"/>
+                <a:latin typeface="Times New Roman" panose="02020503050405090304" pitchFamily="18" charset="0"/>
+                <a:cs typeface="Times New Roman" panose="02020503050405090304" pitchFamily="18" charset="0"/>
               </a:rPr>
               <a:t>.</a:t>
             </a:r>
+            <a:endParaRPr lang="en-US" sz="1800" i="1" dirty="0" smtClean="0">
+              <a:latin typeface="Times New Roman" panose="02020503050405090304" pitchFamily="18" charset="0"/>
+              <a:cs typeface="Times New Roman" panose="02020503050405090304" pitchFamily="18" charset="0"/>
+            </a:endParaRPr>
           </a:p>
           <a:p>
             <a:pPr lvl="3">
@@ -9517,39 +9650,43 @@
             </a:pPr>
             <a:r>
               <a:rPr lang="en-US" sz="1800" dirty="0">
-                <a:latin typeface="Times New Roman" panose="02020603050405020304" pitchFamily="18" charset="0"/>
-                <a:cs typeface="Times New Roman" panose="02020603050405020304" pitchFamily="18" charset="0"/>
+                <a:latin typeface="Times New Roman" panose="02020503050405090304" pitchFamily="18" charset="0"/>
+                <a:cs typeface="Times New Roman" panose="02020503050405090304" pitchFamily="18" charset="0"/>
               </a:rPr>
               <a:t>The </a:t>
             </a:r>
             <a:r>
               <a:rPr lang="en-US" sz="1800" i="1" dirty="0">
-                <a:latin typeface="Times New Roman" panose="02020603050405020304" pitchFamily="18" charset="0"/>
-                <a:cs typeface="Times New Roman" panose="02020603050405020304" pitchFamily="18" charset="0"/>
+                <a:latin typeface="Times New Roman" panose="02020503050405090304" pitchFamily="18" charset="0"/>
+                <a:cs typeface="Times New Roman" panose="02020503050405090304" pitchFamily="18" charset="0"/>
               </a:rPr>
               <a:t>median </a:t>
             </a:r>
             <a:r>
               <a:rPr lang="en-US" sz="1800" dirty="0">
-                <a:latin typeface="Times New Roman" panose="02020603050405020304" pitchFamily="18" charset="0"/>
-                <a:cs typeface="Times New Roman" panose="02020603050405020304" pitchFamily="18" charset="0"/>
+                <a:latin typeface="Times New Roman" panose="02020503050405090304" pitchFamily="18" charset="0"/>
+                <a:cs typeface="Times New Roman" panose="02020503050405090304" pitchFamily="18" charset="0"/>
               </a:rPr>
               <a:t>(i.e., the value of the middle-ranked item) is </a:t>
             </a:r>
             <a:r>
               <a:rPr lang="en-US" sz="1800" i="1" dirty="0">
-                <a:latin typeface="Times New Roman" panose="02020603050405020304" pitchFamily="18" charset="0"/>
-                <a:cs typeface="Times New Roman" panose="02020603050405020304" pitchFamily="18" charset="0"/>
+                <a:latin typeface="Times New Roman" panose="02020503050405090304" pitchFamily="18" charset="0"/>
+                <a:cs typeface="Times New Roman" panose="02020503050405090304" pitchFamily="18" charset="0"/>
               </a:rPr>
               <a:t>8</a:t>
             </a:r>
             <a:r>
               <a:rPr lang="en-US" sz="1800" i="1" dirty="0" smtClean="0">
-                <a:latin typeface="Times New Roman" panose="02020603050405020304" pitchFamily="18" charset="0"/>
-                <a:cs typeface="Times New Roman" panose="02020603050405020304" pitchFamily="18" charset="0"/>
+                <a:latin typeface="Times New Roman" panose="02020503050405090304" pitchFamily="18" charset="0"/>
+                <a:cs typeface="Times New Roman" panose="02020503050405090304" pitchFamily="18" charset="0"/>
               </a:rPr>
               <a:t>.</a:t>
             </a:r>
+            <a:endParaRPr lang="en-US" sz="1800" i="1" dirty="0" smtClean="0">
+              <a:latin typeface="Times New Roman" panose="02020503050405090304" pitchFamily="18" charset="0"/>
+              <a:cs typeface="Times New Roman" panose="02020503050405090304" pitchFamily="18" charset="0"/>
+            </a:endParaRPr>
           </a:p>
           <a:p>
             <a:pPr lvl="3">
@@ -9558,29 +9695,29 @@
             </a:pPr>
             <a:r>
               <a:rPr lang="en-US" sz="1800" dirty="0">
-                <a:latin typeface="Times New Roman" panose="02020603050405020304" pitchFamily="18" charset="0"/>
-                <a:cs typeface="Times New Roman" panose="02020603050405020304" pitchFamily="18" charset="0"/>
+                <a:latin typeface="Times New Roman" panose="02020503050405090304" pitchFamily="18" charset="0"/>
+                <a:cs typeface="Times New Roman" panose="02020503050405090304" pitchFamily="18" charset="0"/>
               </a:rPr>
               <a:t>The </a:t>
             </a:r>
             <a:r>
               <a:rPr lang="en-US" sz="1800" i="1" dirty="0">
-                <a:latin typeface="Times New Roman" panose="02020603050405020304" pitchFamily="18" charset="0"/>
-                <a:cs typeface="Times New Roman" panose="02020603050405020304" pitchFamily="18" charset="0"/>
+                <a:latin typeface="Times New Roman" panose="02020503050405090304" pitchFamily="18" charset="0"/>
+                <a:cs typeface="Times New Roman" panose="02020503050405090304" pitchFamily="18" charset="0"/>
               </a:rPr>
               <a:t>mode </a:t>
             </a:r>
             <a:r>
               <a:rPr lang="en-US" sz="1800" dirty="0">
-                <a:latin typeface="Times New Roman" panose="02020603050405020304" pitchFamily="18" charset="0"/>
-                <a:cs typeface="Times New Roman" panose="02020603050405020304" pitchFamily="18" charset="0"/>
+                <a:latin typeface="Times New Roman" panose="02020503050405090304" pitchFamily="18" charset="0"/>
+                <a:cs typeface="Times New Roman" panose="02020503050405090304" pitchFamily="18" charset="0"/>
               </a:rPr>
               <a:t>(i.e., the value of the most commonly occurring item) is </a:t>
             </a:r>
             <a:r>
               <a:rPr lang="en-US" sz="1800" i="1" dirty="0">
-                <a:latin typeface="Times New Roman" panose="02020603050405020304" pitchFamily="18" charset="0"/>
-                <a:cs typeface="Times New Roman" panose="02020603050405020304" pitchFamily="18" charset="0"/>
+                <a:latin typeface="Times New Roman" panose="02020503050405090304" pitchFamily="18" charset="0"/>
+                <a:cs typeface="Times New Roman" panose="02020503050405090304" pitchFamily="18" charset="0"/>
               </a:rPr>
               <a:t>11. </a:t>
             </a:r>
@@ -9592,8 +9729,8 @@
               <a:buChar char="§"/>
             </a:pPr>
             <a:endParaRPr lang="en-US" sz="1800" dirty="0">
-              <a:latin typeface="Times New Roman" panose="02020603050405020304" pitchFamily="18" charset="0"/>
-              <a:cs typeface="Times New Roman" panose="02020603050405020304" pitchFamily="18" charset="0"/>
+              <a:latin typeface="Times New Roman" panose="02020503050405090304" pitchFamily="18" charset="0"/>
+              <a:cs typeface="Times New Roman" panose="02020503050405090304" pitchFamily="18" charset="0"/>
             </a:endParaRPr>
           </a:p>
           <a:p>
@@ -9602,8 +9739,8 @@
               <a:buChar char="§"/>
             </a:pPr>
             <a:endParaRPr lang="en-US" sz="1800" i="1" dirty="0" smtClean="0">
-              <a:latin typeface="Times New Roman" panose="02020603050405020304" pitchFamily="18" charset="0"/>
-              <a:cs typeface="Times New Roman" panose="02020603050405020304" pitchFamily="18" charset="0"/>
+              <a:latin typeface="Times New Roman" panose="02020503050405090304" pitchFamily="18" charset="0"/>
+              <a:cs typeface="Times New Roman" panose="02020503050405090304" pitchFamily="18" charset="0"/>
             </a:endParaRPr>
           </a:p>
           <a:p>
@@ -9612,18 +9749,13 @@
               <a:buChar char="§"/>
             </a:pPr>
             <a:endParaRPr lang="en-US" sz="1800" dirty="0">
-              <a:latin typeface="Times New Roman" panose="02020603050405020304" pitchFamily="18" charset="0"/>
-              <a:cs typeface="Times New Roman" panose="02020603050405020304" pitchFamily="18" charset="0"/>
+              <a:latin typeface="Times New Roman" panose="02020503050405090304" pitchFamily="18" charset="0"/>
+              <a:cs typeface="Times New Roman" panose="02020503050405090304" pitchFamily="18" charset="0"/>
             </a:endParaRPr>
           </a:p>
         </p:txBody>
       </p:sp>
     </p:spTree>
-    <p:extLst>
-      <p:ext uri="{BB962C8B-B14F-4D97-AF65-F5344CB8AC3E}">
-        <p14:creationId xmlns:p14="http://schemas.microsoft.com/office/powerpoint/2010/main" val="1457578483"/>
-      </p:ext>
-    </p:extLst>
   </p:cSld>
   <p:clrMapOvr>
     <a:masterClrMapping/>
@@ -9691,14 +9823,14 @@
           <a:p>
             <a:r>
               <a:rPr lang="en-US" dirty="0" smtClean="0">
-                <a:latin typeface="Times New Roman" panose="02020603050405020304" pitchFamily="18" charset="0"/>
-                <a:cs typeface="Times New Roman" panose="02020603050405020304" pitchFamily="18" charset="0"/>
+                <a:latin typeface="Times New Roman" panose="02020503050405090304" pitchFamily="18" charset="0"/>
+                <a:cs typeface="Times New Roman" panose="02020503050405090304" pitchFamily="18" charset="0"/>
               </a:rPr>
               <a:t>End of Chapter 2</a:t>
             </a:r>
             <a:endParaRPr lang="en-US" dirty="0">
-              <a:latin typeface="Times New Roman" panose="02020603050405020304" pitchFamily="18" charset="0"/>
-              <a:cs typeface="Times New Roman" panose="02020603050405020304" pitchFamily="18" charset="0"/>
+              <a:latin typeface="Times New Roman" panose="02020503050405090304" pitchFamily="18" charset="0"/>
+              <a:cs typeface="Times New Roman" panose="02020503050405090304" pitchFamily="18" charset="0"/>
             </a:endParaRPr>
           </a:p>
         </p:txBody>
@@ -9720,18 +9852,12 @@
           <a:p>
             <a:fld id="{D783A4F0-891E-44AD-B162-AD1ECFE5DF4E}" type="slidenum">
               <a:rPr lang="en-US" smtClean="0"/>
-              <a:t>28</a:t>
             </a:fld>
             <a:endParaRPr lang="en-US"/>
           </a:p>
         </p:txBody>
       </p:sp>
     </p:spTree>
-    <p:extLst>
-      <p:ext uri="{BB962C8B-B14F-4D97-AF65-F5344CB8AC3E}">
-        <p14:creationId xmlns:p14="http://schemas.microsoft.com/office/powerpoint/2010/main" val="3318675804"/>
-      </p:ext>
-    </p:extLst>
   </p:cSld>
   <p:clrMapOvr>
     <a:masterClrMapping/>
@@ -9785,8 +9911,8 @@
                     <a:lumMod val="75000"/>
                   </a:schemeClr>
                 </a:solidFill>
-                <a:latin typeface="Times New Roman" panose="02020603050405020304" pitchFamily="18" charset="0"/>
-                <a:cs typeface="Times New Roman" panose="02020603050405020304" pitchFamily="18" charset="0"/>
+                <a:latin typeface="Times New Roman" panose="02020503050405090304" pitchFamily="18" charset="0"/>
+                <a:cs typeface="Times New Roman" panose="02020503050405090304" pitchFamily="18" charset="0"/>
               </a:rPr>
               <a:t>Empirical Relations</a:t>
             </a:r>
@@ -9796,8 +9922,8 @@
                   <a:lumMod val="75000"/>
                 </a:schemeClr>
               </a:solidFill>
-              <a:latin typeface="Times New Roman" panose="02020603050405020304" pitchFamily="18" charset="0"/>
-              <a:cs typeface="Times New Roman" panose="02020603050405020304" pitchFamily="18" charset="0"/>
+              <a:latin typeface="Times New Roman" panose="02020503050405090304" pitchFamily="18" charset="0"/>
+              <a:cs typeface="Times New Roman" panose="02020503050405090304" pitchFamily="18" charset="0"/>
             </a:endParaRPr>
           </a:p>
         </p:txBody>
@@ -9825,11 +9951,15 @@
             </a:pPr>
             <a:r>
               <a:rPr lang="en-US" sz="3200" dirty="0" smtClean="0">
-                <a:latin typeface="Times New Roman" panose="02020603050405020304" pitchFamily="18" charset="0"/>
-                <a:cs typeface="Times New Roman" panose="02020603050405020304" pitchFamily="18" charset="0"/>
+                <a:latin typeface="Times New Roman" panose="02020503050405090304" pitchFamily="18" charset="0"/>
+                <a:cs typeface="Times New Roman" panose="02020503050405090304" pitchFamily="18" charset="0"/>
               </a:rPr>
               <a:t>We perceive the real world by comparing things. Not always by assigning number to them.</a:t>
             </a:r>
+            <a:endParaRPr lang="en-US" sz="3200" dirty="0" smtClean="0">
+              <a:latin typeface="Times New Roman" panose="02020503050405090304" pitchFamily="18" charset="0"/>
+              <a:cs typeface="Times New Roman" panose="02020503050405090304" pitchFamily="18" charset="0"/>
+            </a:endParaRPr>
           </a:p>
           <a:p>
             <a:pPr algn="just">
@@ -9838,179 +9968,191 @@
             </a:pPr>
             <a:r>
               <a:rPr lang="en-US" sz="3200" dirty="0">
-                <a:latin typeface="Times New Roman" panose="02020603050405020304" pitchFamily="18" charset="0"/>
-                <a:cs typeface="Times New Roman" panose="02020603050405020304" pitchFamily="18" charset="0"/>
+                <a:latin typeface="Times New Roman" panose="02020503050405090304" pitchFamily="18" charset="0"/>
+                <a:cs typeface="Times New Roman" panose="02020503050405090304" pitchFamily="18" charset="0"/>
               </a:rPr>
               <a:t>For example, </a:t>
             </a:r>
             <a:r>
               <a:rPr lang="en-US" sz="3200" i="1" u="sng" dirty="0">
-                <a:latin typeface="Times New Roman" panose="02020603050405020304" pitchFamily="18" charset="0"/>
-                <a:cs typeface="Times New Roman" panose="02020603050405020304" pitchFamily="18" charset="0"/>
+                <a:latin typeface="Times New Roman" panose="02020503050405090304" pitchFamily="18" charset="0"/>
+                <a:cs typeface="Times New Roman" panose="02020503050405090304" pitchFamily="18" charset="0"/>
               </a:rPr>
               <a:t>taller than</a:t>
             </a:r>
             <a:r>
               <a:rPr lang="en-US" sz="3200" i="1" dirty="0">
-                <a:latin typeface="Times New Roman" panose="02020603050405020304" pitchFamily="18" charset="0"/>
-                <a:cs typeface="Times New Roman" panose="02020603050405020304" pitchFamily="18" charset="0"/>
+                <a:latin typeface="Times New Roman" panose="02020503050405090304" pitchFamily="18" charset="0"/>
+                <a:cs typeface="Times New Roman" panose="02020503050405090304" pitchFamily="18" charset="0"/>
               </a:rPr>
               <a:t> </a:t>
             </a:r>
             <a:r>
               <a:rPr lang="en-US" sz="3200" dirty="0">
-                <a:latin typeface="Times New Roman" panose="02020603050405020304" pitchFamily="18" charset="0"/>
-                <a:cs typeface="Times New Roman" panose="02020603050405020304" pitchFamily="18" charset="0"/>
+                <a:latin typeface="Times New Roman" panose="02020503050405090304" pitchFamily="18" charset="0"/>
+                <a:cs typeface="Times New Roman" panose="02020503050405090304" pitchFamily="18" charset="0"/>
               </a:rPr>
               <a:t>is a binary relation defined on the set of pairs of people. Given any two people, </a:t>
             </a:r>
             <a:r>
               <a:rPr lang="en-US" sz="3200" i="1" dirty="0">
-                <a:latin typeface="Times New Roman" panose="02020603050405020304" pitchFamily="18" charset="0"/>
-                <a:cs typeface="Times New Roman" panose="02020603050405020304" pitchFamily="18" charset="0"/>
+                <a:latin typeface="Times New Roman" panose="02020503050405090304" pitchFamily="18" charset="0"/>
+                <a:cs typeface="Times New Roman" panose="02020503050405090304" pitchFamily="18" charset="0"/>
               </a:rPr>
               <a:t>x</a:t>
             </a:r>
             <a:r>
               <a:rPr lang="en-US" sz="3200" dirty="0">
-                <a:latin typeface="Times New Roman" panose="02020603050405020304" pitchFamily="18" charset="0"/>
-                <a:cs typeface="Times New Roman" panose="02020603050405020304" pitchFamily="18" charset="0"/>
+                <a:latin typeface="Times New Roman" panose="02020503050405090304" pitchFamily="18" charset="0"/>
+                <a:cs typeface="Times New Roman" panose="02020503050405090304" pitchFamily="18" charset="0"/>
               </a:rPr>
               <a:t> and </a:t>
             </a:r>
             <a:r>
               <a:rPr lang="en-US" sz="3200" i="1" dirty="0">
-                <a:latin typeface="Times New Roman" panose="02020603050405020304" pitchFamily="18" charset="0"/>
-                <a:cs typeface="Times New Roman" panose="02020603050405020304" pitchFamily="18" charset="0"/>
+                <a:latin typeface="Times New Roman" panose="02020503050405090304" pitchFamily="18" charset="0"/>
+                <a:cs typeface="Times New Roman" panose="02020503050405090304" pitchFamily="18" charset="0"/>
               </a:rPr>
               <a:t>y</a:t>
             </a:r>
             <a:r>
               <a:rPr lang="en-US" sz="3200" dirty="0">
-                <a:latin typeface="Times New Roman" panose="02020603050405020304" pitchFamily="18" charset="0"/>
-                <a:cs typeface="Times New Roman" panose="02020603050405020304" pitchFamily="18" charset="0"/>
+                <a:latin typeface="Times New Roman" panose="02020503050405090304" pitchFamily="18" charset="0"/>
+                <a:cs typeface="Times New Roman" panose="02020503050405090304" pitchFamily="18" charset="0"/>
               </a:rPr>
               <a:t>, we can observe </a:t>
             </a:r>
             <a:r>
               <a:rPr lang="en-US" sz="3200" dirty="0" smtClean="0">
-                <a:latin typeface="Times New Roman" panose="02020603050405020304" pitchFamily="18" charset="0"/>
-                <a:cs typeface="Times New Roman" panose="02020603050405020304" pitchFamily="18" charset="0"/>
+                <a:latin typeface="Times New Roman" panose="02020503050405090304" pitchFamily="18" charset="0"/>
+                <a:cs typeface="Times New Roman" panose="02020503050405090304" pitchFamily="18" charset="0"/>
               </a:rPr>
               <a:t>that</a:t>
             </a:r>
+            <a:endParaRPr lang="en-US" sz="3200" dirty="0" smtClean="0">
+              <a:latin typeface="Times New Roman" panose="02020503050405090304" pitchFamily="18" charset="0"/>
+              <a:cs typeface="Times New Roman" panose="02020503050405090304" pitchFamily="18" charset="0"/>
+            </a:endParaRPr>
           </a:p>
           <a:p>
             <a:pPr lvl="4" algn="just">
-              <a:buFont typeface="Arial" panose="020B0604020202020204" pitchFamily="34" charset="0"/>
+              <a:buFont typeface="Arial" panose="020B0604020202090204" pitchFamily="34" charset="0"/>
               <a:buChar char="•"/>
             </a:pPr>
             <a:r>
               <a:rPr lang="en-US" sz="2600" dirty="0">
-                <a:latin typeface="Times New Roman" panose="02020603050405020304" pitchFamily="18" charset="0"/>
-                <a:cs typeface="Times New Roman" panose="02020603050405020304" pitchFamily="18" charset="0"/>
+                <a:latin typeface="Times New Roman" panose="02020503050405090304" pitchFamily="18" charset="0"/>
+                <a:cs typeface="Times New Roman" panose="02020503050405090304" pitchFamily="18" charset="0"/>
               </a:rPr>
               <a:t> </a:t>
             </a:r>
             <a:r>
               <a:rPr lang="en-US" sz="2600" i="1" dirty="0" smtClean="0">
-                <a:latin typeface="Times New Roman" panose="02020603050405020304" pitchFamily="18" charset="0"/>
-                <a:cs typeface="Times New Roman" panose="02020603050405020304" pitchFamily="18" charset="0"/>
+                <a:latin typeface="Times New Roman" panose="02020503050405090304" pitchFamily="18" charset="0"/>
+                <a:cs typeface="Times New Roman" panose="02020503050405090304" pitchFamily="18" charset="0"/>
               </a:rPr>
               <a:t>x</a:t>
             </a:r>
             <a:r>
               <a:rPr lang="en-US" sz="2600" dirty="0" smtClean="0">
-                <a:latin typeface="Times New Roman" panose="02020603050405020304" pitchFamily="18" charset="0"/>
-                <a:cs typeface="Times New Roman" panose="02020603050405020304" pitchFamily="18" charset="0"/>
+                <a:latin typeface="Times New Roman" panose="02020503050405090304" pitchFamily="18" charset="0"/>
+                <a:cs typeface="Times New Roman" panose="02020503050405090304" pitchFamily="18" charset="0"/>
               </a:rPr>
               <a:t> is taller than </a:t>
             </a:r>
             <a:r>
               <a:rPr lang="en-US" sz="2600" i="1" dirty="0" smtClean="0">
-                <a:latin typeface="Times New Roman" panose="02020603050405020304" pitchFamily="18" charset="0"/>
-                <a:cs typeface="Times New Roman" panose="02020603050405020304" pitchFamily="18" charset="0"/>
+                <a:latin typeface="Times New Roman" panose="02020503050405090304" pitchFamily="18" charset="0"/>
+                <a:cs typeface="Times New Roman" panose="02020503050405090304" pitchFamily="18" charset="0"/>
               </a:rPr>
               <a:t>y</a:t>
             </a:r>
             <a:r>
               <a:rPr lang="en-US" sz="2600" dirty="0" smtClean="0">
-                <a:latin typeface="Times New Roman" panose="02020603050405020304" pitchFamily="18" charset="0"/>
-                <a:cs typeface="Times New Roman" panose="02020603050405020304" pitchFamily="18" charset="0"/>
+                <a:latin typeface="Times New Roman" panose="02020503050405090304" pitchFamily="18" charset="0"/>
+                <a:cs typeface="Times New Roman" panose="02020503050405090304" pitchFamily="18" charset="0"/>
               </a:rPr>
               <a:t>, or</a:t>
             </a:r>
+            <a:endParaRPr lang="en-US" sz="2600" dirty="0" smtClean="0">
+              <a:latin typeface="Times New Roman" panose="02020503050405090304" pitchFamily="18" charset="0"/>
+              <a:cs typeface="Times New Roman" panose="02020503050405090304" pitchFamily="18" charset="0"/>
+            </a:endParaRPr>
           </a:p>
           <a:p>
             <a:pPr lvl="4" algn="just">
-              <a:buFont typeface="Arial" panose="020B0604020202020204" pitchFamily="34" charset="0"/>
+              <a:buFont typeface="Arial" panose="020B0604020202090204" pitchFamily="34" charset="0"/>
               <a:buChar char="•"/>
             </a:pPr>
             <a:r>
               <a:rPr lang="en-US" sz="2600" dirty="0" smtClean="0">
-                <a:latin typeface="Times New Roman" panose="02020603050405020304" pitchFamily="18" charset="0"/>
-                <a:cs typeface="Times New Roman" panose="02020603050405020304" pitchFamily="18" charset="0"/>
+                <a:latin typeface="Times New Roman" panose="02020503050405090304" pitchFamily="18" charset="0"/>
+                <a:cs typeface="Times New Roman" panose="02020503050405090304" pitchFamily="18" charset="0"/>
               </a:rPr>
               <a:t> </a:t>
             </a:r>
             <a:r>
               <a:rPr lang="en-US" sz="2600" i="1" dirty="0" smtClean="0">
-                <a:latin typeface="Times New Roman" panose="02020603050405020304" pitchFamily="18" charset="0"/>
-                <a:cs typeface="Times New Roman" panose="02020603050405020304" pitchFamily="18" charset="0"/>
+                <a:latin typeface="Times New Roman" panose="02020503050405090304" pitchFamily="18" charset="0"/>
+                <a:cs typeface="Times New Roman" panose="02020503050405090304" pitchFamily="18" charset="0"/>
               </a:rPr>
               <a:t>y</a:t>
             </a:r>
             <a:r>
               <a:rPr lang="en-US" sz="2600" dirty="0" smtClean="0">
-                <a:latin typeface="Times New Roman" panose="02020603050405020304" pitchFamily="18" charset="0"/>
-                <a:cs typeface="Times New Roman" panose="02020603050405020304" pitchFamily="18" charset="0"/>
+                <a:latin typeface="Times New Roman" panose="02020503050405090304" pitchFamily="18" charset="0"/>
+                <a:cs typeface="Times New Roman" panose="02020503050405090304" pitchFamily="18" charset="0"/>
               </a:rPr>
               <a:t> is taller than </a:t>
             </a:r>
             <a:r>
               <a:rPr lang="en-US" sz="2600" i="1" dirty="0" smtClean="0">
-                <a:latin typeface="Times New Roman" panose="02020603050405020304" pitchFamily="18" charset="0"/>
-                <a:cs typeface="Times New Roman" panose="02020603050405020304" pitchFamily="18" charset="0"/>
+                <a:latin typeface="Times New Roman" panose="02020503050405090304" pitchFamily="18" charset="0"/>
+                <a:cs typeface="Times New Roman" panose="02020503050405090304" pitchFamily="18" charset="0"/>
               </a:rPr>
               <a:t>x</a:t>
             </a:r>
             <a:endParaRPr lang="en-US" sz="2600" i="1" dirty="0">
-              <a:latin typeface="Times New Roman" panose="02020603050405020304" pitchFamily="18" charset="0"/>
-              <a:cs typeface="Times New Roman" panose="02020603050405020304" pitchFamily="18" charset="0"/>
-            </a:endParaRPr>
-          </a:p>
-          <a:p>
-            <a:pPr marL="749808" lvl="4" indent="0" algn="just">
+              <a:latin typeface="Times New Roman" panose="02020503050405090304" pitchFamily="18" charset="0"/>
+              <a:cs typeface="Times New Roman" panose="02020503050405090304" pitchFamily="18" charset="0"/>
+            </a:endParaRPr>
+          </a:p>
+          <a:p>
+            <a:pPr marL="749935" lvl="4" indent="0" algn="just">
               <a:buNone/>
             </a:pPr>
             <a:r>
               <a:rPr lang="en-US" sz="2600" dirty="0" smtClean="0">
-                <a:latin typeface="Times New Roman" panose="02020603050405020304" pitchFamily="18" charset="0"/>
-                <a:cs typeface="Times New Roman" panose="02020603050405020304" pitchFamily="18" charset="0"/>
+                <a:latin typeface="Times New Roman" panose="02020503050405090304" pitchFamily="18" charset="0"/>
+                <a:cs typeface="Times New Roman" panose="02020503050405090304" pitchFamily="18" charset="0"/>
               </a:rPr>
               <a:t>Therefore</a:t>
             </a:r>
             <a:r>
               <a:rPr lang="en-US" sz="2600" i="1" dirty="0" smtClean="0">
-                <a:latin typeface="Times New Roman" panose="02020603050405020304" pitchFamily="18" charset="0"/>
-                <a:cs typeface="Times New Roman" panose="02020603050405020304" pitchFamily="18" charset="0"/>
+                <a:latin typeface="Times New Roman" panose="02020503050405090304" pitchFamily="18" charset="0"/>
+                <a:cs typeface="Times New Roman" panose="02020503050405090304" pitchFamily="18" charset="0"/>
               </a:rPr>
               <a:t> taller than </a:t>
             </a:r>
             <a:r>
               <a:rPr lang="en-US" sz="2600" dirty="0" smtClean="0">
-                <a:latin typeface="Times New Roman" panose="02020603050405020304" pitchFamily="18" charset="0"/>
-                <a:cs typeface="Times New Roman" panose="02020603050405020304" pitchFamily="18" charset="0"/>
+                <a:latin typeface="Times New Roman" panose="02020503050405090304" pitchFamily="18" charset="0"/>
+                <a:cs typeface="Times New Roman" panose="02020503050405090304" pitchFamily="18" charset="0"/>
               </a:rPr>
               <a:t>is an </a:t>
             </a:r>
             <a:r>
               <a:rPr lang="en-US" sz="2600" b="1" dirty="0" smtClean="0">
-                <a:latin typeface="Times New Roman" panose="02020603050405020304" pitchFamily="18" charset="0"/>
-                <a:cs typeface="Times New Roman" panose="02020603050405020304" pitchFamily="18" charset="0"/>
+                <a:latin typeface="Times New Roman" panose="02020503050405090304" pitchFamily="18" charset="0"/>
+                <a:cs typeface="Times New Roman" panose="02020503050405090304" pitchFamily="18" charset="0"/>
               </a:rPr>
               <a:t>empirical relation</a:t>
             </a:r>
+            <a:endParaRPr lang="en-US" sz="2600" b="1" dirty="0" smtClean="0">
+              <a:latin typeface="Times New Roman" panose="02020503050405090304" pitchFamily="18" charset="0"/>
+              <a:cs typeface="Times New Roman" panose="02020503050405090304" pitchFamily="18" charset="0"/>
+            </a:endParaRPr>
           </a:p>
           <a:p>
             <a:pPr marL="91440" lvl="4" indent="-91440" algn="just">
@@ -10026,60 +10168,64 @@
             </a:pPr>
             <a:r>
               <a:rPr lang="en-US" sz="3200" dirty="0" smtClean="0">
-                <a:latin typeface="Times New Roman" panose="02020603050405020304" pitchFamily="18" charset="0"/>
-                <a:cs typeface="Times New Roman" panose="02020603050405020304" pitchFamily="18" charset="0"/>
+                <a:latin typeface="Times New Roman" panose="02020503050405090304" pitchFamily="18" charset="0"/>
+                <a:cs typeface="Times New Roman" panose="02020503050405090304" pitchFamily="18" charset="0"/>
               </a:rPr>
               <a:t>We </a:t>
             </a:r>
             <a:r>
               <a:rPr lang="en-US" sz="3200" dirty="0">
-                <a:latin typeface="Times New Roman" panose="02020603050405020304" pitchFamily="18" charset="0"/>
-                <a:cs typeface="Times New Roman" panose="02020603050405020304" pitchFamily="18" charset="0"/>
+                <a:latin typeface="Times New Roman" panose="02020503050405090304" pitchFamily="18" charset="0"/>
+                <a:cs typeface="Times New Roman" panose="02020503050405090304" pitchFamily="18" charset="0"/>
               </a:rPr>
               <a:t>define </a:t>
             </a:r>
             <a:r>
               <a:rPr lang="en-US" sz="3200" i="1" dirty="0">
-                <a:latin typeface="Times New Roman" panose="02020603050405020304" pitchFamily="18" charset="0"/>
-                <a:cs typeface="Times New Roman" panose="02020603050405020304" pitchFamily="18" charset="0"/>
+                <a:latin typeface="Times New Roman" panose="02020503050405090304" pitchFamily="18" charset="0"/>
+                <a:cs typeface="Times New Roman" panose="02020503050405090304" pitchFamily="18" charset="0"/>
               </a:rPr>
               <a:t>measurement</a:t>
             </a:r>
             <a:r>
               <a:rPr lang="en-US" sz="3200" dirty="0">
-                <a:latin typeface="Times New Roman" panose="02020603050405020304" pitchFamily="18" charset="0"/>
-                <a:cs typeface="Times New Roman" panose="02020603050405020304" pitchFamily="18" charset="0"/>
+                <a:latin typeface="Times New Roman" panose="02020503050405090304" pitchFamily="18" charset="0"/>
+                <a:cs typeface="Times New Roman" panose="02020503050405090304" pitchFamily="18" charset="0"/>
               </a:rPr>
               <a:t> as the mapping from the empirical world to the formal, relational world. Consequently, a </a:t>
             </a:r>
             <a:r>
               <a:rPr lang="en-US" sz="3200" i="1" dirty="0">
-                <a:latin typeface="Times New Roman" panose="02020603050405020304" pitchFamily="18" charset="0"/>
-                <a:cs typeface="Times New Roman" panose="02020603050405020304" pitchFamily="18" charset="0"/>
+                <a:latin typeface="Times New Roman" panose="02020503050405090304" pitchFamily="18" charset="0"/>
+                <a:cs typeface="Times New Roman" panose="02020503050405090304" pitchFamily="18" charset="0"/>
               </a:rPr>
               <a:t>measure</a:t>
             </a:r>
             <a:r>
               <a:rPr lang="en-US" sz="3200" dirty="0">
-                <a:latin typeface="Times New Roman" panose="02020603050405020304" pitchFamily="18" charset="0"/>
-                <a:cs typeface="Times New Roman" panose="02020603050405020304" pitchFamily="18" charset="0"/>
+                <a:latin typeface="Times New Roman" panose="02020503050405090304" pitchFamily="18" charset="0"/>
+                <a:cs typeface="Times New Roman" panose="02020503050405090304" pitchFamily="18" charset="0"/>
               </a:rPr>
               <a:t> is the number or symbol assigned to an </a:t>
             </a:r>
             <a:r>
               <a:rPr lang="en-US" sz="3200" i="1" dirty="0">
-                <a:latin typeface="Times New Roman" panose="02020603050405020304" pitchFamily="18" charset="0"/>
-                <a:cs typeface="Times New Roman" panose="02020603050405020304" pitchFamily="18" charset="0"/>
+                <a:latin typeface="Times New Roman" panose="02020503050405090304" pitchFamily="18" charset="0"/>
+                <a:cs typeface="Times New Roman" panose="02020503050405090304" pitchFamily="18" charset="0"/>
               </a:rPr>
               <a:t>entity</a:t>
             </a:r>
             <a:r>
               <a:rPr lang="en-US" sz="3200" dirty="0">
-                <a:latin typeface="Times New Roman" panose="02020603050405020304" pitchFamily="18" charset="0"/>
-                <a:cs typeface="Times New Roman" panose="02020603050405020304" pitchFamily="18" charset="0"/>
+                <a:latin typeface="Times New Roman" panose="02020503050405090304" pitchFamily="18" charset="0"/>
+                <a:cs typeface="Times New Roman" panose="02020503050405090304" pitchFamily="18" charset="0"/>
               </a:rPr>
               <a:t> by this mapping in order to characterize an attribute. </a:t>
             </a:r>
+            <a:endParaRPr lang="en-US" sz="3200" dirty="0">
+              <a:latin typeface="Times New Roman" panose="02020503050405090304" pitchFamily="18" charset="0"/>
+              <a:cs typeface="Times New Roman" panose="02020503050405090304" pitchFamily="18" charset="0"/>
+            </a:endParaRPr>
           </a:p>
         </p:txBody>
       </p:sp>
@@ -10100,18 +10246,55 @@
           <a:p>
             <a:fld id="{D783A4F0-891E-44AD-B162-AD1ECFE5DF4E}" type="slidenum">
               <a:rPr lang="en-US" smtClean="0"/>
-              <a:t>3</a:t>
             </a:fld>
             <a:endParaRPr lang="en-US"/>
           </a:p>
         </p:txBody>
       </p:sp>
+      <p:sp>
+        <p:nvSpPr>
+          <p:cNvPr id="5" name="Text Box 4"/>
+          <p:cNvSpPr txBox="1"/>
+          <p:nvPr/>
+        </p:nvSpPr>
+        <p:spPr>
+          <a:xfrm>
+            <a:off x="1097915" y="5491480"/>
+            <a:ext cx="10057765" cy="829945"/>
+          </a:xfrm>
+          <a:prstGeom prst="rect">
+            <a:avLst/>
+          </a:prstGeom>
+        </p:spPr>
+        <p:txBody>
+          <a:bodyPr wrap="square">
+            <a:spAutoFit/>
+          </a:bodyPr>
+          <a:p>
+            <a:pPr algn="just"/>
+            <a:r>
+              <a:rPr sz="2400">
+                <a:solidFill>
+                  <a:srgbClr val="FF0000"/>
+                </a:solidFill>
+                <a:highlight>
+                  <a:srgbClr val="FFFF00"/>
+                </a:highlight>
+              </a:rPr>
+              <a:t>An empirical relation is a comparison between real-world objects or attributes based on observation, before assigning any numerical values.</a:t>
+            </a:r>
+            <a:endParaRPr sz="2400">
+              <a:solidFill>
+                <a:srgbClr val="FF0000"/>
+              </a:solidFill>
+              <a:highlight>
+                <a:srgbClr val="FFFF00"/>
+              </a:highlight>
+            </a:endParaRPr>
+          </a:p>
+        </p:txBody>
+      </p:sp>
     </p:spTree>
-    <p:extLst>
-      <p:ext uri="{BB962C8B-B14F-4D97-AF65-F5344CB8AC3E}">
-        <p14:creationId xmlns:p14="http://schemas.microsoft.com/office/powerpoint/2010/main" val="2968737504"/>
-      </p:ext>
-    </p:extLst>
   </p:cSld>
   <p:clrMapOvr>
     <a:masterClrMapping/>
@@ -10165,8 +10348,8 @@
                     <a:lumMod val="75000"/>
                   </a:schemeClr>
                 </a:solidFill>
-                <a:latin typeface="Times New Roman" panose="02020603050405020304" pitchFamily="18" charset="0"/>
-                <a:cs typeface="Times New Roman" panose="02020603050405020304" pitchFamily="18" charset="0"/>
+                <a:latin typeface="Times New Roman" panose="02020503050405090304" pitchFamily="18" charset="0"/>
+                <a:cs typeface="Times New Roman" panose="02020503050405090304" pitchFamily="18" charset="0"/>
               </a:rPr>
               <a:t>Empirical </a:t>
             </a:r>
@@ -10177,8 +10360,8 @@
                     <a:lumMod val="75000"/>
                   </a:schemeClr>
                 </a:solidFill>
-                <a:latin typeface="Times New Roman" panose="02020603050405020304" pitchFamily="18" charset="0"/>
-                <a:cs typeface="Times New Roman" panose="02020603050405020304" pitchFamily="18" charset="0"/>
+                <a:latin typeface="Times New Roman" panose="02020503050405090304" pitchFamily="18" charset="0"/>
+                <a:cs typeface="Times New Roman" panose="02020503050405090304" pitchFamily="18" charset="0"/>
               </a:rPr>
               <a:t>Relations (cont..)</a:t>
             </a:r>
@@ -10203,11 +10386,15 @@
           <a:p>
             <a:r>
               <a:rPr lang="en-US" sz="2400" dirty="0" smtClean="0">
-                <a:latin typeface="Times New Roman" panose="02020603050405020304" pitchFamily="18" charset="0"/>
-                <a:cs typeface="Times New Roman" panose="02020603050405020304" pitchFamily="18" charset="0"/>
+                <a:latin typeface="Times New Roman" panose="02020503050405090304" pitchFamily="18" charset="0"/>
+                <a:cs typeface="Times New Roman" panose="02020503050405090304" pitchFamily="18" charset="0"/>
               </a:rPr>
               <a:t>Sampling of 100 users to express preference among product A,B,C, and D (pairwise)</a:t>
             </a:r>
+            <a:endParaRPr lang="en-US" sz="2400" dirty="0" smtClean="0">
+              <a:latin typeface="Times New Roman" panose="02020503050405090304" pitchFamily="18" charset="0"/>
+              <a:cs typeface="Times New Roman" panose="02020503050405090304" pitchFamily="18" charset="0"/>
+            </a:endParaRPr>
           </a:p>
           <a:p>
             <a:endParaRPr lang="en-US" dirty="0"/>
@@ -10231,7 +10418,6 @@
           <a:p>
             <a:fld id="{D783A4F0-891E-44AD-B162-AD1ECFE5DF4E}" type="slidenum">
               <a:rPr lang="en-US" smtClean="0"/>
-              <a:t>4</a:t>
             </a:fld>
             <a:endParaRPr lang="en-US"/>
           </a:p>
@@ -10246,7 +10432,7 @@
           <p:nvPr/>
         </p:nvPicPr>
         <p:blipFill>
-          <a:blip r:embed="rId2"/>
+          <a:blip r:embed="rId1"/>
           <a:stretch>
             <a:fillRect/>
           </a:stretch>
@@ -10262,11 +10448,6 @@
         </p:spPr>
       </p:pic>
     </p:spTree>
-    <p:extLst>
-      <p:ext uri="{BB962C8B-B14F-4D97-AF65-F5344CB8AC3E}">
-        <p14:creationId xmlns:p14="http://schemas.microsoft.com/office/powerpoint/2010/main" val="128176638"/>
-      </p:ext>
-    </p:extLst>
   </p:cSld>
   <p:clrMapOvr>
     <a:masterClrMapping/>
@@ -10320,8 +10501,8 @@
                     <a:lumMod val="75000"/>
                   </a:schemeClr>
                 </a:solidFill>
-                <a:latin typeface="Times New Roman" panose="02020603050405020304" pitchFamily="18" charset="0"/>
-                <a:cs typeface="Times New Roman" panose="02020603050405020304" pitchFamily="18" charset="0"/>
+                <a:latin typeface="Times New Roman" panose="02020503050405090304" pitchFamily="18" charset="0"/>
+                <a:cs typeface="Times New Roman" panose="02020503050405090304" pitchFamily="18" charset="0"/>
               </a:rPr>
               <a:t>Subjective Rating Formats of E.R.</a:t>
             </a:r>
@@ -10331,8 +10512,8 @@
                   <a:lumMod val="75000"/>
                 </a:schemeClr>
               </a:solidFill>
-              <a:latin typeface="Times New Roman" panose="02020603050405020304" pitchFamily="18" charset="0"/>
-              <a:cs typeface="Times New Roman" panose="02020603050405020304" pitchFamily="18" charset="0"/>
+              <a:latin typeface="Times New Roman" panose="02020503050405090304" pitchFamily="18" charset="0"/>
+              <a:cs typeface="Times New Roman" panose="02020503050405090304" pitchFamily="18" charset="0"/>
             </a:endParaRPr>
           </a:p>
         </p:txBody>
@@ -10359,11 +10540,15 @@
             </a:pPr>
             <a:r>
               <a:rPr lang="en-US" sz="3200" dirty="0" smtClean="0">
-                <a:latin typeface="Times New Roman" panose="02020603050405020304" pitchFamily="18" charset="0"/>
-                <a:cs typeface="Times New Roman" panose="02020603050405020304" pitchFamily="18" charset="0"/>
+                <a:latin typeface="Times New Roman" panose="02020503050405090304" pitchFamily="18" charset="0"/>
+                <a:cs typeface="Times New Roman" panose="02020503050405090304" pitchFamily="18" charset="0"/>
               </a:rPr>
               <a:t>Likert Scale</a:t>
             </a:r>
+            <a:endParaRPr lang="en-US" sz="3200" dirty="0" smtClean="0">
+              <a:latin typeface="Times New Roman" panose="02020503050405090304" pitchFamily="18" charset="0"/>
+              <a:cs typeface="Times New Roman" panose="02020503050405090304" pitchFamily="18" charset="0"/>
+            </a:endParaRPr>
           </a:p>
           <a:p>
             <a:pPr>
@@ -10372,25 +10557,29 @@
             </a:pPr>
             <a:r>
               <a:rPr lang="en-US" dirty="0" smtClean="0">
-                <a:latin typeface="Times New Roman" panose="02020603050405020304" pitchFamily="18" charset="0"/>
-                <a:cs typeface="Times New Roman" panose="02020603050405020304" pitchFamily="18" charset="0"/>
+                <a:latin typeface="Times New Roman" panose="02020503050405090304" pitchFamily="18" charset="0"/>
+                <a:cs typeface="Times New Roman" panose="02020503050405090304" pitchFamily="18" charset="0"/>
               </a:rPr>
               <a:t>Give </a:t>
             </a:r>
             <a:r>
               <a:rPr lang="en-US" dirty="0">
-                <a:latin typeface="Times New Roman" panose="02020603050405020304" pitchFamily="18" charset="0"/>
-                <a:cs typeface="Times New Roman" panose="02020603050405020304" pitchFamily="18" charset="0"/>
+                <a:latin typeface="Times New Roman" panose="02020503050405090304" pitchFamily="18" charset="0"/>
+                <a:cs typeface="Times New Roman" panose="02020503050405090304" pitchFamily="18" charset="0"/>
               </a:rPr>
               <a:t>the respondent a statement with which to agree or disagree</a:t>
             </a:r>
             <a:r>
               <a:rPr lang="en-US" dirty="0" smtClean="0">
-                <a:latin typeface="Times New Roman" panose="02020603050405020304" pitchFamily="18" charset="0"/>
-                <a:cs typeface="Times New Roman" panose="02020603050405020304" pitchFamily="18" charset="0"/>
+                <a:latin typeface="Times New Roman" panose="02020503050405090304" pitchFamily="18" charset="0"/>
+                <a:cs typeface="Times New Roman" panose="02020503050405090304" pitchFamily="18" charset="0"/>
               </a:rPr>
               <a:t>.</a:t>
             </a:r>
+            <a:endParaRPr lang="en-US" dirty="0" smtClean="0">
+              <a:latin typeface="Times New Roman" panose="02020503050405090304" pitchFamily="18" charset="0"/>
+              <a:cs typeface="Times New Roman" panose="02020503050405090304" pitchFamily="18" charset="0"/>
+            </a:endParaRPr>
           </a:p>
           <a:p>
             <a:pPr>
@@ -10399,25 +10588,29 @@
             </a:pPr>
             <a:r>
               <a:rPr lang="en-US" dirty="0" smtClean="0">
-                <a:latin typeface="Times New Roman" panose="02020603050405020304" pitchFamily="18" charset="0"/>
-                <a:cs typeface="Times New Roman" panose="02020603050405020304" pitchFamily="18" charset="0"/>
+                <a:latin typeface="Times New Roman" panose="02020503050405090304" pitchFamily="18" charset="0"/>
+                <a:cs typeface="Times New Roman" panose="02020503050405090304" pitchFamily="18" charset="0"/>
               </a:rPr>
               <a:t> Example: This </a:t>
             </a:r>
             <a:r>
               <a:rPr lang="en-US" dirty="0">
-                <a:latin typeface="Times New Roman" panose="02020603050405020304" pitchFamily="18" charset="0"/>
-                <a:cs typeface="Times New Roman" panose="02020603050405020304" pitchFamily="18" charset="0"/>
+                <a:latin typeface="Times New Roman" panose="02020503050405090304" pitchFamily="18" charset="0"/>
+                <a:cs typeface="Times New Roman" panose="02020503050405090304" pitchFamily="18" charset="0"/>
               </a:rPr>
               <a:t>software program is </a:t>
             </a:r>
             <a:r>
               <a:rPr lang="en-US" dirty="0" smtClean="0">
-                <a:latin typeface="Times New Roman" panose="02020603050405020304" pitchFamily="18" charset="0"/>
-                <a:cs typeface="Times New Roman" panose="02020603050405020304" pitchFamily="18" charset="0"/>
+                <a:latin typeface="Times New Roman" panose="02020503050405090304" pitchFamily="18" charset="0"/>
+                <a:cs typeface="Times New Roman" panose="02020503050405090304" pitchFamily="18" charset="0"/>
               </a:rPr>
               <a:t>reliable</a:t>
             </a:r>
+            <a:endParaRPr lang="en-US" dirty="0" smtClean="0">
+              <a:latin typeface="Times New Roman" panose="02020503050405090304" pitchFamily="18" charset="0"/>
+              <a:cs typeface="Times New Roman" panose="02020503050405090304" pitchFamily="18" charset="0"/>
+            </a:endParaRPr>
           </a:p>
           <a:p>
             <a:pPr>
@@ -10425,8 +10618,8 @@
               <a:buChar char="q"/>
             </a:pPr>
             <a:endParaRPr lang="en-US" dirty="0">
-              <a:latin typeface="Times New Roman" panose="02020603050405020304" pitchFamily="18" charset="0"/>
-              <a:cs typeface="Times New Roman" panose="02020603050405020304" pitchFamily="18" charset="0"/>
+              <a:latin typeface="Times New Roman" panose="02020503050405090304" pitchFamily="18" charset="0"/>
+              <a:cs typeface="Times New Roman" panose="02020503050405090304" pitchFamily="18" charset="0"/>
             </a:endParaRPr>
           </a:p>
           <a:p>
@@ -10435,8 +10628,8 @@
               <a:buChar char="q"/>
             </a:pPr>
             <a:endParaRPr lang="en-US" dirty="0" smtClean="0">
-              <a:latin typeface="Times New Roman" panose="02020603050405020304" pitchFamily="18" charset="0"/>
-              <a:cs typeface="Times New Roman" panose="02020603050405020304" pitchFamily="18" charset="0"/>
+              <a:latin typeface="Times New Roman" panose="02020503050405090304" pitchFamily="18" charset="0"/>
+              <a:cs typeface="Times New Roman" panose="02020503050405090304" pitchFamily="18" charset="0"/>
             </a:endParaRPr>
           </a:p>
           <a:p>
@@ -10444,8 +10637,8 @@
               <a:buNone/>
             </a:pPr>
             <a:endParaRPr lang="en-US" sz="3200" dirty="0" smtClean="0">
-              <a:latin typeface="Times New Roman" panose="02020603050405020304" pitchFamily="18" charset="0"/>
-              <a:cs typeface="Times New Roman" panose="02020603050405020304" pitchFamily="18" charset="0"/>
+              <a:latin typeface="Times New Roman" panose="02020503050405090304" pitchFamily="18" charset="0"/>
+              <a:cs typeface="Times New Roman" panose="02020503050405090304" pitchFamily="18" charset="0"/>
             </a:endParaRPr>
           </a:p>
         </p:txBody>
@@ -10467,7 +10660,6 @@
           <a:p>
             <a:fld id="{D783A4F0-891E-44AD-B162-AD1ECFE5DF4E}" type="slidenum">
               <a:rPr lang="en-US" smtClean="0"/>
-              <a:t>5</a:t>
             </a:fld>
             <a:endParaRPr lang="en-US"/>
           </a:p>
@@ -10482,7 +10674,7 @@
           <p:nvPr/>
         </p:nvPicPr>
         <p:blipFill>
-          <a:blip r:embed="rId2"/>
+          <a:blip r:embed="rId1"/>
           <a:stretch>
             <a:fillRect/>
           </a:stretch>
@@ -10498,11 +10690,6 @@
         </p:spPr>
       </p:pic>
     </p:spTree>
-    <p:extLst>
-      <p:ext uri="{BB962C8B-B14F-4D97-AF65-F5344CB8AC3E}">
-        <p14:creationId xmlns:p14="http://schemas.microsoft.com/office/powerpoint/2010/main" val="1917468023"/>
-      </p:ext>
-    </p:extLst>
   </p:cSld>
   <p:clrMapOvr>
     <a:masterClrMapping/>
@@ -10556,11 +10743,20 @@
                     <a:lumMod val="75000"/>
                   </a:schemeClr>
                 </a:solidFill>
-                <a:latin typeface="Times New Roman" panose="02020603050405020304" pitchFamily="18" charset="0"/>
-                <a:cs typeface="Times New Roman" panose="02020603050405020304" pitchFamily="18" charset="0"/>
+                <a:latin typeface="Times New Roman" panose="02020503050405090304" pitchFamily="18" charset="0"/>
+                <a:cs typeface="Times New Roman" panose="02020503050405090304" pitchFamily="18" charset="0"/>
               </a:rPr>
               <a:t>Subjective Rating Formats of E.R.</a:t>
             </a:r>
+            <a:endParaRPr lang="en-US" b="1" dirty="0">
+              <a:solidFill>
+                <a:schemeClr val="accent1">
+                  <a:lumMod val="75000"/>
+                </a:schemeClr>
+              </a:solidFill>
+              <a:latin typeface="Times New Roman" panose="02020503050405090304" pitchFamily="18" charset="0"/>
+              <a:cs typeface="Times New Roman" panose="02020503050405090304" pitchFamily="18" charset="0"/>
+            </a:endParaRPr>
           </a:p>
         </p:txBody>
       </p:sp>
@@ -10591,11 +10787,15 @@
             </a:pPr>
             <a:r>
               <a:rPr lang="en-US" sz="3200" dirty="0" smtClean="0">
-                <a:latin typeface="Times New Roman" panose="02020603050405020304" pitchFamily="18" charset="0"/>
-                <a:cs typeface="Times New Roman" panose="02020603050405020304" pitchFamily="18" charset="0"/>
+                <a:latin typeface="Times New Roman" panose="02020503050405090304" pitchFamily="18" charset="0"/>
+                <a:cs typeface="Times New Roman" panose="02020503050405090304" pitchFamily="18" charset="0"/>
               </a:rPr>
               <a:t>Forced Ranking</a:t>
             </a:r>
+            <a:endParaRPr lang="en-US" sz="3200" dirty="0" smtClean="0">
+              <a:latin typeface="Times New Roman" panose="02020503050405090304" pitchFamily="18" charset="0"/>
+              <a:cs typeface="Times New Roman" panose="02020503050405090304" pitchFamily="18" charset="0"/>
+            </a:endParaRPr>
           </a:p>
           <a:p>
             <a:pPr>
@@ -10604,35 +10804,35 @@
             </a:pPr>
             <a:r>
               <a:rPr lang="en-US" dirty="0" smtClean="0">
-                <a:latin typeface="Times New Roman" panose="02020603050405020304" pitchFamily="18" charset="0"/>
-                <a:cs typeface="Times New Roman" panose="02020603050405020304" pitchFamily="18" charset="0"/>
+                <a:latin typeface="Times New Roman" panose="02020503050405090304" pitchFamily="18" charset="0"/>
+                <a:cs typeface="Times New Roman" panose="02020503050405090304" pitchFamily="18" charset="0"/>
               </a:rPr>
               <a:t> Give </a:t>
             </a:r>
             <a:r>
               <a:rPr lang="en-US" dirty="0">
-                <a:latin typeface="Times New Roman" panose="02020603050405020304" pitchFamily="18" charset="0"/>
-                <a:cs typeface="Times New Roman" panose="02020603050405020304" pitchFamily="18" charset="0"/>
+                <a:latin typeface="Times New Roman" panose="02020503050405090304" pitchFamily="18" charset="0"/>
+                <a:cs typeface="Times New Roman" panose="02020503050405090304" pitchFamily="18" charset="0"/>
               </a:rPr>
               <a:t>n alternatives, ordered from 1 (best) to </a:t>
             </a:r>
             <a:r>
               <a:rPr lang="en-US" i="1" dirty="0">
-                <a:latin typeface="Times New Roman" panose="02020603050405020304" pitchFamily="18" charset="0"/>
-                <a:cs typeface="Times New Roman" panose="02020603050405020304" pitchFamily="18" charset="0"/>
+                <a:latin typeface="Times New Roman" panose="02020503050405090304" pitchFamily="18" charset="0"/>
+                <a:cs typeface="Times New Roman" panose="02020503050405090304" pitchFamily="18" charset="0"/>
               </a:rPr>
               <a:t>n</a:t>
             </a:r>
             <a:r>
               <a:rPr lang="en-US" dirty="0">
-                <a:latin typeface="Times New Roman" panose="02020603050405020304" pitchFamily="18" charset="0"/>
-                <a:cs typeface="Times New Roman" panose="02020603050405020304" pitchFamily="18" charset="0"/>
+                <a:latin typeface="Times New Roman" panose="02020503050405090304" pitchFamily="18" charset="0"/>
+                <a:cs typeface="Times New Roman" panose="02020503050405090304" pitchFamily="18" charset="0"/>
               </a:rPr>
               <a:t> (worst). </a:t>
             </a:r>
             <a:endParaRPr lang="en-US" dirty="0" smtClean="0">
-              <a:latin typeface="Times New Roman" panose="02020603050405020304" pitchFamily="18" charset="0"/>
-              <a:cs typeface="Times New Roman" panose="02020603050405020304" pitchFamily="18" charset="0"/>
+              <a:latin typeface="Times New Roman" panose="02020503050405090304" pitchFamily="18" charset="0"/>
+              <a:cs typeface="Times New Roman" panose="02020503050405090304" pitchFamily="18" charset="0"/>
             </a:endParaRPr>
           </a:p>
           <a:p>
@@ -10642,50 +10842,54 @@
             </a:pPr>
             <a:r>
               <a:rPr lang="en-US" dirty="0" smtClean="0">
-                <a:latin typeface="Times New Roman" panose="02020603050405020304" pitchFamily="18" charset="0"/>
-                <a:cs typeface="Times New Roman" panose="02020603050405020304" pitchFamily="18" charset="0"/>
+                <a:latin typeface="Times New Roman" panose="02020503050405090304" pitchFamily="18" charset="0"/>
+                <a:cs typeface="Times New Roman" panose="02020503050405090304" pitchFamily="18" charset="0"/>
               </a:rPr>
               <a:t>Example: Rank </a:t>
             </a:r>
             <a:r>
               <a:rPr lang="en-US" dirty="0">
-                <a:latin typeface="Times New Roman" panose="02020603050405020304" pitchFamily="18" charset="0"/>
-                <a:cs typeface="Times New Roman" panose="02020603050405020304" pitchFamily="18" charset="0"/>
+                <a:latin typeface="Times New Roman" panose="02020503050405090304" pitchFamily="18" charset="0"/>
+                <a:cs typeface="Times New Roman" panose="02020503050405090304" pitchFamily="18" charset="0"/>
               </a:rPr>
               <a:t>the following five software modules in order of maintenance </a:t>
             </a:r>
             <a:r>
               <a:rPr lang="en-US" dirty="0" smtClean="0">
-                <a:latin typeface="Times New Roman" panose="02020603050405020304" pitchFamily="18" charset="0"/>
-                <a:cs typeface="Times New Roman" panose="02020603050405020304" pitchFamily="18" charset="0"/>
+                <a:latin typeface="Times New Roman" panose="02020503050405090304" pitchFamily="18" charset="0"/>
+                <a:cs typeface="Times New Roman" panose="02020503050405090304" pitchFamily="18" charset="0"/>
               </a:rPr>
               <a:t>difficulty</a:t>
             </a:r>
             <a:endParaRPr lang="en-US" dirty="0">
-              <a:latin typeface="Times New Roman" panose="02020603050405020304" pitchFamily="18" charset="0"/>
-              <a:cs typeface="Times New Roman" panose="02020603050405020304" pitchFamily="18" charset="0"/>
+              <a:latin typeface="Times New Roman" panose="02020503050405090304" pitchFamily="18" charset="0"/>
+              <a:cs typeface="Times New Roman" panose="02020503050405090304" pitchFamily="18" charset="0"/>
             </a:endParaRPr>
           </a:p>
           <a:p>
             <a:r>
               <a:rPr lang="en-US" i="1" dirty="0">
-                <a:latin typeface="Times New Roman" panose="02020603050405020304" pitchFamily="18" charset="0"/>
-                <a:cs typeface="Times New Roman" panose="02020603050405020304" pitchFamily="18" charset="0"/>
+                <a:latin typeface="Times New Roman" panose="02020503050405090304" pitchFamily="18" charset="0"/>
+                <a:cs typeface="Times New Roman" panose="02020503050405090304" pitchFamily="18" charset="0"/>
               </a:rPr>
               <a:t>with 1 = least complex, 5 = most complex</a:t>
             </a:r>
             <a:r>
               <a:rPr lang="en-US" i="1" dirty="0" smtClean="0">
-                <a:latin typeface="Times New Roman" panose="02020603050405020304" pitchFamily="18" charset="0"/>
-                <a:cs typeface="Times New Roman" panose="02020603050405020304" pitchFamily="18" charset="0"/>
+                <a:latin typeface="Times New Roman" panose="02020503050405090304" pitchFamily="18" charset="0"/>
+                <a:cs typeface="Times New Roman" panose="02020503050405090304" pitchFamily="18" charset="0"/>
               </a:rPr>
               <a:t>:</a:t>
             </a:r>
+            <a:endParaRPr lang="en-US" i="1" dirty="0" smtClean="0">
+              <a:latin typeface="Times New Roman" panose="02020503050405090304" pitchFamily="18" charset="0"/>
+              <a:cs typeface="Times New Roman" panose="02020503050405090304" pitchFamily="18" charset="0"/>
+            </a:endParaRPr>
           </a:p>
           <a:p>
             <a:endParaRPr lang="en-US" dirty="0">
-              <a:latin typeface="Times New Roman" panose="02020603050405020304" pitchFamily="18" charset="0"/>
-              <a:cs typeface="Times New Roman" panose="02020603050405020304" pitchFamily="18" charset="0"/>
+              <a:latin typeface="Times New Roman" panose="02020503050405090304" pitchFamily="18" charset="0"/>
+              <a:cs typeface="Times New Roman" panose="02020503050405090304" pitchFamily="18" charset="0"/>
             </a:endParaRPr>
           </a:p>
           <a:p>
@@ -10694,8 +10898,8 @@
               <a:buChar char="q"/>
             </a:pPr>
             <a:endParaRPr lang="en-US" dirty="0">
-              <a:latin typeface="Times New Roman" panose="02020603050405020304" pitchFamily="18" charset="0"/>
-              <a:cs typeface="Times New Roman" panose="02020603050405020304" pitchFamily="18" charset="0"/>
+              <a:latin typeface="Times New Roman" panose="02020503050405090304" pitchFamily="18" charset="0"/>
+              <a:cs typeface="Times New Roman" panose="02020503050405090304" pitchFamily="18" charset="0"/>
             </a:endParaRPr>
           </a:p>
           <a:p>
@@ -10704,8 +10908,8 @@
               <a:buChar char="q"/>
             </a:pPr>
             <a:endParaRPr lang="en-US" dirty="0" smtClean="0">
-              <a:latin typeface="Times New Roman" panose="02020603050405020304" pitchFamily="18" charset="0"/>
-              <a:cs typeface="Times New Roman" panose="02020603050405020304" pitchFamily="18" charset="0"/>
+              <a:latin typeface="Times New Roman" panose="02020503050405090304" pitchFamily="18" charset="0"/>
+              <a:cs typeface="Times New Roman" panose="02020503050405090304" pitchFamily="18" charset="0"/>
             </a:endParaRPr>
           </a:p>
           <a:p>
@@ -10713,8 +10917,8 @@
               <a:buNone/>
             </a:pPr>
             <a:endParaRPr lang="en-US" sz="3200" dirty="0" smtClean="0">
-              <a:latin typeface="Times New Roman" panose="02020603050405020304" pitchFamily="18" charset="0"/>
-              <a:cs typeface="Times New Roman" panose="02020603050405020304" pitchFamily="18" charset="0"/>
+              <a:latin typeface="Times New Roman" panose="02020503050405090304" pitchFamily="18" charset="0"/>
+              <a:cs typeface="Times New Roman" panose="02020503050405090304" pitchFamily="18" charset="0"/>
             </a:endParaRPr>
           </a:p>
         </p:txBody>
@@ -10736,7 +10940,6 @@
           <a:p>
             <a:fld id="{D783A4F0-891E-44AD-B162-AD1ECFE5DF4E}" type="slidenum">
               <a:rPr lang="en-US" smtClean="0"/>
-              <a:t>6</a:t>
             </a:fld>
             <a:endParaRPr lang="en-US"/>
           </a:p>
@@ -10751,7 +10954,7 @@
           <p:nvPr/>
         </p:nvPicPr>
         <p:blipFill>
-          <a:blip r:embed="rId2"/>
+          <a:blip r:embed="rId1"/>
           <a:stretch>
             <a:fillRect/>
           </a:stretch>
@@ -10767,11 +10970,6 @@
         </p:spPr>
       </p:pic>
     </p:spTree>
-    <p:extLst>
-      <p:ext uri="{BB962C8B-B14F-4D97-AF65-F5344CB8AC3E}">
-        <p14:creationId xmlns:p14="http://schemas.microsoft.com/office/powerpoint/2010/main" val="511524868"/>
-      </p:ext>
-    </p:extLst>
   </p:cSld>
   <p:clrMapOvr>
     <a:masterClrMapping/>
@@ -10825,11 +11023,20 @@
                     <a:lumMod val="75000"/>
                   </a:schemeClr>
                 </a:solidFill>
-                <a:latin typeface="Times New Roman" panose="02020603050405020304" pitchFamily="18" charset="0"/>
-                <a:cs typeface="Times New Roman" panose="02020603050405020304" pitchFamily="18" charset="0"/>
+                <a:latin typeface="Times New Roman" panose="02020503050405090304" pitchFamily="18" charset="0"/>
+                <a:cs typeface="Times New Roman" panose="02020503050405090304" pitchFamily="18" charset="0"/>
               </a:rPr>
               <a:t>Subjective Rating Formats of E.R.</a:t>
             </a:r>
+            <a:endParaRPr lang="en-US" b="1" dirty="0">
+              <a:solidFill>
+                <a:schemeClr val="accent1">
+                  <a:lumMod val="75000"/>
+                </a:schemeClr>
+              </a:solidFill>
+              <a:latin typeface="Times New Roman" panose="02020503050405090304" pitchFamily="18" charset="0"/>
+              <a:cs typeface="Times New Roman" panose="02020503050405090304" pitchFamily="18" charset="0"/>
+            </a:endParaRPr>
           </a:p>
         </p:txBody>
       </p:sp>
@@ -10855,11 +11062,15 @@
             </a:pPr>
             <a:r>
               <a:rPr lang="en-US" sz="3200" dirty="0" smtClean="0">
-                <a:latin typeface="Times New Roman" panose="02020603050405020304" pitchFamily="18" charset="0"/>
-                <a:cs typeface="Times New Roman" panose="02020603050405020304" pitchFamily="18" charset="0"/>
+                <a:latin typeface="Times New Roman" panose="02020503050405090304" pitchFamily="18" charset="0"/>
+                <a:cs typeface="Times New Roman" panose="02020503050405090304" pitchFamily="18" charset="0"/>
               </a:rPr>
               <a:t>Verbal Frequency Scale</a:t>
             </a:r>
+            <a:endParaRPr lang="en-US" sz="3200" dirty="0" smtClean="0">
+              <a:latin typeface="Times New Roman" panose="02020503050405090304" pitchFamily="18" charset="0"/>
+              <a:cs typeface="Times New Roman" panose="02020503050405090304" pitchFamily="18" charset="0"/>
+            </a:endParaRPr>
           </a:p>
           <a:p>
             <a:pPr>
@@ -10868,11 +11079,15 @@
             </a:pPr>
             <a:r>
               <a:rPr lang="en-US" dirty="0" smtClean="0">
-                <a:latin typeface="Times New Roman" panose="02020603050405020304" pitchFamily="18" charset="0"/>
-                <a:cs typeface="Times New Roman" panose="02020603050405020304" pitchFamily="18" charset="0"/>
+                <a:latin typeface="Times New Roman" panose="02020503050405090304" pitchFamily="18" charset="0"/>
+                <a:cs typeface="Times New Roman" panose="02020503050405090304" pitchFamily="18" charset="0"/>
               </a:rPr>
               <a:t>Example: How often does this program fail?</a:t>
             </a:r>
+            <a:endParaRPr lang="en-US" dirty="0" smtClean="0">
+              <a:latin typeface="Times New Roman" panose="02020503050405090304" pitchFamily="18" charset="0"/>
+              <a:cs typeface="Times New Roman" panose="02020503050405090304" pitchFamily="18" charset="0"/>
+            </a:endParaRPr>
           </a:p>
           <a:p>
             <a:pPr>
@@ -10880,8 +11095,8 @@
               <a:buChar char="q"/>
             </a:pPr>
             <a:endParaRPr lang="en-US" dirty="0">
-              <a:latin typeface="Times New Roman" panose="02020603050405020304" pitchFamily="18" charset="0"/>
-              <a:cs typeface="Times New Roman" panose="02020603050405020304" pitchFamily="18" charset="0"/>
+              <a:latin typeface="Times New Roman" panose="02020503050405090304" pitchFamily="18" charset="0"/>
+              <a:cs typeface="Times New Roman" panose="02020503050405090304" pitchFamily="18" charset="0"/>
             </a:endParaRPr>
           </a:p>
           <a:p>
@@ -10890,18 +11105,22 @@
             </a:pPr>
             <a:r>
               <a:rPr lang="en-US" dirty="0" smtClean="0">
-                <a:latin typeface="Times New Roman" panose="02020603050405020304" pitchFamily="18" charset="0"/>
-                <a:cs typeface="Times New Roman" panose="02020603050405020304" pitchFamily="18" charset="0"/>
+                <a:latin typeface="Times New Roman" panose="02020503050405090304" pitchFamily="18" charset="0"/>
+                <a:cs typeface="Times New Roman" panose="02020503050405090304" pitchFamily="18" charset="0"/>
               </a:rPr>
               <a:t>   	</a:t>
             </a:r>
             <a:r>
               <a:rPr lang="en-US" b="1" dirty="0" smtClean="0">
-                <a:latin typeface="Times New Roman" panose="02020603050405020304" pitchFamily="18" charset="0"/>
-                <a:cs typeface="Times New Roman" panose="02020603050405020304" pitchFamily="18" charset="0"/>
+                <a:latin typeface="Times New Roman" panose="02020503050405090304" pitchFamily="18" charset="0"/>
+                <a:cs typeface="Times New Roman" panose="02020503050405090304" pitchFamily="18" charset="0"/>
               </a:rPr>
               <a:t>Always		Often		Sometimes	  Seldom	 Never</a:t>
             </a:r>
+            <a:endParaRPr lang="en-US" b="1" dirty="0" smtClean="0">
+              <a:latin typeface="Times New Roman" panose="02020503050405090304" pitchFamily="18" charset="0"/>
+              <a:cs typeface="Times New Roman" panose="02020503050405090304" pitchFamily="18" charset="0"/>
+            </a:endParaRPr>
           </a:p>
           <a:p>
             <a:pPr>
@@ -10909,8 +11128,8 @@
               <a:buChar char="q"/>
             </a:pPr>
             <a:endParaRPr lang="en-US" dirty="0">
-              <a:latin typeface="Times New Roman" panose="02020603050405020304" pitchFamily="18" charset="0"/>
-              <a:cs typeface="Times New Roman" panose="02020603050405020304" pitchFamily="18" charset="0"/>
+              <a:latin typeface="Times New Roman" panose="02020503050405090304" pitchFamily="18" charset="0"/>
+              <a:cs typeface="Times New Roman" panose="02020503050405090304" pitchFamily="18" charset="0"/>
             </a:endParaRPr>
           </a:p>
           <a:p>
@@ -10919,8 +11138,8 @@
               <a:buChar char="q"/>
             </a:pPr>
             <a:endParaRPr lang="en-US" dirty="0" smtClean="0">
-              <a:latin typeface="Times New Roman" panose="02020603050405020304" pitchFamily="18" charset="0"/>
-              <a:cs typeface="Times New Roman" panose="02020603050405020304" pitchFamily="18" charset="0"/>
+              <a:latin typeface="Times New Roman" panose="02020503050405090304" pitchFamily="18" charset="0"/>
+              <a:cs typeface="Times New Roman" panose="02020503050405090304" pitchFamily="18" charset="0"/>
             </a:endParaRPr>
           </a:p>
           <a:p>
@@ -10928,8 +11147,8 @@
               <a:buNone/>
             </a:pPr>
             <a:endParaRPr lang="en-US" sz="3200" dirty="0" smtClean="0">
-              <a:latin typeface="Times New Roman" panose="02020603050405020304" pitchFamily="18" charset="0"/>
-              <a:cs typeface="Times New Roman" panose="02020603050405020304" pitchFamily="18" charset="0"/>
+              <a:latin typeface="Times New Roman" panose="02020503050405090304" pitchFamily="18" charset="0"/>
+              <a:cs typeface="Times New Roman" panose="02020503050405090304" pitchFamily="18" charset="0"/>
             </a:endParaRPr>
           </a:p>
         </p:txBody>
@@ -10951,18 +11170,12 @@
           <a:p>
             <a:fld id="{D783A4F0-891E-44AD-B162-AD1ECFE5DF4E}" type="slidenum">
               <a:rPr lang="en-US" smtClean="0"/>
-              <a:t>7</a:t>
             </a:fld>
             <a:endParaRPr lang="en-US"/>
           </a:p>
         </p:txBody>
       </p:sp>
     </p:spTree>
-    <p:extLst>
-      <p:ext uri="{BB962C8B-B14F-4D97-AF65-F5344CB8AC3E}">
-        <p14:creationId xmlns:p14="http://schemas.microsoft.com/office/powerpoint/2010/main" val="95185320"/>
-      </p:ext>
-    </p:extLst>
   </p:cSld>
   <p:clrMapOvr>
     <a:masterClrMapping/>
@@ -11016,11 +11229,20 @@
                     <a:lumMod val="75000"/>
                   </a:schemeClr>
                 </a:solidFill>
-                <a:latin typeface="Times New Roman" panose="02020603050405020304" pitchFamily="18" charset="0"/>
-                <a:cs typeface="Times New Roman" panose="02020603050405020304" pitchFamily="18" charset="0"/>
+                <a:latin typeface="Times New Roman" panose="02020503050405090304" pitchFamily="18" charset="0"/>
+                <a:cs typeface="Times New Roman" panose="02020503050405090304" pitchFamily="18" charset="0"/>
               </a:rPr>
               <a:t>Subjective Rating Formats of E.R.</a:t>
             </a:r>
+            <a:endParaRPr lang="en-US" b="1" dirty="0">
+              <a:solidFill>
+                <a:schemeClr val="accent1">
+                  <a:lumMod val="75000"/>
+                </a:schemeClr>
+              </a:solidFill>
+              <a:latin typeface="Times New Roman" panose="02020503050405090304" pitchFamily="18" charset="0"/>
+              <a:cs typeface="Times New Roman" panose="02020503050405090304" pitchFamily="18" charset="0"/>
+            </a:endParaRPr>
           </a:p>
         </p:txBody>
       </p:sp>
@@ -11046,11 +11268,15 @@
             </a:pPr>
             <a:r>
               <a:rPr lang="en-US" sz="3200" dirty="0" smtClean="0">
-                <a:latin typeface="Times New Roman" panose="02020603050405020304" pitchFamily="18" charset="0"/>
-                <a:cs typeface="Times New Roman" panose="02020603050405020304" pitchFamily="18" charset="0"/>
+                <a:latin typeface="Times New Roman" panose="02020503050405090304" pitchFamily="18" charset="0"/>
+                <a:cs typeface="Times New Roman" panose="02020503050405090304" pitchFamily="18" charset="0"/>
               </a:rPr>
               <a:t>Ordinal Scale</a:t>
             </a:r>
+            <a:endParaRPr lang="en-US" sz="3200" dirty="0" smtClean="0">
+              <a:latin typeface="Times New Roman" panose="02020503050405090304" pitchFamily="18" charset="0"/>
+              <a:cs typeface="Times New Roman" panose="02020503050405090304" pitchFamily="18" charset="0"/>
+            </a:endParaRPr>
           </a:p>
           <a:p>
             <a:pPr>
@@ -11059,11 +11285,15 @@
             </a:pPr>
             <a:r>
               <a:rPr lang="en-US" dirty="0" smtClean="0">
-                <a:latin typeface="Times New Roman" panose="02020603050405020304" pitchFamily="18" charset="0"/>
-                <a:cs typeface="Times New Roman" panose="02020603050405020304" pitchFamily="18" charset="0"/>
+                <a:latin typeface="Times New Roman" panose="02020503050405090304" pitchFamily="18" charset="0"/>
+                <a:cs typeface="Times New Roman" panose="02020503050405090304" pitchFamily="18" charset="0"/>
               </a:rPr>
               <a:t>List several ordered alternatives and have respondent select one. </a:t>
             </a:r>
+            <a:endParaRPr lang="en-US" dirty="0" smtClean="0">
+              <a:latin typeface="Times New Roman" panose="02020503050405090304" pitchFamily="18" charset="0"/>
+              <a:cs typeface="Times New Roman" panose="02020503050405090304" pitchFamily="18" charset="0"/>
+            </a:endParaRPr>
           </a:p>
           <a:p>
             <a:pPr>
@@ -11072,11 +11302,15 @@
             </a:pPr>
             <a:r>
               <a:rPr lang="en-US" dirty="0" smtClean="0">
-                <a:latin typeface="Times New Roman" panose="02020603050405020304" pitchFamily="18" charset="0"/>
-                <a:cs typeface="Times New Roman" panose="02020603050405020304" pitchFamily="18" charset="0"/>
+                <a:latin typeface="Times New Roman" panose="02020503050405090304" pitchFamily="18" charset="0"/>
+                <a:cs typeface="Times New Roman" panose="02020503050405090304" pitchFamily="18" charset="0"/>
               </a:rPr>
               <a:t> Example: How often the software fail?</a:t>
             </a:r>
+            <a:endParaRPr lang="en-US" dirty="0" smtClean="0">
+              <a:latin typeface="Times New Roman" panose="02020503050405090304" pitchFamily="18" charset="0"/>
+              <a:cs typeface="Times New Roman" panose="02020503050405090304" pitchFamily="18" charset="0"/>
+            </a:endParaRPr>
           </a:p>
           <a:p>
             <a:pPr lvl="1">
@@ -11085,11 +11319,15 @@
             </a:pPr>
             <a:r>
               <a:rPr lang="en-US" dirty="0" smtClean="0">
-                <a:latin typeface="Times New Roman" panose="02020603050405020304" pitchFamily="18" charset="0"/>
-                <a:cs typeface="Times New Roman" panose="02020603050405020304" pitchFamily="18" charset="0"/>
+                <a:latin typeface="Times New Roman" panose="02020503050405090304" pitchFamily="18" charset="0"/>
+                <a:cs typeface="Times New Roman" panose="02020503050405090304" pitchFamily="18" charset="0"/>
               </a:rPr>
               <a:t>1. Hourly</a:t>
             </a:r>
+            <a:endParaRPr lang="en-US" dirty="0" smtClean="0">
+              <a:latin typeface="Times New Roman" panose="02020503050405090304" pitchFamily="18" charset="0"/>
+              <a:cs typeface="Times New Roman" panose="02020503050405090304" pitchFamily="18" charset="0"/>
+            </a:endParaRPr>
           </a:p>
           <a:p>
             <a:pPr lvl="1">
@@ -11098,11 +11336,15 @@
             </a:pPr>
             <a:r>
               <a:rPr lang="en-US" dirty="0" smtClean="0">
-                <a:latin typeface="Times New Roman" panose="02020603050405020304" pitchFamily="18" charset="0"/>
-                <a:cs typeface="Times New Roman" panose="02020603050405020304" pitchFamily="18" charset="0"/>
+                <a:latin typeface="Times New Roman" panose="02020503050405090304" pitchFamily="18" charset="0"/>
+                <a:cs typeface="Times New Roman" panose="02020503050405090304" pitchFamily="18" charset="0"/>
               </a:rPr>
               <a:t>2. Daily</a:t>
             </a:r>
+            <a:endParaRPr lang="en-US" dirty="0" smtClean="0">
+              <a:latin typeface="Times New Roman" panose="02020503050405090304" pitchFamily="18" charset="0"/>
+              <a:cs typeface="Times New Roman" panose="02020503050405090304" pitchFamily="18" charset="0"/>
+            </a:endParaRPr>
           </a:p>
           <a:p>
             <a:pPr lvl="1">
@@ -11111,11 +11353,15 @@
             </a:pPr>
             <a:r>
               <a:rPr lang="en-US" dirty="0" smtClean="0">
-                <a:latin typeface="Times New Roman" panose="02020603050405020304" pitchFamily="18" charset="0"/>
-                <a:cs typeface="Times New Roman" panose="02020603050405020304" pitchFamily="18" charset="0"/>
+                <a:latin typeface="Times New Roman" panose="02020503050405090304" pitchFamily="18" charset="0"/>
+                <a:cs typeface="Times New Roman" panose="02020503050405090304" pitchFamily="18" charset="0"/>
               </a:rPr>
               <a:t>3. Weekly</a:t>
             </a:r>
+            <a:endParaRPr lang="en-US" dirty="0" smtClean="0">
+              <a:latin typeface="Times New Roman" panose="02020503050405090304" pitchFamily="18" charset="0"/>
+              <a:cs typeface="Times New Roman" panose="02020503050405090304" pitchFamily="18" charset="0"/>
+            </a:endParaRPr>
           </a:p>
           <a:p>
             <a:pPr lvl="1">
@@ -11124,11 +11370,15 @@
             </a:pPr>
             <a:r>
               <a:rPr lang="en-US" dirty="0" smtClean="0">
-                <a:latin typeface="Times New Roman" panose="02020603050405020304" pitchFamily="18" charset="0"/>
-                <a:cs typeface="Times New Roman" panose="02020603050405020304" pitchFamily="18" charset="0"/>
+                <a:latin typeface="Times New Roman" panose="02020503050405090304" pitchFamily="18" charset="0"/>
+                <a:cs typeface="Times New Roman" panose="02020503050405090304" pitchFamily="18" charset="0"/>
               </a:rPr>
               <a:t>4. Monthly</a:t>
             </a:r>
+            <a:endParaRPr lang="en-US" dirty="0" smtClean="0">
+              <a:latin typeface="Times New Roman" panose="02020503050405090304" pitchFamily="18" charset="0"/>
+              <a:cs typeface="Times New Roman" panose="02020503050405090304" pitchFamily="18" charset="0"/>
+            </a:endParaRPr>
           </a:p>
           <a:p>
             <a:pPr lvl="1">
@@ -11137,11 +11387,15 @@
             </a:pPr>
             <a:r>
               <a:rPr lang="en-US" dirty="0" smtClean="0">
-                <a:latin typeface="Times New Roman" panose="02020603050405020304" pitchFamily="18" charset="0"/>
-                <a:cs typeface="Times New Roman" panose="02020603050405020304" pitchFamily="18" charset="0"/>
+                <a:latin typeface="Times New Roman" panose="02020503050405090304" pitchFamily="18" charset="0"/>
+                <a:cs typeface="Times New Roman" panose="02020503050405090304" pitchFamily="18" charset="0"/>
               </a:rPr>
               <a:t>5. Several times a year</a:t>
             </a:r>
+            <a:endParaRPr lang="en-US" dirty="0" smtClean="0">
+              <a:latin typeface="Times New Roman" panose="02020503050405090304" pitchFamily="18" charset="0"/>
+              <a:cs typeface="Times New Roman" panose="02020503050405090304" pitchFamily="18" charset="0"/>
+            </a:endParaRPr>
           </a:p>
           <a:p>
             <a:pPr lvl="1">
@@ -11150,11 +11404,15 @@
             </a:pPr>
             <a:r>
               <a:rPr lang="en-US" dirty="0" smtClean="0">
-                <a:latin typeface="Times New Roman" panose="02020603050405020304" pitchFamily="18" charset="0"/>
-                <a:cs typeface="Times New Roman" panose="02020603050405020304" pitchFamily="18" charset="0"/>
+                <a:latin typeface="Times New Roman" panose="02020503050405090304" pitchFamily="18" charset="0"/>
+                <a:cs typeface="Times New Roman" panose="02020503050405090304" pitchFamily="18" charset="0"/>
               </a:rPr>
               <a:t>6. Once or twice a year</a:t>
             </a:r>
+            <a:endParaRPr lang="en-US" dirty="0" smtClean="0">
+              <a:latin typeface="Times New Roman" panose="02020503050405090304" pitchFamily="18" charset="0"/>
+              <a:cs typeface="Times New Roman" panose="02020503050405090304" pitchFamily="18" charset="0"/>
+            </a:endParaRPr>
           </a:p>
           <a:p>
             <a:pPr lvl="1">
@@ -11163,11 +11421,15 @@
             </a:pPr>
             <a:r>
               <a:rPr lang="en-US" dirty="0" smtClean="0">
-                <a:latin typeface="Times New Roman" panose="02020603050405020304" pitchFamily="18" charset="0"/>
-                <a:cs typeface="Times New Roman" panose="02020603050405020304" pitchFamily="18" charset="0"/>
+                <a:latin typeface="Times New Roman" panose="02020503050405090304" pitchFamily="18" charset="0"/>
+                <a:cs typeface="Times New Roman" panose="02020503050405090304" pitchFamily="18" charset="0"/>
               </a:rPr>
               <a:t>7. Never</a:t>
             </a:r>
+            <a:endParaRPr lang="en-US" dirty="0" smtClean="0">
+              <a:latin typeface="Times New Roman" panose="02020503050405090304" pitchFamily="18" charset="0"/>
+              <a:cs typeface="Times New Roman" panose="02020503050405090304" pitchFamily="18" charset="0"/>
+            </a:endParaRPr>
           </a:p>
           <a:p>
             <a:pPr>
@@ -11175,8 +11437,8 @@
               <a:buChar char="q"/>
             </a:pPr>
             <a:endParaRPr lang="en-US" dirty="0">
-              <a:latin typeface="Times New Roman" panose="02020603050405020304" pitchFamily="18" charset="0"/>
-              <a:cs typeface="Times New Roman" panose="02020603050405020304" pitchFamily="18" charset="0"/>
+              <a:latin typeface="Times New Roman" panose="02020503050405090304" pitchFamily="18" charset="0"/>
+              <a:cs typeface="Times New Roman" panose="02020503050405090304" pitchFamily="18" charset="0"/>
             </a:endParaRPr>
           </a:p>
           <a:p>
@@ -11185,8 +11447,8 @@
               <a:buChar char="q"/>
             </a:pPr>
             <a:endParaRPr lang="en-US" dirty="0" smtClean="0">
-              <a:latin typeface="Times New Roman" panose="02020603050405020304" pitchFamily="18" charset="0"/>
-              <a:cs typeface="Times New Roman" panose="02020603050405020304" pitchFamily="18" charset="0"/>
+              <a:latin typeface="Times New Roman" panose="02020503050405090304" pitchFamily="18" charset="0"/>
+              <a:cs typeface="Times New Roman" panose="02020503050405090304" pitchFamily="18" charset="0"/>
             </a:endParaRPr>
           </a:p>
           <a:p>
@@ -11194,8 +11456,8 @@
               <a:buNone/>
             </a:pPr>
             <a:endParaRPr lang="en-US" sz="3200" dirty="0" smtClean="0">
-              <a:latin typeface="Times New Roman" panose="02020603050405020304" pitchFamily="18" charset="0"/>
-              <a:cs typeface="Times New Roman" panose="02020603050405020304" pitchFamily="18" charset="0"/>
+              <a:latin typeface="Times New Roman" panose="02020503050405090304" pitchFamily="18" charset="0"/>
+              <a:cs typeface="Times New Roman" panose="02020503050405090304" pitchFamily="18" charset="0"/>
             </a:endParaRPr>
           </a:p>
         </p:txBody>
@@ -11217,18 +11479,12 @@
           <a:p>
             <a:fld id="{D783A4F0-891E-44AD-B162-AD1ECFE5DF4E}" type="slidenum">
               <a:rPr lang="en-US" smtClean="0"/>
-              <a:t>8</a:t>
             </a:fld>
             <a:endParaRPr lang="en-US"/>
           </a:p>
         </p:txBody>
       </p:sp>
     </p:spTree>
-    <p:extLst>
-      <p:ext uri="{BB962C8B-B14F-4D97-AF65-F5344CB8AC3E}">
-        <p14:creationId xmlns:p14="http://schemas.microsoft.com/office/powerpoint/2010/main" val="1343791559"/>
-      </p:ext>
-    </p:extLst>
   </p:cSld>
   <p:clrMapOvr>
     <a:masterClrMapping/>
@@ -11282,11 +11538,20 @@
                     <a:lumMod val="75000"/>
                   </a:schemeClr>
                 </a:solidFill>
-                <a:latin typeface="Times New Roman" panose="02020603050405020304" pitchFamily="18" charset="0"/>
-                <a:cs typeface="Times New Roman" panose="02020603050405020304" pitchFamily="18" charset="0"/>
+                <a:latin typeface="Times New Roman" panose="02020503050405090304" pitchFamily="18" charset="0"/>
+                <a:cs typeface="Times New Roman" panose="02020503050405090304" pitchFamily="18" charset="0"/>
               </a:rPr>
               <a:t>Subjective Rating Formats of E.R.</a:t>
             </a:r>
+            <a:endParaRPr lang="en-US" b="1" dirty="0">
+              <a:solidFill>
+                <a:schemeClr val="accent1">
+                  <a:lumMod val="75000"/>
+                </a:schemeClr>
+              </a:solidFill>
+              <a:latin typeface="Times New Roman" panose="02020503050405090304" pitchFamily="18" charset="0"/>
+              <a:cs typeface="Times New Roman" panose="02020503050405090304" pitchFamily="18" charset="0"/>
+            </a:endParaRPr>
           </a:p>
         </p:txBody>
       </p:sp>
@@ -11312,11 +11577,15 @@
             </a:pPr>
             <a:r>
               <a:rPr lang="en-US" sz="3200" dirty="0" smtClean="0">
-                <a:latin typeface="Times New Roman" panose="02020603050405020304" pitchFamily="18" charset="0"/>
-                <a:cs typeface="Times New Roman" panose="02020603050405020304" pitchFamily="18" charset="0"/>
+                <a:latin typeface="Times New Roman" panose="02020503050405090304" pitchFamily="18" charset="0"/>
+                <a:cs typeface="Times New Roman" panose="02020503050405090304" pitchFamily="18" charset="0"/>
               </a:rPr>
               <a:t>Comparative Scale</a:t>
             </a:r>
+            <a:endParaRPr lang="en-US" sz="3200" dirty="0" smtClean="0">
+              <a:latin typeface="Times New Roman" panose="02020503050405090304" pitchFamily="18" charset="0"/>
+              <a:cs typeface="Times New Roman" panose="02020503050405090304" pitchFamily="18" charset="0"/>
+            </a:endParaRPr>
           </a:p>
           <a:p>
             <a:pPr>
@@ -11325,11 +11594,15 @@
             </a:pPr>
             <a:r>
               <a:rPr lang="en-US" dirty="0" smtClean="0">
-                <a:latin typeface="Times New Roman" panose="02020603050405020304" pitchFamily="18" charset="0"/>
-                <a:cs typeface="Times New Roman" panose="02020603050405020304" pitchFamily="18" charset="0"/>
+                <a:latin typeface="Times New Roman" panose="02020503050405090304" pitchFamily="18" charset="0"/>
+                <a:cs typeface="Times New Roman" panose="02020503050405090304" pitchFamily="18" charset="0"/>
               </a:rPr>
               <a:t>Compare at least two entities and assign a numeric value</a:t>
             </a:r>
+            <a:endParaRPr lang="en-US" dirty="0" smtClean="0">
+              <a:latin typeface="Times New Roman" panose="02020503050405090304" pitchFamily="18" charset="0"/>
+              <a:cs typeface="Times New Roman" panose="02020503050405090304" pitchFamily="18" charset="0"/>
+            </a:endParaRPr>
           </a:p>
           <a:p>
             <a:pPr>
@@ -11337,8 +11610,8 @@
               <a:buChar char="q"/>
             </a:pPr>
             <a:endParaRPr lang="en-US" dirty="0">
-              <a:latin typeface="Times New Roman" panose="02020603050405020304" pitchFamily="18" charset="0"/>
-              <a:cs typeface="Times New Roman" panose="02020603050405020304" pitchFamily="18" charset="0"/>
+              <a:latin typeface="Times New Roman" panose="02020503050405090304" pitchFamily="18" charset="0"/>
+              <a:cs typeface="Times New Roman" panose="02020503050405090304" pitchFamily="18" charset="0"/>
             </a:endParaRPr>
           </a:p>
           <a:p>
@@ -11347,8 +11620,8 @@
               <a:buChar char="q"/>
             </a:pPr>
             <a:endParaRPr lang="en-US" dirty="0" smtClean="0">
-              <a:latin typeface="Times New Roman" panose="02020603050405020304" pitchFamily="18" charset="0"/>
-              <a:cs typeface="Times New Roman" panose="02020603050405020304" pitchFamily="18" charset="0"/>
+              <a:latin typeface="Times New Roman" panose="02020503050405090304" pitchFamily="18" charset="0"/>
+              <a:cs typeface="Times New Roman" panose="02020503050405090304" pitchFamily="18" charset="0"/>
             </a:endParaRPr>
           </a:p>
           <a:p>
@@ -11356,8 +11629,8 @@
               <a:buNone/>
             </a:pPr>
             <a:endParaRPr lang="en-US" sz="3200" dirty="0" smtClean="0">
-              <a:latin typeface="Times New Roman" panose="02020603050405020304" pitchFamily="18" charset="0"/>
-              <a:cs typeface="Times New Roman" panose="02020603050405020304" pitchFamily="18" charset="0"/>
+              <a:latin typeface="Times New Roman" panose="02020503050405090304" pitchFamily="18" charset="0"/>
+              <a:cs typeface="Times New Roman" panose="02020503050405090304" pitchFamily="18" charset="0"/>
             </a:endParaRPr>
           </a:p>
         </p:txBody>
@@ -11379,7 +11652,6 @@
           <a:p>
             <a:fld id="{D783A4F0-891E-44AD-B162-AD1ECFE5DF4E}" type="slidenum">
               <a:rPr lang="en-US" smtClean="0"/>
-              <a:t>9</a:t>
             </a:fld>
             <a:endParaRPr lang="en-US"/>
           </a:p>
@@ -11394,7 +11666,7 @@
           <p:nvPr/>
         </p:nvPicPr>
         <p:blipFill>
-          <a:blip r:embed="rId2"/>
+          <a:blip r:embed="rId1"/>
           <a:stretch>
             <a:fillRect/>
           </a:stretch>
@@ -11410,11 +11682,6 @@
         </p:spPr>
       </p:pic>
     </p:spTree>
-    <p:extLst>
-      <p:ext uri="{BB962C8B-B14F-4D97-AF65-F5344CB8AC3E}">
-        <p14:creationId xmlns:p14="http://schemas.microsoft.com/office/powerpoint/2010/main" val="3321899336"/>
-      </p:ext>
-    </p:extLst>
   </p:cSld>
   <p:clrMapOvr>
     <a:masterClrMapping/>
@@ -11472,7 +11739,7 @@
     </a:clrScheme>
     <a:fontScheme name="Retrospect">
       <a:majorFont>
-        <a:latin typeface="Calibri Light" panose="020F0302020204030204"/>
+        <a:latin typeface="Calibri Light"/>
         <a:ea typeface=""/>
         <a:cs typeface=""/>
         <a:font script="Jpan" typeface="ＭＳ Ｐゴシック"/>
@@ -11507,7 +11774,7 @@
         <a:font script="Geor" typeface="Sylfaen"/>
       </a:majorFont>
       <a:minorFont>
-        <a:latin typeface="Calibri" panose="020F0502020204030204"/>
+        <a:latin typeface="Calibri"/>
         <a:ea typeface=""/>
         <a:cs typeface=""/>
         <a:font script="Jpan" typeface="ＭＳ Ｐゴシック"/>
@@ -11724,11 +11991,9 @@
       </a:bgFillStyleLst>
     </a:fmtScheme>
   </a:themeElements>
-  <a:objectDefaults/>
-  <a:extraClrSchemeLst/>
   <a:extLst>
     <a:ext uri="{05A4C25C-085E-4340-85A3-A5531E510DB2}">
-      <thm15:themeFamily xmlns:thm15="http://schemas.microsoft.com/office/thememl/2012/main" name="Retrospect" id="{5F128B03-DCCA-4EEB-AB3B-CF2899314A46}" vid="{9CC26709-368C-4D72-9060-94E5B3FF3CD6}"/>
+      <thm15:themeFamily xmlns:thm15="http://schemas.microsoft.com/office/thememl/2012/main" name="Office Theme" id="{62F939B6-93AF-4DB8-9C6B-D6C7DFDC589F}" vid="{4A3C46E8-61CC-4603-A589-7422A47A8E4A}"/>
     </a:ext>
   </a:extLst>
 </a:theme>
@@ -11777,7 +12042,7 @@
     </a:clrScheme>
     <a:fontScheme name="Office">
       <a:majorFont>
-        <a:latin typeface="Calibri Light" panose="020F0302020204030204"/>
+        <a:latin typeface="Calibri Light"/>
         <a:ea typeface=""/>
         <a:cs typeface=""/>
         <a:font script="Jpan" typeface="游ゴシック Light"/>
@@ -11812,7 +12077,7 @@
         <a:font script="Geor" typeface="Sylfaen"/>
       </a:majorFont>
       <a:minorFont>
-        <a:latin typeface="Calibri" panose="020F0502020204030204"/>
+        <a:latin typeface="Calibri"/>
         <a:ea typeface=""/>
         <a:cs typeface=""/>
         <a:font script="Jpan" typeface="游ゴシック"/>
@@ -11985,8 +12250,6 @@
       </a:bgFillStyleLst>
     </a:fmtScheme>
   </a:themeElements>
-  <a:objectDefaults/>
-  <a:extraClrSchemeLst/>
   <a:extLst>
     <a:ext uri="{05A4C25C-085E-4340-85A3-A5531E510DB2}">
       <thm15:themeFamily xmlns:thm15="http://schemas.microsoft.com/office/thememl/2012/main" name="Office Theme" id="{62F939B6-93AF-4DB8-9C6B-D6C7DFDC589F}" vid="{4A3C46E8-61CC-4603-A589-7422A47A8E4A}"/>

--- a/SE-611/Academia Slides-Books/Lecture#2.pptx
+++ b/SE-611/Academia Slides-Books/Lecture#2.pptx
@@ -4492,12 +4492,18 @@
             </a:pPr>
             <a:r>
               <a:rPr lang="en-US" dirty="0" smtClean="0">
+                <a:highlight>
+                  <a:srgbClr val="FFFF00"/>
+                </a:highlight>
                 <a:latin typeface="Times New Roman" panose="02020503050405090304" pitchFamily="18" charset="0"/>
                 <a:cs typeface="Times New Roman" panose="02020503050405090304" pitchFamily="18" charset="0"/>
               </a:rPr>
               <a:t>The real world is the domain and the mathematical world is the range</a:t>
             </a:r>
             <a:endParaRPr lang="en-US" dirty="0" smtClean="0">
+              <a:highlight>
+                <a:srgbClr val="FFFF00"/>
+              </a:highlight>
               <a:latin typeface="Times New Roman" panose="02020503050405090304" pitchFamily="18" charset="0"/>
               <a:cs typeface="Times New Roman" panose="02020503050405090304" pitchFamily="18" charset="0"/>
             </a:endParaRPr>
@@ -5693,10 +5699,20 @@
             </a:r>
             <a:r>
               <a:rPr lang="en-US" dirty="0" smtClean="0">
-                <a:latin typeface="Times New Roman" panose="02020503050405090304" pitchFamily="18" charset="0"/>
-                <a:cs typeface="Times New Roman" panose="02020503050405090304" pitchFamily="18" charset="0"/>
-              </a:rPr>
-              <a:t>Three important questions concerning representation and scales:</a:t>
+                <a:highlight>
+                  <a:srgbClr val="FFFF00"/>
+                </a:highlight>
+                <a:latin typeface="Times New Roman" panose="02020503050405090304" pitchFamily="18" charset="0"/>
+                <a:cs typeface="Times New Roman" panose="02020503050405090304" pitchFamily="18" charset="0"/>
+              </a:rPr>
+              <a:t>Three important questions</a:t>
+            </a:r>
+            <a:r>
+              <a:rPr lang="en-US" dirty="0" smtClean="0">
+                <a:latin typeface="Times New Roman" panose="02020503050405090304" pitchFamily="18" charset="0"/>
+                <a:cs typeface="Times New Roman" panose="02020503050405090304" pitchFamily="18" charset="0"/>
+              </a:rPr>
+              <a:t> concerning representation and scales:</a:t>
             </a:r>
             <a:endParaRPr lang="en-US" dirty="0" smtClean="0">
               <a:latin typeface="Times New Roman" panose="02020503050405090304" pitchFamily="18" charset="0"/>
@@ -6167,10 +6183,23 @@
                 <a:latin typeface="Times New Roman" panose="02020503050405090304" pitchFamily="18" charset="0"/>
                 <a:cs typeface="Times New Roman" panose="02020503050405090304" pitchFamily="18" charset="0"/>
               </a:rPr>
-              <a:t>. The empirical relation system consists only of different classes; there is no notion of ordering among the classes</a:t>
+              <a:t>. The empirical relation system consists only of different classes; there is </a:t>
+            </a:r>
+            <a:r>
+              <a:rPr lang="en-US" dirty="0">
+                <a:highlight>
+                  <a:srgbClr val="FFFF00"/>
+                </a:highlight>
+                <a:latin typeface="Times New Roman" panose="02020503050405090304" pitchFamily="18" charset="0"/>
+                <a:cs typeface="Times New Roman" panose="02020503050405090304" pitchFamily="18" charset="0"/>
+              </a:rPr>
+              <a:t>no notion of ordering among the classes</a:t>
             </a:r>
             <a:r>
               <a:rPr lang="en-US" dirty="0" smtClean="0">
+                <a:highlight>
+                  <a:srgbClr val="FFFF00"/>
+                </a:highlight>
                 <a:latin typeface="Times New Roman" panose="02020503050405090304" pitchFamily="18" charset="0"/>
                 <a:cs typeface="Times New Roman" panose="02020503050405090304" pitchFamily="18" charset="0"/>
               </a:rPr>
@@ -6198,9 +6227,22 @@
                 <a:latin typeface="Times New Roman" panose="02020503050405090304" pitchFamily="18" charset="0"/>
                 <a:cs typeface="Times New Roman" panose="02020503050405090304" pitchFamily="18" charset="0"/>
               </a:rPr>
-              <a:t>. Any distinct numbering or symbolic representation of the classes is an acceptable measure </a:t>
+              <a:t>. </a:t>
+            </a:r>
+            <a:r>
+              <a:rPr lang="en-US" dirty="0">
+                <a:highlight>
+                  <a:srgbClr val="FFFF00"/>
+                </a:highlight>
+                <a:latin typeface="Times New Roman" panose="02020503050405090304" pitchFamily="18" charset="0"/>
+                <a:cs typeface="Times New Roman" panose="02020503050405090304" pitchFamily="18" charset="0"/>
+              </a:rPr>
+              <a:t>Any distinct numbering or symbolic representation of the classes is an acceptable measure </a:t>
             </a:r>
             <a:endParaRPr lang="en-US" dirty="0">
+              <a:highlight>
+                <a:srgbClr val="FFFF00"/>
+              </a:highlight>
               <a:latin typeface="Times New Roman" panose="02020503050405090304" pitchFamily="18" charset="0"/>
               <a:cs typeface="Times New Roman" panose="02020503050405090304" pitchFamily="18" charset="0"/>
             </a:endParaRPr>
@@ -6211,6 +6253,9 @@
               <a:buChar char="§"/>
             </a:pPr>
             <a:endParaRPr lang="en-US" sz="2000" dirty="0">
+              <a:highlight>
+                <a:srgbClr val="FFFF00"/>
+              </a:highlight>
               <a:latin typeface="Times New Roman" panose="02020503050405090304" pitchFamily="18" charset="0"/>
               <a:cs typeface="Times New Roman" panose="02020503050405090304" pitchFamily="18" charset="0"/>
             </a:endParaRPr>
@@ -7079,6 +7124,9 @@
             </a:r>
             <a:r>
               <a:rPr lang="en-US" dirty="0">
+                <a:highlight>
+                  <a:srgbClr val="FFFF00"/>
+                </a:highlight>
                 <a:latin typeface="Times New Roman" panose="02020503050405090304" pitchFamily="18" charset="0"/>
                 <a:cs typeface="Times New Roman" panose="02020503050405090304" pitchFamily="18" charset="0"/>
               </a:rPr>
@@ -7086,12 +7134,18 @@
             </a:r>
             <a:r>
               <a:rPr lang="en-US" dirty="0" smtClean="0">
+                <a:highlight>
+                  <a:srgbClr val="FFFF00"/>
+                </a:highlight>
                 <a:latin typeface="Times New Roman" panose="02020503050405090304" pitchFamily="18" charset="0"/>
                 <a:cs typeface="Times New Roman" panose="02020503050405090304" pitchFamily="18" charset="0"/>
               </a:rPr>
               <a:t>.</a:t>
             </a:r>
-            <a:endParaRPr lang="en-US" dirty="0">
+            <a:endParaRPr lang="en-US" dirty="0" smtClean="0">
+              <a:highlight>
+                <a:srgbClr val="FFFF00"/>
+              </a:highlight>
               <a:latin typeface="Times New Roman" panose="02020503050405090304" pitchFamily="18" charset="0"/>
               <a:cs typeface="Times New Roman" panose="02020503050405090304" pitchFamily="18" charset="0"/>
             </a:endParaRPr>
@@ -7418,7 +7472,24 @@
                 <a:latin typeface="Times New Roman" panose="02020503050405090304" pitchFamily="18" charset="0"/>
                 <a:cs typeface="Times New Roman" panose="02020503050405090304" pitchFamily="18" charset="0"/>
               </a:rPr>
-              <a:t>it more powerful than nominal or ordinal. This scale captures information about the size of the intervals that separate the classes, so that we can in some sense understand the size of the jump from one class to another. </a:t>
+              <a:t>it more powerful than nominal or ordinal. This scale </a:t>
+            </a:r>
+            <a:r>
+              <a:rPr lang="en-US" sz="2900" dirty="0">
+                <a:highlight>
+                  <a:srgbClr val="FFFF00"/>
+                </a:highlight>
+                <a:latin typeface="Times New Roman" panose="02020503050405090304" pitchFamily="18" charset="0"/>
+                <a:cs typeface="Times New Roman" panose="02020503050405090304" pitchFamily="18" charset="0"/>
+              </a:rPr>
+              <a:t>captures information about the size of the intervals</a:t>
+            </a:r>
+            <a:r>
+              <a:rPr lang="en-US" sz="2900" dirty="0">
+                <a:latin typeface="Times New Roman" panose="02020503050405090304" pitchFamily="18" charset="0"/>
+                <a:cs typeface="Times New Roman" panose="02020503050405090304" pitchFamily="18" charset="0"/>
+              </a:rPr>
+              <a:t> that separate the classes, so that we can in some sense understand the size of the jump from one class to another. </a:t>
             </a:r>
             <a:endParaRPr lang="en-US" sz="2900" dirty="0">
               <a:latin typeface="Times New Roman" panose="02020503050405090304" pitchFamily="18" charset="0"/>
@@ -7456,6 +7527,9 @@
             </a:pPr>
             <a:r>
               <a:rPr lang="en-US" sz="2900" dirty="0" smtClean="0">
+                <a:highlight>
+                  <a:srgbClr val="FFFF00"/>
+                </a:highlight>
                 <a:latin typeface="Times New Roman" panose="02020503050405090304" pitchFamily="18" charset="0"/>
                 <a:cs typeface="Times New Roman" panose="02020503050405090304" pitchFamily="18" charset="0"/>
               </a:rPr>
@@ -7463,10 +7537,20 @@
             </a:r>
             <a:r>
               <a:rPr lang="en-US" sz="2900" dirty="0">
-                <a:latin typeface="Times New Roman" panose="02020503050405090304" pitchFamily="18" charset="0"/>
-                <a:cs typeface="Times New Roman" panose="02020503050405090304" pitchFamily="18" charset="0"/>
-              </a:rPr>
-              <a:t>interval scale preserves differences but not ratios. That is, we know the difference between any two of the ordered classes in the range of the mapping, but computing the ratio of two classes in the range does not make sense.</a:t>
+                <a:highlight>
+                  <a:srgbClr val="FFFF00"/>
+                </a:highlight>
+                <a:latin typeface="Times New Roman" panose="02020503050405090304" pitchFamily="18" charset="0"/>
+                <a:cs typeface="Times New Roman" panose="02020503050405090304" pitchFamily="18" charset="0"/>
+              </a:rPr>
+              <a:t>interval scale preserves differences but not ratios.</a:t>
+            </a:r>
+            <a:r>
+              <a:rPr lang="en-US" sz="2900" dirty="0">
+                <a:latin typeface="Times New Roman" panose="02020503050405090304" pitchFamily="18" charset="0"/>
+                <a:cs typeface="Times New Roman" panose="02020503050405090304" pitchFamily="18" charset="0"/>
+              </a:rPr>
+              <a:t> That is, we know the difference between any two of the ordered classes in the range of the mapping, but computing the ratio of two classes in the range does not make sense.</a:t>
             </a:r>
             <a:endParaRPr lang="en-US" sz="2900" dirty="0">
               <a:latin typeface="Times New Roman" panose="02020503050405090304" pitchFamily="18" charset="0"/>
@@ -7480,6 +7564,9 @@
             </a:pPr>
             <a:r>
               <a:rPr lang="en-US" sz="2900" dirty="0" smtClean="0">
+                <a:highlight>
+                  <a:srgbClr val="FFFF00"/>
+                </a:highlight>
                 <a:latin typeface="Times New Roman" panose="02020503050405090304" pitchFamily="18" charset="0"/>
                 <a:cs typeface="Times New Roman" panose="02020503050405090304" pitchFamily="18" charset="0"/>
               </a:rPr>
@@ -7487,12 +7574,18 @@
             </a:r>
             <a:r>
               <a:rPr lang="en-US" sz="2900" dirty="0">
+                <a:highlight>
+                  <a:srgbClr val="FFFF00"/>
+                </a:highlight>
                 <a:latin typeface="Times New Roman" panose="02020503050405090304" pitchFamily="18" charset="0"/>
                 <a:cs typeface="Times New Roman" panose="02020503050405090304" pitchFamily="18" charset="0"/>
               </a:rPr>
               <a:t>and subtraction are acceptable on the interval scale, but not multiplication and division </a:t>
             </a:r>
             <a:endParaRPr lang="en-US" sz="2900" dirty="0">
+              <a:highlight>
+                <a:srgbClr val="FFFF00"/>
+              </a:highlight>
               <a:latin typeface="Times New Roman" panose="02020503050405090304" pitchFamily="18" charset="0"/>
               <a:cs typeface="Times New Roman" panose="02020503050405090304" pitchFamily="18" charset="0"/>
             </a:endParaRPr>
@@ -7502,7 +7595,10 @@
               <a:buFont typeface="Wingdings" panose="05000000000000000000" pitchFamily="2" charset="2"/>
               <a:buChar char="§"/>
             </a:pPr>
-            <a:endParaRPr lang="en-US" sz="2000" dirty="0">
+            <a:endParaRPr lang="en-US" sz="2900" dirty="0">
+              <a:highlight>
+                <a:srgbClr val="FFFF00"/>
+              </a:highlight>
               <a:latin typeface="Times New Roman" panose="02020503050405090304" pitchFamily="18" charset="0"/>
               <a:cs typeface="Times New Roman" panose="02020503050405090304" pitchFamily="18" charset="0"/>
             </a:endParaRPr>
@@ -8001,10 +8097,23 @@
                     <a:latin typeface="Times New Roman" panose="02020503050405090304" pitchFamily="18" charset="0"/>
                     <a:cs typeface="Times New Roman" panose="02020503050405090304" pitchFamily="18" charset="0"/>
                   </a:rPr>
-                  <a:t> There </a:t>
+                  <a:t> </a:t>
+                </a:r>
+                <a:r>
+                  <a:rPr lang="en-US" dirty="0" smtClean="0">
+                    <a:highlight>
+                      <a:srgbClr val="FFFF00"/>
+                    </a:highlight>
+                    <a:latin typeface="Times New Roman" panose="02020503050405090304" pitchFamily="18" charset="0"/>
+                    <a:cs typeface="Times New Roman" panose="02020503050405090304" pitchFamily="18" charset="0"/>
+                  </a:rPr>
+                  <a:t>There </a:t>
                 </a:r>
                 <a:r>
                   <a:rPr lang="en-US" dirty="0">
+                    <a:highlight>
+                      <a:srgbClr val="FFFF00"/>
+                    </a:highlight>
                     <a:latin typeface="Times New Roman" panose="02020503050405090304" pitchFamily="18" charset="0"/>
                     <a:cs typeface="Times New Roman" panose="02020503050405090304" pitchFamily="18" charset="0"/>
                   </a:rPr>
@@ -8029,6 +8138,9 @@
                 </a:r>
                 <a:r>
                   <a:rPr lang="en-US" dirty="0" smtClean="0">
+                    <a:highlight>
+                      <a:srgbClr val="FFFF00"/>
+                    </a:highlight>
                     <a:latin typeface="Times New Roman" panose="02020503050405090304" pitchFamily="18" charset="0"/>
                     <a:cs typeface="Times New Roman" panose="02020503050405090304" pitchFamily="18" charset="0"/>
                   </a:rPr>
@@ -8036,6 +8148,9 @@
                 </a:r>
                 <a:r>
                   <a:rPr lang="en-US" dirty="0">
+                    <a:highlight>
+                      <a:srgbClr val="FFFF00"/>
+                    </a:highlight>
                     <a:latin typeface="Times New Roman" panose="02020503050405090304" pitchFamily="18" charset="0"/>
                     <a:cs typeface="Times New Roman" panose="02020503050405090304" pitchFamily="18" charset="0"/>
                   </a:rPr>
@@ -8043,6 +8158,9 @@
                 </a:r>
                 <a:r>
                   <a:rPr lang="en-US" dirty="0" smtClean="0">
+                    <a:highlight>
+                      <a:srgbClr val="FFFF00"/>
+                    </a:highlight>
                     <a:latin typeface="Times New Roman" panose="02020503050405090304" pitchFamily="18" charset="0"/>
                     <a:cs typeface="Times New Roman" panose="02020503050405090304" pitchFamily="18" charset="0"/>
                   </a:rPr>
@@ -8050,12 +8168,18 @@
                 </a:r>
                 <a:r>
                   <a:rPr lang="en-US" dirty="0">
+                    <a:highlight>
+                      <a:srgbClr val="FFFF00"/>
+                    </a:highlight>
                     <a:latin typeface="Times New Roman" panose="02020503050405090304" pitchFamily="18" charset="0"/>
                     <a:cs typeface="Times New Roman" panose="02020503050405090304" pitchFamily="18" charset="0"/>
                   </a:rPr>
                   <a:t>, known as units.</a:t>
                 </a:r>
                 <a:endParaRPr lang="en-US" dirty="0">
+                  <a:highlight>
+                    <a:srgbClr val="FFFF00"/>
+                  </a:highlight>
                   <a:latin typeface="Times New Roman" panose="02020503050405090304" pitchFamily="18" charset="0"/>
                   <a:cs typeface="Times New Roman" panose="02020503050405090304" pitchFamily="18" charset="0"/>
                 </a:endParaRPr>
@@ -8074,6 +8198,9 @@
                 </a:r>
                 <a:r>
                   <a:rPr lang="en-US" dirty="0" smtClean="0">
+                    <a:highlight>
+                      <a:srgbClr val="FFFF00"/>
+                    </a:highlight>
                     <a:latin typeface="Times New Roman" panose="02020503050405090304" pitchFamily="18" charset="0"/>
                     <a:cs typeface="Times New Roman" panose="02020503050405090304" pitchFamily="18" charset="0"/>
                   </a:rPr>
@@ -8081,10 +8208,20 @@
                 </a:r>
                 <a:r>
                   <a:rPr lang="en-US" dirty="0">
+                    <a:highlight>
+                      <a:srgbClr val="FFFF00"/>
+                    </a:highlight>
                     <a:latin typeface="Times New Roman" panose="02020503050405090304" pitchFamily="18" charset="0"/>
                     <a:cs typeface="Times New Roman" panose="02020503050405090304" pitchFamily="18" charset="0"/>
                   </a:rPr>
-                  <a:t>arithmetic can be meaningfully applied to the classes in </a:t>
+                  <a:t>arithmetic can be meaningfully applied </a:t>
+                </a:r>
+                <a:r>
+                  <a:rPr lang="en-US" dirty="0">
+                    <a:latin typeface="Times New Roman" panose="02020503050405090304" pitchFamily="18" charset="0"/>
+                    <a:cs typeface="Times New Roman" panose="02020503050405090304" pitchFamily="18" charset="0"/>
+                  </a:rPr>
+                  <a:t>to the classes in </a:t>
                 </a:r>
                 <a:r>
                   <a:rPr lang="en-US" dirty="0" smtClean="0">
@@ -8157,28 +8294,49 @@
                       <a:rPr lang="en-US" b="0" i="1" smtClean="0">
                         <a:latin typeface="Cambria Math" panose="02040503050406030204" pitchFamily="18" charset="0"/>
                       </a:rPr>
-                      <m:t>                                                </m:t>
+                      <m:t>                                           </m:t>
                     </m:r>
                     <m:r>
                       <a:rPr lang="en-US" b="0" i="1" smtClean="0">
+                        <a:highlight>
+                          <a:srgbClr val="FFFF00"/>
+                        </a:highlight>
+                        <a:latin typeface="Cambria Math" panose="02040503050406030204" pitchFamily="18" charset="0"/>
+                      </a:rPr>
+                      <m:t>     </m:t>
+                    </m:r>
+                    <m:r>
+                      <a:rPr lang="en-US" b="0" i="1" smtClean="0">
+                        <a:highlight>
+                          <a:srgbClr val="FFFF00"/>
+                        </a:highlight>
                         <a:latin typeface="Cambria Math" panose="02040503050406030204" pitchFamily="18" charset="0"/>
                       </a:rPr>
                       <m:t>𝑀</m:t>
                     </m:r>
                     <m:r>
                       <a:rPr lang="en-US" b="0" i="1" smtClean="0">
+                        <a:highlight>
+                          <a:srgbClr val="FFFF00"/>
+                        </a:highlight>
                         <a:latin typeface="Cambria Math" panose="02040503050406030204" pitchFamily="18" charset="0"/>
                       </a:rPr>
                       <m:t>=</m:t>
                     </m:r>
                     <m:r>
                       <a:rPr lang="en-US" b="0" i="1" smtClean="0">
+                        <a:highlight>
+                          <a:srgbClr val="FFFF00"/>
+                        </a:highlight>
                         <a:latin typeface="Cambria Math" panose="02040503050406030204" pitchFamily="18" charset="0"/>
                       </a:rPr>
                       <m:t>𝑎𝑀</m:t>
                     </m:r>
                     <m:r>
                       <a:rPr lang="en-US" b="0" i="1" smtClean="0">
+                        <a:highlight>
+                          <a:srgbClr val="FFFF00"/>
+                        </a:highlight>
                         <a:latin typeface="Cambria Math" panose="02040503050406030204" pitchFamily="18" charset="0"/>
                       </a:rPr>
                       <m:t>′</m:t>
@@ -8354,7 +8512,24 @@
                 <a:latin typeface="Times New Roman" panose="02020503050405090304" pitchFamily="18" charset="0"/>
                 <a:cs typeface="Times New Roman" panose="02020503050405090304" pitchFamily="18" charset="0"/>
               </a:rPr>
-              <a:t>absolute scale is the most restrictive of </a:t>
+              <a:t>absolute scale is the </a:t>
+            </a:r>
+            <a:r>
+              <a:rPr lang="en-US" sz="2400" dirty="0">
+                <a:highlight>
+                  <a:srgbClr val="FFFF00"/>
+                </a:highlight>
+                <a:latin typeface="Times New Roman" panose="02020503050405090304" pitchFamily="18" charset="0"/>
+                <a:cs typeface="Times New Roman" panose="02020503050405090304" pitchFamily="18" charset="0"/>
+              </a:rPr>
+              <a:t>most restrictive</a:t>
+            </a:r>
+            <a:r>
+              <a:rPr lang="en-US" sz="2400" dirty="0">
+                <a:latin typeface="Times New Roman" panose="02020503050405090304" pitchFamily="18" charset="0"/>
+                <a:cs typeface="Times New Roman" panose="02020503050405090304" pitchFamily="18" charset="0"/>
+              </a:rPr>
+              <a:t> of </a:t>
             </a:r>
             <a:r>
               <a:rPr lang="en-US" sz="2400" dirty="0" smtClean="0">
@@ -8407,12 +8582,18 @@
             </a:r>
             <a:r>
               <a:rPr lang="en-US" sz="2400" i="1" dirty="0">
+                <a:highlight>
+                  <a:srgbClr val="FFFF00"/>
+                </a:highlight>
                 <a:latin typeface="Times New Roman" panose="02020503050405090304" pitchFamily="18" charset="0"/>
                 <a:cs typeface="Times New Roman" panose="02020503050405090304" pitchFamily="18" charset="0"/>
               </a:rPr>
               <a:t>the identity transformation.</a:t>
             </a:r>
             <a:endParaRPr lang="en-US" sz="2400" i="1" dirty="0">
+              <a:highlight>
+                <a:srgbClr val="FFFF00"/>
+              </a:highlight>
               <a:latin typeface="Times New Roman" panose="02020503050405090304" pitchFamily="18" charset="0"/>
               <a:cs typeface="Times New Roman" panose="02020503050405090304" pitchFamily="18" charset="0"/>
             </a:endParaRPr>
